--- a/Clustering_Scikit_Learn.pptx
+++ b/Clustering_Scikit_Learn.pptx
@@ -279,7 +279,7 @@
           <a:p>
             <a:fld id="{59667570-53A1-459B-AA66-F38DF90E72D9}" type="datetimeFigureOut">
               <a:rPr lang="de-DE" smtClean="0"/>
-              <a:t>20.11.2022</a:t>
+              <a:t>21.11.2022</a:t>
             </a:fld>
             <a:endParaRPr lang="de-DE" dirty="0"/>
           </a:p>
@@ -501,7 +501,7 @@
           <a:p>
             <a:fld id="{59667570-53A1-459B-AA66-F38DF90E72D9}" type="datetimeFigureOut">
               <a:rPr lang="de-DE" smtClean="0"/>
-              <a:t>20.11.2022</a:t>
+              <a:t>21.11.2022</a:t>
             </a:fld>
             <a:endParaRPr lang="de-DE"/>
           </a:p>
@@ -709,7 +709,7 @@
           <a:p>
             <a:fld id="{59667570-53A1-459B-AA66-F38DF90E72D9}" type="datetimeFigureOut">
               <a:rPr lang="de-DE" smtClean="0"/>
-              <a:t>20.11.2022</a:t>
+              <a:t>21.11.2022</a:t>
             </a:fld>
             <a:endParaRPr lang="de-DE"/>
           </a:p>
@@ -907,7 +907,7 @@
           <a:p>
             <a:fld id="{59667570-53A1-459B-AA66-F38DF90E72D9}" type="datetimeFigureOut">
               <a:rPr lang="de-DE" smtClean="0"/>
-              <a:t>20.11.2022</a:t>
+              <a:t>21.11.2022</a:t>
             </a:fld>
             <a:endParaRPr lang="de-DE"/>
           </a:p>
@@ -1206,7 +1206,7 @@
           <a:p>
             <a:fld id="{59667570-53A1-459B-AA66-F38DF90E72D9}" type="datetimeFigureOut">
               <a:rPr lang="de-DE" smtClean="0"/>
-              <a:t>20.11.2022</a:t>
+              <a:t>21.11.2022</a:t>
             </a:fld>
             <a:endParaRPr lang="de-DE" dirty="0"/>
           </a:p>
@@ -1479,7 +1479,7 @@
           <a:p>
             <a:fld id="{59667570-53A1-459B-AA66-F38DF90E72D9}" type="datetimeFigureOut">
               <a:rPr lang="de-DE" smtClean="0"/>
-              <a:t>20.11.2022</a:t>
+              <a:t>21.11.2022</a:t>
             </a:fld>
             <a:endParaRPr lang="de-DE"/>
           </a:p>
@@ -1891,7 +1891,7 @@
           <a:p>
             <a:fld id="{59667570-53A1-459B-AA66-F38DF90E72D9}" type="datetimeFigureOut">
               <a:rPr lang="de-DE" smtClean="0"/>
-              <a:t>20.11.2022</a:t>
+              <a:t>21.11.2022</a:t>
             </a:fld>
             <a:endParaRPr lang="de-DE"/>
           </a:p>
@@ -2032,7 +2032,7 @@
           <a:p>
             <a:fld id="{59667570-53A1-459B-AA66-F38DF90E72D9}" type="datetimeFigureOut">
               <a:rPr lang="de-DE" smtClean="0"/>
-              <a:t>20.11.2022</a:t>
+              <a:t>21.11.2022</a:t>
             </a:fld>
             <a:endParaRPr lang="de-DE"/>
           </a:p>
@@ -2145,7 +2145,7 @@
           <a:p>
             <a:fld id="{59667570-53A1-459B-AA66-F38DF90E72D9}" type="datetimeFigureOut">
               <a:rPr lang="de-DE" smtClean="0"/>
-              <a:t>20.11.2022</a:t>
+              <a:t>21.11.2022</a:t>
             </a:fld>
             <a:endParaRPr lang="de-DE"/>
           </a:p>
@@ -2456,7 +2456,7 @@
           <a:p>
             <a:fld id="{59667570-53A1-459B-AA66-F38DF90E72D9}" type="datetimeFigureOut">
               <a:rPr lang="de-DE" smtClean="0"/>
-              <a:t>20.11.2022</a:t>
+              <a:t>21.11.2022</a:t>
             </a:fld>
             <a:endParaRPr lang="de-DE"/>
           </a:p>
@@ -2744,7 +2744,7 @@
           <a:p>
             <a:fld id="{59667570-53A1-459B-AA66-F38DF90E72D9}" type="datetimeFigureOut">
               <a:rPr lang="de-DE" smtClean="0"/>
-              <a:t>20.11.2022</a:t>
+              <a:t>21.11.2022</a:t>
             </a:fld>
             <a:endParaRPr lang="de-DE"/>
           </a:p>
@@ -4388,7 +4388,7 @@
               </a:lnSpc>
             </a:pPr>
             <a:r>
-              <a:rPr lang="de-DE" sz="2000" dirty="0" err="1">
+              <a:rPr lang="de-DE" sz="2000" dirty="0">
                 <a:solidFill>
                   <a:schemeClr val="tx1">
                     <a:lumMod val="85000"/>
@@ -4396,7 +4396,72 @@
                   </a:schemeClr>
                 </a:solidFill>
               </a:rPr>
-              <a:t>Lorem</a:t>
+              <a:t>Anzahl Features (d): &gt; 2</a:t>
+            </a:r>
+          </a:p>
+          <a:p>
+            <a:pPr>
+              <a:lnSpc>
+                <a:spcPct val="200000"/>
+              </a:lnSpc>
+            </a:pPr>
+            <a:r>
+              <a:rPr lang="de-DE" sz="2000" dirty="0">
+                <a:solidFill>
+                  <a:schemeClr val="tx1">
+                    <a:lumMod val="85000"/>
+                    <a:lumOff val="15000"/>
+                  </a:schemeClr>
+                </a:solidFill>
+              </a:rPr>
+              <a:t>Hyperparameter-Tuning</a:t>
+            </a:r>
+          </a:p>
+          <a:p>
+            <a:pPr>
+              <a:lnSpc>
+                <a:spcPct val="200000"/>
+              </a:lnSpc>
+            </a:pPr>
+            <a:r>
+              <a:rPr lang="de-DE" sz="2000" dirty="0">
+                <a:solidFill>
+                  <a:schemeClr val="tx1">
+                    <a:lumMod val="85000"/>
+                    <a:lumOff val="15000"/>
+                  </a:schemeClr>
+                </a:solidFill>
+              </a:rPr>
+              <a:t>Bias</a:t>
+            </a:r>
+          </a:p>
+          <a:p>
+            <a:pPr>
+              <a:lnSpc>
+                <a:spcPct val="200000"/>
+              </a:lnSpc>
+            </a:pPr>
+            <a:r>
+              <a:rPr lang="de-DE" sz="2000" dirty="0">
+                <a:solidFill>
+                  <a:schemeClr val="tx1">
+                    <a:lumMod val="85000"/>
+                    <a:lumOff val="15000"/>
+                  </a:schemeClr>
+                </a:solidFill>
+              </a:rPr>
+              <a:t>Over- &amp; </a:t>
+            </a:r>
+            <a:r>
+              <a:rPr lang="de-DE" sz="2000" dirty="0" err="1">
+                <a:solidFill>
+                  <a:schemeClr val="tx1">
+                    <a:lumMod val="85000"/>
+                    <a:lumOff val="15000"/>
+                  </a:schemeClr>
+                </a:solidFill>
+              </a:rPr>
+              <a:t>Underfitting</a:t>
             </a:r>
             <a:endParaRPr lang="de-DE" sz="2000" dirty="0">
               <a:solidFill>
@@ -4406,6 +4471,24 @@
                 </a:schemeClr>
               </a:solidFill>
             </a:endParaRPr>
+          </a:p>
+          <a:p>
+            <a:pPr>
+              <a:lnSpc>
+                <a:spcPct val="200000"/>
+              </a:lnSpc>
+            </a:pPr>
+            <a:r>
+              <a:rPr lang="de-DE" sz="2000" dirty="0">
+                <a:solidFill>
+                  <a:schemeClr val="tx1">
+                    <a:lumMod val="85000"/>
+                    <a:lumOff val="15000"/>
+                  </a:schemeClr>
+                </a:solidFill>
+              </a:rPr>
+              <a:t>Vergleich der unterschiedlichen Cluster-Scores</a:t>
+            </a:r>
           </a:p>
         </p:txBody>
       </p:sp>
@@ -5721,7 +5804,7 @@
               </a:lnSpc>
             </a:pPr>
             <a:r>
-              <a:rPr lang="de-DE" sz="2000" dirty="0" err="1">
+              <a:rPr lang="de-DE" sz="2000" dirty="0">
                 <a:solidFill>
                   <a:schemeClr val="tx1">
                     <a:lumMod val="85000"/>
@@ -5729,16 +5812,109 @@
                   </a:schemeClr>
                 </a:solidFill>
               </a:rPr>
-              <a:t>Lorem</a:t>
-            </a:r>
-            <a:endParaRPr lang="de-DE" sz="2000" dirty="0">
-              <a:solidFill>
-                <a:schemeClr val="tx1">
-                  <a:lumMod val="85000"/>
-                  <a:lumOff val="15000"/>
-                </a:schemeClr>
-              </a:solidFill>
-            </a:endParaRPr>
+              <a:t>Verfahren des </a:t>
+            </a:r>
+            <a:r>
+              <a:rPr lang="de-DE" sz="2000" u="sng" dirty="0">
+                <a:solidFill>
+                  <a:srgbClr val="E30019"/>
+                </a:solidFill>
+              </a:rPr>
+              <a:t>maschinellen Lernens</a:t>
+            </a:r>
+          </a:p>
+          <a:p>
+            <a:pPr>
+              <a:lnSpc>
+                <a:spcPct val="200000"/>
+              </a:lnSpc>
+            </a:pPr>
+            <a:r>
+              <a:rPr lang="de-DE" sz="2000" dirty="0">
+                <a:solidFill>
+                  <a:schemeClr val="tx1">
+                    <a:lumMod val="85000"/>
+                    <a:lumOff val="15000"/>
+                  </a:schemeClr>
+                </a:solidFill>
+              </a:rPr>
+              <a:t>In einer Menge von </a:t>
+            </a:r>
+            <a:r>
+              <a:rPr lang="de-DE" sz="2000" b="1" dirty="0">
+                <a:solidFill>
+                  <a:srgbClr val="E30019"/>
+                </a:solidFill>
+              </a:rPr>
+              <a:t>Daten</a:t>
+            </a:r>
+            <a:r>
+              <a:rPr lang="de-DE" sz="2000" dirty="0">
+                <a:solidFill>
+                  <a:schemeClr val="tx1">
+                    <a:lumMod val="85000"/>
+                    <a:lumOff val="15000"/>
+                  </a:schemeClr>
+                </a:solidFill>
+              </a:rPr>
+              <a:t> „ähnliche “ </a:t>
+            </a:r>
+            <a:r>
+              <a:rPr lang="de-DE" sz="2000" b="1" dirty="0">
+                <a:solidFill>
+                  <a:srgbClr val="E30019"/>
+                </a:solidFill>
+              </a:rPr>
+              <a:t>Gruppierungen (Cluster) </a:t>
+            </a:r>
+            <a:r>
+              <a:rPr lang="de-DE" sz="2000" dirty="0">
+                <a:solidFill>
+                  <a:schemeClr val="tx1">
+                    <a:lumMod val="85000"/>
+                    <a:lumOff val="15000"/>
+                  </a:schemeClr>
+                </a:solidFill>
+              </a:rPr>
+              <a:t>erkennen</a:t>
+            </a:r>
+          </a:p>
+          <a:p>
+            <a:pPr>
+              <a:lnSpc>
+                <a:spcPct val="200000"/>
+              </a:lnSpc>
+            </a:pPr>
+            <a:r>
+              <a:rPr lang="de-DE" sz="2000" dirty="0">
+                <a:solidFill>
+                  <a:schemeClr val="tx1">
+                    <a:lumMod val="85000"/>
+                    <a:lumOff val="15000"/>
+                  </a:schemeClr>
+                </a:solidFill>
+              </a:rPr>
+              <a:t>Einsatz unterschiedlicher </a:t>
+            </a:r>
+            <a:r>
+              <a:rPr lang="de-DE" sz="2000" b="1" dirty="0">
+                <a:solidFill>
+                  <a:srgbClr val="E30019"/>
+                </a:solidFill>
+              </a:rPr>
+              <a:t>Algorithmen</a:t>
+            </a:r>
+            <a:r>
+              <a:rPr lang="de-DE" sz="2000" dirty="0">
+                <a:solidFill>
+                  <a:schemeClr val="tx1">
+                    <a:lumMod val="85000"/>
+                    <a:lumOff val="15000"/>
+                  </a:schemeClr>
+                </a:solidFill>
+              </a:rPr>
+              <a:t> zur Bildung der Cluster</a:t>
+            </a:r>
           </a:p>
         </p:txBody>
       </p:sp>
@@ -6321,7 +6497,15 @@
               </a:lnSpc>
             </a:pPr>
             <a:r>
-              <a:rPr lang="de-DE" sz="2000" dirty="0" err="1">
+              <a:rPr lang="de-DE" sz="2000" b="1" dirty="0">
+                <a:solidFill>
+                  <a:srgbClr val="E30019"/>
+                </a:solidFill>
+              </a:rPr>
+              <a:t>Raumklima</a:t>
+            </a:r>
+            <a:r>
+              <a:rPr lang="de-DE" sz="2000" dirty="0">
                 <a:solidFill>
                   <a:schemeClr val="tx1">
                     <a:lumMod val="85000"/>
@@ -6329,16 +6513,127 @@
                   </a:schemeClr>
                 </a:solidFill>
               </a:rPr>
-              <a:t>Lorem</a:t>
-            </a:r>
-            <a:endParaRPr lang="de-DE" sz="2000" dirty="0">
-              <a:solidFill>
-                <a:schemeClr val="tx1">
-                  <a:lumMod val="85000"/>
-                  <a:lumOff val="15000"/>
-                </a:schemeClr>
-              </a:solidFill>
-            </a:endParaRPr>
+              <a:t>-Datensatz</a:t>
+            </a:r>
+          </a:p>
+          <a:p>
+            <a:pPr>
+              <a:lnSpc>
+                <a:spcPct val="200000"/>
+              </a:lnSpc>
+            </a:pPr>
+            <a:r>
+              <a:rPr lang="de-DE" sz="2000" dirty="0">
+                <a:solidFill>
+                  <a:schemeClr val="tx1">
+                    <a:lumMod val="85000"/>
+                    <a:lumOff val="15000"/>
+                  </a:schemeClr>
+                </a:solidFill>
+              </a:rPr>
+              <a:t>15 Messungen mit </a:t>
+            </a:r>
+            <a:r>
+              <a:rPr lang="de-DE" sz="2000" u="sng" dirty="0">
+                <a:solidFill>
+                  <a:srgbClr val="E30019"/>
+                </a:solidFill>
+              </a:rPr>
+              <a:t>Temperatur</a:t>
+            </a:r>
+            <a:r>
+              <a:rPr lang="de-DE" sz="2000" dirty="0">
+                <a:solidFill>
+                  <a:schemeClr val="tx1">
+                    <a:lumMod val="85000"/>
+                    <a:lumOff val="15000"/>
+                  </a:schemeClr>
+                </a:solidFill>
+              </a:rPr>
+              <a:t> (°C) und </a:t>
+            </a:r>
+            <a:r>
+              <a:rPr lang="de-DE" sz="2000" u="sng" dirty="0">
+                <a:solidFill>
+                  <a:srgbClr val="E30019"/>
+                </a:solidFill>
+              </a:rPr>
+              <a:t>Luftfeuchtigkeit</a:t>
+            </a:r>
+            <a:r>
+              <a:rPr lang="de-DE" sz="2000" dirty="0">
+                <a:solidFill>
+                  <a:schemeClr val="tx1">
+                    <a:lumMod val="85000"/>
+                    <a:lumOff val="15000"/>
+                  </a:schemeClr>
+                </a:solidFill>
+              </a:rPr>
+              <a:t> (%)</a:t>
+            </a:r>
+          </a:p>
+          <a:p>
+            <a:pPr>
+              <a:lnSpc>
+                <a:spcPct val="200000"/>
+              </a:lnSpc>
+            </a:pPr>
+            <a:r>
+              <a:rPr lang="de-DE" sz="2000" dirty="0">
+                <a:solidFill>
+                  <a:schemeClr val="tx1">
+                    <a:lumMod val="85000"/>
+                    <a:lumOff val="15000"/>
+                  </a:schemeClr>
+                </a:solidFill>
+              </a:rPr>
+              <a:t>Unterschiedliche Kombinationen und damit </a:t>
+            </a:r>
+            <a:r>
+              <a:rPr lang="de-DE" sz="2000" u="sng" dirty="0">
+                <a:solidFill>
+                  <a:srgbClr val="E30019"/>
+                </a:solidFill>
+              </a:rPr>
+              <a:t>Klima-Arten</a:t>
+            </a:r>
+          </a:p>
+          <a:p>
+            <a:pPr>
+              <a:lnSpc>
+                <a:spcPct val="200000"/>
+              </a:lnSpc>
+            </a:pPr>
+            <a:r>
+              <a:rPr lang="de-DE" sz="2000" dirty="0">
+                <a:solidFill>
+                  <a:schemeClr val="tx1">
+                    <a:lumMod val="85000"/>
+                    <a:lumOff val="15000"/>
+                  </a:schemeClr>
+                </a:solidFill>
+              </a:rPr>
+              <a:t>Gibt es ein </a:t>
+            </a:r>
+            <a:r>
+              <a:rPr lang="de-DE" sz="2000" b="1" dirty="0">
+                <a:solidFill>
+                  <a:srgbClr val="E30019"/>
+                </a:solidFill>
+              </a:rPr>
+              <a:t>optimales Klima</a:t>
+            </a:r>
+            <a:r>
+              <a:rPr lang="de-DE" sz="2000" dirty="0">
+                <a:solidFill>
+                  <a:schemeClr val="tx1">
+                    <a:lumMod val="85000"/>
+                    <a:lumOff val="15000"/>
+                  </a:schemeClr>
+                </a:solidFill>
+              </a:rPr>
+              <a:t>?</a:t>
+            </a:r>
           </a:p>
         </p:txBody>
       </p:sp>
@@ -6921,7 +7216,7 @@
               </a:lnSpc>
             </a:pPr>
             <a:r>
-              <a:rPr lang="de-DE" sz="2000" dirty="0">
+              <a:rPr lang="de-DE" sz="2000" u="sng" dirty="0">
                 <a:solidFill>
                   <a:schemeClr val="tx1">
                     <a:lumMod val="85000"/>
@@ -6929,15 +7224,8 @@
                   </a:schemeClr>
                 </a:solidFill>
               </a:rPr>
-              <a:t>In der Regel: Metriken anpassen, Umgang Nullwerte, …</a:t>
-            </a:r>
-          </a:p>
-          <a:p>
-            <a:pPr>
-              <a:lnSpc>
-                <a:spcPct val="200000"/>
-              </a:lnSpc>
-            </a:pPr>
+              <a:t>In der Regel:</a:t>
+            </a:r>
             <a:r>
               <a:rPr lang="de-DE" sz="2000" dirty="0">
                 <a:solidFill>
@@ -6947,11 +7235,584 @@
                   </a:schemeClr>
                 </a:solidFill>
               </a:rPr>
-              <a:t>In diesem Fall: Nicht notwendig</a:t>
-            </a:r>
-          </a:p>
-        </p:txBody>
-      </p:sp>
+              <a:t> </a:t>
+            </a:r>
+            <a:r>
+              <a:rPr lang="de-DE" sz="2000" b="1" dirty="0">
+                <a:solidFill>
+                  <a:srgbClr val="FF0000"/>
+                </a:solidFill>
+              </a:rPr>
+              <a:t>Dubletten</a:t>
+            </a:r>
+            <a:r>
+              <a:rPr lang="de-DE" sz="2000" dirty="0">
+                <a:solidFill>
+                  <a:schemeClr val="tx1">
+                    <a:lumMod val="85000"/>
+                    <a:lumOff val="15000"/>
+                  </a:schemeClr>
+                </a:solidFill>
+              </a:rPr>
+              <a:t> entfernen, </a:t>
+            </a:r>
+            <a:r>
+              <a:rPr lang="de-DE" sz="2000" b="1" dirty="0">
+                <a:solidFill>
+                  <a:srgbClr val="FF0000"/>
+                </a:solidFill>
+              </a:rPr>
+              <a:t>Metriken</a:t>
+            </a:r>
+            <a:r>
+              <a:rPr lang="de-DE" sz="2000" dirty="0">
+                <a:solidFill>
+                  <a:schemeClr val="tx1">
+                    <a:lumMod val="85000"/>
+                    <a:lumOff val="15000"/>
+                  </a:schemeClr>
+                </a:solidFill>
+              </a:rPr>
+              <a:t> anpassen, Umgang </a:t>
+            </a:r>
+            <a:r>
+              <a:rPr lang="de-DE" sz="2000" b="1" dirty="0">
+                <a:solidFill>
+                  <a:srgbClr val="FF0000"/>
+                </a:solidFill>
+              </a:rPr>
+              <a:t>Nullwerte</a:t>
+            </a:r>
+            <a:r>
+              <a:rPr lang="de-DE" sz="2000" dirty="0">
+                <a:solidFill>
+                  <a:schemeClr val="tx1">
+                    <a:lumMod val="85000"/>
+                    <a:lumOff val="15000"/>
+                  </a:schemeClr>
+                </a:solidFill>
+              </a:rPr>
+              <a:t>, usw.</a:t>
+            </a:r>
+          </a:p>
+          <a:p>
+            <a:pPr>
+              <a:lnSpc>
+                <a:spcPct val="200000"/>
+              </a:lnSpc>
+            </a:pPr>
+            <a:r>
+              <a:rPr lang="de-DE" sz="2000" u="sng" dirty="0">
+                <a:solidFill>
+                  <a:schemeClr val="tx1">
+                    <a:lumMod val="85000"/>
+                    <a:lumOff val="15000"/>
+                  </a:schemeClr>
+                </a:solidFill>
+              </a:rPr>
+              <a:t>In diesem Fall:</a:t>
+            </a:r>
+            <a:r>
+              <a:rPr lang="de-DE" sz="2000" dirty="0">
+                <a:solidFill>
+                  <a:schemeClr val="tx1">
+                    <a:lumMod val="85000"/>
+                    <a:lumOff val="15000"/>
+                  </a:schemeClr>
+                </a:solidFill>
+              </a:rPr>
+              <a:t> Nicht notwendig</a:t>
+            </a:r>
+          </a:p>
+        </p:txBody>
+      </p:sp>
+      <p:graphicFrame>
+        <p:nvGraphicFramePr>
+          <p:cNvPr id="3" name="Tabelle 3">
+            <a:extLst>
+              <a:ext uri="{FF2B5EF4-FFF2-40B4-BE49-F238E27FC236}">
+                <a16:creationId xmlns:a16="http://schemas.microsoft.com/office/drawing/2014/main" id="{63BA5B38-3645-900D-DAAD-993F03F292BE}"/>
+              </a:ext>
+            </a:extLst>
+          </p:cNvPr>
+          <p:cNvGraphicFramePr>
+            <a:graphicFrameLocks noGrp="1"/>
+          </p:cNvGraphicFramePr>
+          <p:nvPr>
+            <p:extLst>
+              <p:ext uri="{D42A27DB-BD31-4B8C-83A1-F6EECF244321}">
+                <p14:modId xmlns:p14="http://schemas.microsoft.com/office/powerpoint/2010/main" val="3553829922"/>
+              </p:ext>
+            </p:extLst>
+          </p:nvPr>
+        </p:nvGraphicFramePr>
+        <p:xfrm>
+          <a:off x="5114626" y="2519680"/>
+          <a:ext cx="4997572" cy="3073400"/>
+        </p:xfrm>
+        <a:graphic>
+          <a:graphicData uri="http://schemas.openxmlformats.org/drawingml/2006/table">
+            <a:tbl>
+              <a:tblPr firstRow="1" bandRow="1">
+                <a:tableStyleId>{073A0DAA-6AF3-43AB-8588-CEC1D06C72B9}</a:tableStyleId>
+              </a:tblPr>
+              <a:tblGrid>
+                <a:gridCol w="2498786">
+                  <a:extLst>
+                    <a:ext uri="{9D8B030D-6E8A-4147-A177-3AD203B41FA5}">
+                      <a16:colId xmlns:a16="http://schemas.microsoft.com/office/drawing/2014/main" val="2221039887"/>
+                    </a:ext>
+                  </a:extLst>
+                </a:gridCol>
+                <a:gridCol w="2498786">
+                  <a:extLst>
+                    <a:ext uri="{9D8B030D-6E8A-4147-A177-3AD203B41FA5}">
+                      <a16:colId xmlns:a16="http://schemas.microsoft.com/office/drawing/2014/main" val="2599814503"/>
+                    </a:ext>
+                  </a:extLst>
+                </a:gridCol>
+              </a:tblGrid>
+              <a:tr h="217571">
+                <a:tc>
+                  <a:txBody>
+                    <a:bodyPr/>
+                    <a:lstStyle/>
+                    <a:p>
+                      <a:pPr algn="ctr" fontAlgn="ctr"/>
+                      <a:r>
+                        <a:rPr lang="de-DE" sz="1500" dirty="0">
+                          <a:effectLst/>
+                        </a:rPr>
+                        <a:t>Feuchte (in %)</a:t>
+                      </a:r>
+                    </a:p>
+                  </a:txBody>
+                  <a:tcPr marL="50800" marR="50800" marT="25400" marB="25400" anchor="ctr">
+                    <a:solidFill>
+                      <a:srgbClr val="E30019"/>
+                    </a:solidFill>
+                  </a:tcPr>
+                </a:tc>
+                <a:tc>
+                  <a:txBody>
+                    <a:bodyPr/>
+                    <a:lstStyle/>
+                    <a:p>
+                      <a:pPr algn="ctr" fontAlgn="ctr"/>
+                      <a:r>
+                        <a:rPr lang="de-DE" sz="1500" dirty="0">
+                          <a:effectLst/>
+                        </a:rPr>
+                        <a:t>Temperatur (in °C)</a:t>
+                      </a:r>
+                    </a:p>
+                  </a:txBody>
+                  <a:tcPr marL="50800" marR="50800" marT="25400" marB="25400" anchor="ctr">
+                    <a:solidFill>
+                      <a:srgbClr val="E30019"/>
+                    </a:solidFill>
+                  </a:tcPr>
+                </a:tc>
+                <a:extLst>
+                  <a:ext uri="{0D108BD9-81ED-4DB2-BD59-A6C34878D82A}">
+                    <a16:rowId xmlns:a16="http://schemas.microsoft.com/office/drawing/2014/main" val="3345817764"/>
+                  </a:ext>
+                </a:extLst>
+              </a:tr>
+              <a:tr h="217571">
+                <a:tc>
+                  <a:txBody>
+                    <a:bodyPr/>
+                    <a:lstStyle/>
+                    <a:p>
+                      <a:pPr algn="ctr"/>
+                      <a:r>
+                        <a:rPr lang="de-DE" sz="1500">
+                          <a:effectLst/>
+                        </a:rPr>
+                        <a:t>42</a:t>
+                      </a:r>
+                    </a:p>
+                  </a:txBody>
+                  <a:tcPr marL="50800" marR="50800" marT="25400" marB="25400" anchor="ctr"/>
+                </a:tc>
+                <a:tc>
+                  <a:txBody>
+                    <a:bodyPr/>
+                    <a:lstStyle/>
+                    <a:p>
+                      <a:pPr algn="ctr"/>
+                      <a:r>
+                        <a:rPr lang="de-DE" sz="1500">
+                          <a:effectLst/>
+                        </a:rPr>
+                        <a:t>21</a:t>
+                      </a:r>
+                    </a:p>
+                  </a:txBody>
+                  <a:tcPr marL="50800" marR="50800" marT="25400" marB="25400" anchor="ctr"/>
+                </a:tc>
+                <a:extLst>
+                  <a:ext uri="{0D108BD9-81ED-4DB2-BD59-A6C34878D82A}">
+                    <a16:rowId xmlns:a16="http://schemas.microsoft.com/office/drawing/2014/main" val="4042259133"/>
+                  </a:ext>
+                </a:extLst>
+              </a:tr>
+              <a:tr h="217571">
+                <a:tc>
+                  <a:txBody>
+                    <a:bodyPr/>
+                    <a:lstStyle/>
+                    <a:p>
+                      <a:pPr algn="ctr"/>
+                      <a:r>
+                        <a:rPr lang="de-DE" sz="1500">
+                          <a:effectLst/>
+                        </a:rPr>
+                        <a:t>45</a:t>
+                      </a:r>
+                    </a:p>
+                  </a:txBody>
+                  <a:tcPr marL="50800" marR="50800" marT="25400" marB="25400" anchor="ctr"/>
+                </a:tc>
+                <a:tc>
+                  <a:txBody>
+                    <a:bodyPr/>
+                    <a:lstStyle/>
+                    <a:p>
+                      <a:pPr algn="ctr"/>
+                      <a:r>
+                        <a:rPr lang="de-DE" sz="1500">
+                          <a:effectLst/>
+                        </a:rPr>
+                        <a:t>19</a:t>
+                      </a:r>
+                    </a:p>
+                  </a:txBody>
+                  <a:tcPr marL="50800" marR="50800" marT="25400" marB="25400" anchor="ctr"/>
+                </a:tc>
+                <a:extLst>
+                  <a:ext uri="{0D108BD9-81ED-4DB2-BD59-A6C34878D82A}">
+                    <a16:rowId xmlns:a16="http://schemas.microsoft.com/office/drawing/2014/main" val="3329224589"/>
+                  </a:ext>
+                </a:extLst>
+              </a:tr>
+              <a:tr h="217571">
+                <a:tc>
+                  <a:txBody>
+                    <a:bodyPr/>
+                    <a:lstStyle/>
+                    <a:p>
+                      <a:pPr algn="ctr"/>
+                      <a:r>
+                        <a:rPr lang="de-DE" sz="1500">
+                          <a:effectLst/>
+                        </a:rPr>
+                        <a:t>52</a:t>
+                      </a:r>
+                    </a:p>
+                  </a:txBody>
+                  <a:tcPr marL="50800" marR="50800" marT="25400" marB="25400" anchor="ctr"/>
+                </a:tc>
+                <a:tc>
+                  <a:txBody>
+                    <a:bodyPr/>
+                    <a:lstStyle/>
+                    <a:p>
+                      <a:pPr algn="ctr"/>
+                      <a:r>
+                        <a:rPr lang="de-DE" sz="1500">
+                          <a:effectLst/>
+                        </a:rPr>
+                        <a:t>19</a:t>
+                      </a:r>
+                    </a:p>
+                  </a:txBody>
+                  <a:tcPr marL="50800" marR="50800" marT="25400" marB="25400" anchor="ctr"/>
+                </a:tc>
+                <a:extLst>
+                  <a:ext uri="{0D108BD9-81ED-4DB2-BD59-A6C34878D82A}">
+                    <a16:rowId xmlns:a16="http://schemas.microsoft.com/office/drawing/2014/main" val="828816034"/>
+                  </a:ext>
+                </a:extLst>
+              </a:tr>
+              <a:tr h="217571">
+                <a:tc>
+                  <a:txBody>
+                    <a:bodyPr/>
+                    <a:lstStyle/>
+                    <a:p>
+                      <a:pPr algn="ctr"/>
+                      <a:r>
+                        <a:rPr lang="de-DE" sz="1500">
+                          <a:effectLst/>
+                        </a:rPr>
+                        <a:t>55</a:t>
+                      </a:r>
+                    </a:p>
+                  </a:txBody>
+                  <a:tcPr marL="50800" marR="50800" marT="25400" marB="25400" anchor="ctr"/>
+                </a:tc>
+                <a:tc>
+                  <a:txBody>
+                    <a:bodyPr/>
+                    <a:lstStyle/>
+                    <a:p>
+                      <a:pPr algn="ctr"/>
+                      <a:r>
+                        <a:rPr lang="de-DE" sz="1500">
+                          <a:effectLst/>
+                        </a:rPr>
+                        <a:t>21</a:t>
+                      </a:r>
+                    </a:p>
+                  </a:txBody>
+                  <a:tcPr marL="50800" marR="50800" marT="25400" marB="25400" anchor="ctr"/>
+                </a:tc>
+                <a:extLst>
+                  <a:ext uri="{0D108BD9-81ED-4DB2-BD59-A6C34878D82A}">
+                    <a16:rowId xmlns:a16="http://schemas.microsoft.com/office/drawing/2014/main" val="2087478695"/>
+                  </a:ext>
+                </a:extLst>
+              </a:tr>
+              <a:tr h="217571">
+                <a:tc>
+                  <a:txBody>
+                    <a:bodyPr/>
+                    <a:lstStyle/>
+                    <a:p>
+                      <a:pPr algn="ctr"/>
+                      <a:r>
+                        <a:rPr lang="de-DE" sz="1500">
+                          <a:effectLst/>
+                        </a:rPr>
+                        <a:t>53</a:t>
+                      </a:r>
+                    </a:p>
+                  </a:txBody>
+                  <a:tcPr marL="50800" marR="50800" marT="25400" marB="25400" anchor="ctr"/>
+                </a:tc>
+                <a:tc>
+                  <a:txBody>
+                    <a:bodyPr/>
+                    <a:lstStyle/>
+                    <a:p>
+                      <a:pPr algn="ctr"/>
+                      <a:r>
+                        <a:rPr lang="de-DE" sz="1500">
+                          <a:effectLst/>
+                        </a:rPr>
+                        <a:t>22</a:t>
+                      </a:r>
+                    </a:p>
+                  </a:txBody>
+                  <a:tcPr marL="50800" marR="50800" marT="25400" marB="25400" anchor="ctr"/>
+                </a:tc>
+                <a:extLst>
+                  <a:ext uri="{0D108BD9-81ED-4DB2-BD59-A6C34878D82A}">
+                    <a16:rowId xmlns:a16="http://schemas.microsoft.com/office/drawing/2014/main" val="2885489644"/>
+                  </a:ext>
+                </a:extLst>
+              </a:tr>
+              <a:tr h="217571">
+                <a:tc>
+                  <a:txBody>
+                    <a:bodyPr/>
+                    <a:lstStyle/>
+                    <a:p>
+                      <a:pPr algn="ctr"/>
+                      <a:r>
+                        <a:rPr lang="de-DE" sz="1500">
+                          <a:effectLst/>
+                        </a:rPr>
+                        <a:t>69</a:t>
+                      </a:r>
+                    </a:p>
+                  </a:txBody>
+                  <a:tcPr marL="50800" marR="50800" marT="25400" marB="25400" anchor="ctr"/>
+                </a:tc>
+                <a:tc>
+                  <a:txBody>
+                    <a:bodyPr/>
+                    <a:lstStyle/>
+                    <a:p>
+                      <a:pPr algn="ctr"/>
+                      <a:r>
+                        <a:rPr lang="de-DE" sz="1500">
+                          <a:effectLst/>
+                        </a:rPr>
+                        <a:t>23</a:t>
+                      </a:r>
+                    </a:p>
+                  </a:txBody>
+                  <a:tcPr marL="50800" marR="50800" marT="25400" marB="25400" anchor="ctr"/>
+                </a:tc>
+                <a:extLst>
+                  <a:ext uri="{0D108BD9-81ED-4DB2-BD59-A6C34878D82A}">
+                    <a16:rowId xmlns:a16="http://schemas.microsoft.com/office/drawing/2014/main" val="180312750"/>
+                  </a:ext>
+                </a:extLst>
+              </a:tr>
+              <a:tr h="217571">
+                <a:tc>
+                  <a:txBody>
+                    <a:bodyPr/>
+                    <a:lstStyle/>
+                    <a:p>
+                      <a:pPr algn="ctr"/>
+                      <a:r>
+                        <a:rPr lang="de-DE" sz="1500">
+                          <a:effectLst/>
+                        </a:rPr>
+                        <a:t>80</a:t>
+                      </a:r>
+                    </a:p>
+                  </a:txBody>
+                  <a:tcPr marL="50800" marR="50800" marT="25400" marB="25400" anchor="ctr"/>
+                </a:tc>
+                <a:tc>
+                  <a:txBody>
+                    <a:bodyPr/>
+                    <a:lstStyle/>
+                    <a:p>
+                      <a:pPr algn="ctr"/>
+                      <a:r>
+                        <a:rPr lang="de-DE" sz="1500">
+                          <a:effectLst/>
+                        </a:rPr>
+                        <a:t>21</a:t>
+                      </a:r>
+                    </a:p>
+                  </a:txBody>
+                  <a:tcPr marL="50800" marR="50800" marT="25400" marB="25400" anchor="ctr"/>
+                </a:tc>
+                <a:extLst>
+                  <a:ext uri="{0D108BD9-81ED-4DB2-BD59-A6C34878D82A}">
+                    <a16:rowId xmlns:a16="http://schemas.microsoft.com/office/drawing/2014/main" val="2040250038"/>
+                  </a:ext>
+                </a:extLst>
+              </a:tr>
+              <a:tr h="217571">
+                <a:tc>
+                  <a:txBody>
+                    <a:bodyPr/>
+                    <a:lstStyle/>
+                    <a:p>
+                      <a:pPr algn="ctr"/>
+                      <a:r>
+                        <a:rPr lang="de-DE" sz="1500">
+                          <a:effectLst/>
+                        </a:rPr>
+                        <a:t>81</a:t>
+                      </a:r>
+                    </a:p>
+                  </a:txBody>
+                  <a:tcPr marL="50800" marR="50800" marT="25400" marB="25400" anchor="ctr"/>
+                </a:tc>
+                <a:tc>
+                  <a:txBody>
+                    <a:bodyPr/>
+                    <a:lstStyle/>
+                    <a:p>
+                      <a:pPr algn="ctr"/>
+                      <a:r>
+                        <a:rPr lang="de-DE" sz="1500">
+                          <a:effectLst/>
+                        </a:rPr>
+                        <a:t>23</a:t>
+                      </a:r>
+                    </a:p>
+                  </a:txBody>
+                  <a:tcPr marL="50800" marR="50800" marT="25400" marB="25400" anchor="ctr"/>
+                </a:tc>
+                <a:extLst>
+                  <a:ext uri="{0D108BD9-81ED-4DB2-BD59-A6C34878D82A}">
+                    <a16:rowId xmlns:a16="http://schemas.microsoft.com/office/drawing/2014/main" val="1792044841"/>
+                  </a:ext>
+                </a:extLst>
+              </a:tr>
+              <a:tr h="217571">
+                <a:tc>
+                  <a:txBody>
+                    <a:bodyPr/>
+                    <a:lstStyle/>
+                    <a:p>
+                      <a:pPr algn="ctr"/>
+                      <a:r>
+                        <a:rPr lang="de-DE" sz="1500">
+                          <a:effectLst/>
+                        </a:rPr>
+                        <a:t>73</a:t>
+                      </a:r>
+                    </a:p>
+                  </a:txBody>
+                  <a:tcPr marL="50800" marR="50800" marT="25400" marB="25400" anchor="ctr"/>
+                </a:tc>
+                <a:tc>
+                  <a:txBody>
+                    <a:bodyPr/>
+                    <a:lstStyle/>
+                    <a:p>
+                      <a:pPr algn="ctr"/>
+                      <a:r>
+                        <a:rPr lang="de-DE" sz="1500">
+                          <a:effectLst/>
+                        </a:rPr>
+                        <a:t>25</a:t>
+                      </a:r>
+                    </a:p>
+                  </a:txBody>
+                  <a:tcPr marL="50800" marR="50800" marT="25400" marB="25400" anchor="ctr"/>
+                </a:tc>
+                <a:extLst>
+                  <a:ext uri="{0D108BD9-81ED-4DB2-BD59-A6C34878D82A}">
+                    <a16:rowId xmlns:a16="http://schemas.microsoft.com/office/drawing/2014/main" val="1112722223"/>
+                  </a:ext>
+                </a:extLst>
+              </a:tr>
+              <a:tr h="217571">
+                <a:tc>
+                  <a:txBody>
+                    <a:bodyPr/>
+                    <a:lstStyle/>
+                    <a:p>
+                      <a:pPr algn="ctr"/>
+                      <a:r>
+                        <a:rPr lang="de-DE" sz="1500" dirty="0">
+                          <a:effectLst/>
+                        </a:rPr>
+                        <a:t>75</a:t>
+                      </a:r>
+                    </a:p>
+                  </a:txBody>
+                  <a:tcPr marL="50800" marR="50800" marT="25400" marB="25400" anchor="ctr"/>
+                </a:tc>
+                <a:tc>
+                  <a:txBody>
+                    <a:bodyPr/>
+                    <a:lstStyle/>
+                    <a:p>
+                      <a:pPr algn="ctr"/>
+                      <a:r>
+                        <a:rPr lang="de-DE" sz="1500" dirty="0">
+                          <a:effectLst/>
+                        </a:rPr>
+                        <a:t>25</a:t>
+                      </a:r>
+                    </a:p>
+                  </a:txBody>
+                  <a:tcPr marL="50800" marR="50800" marT="25400" marB="25400" anchor="ctr"/>
+                </a:tc>
+                <a:extLst>
+                  <a:ext uri="{0D108BD9-81ED-4DB2-BD59-A6C34878D82A}">
+                    <a16:rowId xmlns:a16="http://schemas.microsoft.com/office/drawing/2014/main" val="2107948847"/>
+                  </a:ext>
+                </a:extLst>
+              </a:tr>
+            </a:tbl>
+          </a:graphicData>
+        </a:graphic>
+      </p:graphicFrame>
     </p:spTree>
     <p:extLst>
       <p:ext uri="{BB962C8B-B14F-4D97-AF65-F5344CB8AC3E}">
@@ -7541,12 +8402,73 @@
           </a:p>
         </p:txBody>
       </p:sp>
+      <p:sp>
+        <p:nvSpPr>
+          <p:cNvPr id="2" name="Textfeld 1">
+            <a:extLst>
+              <a:ext uri="{FF2B5EF4-FFF2-40B4-BE49-F238E27FC236}">
+                <a16:creationId xmlns:a16="http://schemas.microsoft.com/office/drawing/2014/main" id="{DC402030-A262-A55C-2834-D01BBCE7AE12}"/>
+              </a:ext>
+            </a:extLst>
+          </p:cNvPr>
+          <p:cNvSpPr txBox="1"/>
+          <p:nvPr/>
+        </p:nvSpPr>
+        <p:spPr>
+          <a:xfrm>
+            <a:off x="10327639" y="5346859"/>
+            <a:ext cx="1524649" cy="246221"/>
+          </a:xfrm>
+          <a:prstGeom prst="rect">
+            <a:avLst/>
+          </a:prstGeom>
+          <a:noFill/>
+        </p:spPr>
+        <p:txBody>
+          <a:bodyPr wrap="square" rtlCol="0">
+            <a:spAutoFit/>
+          </a:bodyPr>
+          <a:lstStyle/>
+          <a:p>
+            <a:r>
+              <a:rPr lang="de-DE" sz="1000" i="1" dirty="0">
+                <a:solidFill>
+                  <a:schemeClr val="tx1">
+                    <a:lumMod val="85000"/>
+                    <a:lumOff val="15000"/>
+                  </a:schemeClr>
+                </a:solidFill>
+              </a:rPr>
+              <a:t>Visualisiert mit </a:t>
+            </a:r>
+            <a:r>
+              <a:rPr lang="de-DE" sz="1000" i="1" dirty="0" err="1">
+                <a:solidFill>
+                  <a:schemeClr val="tx1">
+                    <a:lumMod val="85000"/>
+                    <a:lumOff val="15000"/>
+                  </a:schemeClr>
+                </a:solidFill>
+              </a:rPr>
+              <a:t>Matplotlib</a:t>
+            </a:r>
+            <a:endParaRPr lang="de-DE" sz="1000" i="1" dirty="0">
+              <a:solidFill>
+                <a:schemeClr val="tx1">
+                  <a:lumMod val="85000"/>
+                  <a:lumOff val="15000"/>
+                </a:schemeClr>
+              </a:solidFill>
+            </a:endParaRPr>
+          </a:p>
+        </p:txBody>
+      </p:sp>
       <p:pic>
         <p:nvPicPr>
-          <p:cNvPr id="3" name="Grafik 2">
-            <a:extLst>
-              <a:ext uri="{FF2B5EF4-FFF2-40B4-BE49-F238E27FC236}">
-                <a16:creationId xmlns:a16="http://schemas.microsoft.com/office/drawing/2014/main" id="{1D4EDFB0-782E-7362-92F3-6326934681B4}"/>
+          <p:cNvPr id="5" name="Grafik 4">
+            <a:extLst>
+              <a:ext uri="{FF2B5EF4-FFF2-40B4-BE49-F238E27FC236}">
+                <a16:creationId xmlns:a16="http://schemas.microsoft.com/office/drawing/2014/main" id="{E88B7AEA-C67B-1F03-BB09-AF7D4812DBEA}"/>
               </a:ext>
             </a:extLst>
           </p:cNvPr>
@@ -7563,75 +8485,14 @@
         </p:blipFill>
         <p:spPr>
           <a:xfrm>
-            <a:off x="3644538" y="1634361"/>
-            <a:ext cx="4902922" cy="3958719"/>
+            <a:off x="3640208" y="1634361"/>
+            <a:ext cx="4911583" cy="3958718"/>
           </a:xfrm>
           <a:prstGeom prst="rect">
             <a:avLst/>
           </a:prstGeom>
         </p:spPr>
       </p:pic>
-      <p:sp>
-        <p:nvSpPr>
-          <p:cNvPr id="2" name="Textfeld 1">
-            <a:extLst>
-              <a:ext uri="{FF2B5EF4-FFF2-40B4-BE49-F238E27FC236}">
-                <a16:creationId xmlns:a16="http://schemas.microsoft.com/office/drawing/2014/main" id="{DC402030-A262-A55C-2834-D01BBCE7AE12}"/>
-              </a:ext>
-            </a:extLst>
-          </p:cNvPr>
-          <p:cNvSpPr txBox="1"/>
-          <p:nvPr/>
-        </p:nvSpPr>
-        <p:spPr>
-          <a:xfrm>
-            <a:off x="10327639" y="5346859"/>
-            <a:ext cx="1524649" cy="246221"/>
-          </a:xfrm>
-          <a:prstGeom prst="rect">
-            <a:avLst/>
-          </a:prstGeom>
-          <a:noFill/>
-        </p:spPr>
-        <p:txBody>
-          <a:bodyPr wrap="square" rtlCol="0">
-            <a:spAutoFit/>
-          </a:bodyPr>
-          <a:lstStyle/>
-          <a:p>
-            <a:r>
-              <a:rPr lang="de-DE" sz="1000" i="1" dirty="0">
-                <a:solidFill>
-                  <a:schemeClr val="tx1">
-                    <a:lumMod val="85000"/>
-                    <a:lumOff val="15000"/>
-                  </a:schemeClr>
-                </a:solidFill>
-              </a:rPr>
-              <a:t>Visualisiert mit </a:t>
-            </a:r>
-            <a:r>
-              <a:rPr lang="de-DE" sz="1000" i="1" dirty="0" err="1">
-                <a:solidFill>
-                  <a:schemeClr val="tx1">
-                    <a:lumMod val="85000"/>
-                    <a:lumOff val="15000"/>
-                  </a:schemeClr>
-                </a:solidFill>
-              </a:rPr>
-              <a:t>Matplotlib</a:t>
-            </a:r>
-            <a:endParaRPr lang="de-DE" sz="1000" i="1" dirty="0">
-              <a:solidFill>
-                <a:schemeClr val="tx1">
-                  <a:lumMod val="85000"/>
-                  <a:lumOff val="15000"/>
-                </a:schemeClr>
-              </a:solidFill>
-            </a:endParaRPr>
-          </a:p>
-        </p:txBody>
-      </p:sp>
     </p:spTree>
     <p:extLst>
       <p:ext uri="{BB962C8B-B14F-4D97-AF65-F5344CB8AC3E}">
@@ -8824,7 +9685,15 @@
               </a:lnSpc>
             </a:pPr>
             <a:r>
-              <a:rPr lang="de-DE" sz="2000" dirty="0" err="1">
+              <a:rPr lang="de-DE" sz="2000" b="1" dirty="0" err="1">
+                <a:solidFill>
+                  <a:srgbClr val="E30019"/>
+                </a:solidFill>
+              </a:rPr>
+              <a:t>Agglomerative</a:t>
+            </a:r>
+            <a:r>
+              <a:rPr lang="de-DE" sz="2000" dirty="0">
                 <a:solidFill>
                   <a:schemeClr val="tx1">
                     <a:lumMod val="85000"/>
@@ -8832,16 +9701,135 @@
                   </a:schemeClr>
                 </a:solidFill>
               </a:rPr>
-              <a:t>Lorem</a:t>
-            </a:r>
-            <a:endParaRPr lang="de-DE" sz="2000" dirty="0">
+              <a:t> Cluster-Analyse</a:t>
+            </a:r>
+          </a:p>
+          <a:p>
+            <a:pPr>
+              <a:lnSpc>
+                <a:spcPct val="200000"/>
+              </a:lnSpc>
+            </a:pPr>
+            <a:r>
+              <a:rPr lang="de-DE" sz="2000" dirty="0">
+                <a:solidFill>
+                  <a:schemeClr val="tx1">
+                    <a:lumMod val="85000"/>
+                    <a:lumOff val="15000"/>
+                  </a:schemeClr>
+                </a:solidFill>
+              </a:rPr>
+              <a:t>Darstellung in </a:t>
+            </a:r>
+            <a:r>
+              <a:rPr lang="de-DE" sz="2000" b="1" dirty="0" err="1">
+                <a:solidFill>
+                  <a:srgbClr val="E30019"/>
+                </a:solidFill>
+              </a:rPr>
+              <a:t>Dendogramm</a:t>
+            </a:r>
+            <a:endParaRPr lang="de-DE" sz="2000" b="1" dirty="0">
               <a:solidFill>
-                <a:schemeClr val="tx1">
-                  <a:lumMod val="85000"/>
-                  <a:lumOff val="15000"/>
-                </a:schemeClr>
+                <a:srgbClr val="E30019"/>
               </a:solidFill>
             </a:endParaRPr>
+          </a:p>
+          <a:p>
+            <a:pPr>
+              <a:lnSpc>
+                <a:spcPct val="200000"/>
+              </a:lnSpc>
+            </a:pPr>
+            <a:r>
+              <a:rPr lang="de-DE" sz="2000" u="sng" dirty="0">
+                <a:solidFill>
+                  <a:schemeClr val="tx1">
+                    <a:lumMod val="85000"/>
+                    <a:lumOff val="15000"/>
+                  </a:schemeClr>
+                </a:solidFill>
+              </a:rPr>
+              <a:t>Abstandfunktion:</a:t>
+            </a:r>
+            <a:r>
+              <a:rPr lang="de-DE" sz="2000" dirty="0">
+                <a:solidFill>
+                  <a:schemeClr val="tx1">
+                    <a:lumMod val="85000"/>
+                    <a:lumOff val="15000"/>
+                  </a:schemeClr>
+                </a:solidFill>
+              </a:rPr>
+              <a:t> </a:t>
+            </a:r>
+            <a:r>
+              <a:rPr lang="de-DE" sz="2000" b="1" dirty="0">
+                <a:solidFill>
+                  <a:srgbClr val="E30019"/>
+                </a:solidFill>
+              </a:rPr>
+              <a:t>Euklidische</a:t>
+            </a:r>
+            <a:r>
+              <a:rPr lang="de-DE" sz="2000" dirty="0">
+                <a:solidFill>
+                  <a:schemeClr val="tx1">
+                    <a:lumMod val="85000"/>
+                    <a:lumOff val="15000"/>
+                  </a:schemeClr>
+                </a:solidFill>
+              </a:rPr>
+              <a:t> Distanz</a:t>
+            </a:r>
+          </a:p>
+          <a:p>
+            <a:pPr>
+              <a:lnSpc>
+                <a:spcPct val="200000"/>
+              </a:lnSpc>
+            </a:pPr>
+            <a:r>
+              <a:rPr lang="de-DE" sz="2000" u="sng" dirty="0">
+                <a:solidFill>
+                  <a:schemeClr val="tx1">
+                    <a:lumMod val="85000"/>
+                    <a:lumOff val="15000"/>
+                  </a:schemeClr>
+                </a:solidFill>
+              </a:rPr>
+              <a:t>Fusionsvorschrift:</a:t>
+            </a:r>
+            <a:r>
+              <a:rPr lang="de-DE" sz="2000" dirty="0">
+                <a:solidFill>
+                  <a:schemeClr val="tx1">
+                    <a:lumMod val="85000"/>
+                    <a:lumOff val="15000"/>
+                  </a:schemeClr>
+                </a:solidFill>
+              </a:rPr>
+              <a:t> </a:t>
+            </a:r>
+            <a:r>
+              <a:rPr lang="de-DE" sz="2000" b="1" dirty="0">
+                <a:solidFill>
+                  <a:srgbClr val="E30019"/>
+                </a:solidFill>
+              </a:rPr>
+              <a:t>Ward</a:t>
+            </a:r>
+            <a:r>
+              <a:rPr lang="de-DE" sz="2000" dirty="0">
+                <a:solidFill>
+                  <a:schemeClr val="tx1">
+                    <a:lumMod val="85000"/>
+                    <a:lumOff val="15000"/>
+                  </a:schemeClr>
+                </a:solidFill>
+              </a:rPr>
+              <a:t> Methode</a:t>
+            </a:r>
           </a:p>
         </p:txBody>
       </p:sp>
@@ -9464,12 +10452,73 @@
           </a:prstGeom>
         </p:spPr>
       </p:pic>
+      <p:sp>
+        <p:nvSpPr>
+          <p:cNvPr id="6" name="Textfeld 5">
+            <a:extLst>
+              <a:ext uri="{FF2B5EF4-FFF2-40B4-BE49-F238E27FC236}">
+                <a16:creationId xmlns:a16="http://schemas.microsoft.com/office/drawing/2014/main" id="{F82BA0CB-6FC6-AE48-C63B-A5C2BA6C0ADC}"/>
+              </a:ext>
+            </a:extLst>
+          </p:cNvPr>
+          <p:cNvSpPr txBox="1"/>
+          <p:nvPr/>
+        </p:nvSpPr>
+        <p:spPr>
+          <a:xfrm>
+            <a:off x="10327639" y="1268809"/>
+            <a:ext cx="1524649" cy="246221"/>
+          </a:xfrm>
+          <a:prstGeom prst="rect">
+            <a:avLst/>
+          </a:prstGeom>
+          <a:noFill/>
+        </p:spPr>
+        <p:txBody>
+          <a:bodyPr wrap="square" rtlCol="0">
+            <a:spAutoFit/>
+          </a:bodyPr>
+          <a:lstStyle/>
+          <a:p>
+            <a:r>
+              <a:rPr lang="de-DE" sz="1000" i="1" dirty="0">
+                <a:solidFill>
+                  <a:schemeClr val="tx1">
+                    <a:lumMod val="85000"/>
+                    <a:lumOff val="15000"/>
+                  </a:schemeClr>
+                </a:solidFill>
+              </a:rPr>
+              <a:t>Visualisiert mit </a:t>
+            </a:r>
+            <a:r>
+              <a:rPr lang="de-DE" sz="1000" i="1" dirty="0" err="1">
+                <a:solidFill>
+                  <a:schemeClr val="tx1">
+                    <a:lumMod val="85000"/>
+                    <a:lumOff val="15000"/>
+                  </a:schemeClr>
+                </a:solidFill>
+              </a:rPr>
+              <a:t>Matplotlib</a:t>
+            </a:r>
+            <a:endParaRPr lang="de-DE" sz="1000" i="1" dirty="0">
+              <a:solidFill>
+                <a:schemeClr val="tx1">
+                  <a:lumMod val="85000"/>
+                  <a:lumOff val="15000"/>
+                </a:schemeClr>
+              </a:solidFill>
+            </a:endParaRPr>
+          </a:p>
+        </p:txBody>
+      </p:sp>
       <p:pic>
         <p:nvPicPr>
-          <p:cNvPr id="5" name="Grafik 4">
-            <a:extLst>
-              <a:ext uri="{FF2B5EF4-FFF2-40B4-BE49-F238E27FC236}">
-                <a16:creationId xmlns:a16="http://schemas.microsoft.com/office/drawing/2014/main" id="{260E0931-D657-B1E6-55AC-99FAF0C30C66}"/>
+          <p:cNvPr id="4" name="Grafik 3">
+            <a:extLst>
+              <a:ext uri="{FF2B5EF4-FFF2-40B4-BE49-F238E27FC236}">
+                <a16:creationId xmlns:a16="http://schemas.microsoft.com/office/drawing/2014/main" id="{908FF4DA-EDC3-3F46-DDE7-BE2E691D3B7B}"/>
               </a:ext>
             </a:extLst>
           </p:cNvPr>
@@ -9486,75 +10535,14 @@
         </p:blipFill>
         <p:spPr>
           <a:xfrm>
-            <a:off x="6547022" y="1761362"/>
-            <a:ext cx="4588338" cy="3704718"/>
+            <a:off x="6538917" y="1761362"/>
+            <a:ext cx="4596443" cy="3704717"/>
           </a:xfrm>
           <a:prstGeom prst="rect">
             <a:avLst/>
           </a:prstGeom>
         </p:spPr>
       </p:pic>
-      <p:sp>
-        <p:nvSpPr>
-          <p:cNvPr id="6" name="Textfeld 5">
-            <a:extLst>
-              <a:ext uri="{FF2B5EF4-FFF2-40B4-BE49-F238E27FC236}">
-                <a16:creationId xmlns:a16="http://schemas.microsoft.com/office/drawing/2014/main" id="{F82BA0CB-6FC6-AE48-C63B-A5C2BA6C0ADC}"/>
-              </a:ext>
-            </a:extLst>
-          </p:cNvPr>
-          <p:cNvSpPr txBox="1"/>
-          <p:nvPr/>
-        </p:nvSpPr>
-        <p:spPr>
-          <a:xfrm>
-            <a:off x="10327639" y="1268809"/>
-            <a:ext cx="1524649" cy="246221"/>
-          </a:xfrm>
-          <a:prstGeom prst="rect">
-            <a:avLst/>
-          </a:prstGeom>
-          <a:noFill/>
-        </p:spPr>
-        <p:txBody>
-          <a:bodyPr wrap="square" rtlCol="0">
-            <a:spAutoFit/>
-          </a:bodyPr>
-          <a:lstStyle/>
-          <a:p>
-            <a:r>
-              <a:rPr lang="de-DE" sz="1000" i="1" dirty="0">
-                <a:solidFill>
-                  <a:schemeClr val="tx1">
-                    <a:lumMod val="85000"/>
-                    <a:lumOff val="15000"/>
-                  </a:schemeClr>
-                </a:solidFill>
-              </a:rPr>
-              <a:t>Visualisiert mit </a:t>
-            </a:r>
-            <a:r>
-              <a:rPr lang="de-DE" sz="1000" i="1" dirty="0" err="1">
-                <a:solidFill>
-                  <a:schemeClr val="tx1">
-                    <a:lumMod val="85000"/>
-                    <a:lumOff val="15000"/>
-                  </a:schemeClr>
-                </a:solidFill>
-              </a:rPr>
-              <a:t>Matplotlib</a:t>
-            </a:r>
-            <a:endParaRPr lang="de-DE" sz="1000" i="1" dirty="0">
-              <a:solidFill>
-                <a:schemeClr val="tx1">
-                  <a:lumMod val="85000"/>
-                  <a:lumOff val="15000"/>
-                </a:schemeClr>
-              </a:solidFill>
-            </a:endParaRPr>
-          </a:p>
-        </p:txBody>
-      </p:sp>
     </p:spTree>
     <p:extLst>
       <p:ext uri="{BB962C8B-B14F-4D97-AF65-F5344CB8AC3E}">

--- a/Clustering_Scikit_Learn.pptx
+++ b/Clustering_Scikit_Learn.pptx
@@ -279,7 +279,7 @@
           <a:p>
             <a:fld id="{59667570-53A1-459B-AA66-F38DF90E72D9}" type="datetimeFigureOut">
               <a:rPr lang="de-DE" smtClean="0"/>
-              <a:t>21.11.2022</a:t>
+              <a:t>22.11.2022</a:t>
             </a:fld>
             <a:endParaRPr lang="de-DE" dirty="0"/>
           </a:p>
@@ -501,7 +501,7 @@
           <a:p>
             <a:fld id="{59667570-53A1-459B-AA66-F38DF90E72D9}" type="datetimeFigureOut">
               <a:rPr lang="de-DE" smtClean="0"/>
-              <a:t>21.11.2022</a:t>
+              <a:t>22.11.2022</a:t>
             </a:fld>
             <a:endParaRPr lang="de-DE"/>
           </a:p>
@@ -709,7 +709,7 @@
           <a:p>
             <a:fld id="{59667570-53A1-459B-AA66-F38DF90E72D9}" type="datetimeFigureOut">
               <a:rPr lang="de-DE" smtClean="0"/>
-              <a:t>21.11.2022</a:t>
+              <a:t>22.11.2022</a:t>
             </a:fld>
             <a:endParaRPr lang="de-DE"/>
           </a:p>
@@ -907,7 +907,7 @@
           <a:p>
             <a:fld id="{59667570-53A1-459B-AA66-F38DF90E72D9}" type="datetimeFigureOut">
               <a:rPr lang="de-DE" smtClean="0"/>
-              <a:t>21.11.2022</a:t>
+              <a:t>22.11.2022</a:t>
             </a:fld>
             <a:endParaRPr lang="de-DE"/>
           </a:p>
@@ -1206,7 +1206,7 @@
           <a:p>
             <a:fld id="{59667570-53A1-459B-AA66-F38DF90E72D9}" type="datetimeFigureOut">
               <a:rPr lang="de-DE" smtClean="0"/>
-              <a:t>21.11.2022</a:t>
+              <a:t>22.11.2022</a:t>
             </a:fld>
             <a:endParaRPr lang="de-DE" dirty="0"/>
           </a:p>
@@ -1479,7 +1479,7 @@
           <a:p>
             <a:fld id="{59667570-53A1-459B-AA66-F38DF90E72D9}" type="datetimeFigureOut">
               <a:rPr lang="de-DE" smtClean="0"/>
-              <a:t>21.11.2022</a:t>
+              <a:t>22.11.2022</a:t>
             </a:fld>
             <a:endParaRPr lang="de-DE"/>
           </a:p>
@@ -1891,7 +1891,7 @@
           <a:p>
             <a:fld id="{59667570-53A1-459B-AA66-F38DF90E72D9}" type="datetimeFigureOut">
               <a:rPr lang="de-DE" smtClean="0"/>
-              <a:t>21.11.2022</a:t>
+              <a:t>22.11.2022</a:t>
             </a:fld>
             <a:endParaRPr lang="de-DE"/>
           </a:p>
@@ -2032,7 +2032,7 @@
           <a:p>
             <a:fld id="{59667570-53A1-459B-AA66-F38DF90E72D9}" type="datetimeFigureOut">
               <a:rPr lang="de-DE" smtClean="0"/>
-              <a:t>21.11.2022</a:t>
+              <a:t>22.11.2022</a:t>
             </a:fld>
             <a:endParaRPr lang="de-DE"/>
           </a:p>
@@ -2145,7 +2145,7 @@
           <a:p>
             <a:fld id="{59667570-53A1-459B-AA66-F38DF90E72D9}" type="datetimeFigureOut">
               <a:rPr lang="de-DE" smtClean="0"/>
-              <a:t>21.11.2022</a:t>
+              <a:t>22.11.2022</a:t>
             </a:fld>
             <a:endParaRPr lang="de-DE"/>
           </a:p>
@@ -2456,7 +2456,7 @@
           <a:p>
             <a:fld id="{59667570-53A1-459B-AA66-F38DF90E72D9}" type="datetimeFigureOut">
               <a:rPr lang="de-DE" smtClean="0"/>
-              <a:t>21.11.2022</a:t>
+              <a:t>22.11.2022</a:t>
             </a:fld>
             <a:endParaRPr lang="de-DE"/>
           </a:p>
@@ -2744,7 +2744,7 @@
           <a:p>
             <a:fld id="{59667570-53A1-459B-AA66-F38DF90E72D9}" type="datetimeFigureOut">
               <a:rPr lang="de-DE" smtClean="0"/>
-              <a:t>21.11.2022</a:t>
+              <a:t>22.11.2022</a:t>
             </a:fld>
             <a:endParaRPr lang="de-DE"/>
           </a:p>
@@ -4890,7 +4890,7 @@
         <p:spPr>
           <a:xfrm>
             <a:off x="1056640" y="1634362"/>
-            <a:ext cx="10078720" cy="3958718"/>
+            <a:ext cx="10078720" cy="4274998"/>
           </a:xfrm>
           <a:prstGeom prst="rect">
             <a:avLst/>
@@ -5081,17 +5081,8 @@
                   </a:schemeClr>
                 </a:solidFill>
               </a:rPr>
-              <a:t>Definition Cluster-Analyse</a:t>
-            </a:r>
-          </a:p>
-          <a:p>
-            <a:pPr marL="514350" indent="-514350">
-              <a:lnSpc>
-                <a:spcPct val="150000"/>
-              </a:lnSpc>
-              <a:buFont typeface="+mj-lt"/>
-              <a:buAutoNum type="arabicPeriod"/>
-            </a:pPr>
+              <a:t>Definition Cluster-Analyse </a:t>
+            </a:r>
             <a:r>
               <a:rPr lang="de-DE" sz="1800" dirty="0">
                 <a:solidFill>
@@ -5100,79 +5091,9 @@
                     <a:lumOff val="15000"/>
                   </a:schemeClr>
                 </a:solidFill>
-              </a:rPr>
-              <a:t>Kontext Datensatz</a:t>
-            </a:r>
-          </a:p>
-          <a:p>
-            <a:pPr marL="514350" indent="-514350">
-              <a:lnSpc>
-                <a:spcPct val="150000"/>
-              </a:lnSpc>
-              <a:buFont typeface="+mj-lt"/>
-              <a:buAutoNum type="arabicPeriod"/>
-            </a:pPr>
-            <a:r>
-              <a:rPr lang="de-DE" sz="1800" dirty="0">
-                <a:solidFill>
-                  <a:schemeClr val="tx1">
-                    <a:lumMod val="85000"/>
-                    <a:lumOff val="15000"/>
-                  </a:schemeClr>
-                </a:solidFill>
-              </a:rPr>
-              <a:t>Daten aufbereiten</a:t>
-            </a:r>
-          </a:p>
-          <a:p>
-            <a:pPr marL="514350" indent="-514350">
-              <a:lnSpc>
-                <a:spcPct val="150000"/>
-              </a:lnSpc>
-              <a:buFont typeface="+mj-lt"/>
-              <a:buAutoNum type="arabicPeriod"/>
-            </a:pPr>
-            <a:r>
-              <a:rPr lang="de-DE" sz="1800" dirty="0">
-                <a:solidFill>
-                  <a:schemeClr val="tx1">
-                    <a:lumMod val="85000"/>
-                    <a:lumOff val="15000"/>
-                  </a:schemeClr>
-                </a:solidFill>
-              </a:rPr>
-              <a:t>Daten visualisieren</a:t>
-            </a:r>
-          </a:p>
-          <a:p>
-            <a:pPr marL="514350" indent="-514350">
-              <a:lnSpc>
-                <a:spcPct val="150000"/>
-              </a:lnSpc>
-              <a:buFont typeface="+mj-lt"/>
-              <a:buAutoNum type="arabicPeriod"/>
-            </a:pPr>
-            <a:r>
-              <a:rPr lang="de-DE" sz="1800" dirty="0">
-                <a:solidFill>
-                  <a:schemeClr val="tx1">
-                    <a:lumMod val="85000"/>
-                    <a:lumOff val="15000"/>
-                  </a:schemeClr>
-                </a:solidFill>
-              </a:rPr>
-              <a:t>Cluster-Analyse: </a:t>
-            </a:r>
-            <a:r>
-              <a:rPr lang="de-DE" sz="1800" dirty="0" err="1">
-                <a:solidFill>
-                  <a:schemeClr val="tx1">
-                    <a:lumMod val="85000"/>
-                    <a:lumOff val="15000"/>
-                  </a:schemeClr>
-                </a:solidFill>
-              </a:rPr>
-              <a:t>kMeans</a:t>
+                <a:sym typeface="Wingdings" panose="05000000000000000000" pitchFamily="2" charset="2"/>
+              </a:rPr>
+              <a:t> Marius</a:t>
             </a:r>
             <a:endParaRPr lang="de-DE" sz="1800" dirty="0">
               <a:solidFill>
@@ -5200,8 +5121,28 @@
                   </a:schemeClr>
                 </a:solidFill>
               </a:rPr>
-              <a:t>Cluster-Analyse: Hierarchisch</a:t>
-            </a:r>
+              <a:t>Kontext Datensatz </a:t>
+            </a:r>
+            <a:r>
+              <a:rPr lang="de-DE" sz="1800" dirty="0">
+                <a:solidFill>
+                  <a:schemeClr val="tx1">
+                    <a:lumMod val="85000"/>
+                    <a:lumOff val="15000"/>
+                  </a:schemeClr>
+                </a:solidFill>
+                <a:sym typeface="Wingdings" panose="05000000000000000000" pitchFamily="2" charset="2"/>
+              </a:rPr>
+              <a:t> Marius</a:t>
+            </a:r>
+            <a:endParaRPr lang="de-DE" sz="1800" dirty="0">
+              <a:solidFill>
+                <a:schemeClr val="tx1">
+                  <a:lumMod val="85000"/>
+                  <a:lumOff val="15000"/>
+                </a:schemeClr>
+              </a:solidFill>
+            </a:endParaRPr>
           </a:p>
           <a:p>
             <a:pPr marL="514350" indent="-514350">
@@ -5220,8 +5161,250 @@
                   </a:schemeClr>
                 </a:solidFill>
               </a:rPr>
-              <a:t>Erkenntnisse für Unternehmen</a:t>
-            </a:r>
+              <a:t>Daten aufbereiten </a:t>
+            </a:r>
+            <a:r>
+              <a:rPr lang="de-DE" sz="1800" dirty="0">
+                <a:solidFill>
+                  <a:schemeClr val="tx1">
+                    <a:lumMod val="85000"/>
+                    <a:lumOff val="15000"/>
+                  </a:schemeClr>
+                </a:solidFill>
+                <a:sym typeface="Wingdings" panose="05000000000000000000" pitchFamily="2" charset="2"/>
+              </a:rPr>
+              <a:t> Mario</a:t>
+            </a:r>
+            <a:endParaRPr lang="de-DE" sz="1800" dirty="0">
+              <a:solidFill>
+                <a:schemeClr val="tx1">
+                  <a:lumMod val="85000"/>
+                  <a:lumOff val="15000"/>
+                </a:schemeClr>
+              </a:solidFill>
+            </a:endParaRPr>
+          </a:p>
+          <a:p>
+            <a:pPr marL="514350" indent="-514350">
+              <a:lnSpc>
+                <a:spcPct val="150000"/>
+              </a:lnSpc>
+              <a:buFont typeface="+mj-lt"/>
+              <a:buAutoNum type="arabicPeriod"/>
+            </a:pPr>
+            <a:r>
+              <a:rPr lang="de-DE" sz="1800" dirty="0">
+                <a:solidFill>
+                  <a:schemeClr val="tx1">
+                    <a:lumMod val="85000"/>
+                    <a:lumOff val="15000"/>
+                  </a:schemeClr>
+                </a:solidFill>
+              </a:rPr>
+              <a:t>Daten visualisieren </a:t>
+            </a:r>
+            <a:r>
+              <a:rPr lang="de-DE" sz="1800" dirty="0">
+                <a:solidFill>
+                  <a:schemeClr val="tx1">
+                    <a:lumMod val="85000"/>
+                    <a:lumOff val="15000"/>
+                  </a:schemeClr>
+                </a:solidFill>
+                <a:sym typeface="Wingdings" panose="05000000000000000000" pitchFamily="2" charset="2"/>
+              </a:rPr>
+              <a:t> Mario</a:t>
+            </a:r>
+            <a:endParaRPr lang="de-DE" sz="1800" dirty="0">
+              <a:solidFill>
+                <a:schemeClr val="tx1">
+                  <a:lumMod val="85000"/>
+                  <a:lumOff val="15000"/>
+                </a:schemeClr>
+              </a:solidFill>
+            </a:endParaRPr>
+          </a:p>
+          <a:p>
+            <a:pPr marL="514350" indent="-514350">
+              <a:lnSpc>
+                <a:spcPct val="150000"/>
+              </a:lnSpc>
+              <a:buFont typeface="+mj-lt"/>
+              <a:buAutoNum type="arabicPeriod"/>
+            </a:pPr>
+            <a:r>
+              <a:rPr lang="de-DE" sz="1800" dirty="0">
+                <a:solidFill>
+                  <a:schemeClr val="tx1">
+                    <a:lumMod val="85000"/>
+                    <a:lumOff val="15000"/>
+                  </a:schemeClr>
+                </a:solidFill>
+              </a:rPr>
+              <a:t>Cluster-Analyse: </a:t>
+            </a:r>
+            <a:r>
+              <a:rPr lang="de-DE" sz="1800" dirty="0" err="1">
+                <a:solidFill>
+                  <a:schemeClr val="tx1">
+                    <a:lumMod val="85000"/>
+                    <a:lumOff val="15000"/>
+                  </a:schemeClr>
+                </a:solidFill>
+              </a:rPr>
+              <a:t>kMeans</a:t>
+            </a:r>
+            <a:r>
+              <a:rPr lang="de-DE" sz="1800" dirty="0">
+                <a:solidFill>
+                  <a:schemeClr val="tx1">
+                    <a:lumMod val="85000"/>
+                    <a:lumOff val="15000"/>
+                  </a:schemeClr>
+                </a:solidFill>
+              </a:rPr>
+              <a:t> </a:t>
+            </a:r>
+            <a:r>
+              <a:rPr lang="de-DE" sz="1800" dirty="0">
+                <a:solidFill>
+                  <a:schemeClr val="tx1">
+                    <a:lumMod val="85000"/>
+                    <a:lumOff val="15000"/>
+                  </a:schemeClr>
+                </a:solidFill>
+                <a:sym typeface="Wingdings" panose="05000000000000000000" pitchFamily="2" charset="2"/>
+              </a:rPr>
+              <a:t> Marius</a:t>
+            </a:r>
+            <a:endParaRPr lang="de-DE" sz="1800" dirty="0">
+              <a:solidFill>
+                <a:schemeClr val="tx1">
+                  <a:lumMod val="85000"/>
+                  <a:lumOff val="15000"/>
+                </a:schemeClr>
+              </a:solidFill>
+            </a:endParaRPr>
+          </a:p>
+          <a:p>
+            <a:pPr marL="514350" indent="-514350">
+              <a:lnSpc>
+                <a:spcPct val="150000"/>
+              </a:lnSpc>
+              <a:buFont typeface="+mj-lt"/>
+              <a:buAutoNum type="arabicPeriod"/>
+            </a:pPr>
+            <a:r>
+              <a:rPr lang="de-DE" sz="1800" dirty="0">
+                <a:solidFill>
+                  <a:schemeClr val="tx1">
+                    <a:lumMod val="85000"/>
+                    <a:lumOff val="15000"/>
+                  </a:schemeClr>
+                </a:solidFill>
+              </a:rPr>
+              <a:t>Cluster-Analyse: Hierarchisch </a:t>
+            </a:r>
+            <a:r>
+              <a:rPr lang="de-DE" sz="1800" dirty="0">
+                <a:solidFill>
+                  <a:schemeClr val="tx1">
+                    <a:lumMod val="85000"/>
+                    <a:lumOff val="15000"/>
+                  </a:schemeClr>
+                </a:solidFill>
+                <a:sym typeface="Wingdings" panose="05000000000000000000" pitchFamily="2" charset="2"/>
+              </a:rPr>
+              <a:t> Mario</a:t>
+            </a:r>
+            <a:endParaRPr lang="de-DE" sz="1800" dirty="0">
+              <a:solidFill>
+                <a:schemeClr val="tx1">
+                  <a:lumMod val="85000"/>
+                  <a:lumOff val="15000"/>
+                </a:schemeClr>
+              </a:solidFill>
+            </a:endParaRPr>
+          </a:p>
+          <a:p>
+            <a:pPr marL="514350" indent="-514350">
+              <a:lnSpc>
+                <a:spcPct val="150000"/>
+              </a:lnSpc>
+              <a:buFont typeface="+mj-lt"/>
+              <a:buAutoNum type="arabicPeriod"/>
+            </a:pPr>
+            <a:r>
+              <a:rPr lang="de-DE" sz="1800" dirty="0">
+                <a:solidFill>
+                  <a:schemeClr val="tx1">
+                    <a:lumMod val="85000"/>
+                    <a:lumOff val="15000"/>
+                  </a:schemeClr>
+                </a:solidFill>
+              </a:rPr>
+              <a:t>Kritische Reflexion </a:t>
+            </a:r>
+            <a:r>
+              <a:rPr lang="de-DE" sz="1800" dirty="0">
+                <a:solidFill>
+                  <a:schemeClr val="tx1">
+                    <a:lumMod val="85000"/>
+                    <a:lumOff val="15000"/>
+                  </a:schemeClr>
+                </a:solidFill>
+                <a:sym typeface="Wingdings" panose="05000000000000000000" pitchFamily="2" charset="2"/>
+              </a:rPr>
+              <a:t> Marius</a:t>
+            </a:r>
+            <a:endParaRPr lang="de-DE" sz="1800" dirty="0">
+              <a:solidFill>
+                <a:schemeClr val="tx1">
+                  <a:lumMod val="85000"/>
+                  <a:lumOff val="15000"/>
+                </a:schemeClr>
+              </a:solidFill>
+            </a:endParaRPr>
+          </a:p>
+          <a:p>
+            <a:pPr marL="514350" indent="-514350">
+              <a:lnSpc>
+                <a:spcPct val="150000"/>
+              </a:lnSpc>
+              <a:buFont typeface="+mj-lt"/>
+              <a:buAutoNum type="arabicPeriod"/>
+            </a:pPr>
+            <a:r>
+              <a:rPr lang="de-DE" sz="1800" dirty="0">
+                <a:solidFill>
+                  <a:schemeClr val="tx1">
+                    <a:lumMod val="85000"/>
+                    <a:lumOff val="15000"/>
+                  </a:schemeClr>
+                </a:solidFill>
+              </a:rPr>
+              <a:t>Fazit </a:t>
+            </a:r>
+            <a:r>
+              <a:rPr lang="de-DE" sz="1800" dirty="0">
+                <a:solidFill>
+                  <a:schemeClr val="tx1">
+                    <a:lumMod val="85000"/>
+                    <a:lumOff val="15000"/>
+                  </a:schemeClr>
+                </a:solidFill>
+                <a:sym typeface="Wingdings" panose="05000000000000000000" pitchFamily="2" charset="2"/>
+              </a:rPr>
+              <a:t> Mario</a:t>
+            </a:r>
+            <a:endParaRPr lang="de-DE" sz="1800" dirty="0">
+              <a:solidFill>
+                <a:schemeClr val="tx1">
+                  <a:lumMod val="85000"/>
+                  <a:lumOff val="15000"/>
+                </a:schemeClr>
+              </a:solidFill>
+            </a:endParaRPr>
           </a:p>
         </p:txBody>
       </p:sp>

--- a/Clustering_Scikit_Learn.pptx
+++ b/Clustering_Scikit_Learn.pptx
@@ -10,11 +10,15 @@
     <p:sldId id="258" r:id="rId4"/>
     <p:sldId id="261" r:id="rId5"/>
     <p:sldId id="260" r:id="rId6"/>
-    <p:sldId id="259" r:id="rId7"/>
-    <p:sldId id="262" r:id="rId8"/>
-    <p:sldId id="263" r:id="rId9"/>
-    <p:sldId id="265" r:id="rId10"/>
-    <p:sldId id="264" r:id="rId11"/>
+    <p:sldId id="268" r:id="rId7"/>
+    <p:sldId id="259" r:id="rId8"/>
+    <p:sldId id="267" r:id="rId9"/>
+    <p:sldId id="269" r:id="rId10"/>
+    <p:sldId id="262" r:id="rId11"/>
+    <p:sldId id="263" r:id="rId12"/>
+    <p:sldId id="265" r:id="rId13"/>
+    <p:sldId id="264" r:id="rId14"/>
+    <p:sldId id="266" r:id="rId15"/>
   </p:sldIdLst>
   <p:sldSz cx="12192000" cy="6858000"/>
   <p:notesSz cx="6858000" cy="9144000"/>
@@ -279,7 +283,7 @@
           <a:p>
             <a:fld id="{59667570-53A1-459B-AA66-F38DF90E72D9}" type="datetimeFigureOut">
               <a:rPr lang="de-DE" smtClean="0"/>
-              <a:t>22.11.2022</a:t>
+              <a:t>24.11.2022</a:t>
             </a:fld>
             <a:endParaRPr lang="de-DE" dirty="0"/>
           </a:p>
@@ -501,7 +505,7 @@
           <a:p>
             <a:fld id="{59667570-53A1-459B-AA66-F38DF90E72D9}" type="datetimeFigureOut">
               <a:rPr lang="de-DE" smtClean="0"/>
-              <a:t>22.11.2022</a:t>
+              <a:t>24.11.2022</a:t>
             </a:fld>
             <a:endParaRPr lang="de-DE"/>
           </a:p>
@@ -709,7 +713,7 @@
           <a:p>
             <a:fld id="{59667570-53A1-459B-AA66-F38DF90E72D9}" type="datetimeFigureOut">
               <a:rPr lang="de-DE" smtClean="0"/>
-              <a:t>22.11.2022</a:t>
+              <a:t>24.11.2022</a:t>
             </a:fld>
             <a:endParaRPr lang="de-DE"/>
           </a:p>
@@ -907,7 +911,7 @@
           <a:p>
             <a:fld id="{59667570-53A1-459B-AA66-F38DF90E72D9}" type="datetimeFigureOut">
               <a:rPr lang="de-DE" smtClean="0"/>
-              <a:t>22.11.2022</a:t>
+              <a:t>24.11.2022</a:t>
             </a:fld>
             <a:endParaRPr lang="de-DE"/>
           </a:p>
@@ -1206,7 +1210,7 @@
           <a:p>
             <a:fld id="{59667570-53A1-459B-AA66-F38DF90E72D9}" type="datetimeFigureOut">
               <a:rPr lang="de-DE" smtClean="0"/>
-              <a:t>22.11.2022</a:t>
+              <a:t>24.11.2022</a:t>
             </a:fld>
             <a:endParaRPr lang="de-DE" dirty="0"/>
           </a:p>
@@ -1479,7 +1483,7 @@
           <a:p>
             <a:fld id="{59667570-53A1-459B-AA66-F38DF90E72D9}" type="datetimeFigureOut">
               <a:rPr lang="de-DE" smtClean="0"/>
-              <a:t>22.11.2022</a:t>
+              <a:t>24.11.2022</a:t>
             </a:fld>
             <a:endParaRPr lang="de-DE"/>
           </a:p>
@@ -1891,7 +1895,7 @@
           <a:p>
             <a:fld id="{59667570-53A1-459B-AA66-F38DF90E72D9}" type="datetimeFigureOut">
               <a:rPr lang="de-DE" smtClean="0"/>
-              <a:t>22.11.2022</a:t>
+              <a:t>24.11.2022</a:t>
             </a:fld>
             <a:endParaRPr lang="de-DE"/>
           </a:p>
@@ -2032,7 +2036,7 @@
           <a:p>
             <a:fld id="{59667570-53A1-459B-AA66-F38DF90E72D9}" type="datetimeFigureOut">
               <a:rPr lang="de-DE" smtClean="0"/>
-              <a:t>22.11.2022</a:t>
+              <a:t>24.11.2022</a:t>
             </a:fld>
             <a:endParaRPr lang="de-DE"/>
           </a:p>
@@ -2145,7 +2149,7 @@
           <a:p>
             <a:fld id="{59667570-53A1-459B-AA66-F38DF90E72D9}" type="datetimeFigureOut">
               <a:rPr lang="de-DE" smtClean="0"/>
-              <a:t>22.11.2022</a:t>
+              <a:t>24.11.2022</a:t>
             </a:fld>
             <a:endParaRPr lang="de-DE"/>
           </a:p>
@@ -2456,7 +2460,7 @@
           <a:p>
             <a:fld id="{59667570-53A1-459B-AA66-F38DF90E72D9}" type="datetimeFigureOut">
               <a:rPr lang="de-DE" smtClean="0"/>
-              <a:t>22.11.2022</a:t>
+              <a:t>24.11.2022</a:t>
             </a:fld>
             <a:endParaRPr lang="de-DE"/>
           </a:p>
@@ -2744,7 +2748,7 @@
           <a:p>
             <a:fld id="{59667570-53A1-459B-AA66-F38DF90E72D9}" type="datetimeFigureOut">
               <a:rPr lang="de-DE" smtClean="0"/>
-              <a:t>22.11.2022</a:t>
+              <a:t>24.11.2022</a:t>
             </a:fld>
             <a:endParaRPr lang="de-DE"/>
           </a:p>
@@ -3702,7 +3706,7 @@
                   </a:schemeClr>
                 </a:solidFill>
               </a:rPr>
-              <a:t>03.12.2022</a:t>
+              <a:t>08.12.2022</a:t>
             </a:r>
           </a:p>
         </p:txBody>
@@ -3893,8 +3897,21 @@
                   <a:srgbClr val="E30019"/>
                 </a:solidFill>
               </a:rPr>
-              <a:t>Ausblick</a:t>
-            </a:r>
+              <a:t>Cluster-Analyse: </a:t>
+            </a:r>
+            <a:r>
+              <a:rPr lang="de-DE" sz="3200" b="1" dirty="0" err="1">
+                <a:solidFill>
+                  <a:srgbClr val="E30019"/>
+                </a:solidFill>
+              </a:rPr>
+              <a:t>kMeans</a:t>
+            </a:r>
+            <a:endParaRPr lang="de-DE" sz="3200" b="1" dirty="0">
+              <a:solidFill>
+                <a:srgbClr val="E30019"/>
+              </a:solidFill>
+            </a:endParaRPr>
           </a:p>
         </p:txBody>
       </p:sp>
@@ -4185,7 +4202,7 @@
                   </a:schemeClr>
                 </a:solidFill>
               </a:rPr>
-              <a:t>03.12.2022</a:t>
+              <a:t>08.12.2022</a:t>
             </a:r>
           </a:p>
         </p:txBody>
@@ -4384,11 +4401,11 @@
           <a:p>
             <a:pPr>
               <a:lnSpc>
-                <a:spcPct val="200000"/>
+                <a:spcPct val="150000"/>
               </a:lnSpc>
             </a:pPr>
             <a:r>
-              <a:rPr lang="de-DE" sz="2000" dirty="0">
+              <a:rPr lang="de-DE" sz="2000" dirty="0" err="1">
                 <a:solidFill>
                   <a:schemeClr val="tx1">
                     <a:lumMod val="85000"/>
@@ -4396,72 +4413,7 @@
                   </a:schemeClr>
                 </a:solidFill>
               </a:rPr>
-              <a:t>Anzahl Features (d): &gt; 2</a:t>
-            </a:r>
-          </a:p>
-          <a:p>
-            <a:pPr>
-              <a:lnSpc>
-                <a:spcPct val="200000"/>
-              </a:lnSpc>
-            </a:pPr>
-            <a:r>
-              <a:rPr lang="de-DE" sz="2000" dirty="0">
-                <a:solidFill>
-                  <a:schemeClr val="tx1">
-                    <a:lumMod val="85000"/>
-                    <a:lumOff val="15000"/>
-                  </a:schemeClr>
-                </a:solidFill>
-              </a:rPr>
-              <a:t>Hyperparameter-Tuning</a:t>
-            </a:r>
-          </a:p>
-          <a:p>
-            <a:pPr>
-              <a:lnSpc>
-                <a:spcPct val="200000"/>
-              </a:lnSpc>
-            </a:pPr>
-            <a:r>
-              <a:rPr lang="de-DE" sz="2000" dirty="0">
-                <a:solidFill>
-                  <a:schemeClr val="tx1">
-                    <a:lumMod val="85000"/>
-                    <a:lumOff val="15000"/>
-                  </a:schemeClr>
-                </a:solidFill>
-              </a:rPr>
-              <a:t>Bias</a:t>
-            </a:r>
-          </a:p>
-          <a:p>
-            <a:pPr>
-              <a:lnSpc>
-                <a:spcPct val="200000"/>
-              </a:lnSpc>
-            </a:pPr>
-            <a:r>
-              <a:rPr lang="de-DE" sz="2000" dirty="0">
-                <a:solidFill>
-                  <a:schemeClr val="tx1">
-                    <a:lumMod val="85000"/>
-                    <a:lumOff val="15000"/>
-                  </a:schemeClr>
-                </a:solidFill>
-              </a:rPr>
-              <a:t>Over- &amp; </a:t>
-            </a:r>
-            <a:r>
-              <a:rPr lang="de-DE" sz="2000" dirty="0" err="1">
-                <a:solidFill>
-                  <a:schemeClr val="tx1">
-                    <a:lumMod val="85000"/>
-                    <a:lumOff val="15000"/>
-                  </a:schemeClr>
-                </a:solidFill>
-              </a:rPr>
-              <a:t>Underfitting</a:t>
+              <a:t>Lorem</a:t>
             </a:r>
             <a:endParaRPr lang="de-DE" sz="2000" dirty="0">
               <a:solidFill>
@@ -4472,30 +4424,12 @@
               </a:solidFill>
             </a:endParaRPr>
           </a:p>
-          <a:p>
-            <a:pPr>
-              <a:lnSpc>
-                <a:spcPct val="200000"/>
-              </a:lnSpc>
-            </a:pPr>
-            <a:r>
-              <a:rPr lang="de-DE" sz="2000" dirty="0">
-                <a:solidFill>
-                  <a:schemeClr val="tx1">
-                    <a:lumMod val="85000"/>
-                    <a:lumOff val="15000"/>
-                  </a:schemeClr>
-                </a:solidFill>
-              </a:rPr>
-              <a:t>Vergleich der unterschiedlichen Cluster-Scores</a:t>
-            </a:r>
-          </a:p>
         </p:txBody>
       </p:sp>
     </p:spTree>
     <p:extLst>
       <p:ext uri="{BB962C8B-B14F-4D97-AF65-F5344CB8AC3E}">
-        <p14:creationId xmlns:p14="http://schemas.microsoft.com/office/powerpoint/2010/main" val="2101757559"/>
+        <p14:creationId xmlns:p14="http://schemas.microsoft.com/office/powerpoint/2010/main" val="3876043019"/>
       </p:ext>
     </p:extLst>
   </p:cSld>
@@ -4505,7 +4439,7 @@
 </p:sld>
 </file>
 
-<file path=ppt/slides/slide2.xml><?xml version="1.0" encoding="utf-8"?>
+<file path=ppt/slides/slide11.xml><?xml version="1.0" encoding="utf-8"?>
 <p:sld xmlns:a="http://schemas.openxmlformats.org/drawingml/2006/main" xmlns:r="http://schemas.openxmlformats.org/officeDocument/2006/relationships" xmlns:p="http://schemas.openxmlformats.org/presentationml/2006/main">
   <p:cSld>
     <p:spTree>
@@ -4576,7 +4510,7 @@
                   <a:srgbClr val="E30019"/>
                 </a:solidFill>
               </a:rPr>
-              <a:t>Agenda</a:t>
+              <a:t>Cluster-Analyse: Hierarchisch</a:t>
             </a:r>
           </a:p>
         </p:txBody>
@@ -4716,7 +4650,7 @@
                 </a:solidFill>
               </a:rPr>
               <a:pPr algn="ctr"/>
-              <a:t>2</a:t>
+              <a:t>11</a:t>
             </a:fld>
             <a:endParaRPr lang="de-DE" sz="1200" dirty="0">
               <a:solidFill>
@@ -4868,7 +4802,7 @@
                   </a:schemeClr>
                 </a:solidFill>
               </a:rPr>
-              <a:t>03.12.2022</a:t>
+              <a:t>08.12.2022</a:t>
             </a:r>
           </a:p>
         </p:txBody>
@@ -4890,7 +4824,7 @@
         <p:spPr>
           <a:xfrm>
             <a:off x="1056640" y="1634362"/>
-            <a:ext cx="10078720" cy="4274998"/>
+            <a:ext cx="10078720" cy="3958718"/>
           </a:xfrm>
           <a:prstGeom prst="rect">
             <a:avLst/>
@@ -5065,15 +4999,21 @@
             </a:lvl9pPr>
           </a:lstStyle>
           <a:p>
-            <a:pPr marL="514350" indent="-514350">
-              <a:lnSpc>
-                <a:spcPct val="150000"/>
-              </a:lnSpc>
-              <a:buFont typeface="+mj-lt"/>
-              <a:buAutoNum type="arabicPeriod"/>
+            <a:pPr>
+              <a:lnSpc>
+                <a:spcPct val="200000"/>
+              </a:lnSpc>
             </a:pPr>
             <a:r>
-              <a:rPr lang="de-DE" sz="1800" dirty="0">
+              <a:rPr lang="de-DE" sz="2000" b="1" dirty="0" err="1">
+                <a:solidFill>
+                  <a:srgbClr val="E30019"/>
+                </a:solidFill>
+              </a:rPr>
+              <a:t>Agglomerative</a:t>
+            </a:r>
+            <a:r>
+              <a:rPr lang="de-DE" sz="2000" dirty="0">
                 <a:solidFill>
                   <a:schemeClr val="tx1">
                     <a:lumMod val="85000"/>
@@ -5081,39 +5021,48 @@
                   </a:schemeClr>
                 </a:solidFill>
               </a:rPr>
-              <a:t>Definition Cluster-Analyse </a:t>
-            </a:r>
-            <a:r>
-              <a:rPr lang="de-DE" sz="1800" dirty="0">
+              <a:t> Cluster-Analyse</a:t>
+            </a:r>
+          </a:p>
+          <a:p>
+            <a:pPr>
+              <a:lnSpc>
+                <a:spcPct val="200000"/>
+              </a:lnSpc>
+            </a:pPr>
+            <a:r>
+              <a:rPr lang="de-DE" sz="2000" dirty="0">
                 <a:solidFill>
                   <a:schemeClr val="tx1">
                     <a:lumMod val="85000"/>
                     <a:lumOff val="15000"/>
                   </a:schemeClr>
                 </a:solidFill>
-                <a:sym typeface="Wingdings" panose="05000000000000000000" pitchFamily="2" charset="2"/>
-              </a:rPr>
-              <a:t> Marius</a:t>
-            </a:r>
-            <a:endParaRPr lang="de-DE" sz="1800" dirty="0">
+              </a:rPr>
+              <a:t>Darstellung in </a:t>
+            </a:r>
+            <a:r>
+              <a:rPr lang="de-DE" sz="2000" b="1" dirty="0" err="1">
+                <a:solidFill>
+                  <a:srgbClr val="E30019"/>
+                </a:solidFill>
+              </a:rPr>
+              <a:t>Dendogramm</a:t>
+            </a:r>
+            <a:endParaRPr lang="de-DE" sz="2000" b="1" dirty="0">
               <a:solidFill>
-                <a:schemeClr val="tx1">
-                  <a:lumMod val="85000"/>
-                  <a:lumOff val="15000"/>
-                </a:schemeClr>
+                <a:srgbClr val="E30019"/>
               </a:solidFill>
             </a:endParaRPr>
           </a:p>
           <a:p>
-            <a:pPr marL="514350" indent="-514350">
-              <a:lnSpc>
-                <a:spcPct val="150000"/>
-              </a:lnSpc>
-              <a:buFont typeface="+mj-lt"/>
-              <a:buAutoNum type="arabicPeriod"/>
+            <a:pPr>
+              <a:lnSpc>
+                <a:spcPct val="200000"/>
+              </a:lnSpc>
             </a:pPr>
             <a:r>
-              <a:rPr lang="de-DE" sz="1800" dirty="0">
+              <a:rPr lang="de-DE" sz="2000" u="sng" dirty="0">
                 <a:solidFill>
                   <a:schemeClr val="tx1">
                     <a:lumMod val="85000"/>
@@ -5121,39 +5070,29 @@
                   </a:schemeClr>
                 </a:solidFill>
               </a:rPr>
-              <a:t>Kontext Datensatz </a:t>
-            </a:r>
-            <a:r>
-              <a:rPr lang="de-DE" sz="1800" dirty="0">
+              <a:t>Abstandfunktion:</a:t>
+            </a:r>
+            <a:r>
+              <a:rPr lang="de-DE" sz="2000" dirty="0">
                 <a:solidFill>
                   <a:schemeClr val="tx1">
                     <a:lumMod val="85000"/>
                     <a:lumOff val="15000"/>
                   </a:schemeClr>
                 </a:solidFill>
-                <a:sym typeface="Wingdings" panose="05000000000000000000" pitchFamily="2" charset="2"/>
-              </a:rPr>
-              <a:t> Marius</a:t>
-            </a:r>
-            <a:endParaRPr lang="de-DE" sz="1800" dirty="0">
-              <a:solidFill>
-                <a:schemeClr val="tx1">
-                  <a:lumMod val="85000"/>
-                  <a:lumOff val="15000"/>
-                </a:schemeClr>
-              </a:solidFill>
-            </a:endParaRPr>
-          </a:p>
-          <a:p>
-            <a:pPr marL="514350" indent="-514350">
-              <a:lnSpc>
-                <a:spcPct val="150000"/>
-              </a:lnSpc>
-              <a:buFont typeface="+mj-lt"/>
-              <a:buAutoNum type="arabicPeriod"/>
-            </a:pPr>
-            <a:r>
-              <a:rPr lang="de-DE" sz="1800" dirty="0">
+              </a:rPr>
+              <a:t> </a:t>
+            </a:r>
+            <a:r>
+              <a:rPr lang="de-DE" sz="2000" b="1" dirty="0">
+                <a:solidFill>
+                  <a:srgbClr val="E30019"/>
+                </a:solidFill>
+              </a:rPr>
+              <a:t>Euklidische</a:t>
+            </a:r>
+            <a:r>
+              <a:rPr lang="de-DE" sz="2000" dirty="0">
                 <a:solidFill>
                   <a:schemeClr val="tx1">
                     <a:lumMod val="85000"/>
@@ -5161,39 +5100,28 @@
                   </a:schemeClr>
                 </a:solidFill>
               </a:rPr>
-              <a:t>Daten aufbereiten </a:t>
-            </a:r>
-            <a:r>
-              <a:rPr lang="de-DE" sz="1800" dirty="0">
+              <a:t> Distanz</a:t>
+            </a:r>
+          </a:p>
+          <a:p>
+            <a:pPr>
+              <a:lnSpc>
+                <a:spcPct val="200000"/>
+              </a:lnSpc>
+            </a:pPr>
+            <a:r>
+              <a:rPr lang="de-DE" sz="2000" u="sng" dirty="0">
                 <a:solidFill>
                   <a:schemeClr val="tx1">
                     <a:lumMod val="85000"/>
                     <a:lumOff val="15000"/>
                   </a:schemeClr>
                 </a:solidFill>
-                <a:sym typeface="Wingdings" panose="05000000000000000000" pitchFamily="2" charset="2"/>
-              </a:rPr>
-              <a:t> Mario</a:t>
-            </a:r>
-            <a:endParaRPr lang="de-DE" sz="1800" dirty="0">
-              <a:solidFill>
-                <a:schemeClr val="tx1">
-                  <a:lumMod val="85000"/>
-                  <a:lumOff val="15000"/>
-                </a:schemeClr>
-              </a:solidFill>
-            </a:endParaRPr>
-          </a:p>
-          <a:p>
-            <a:pPr marL="514350" indent="-514350">
-              <a:lnSpc>
-                <a:spcPct val="150000"/>
-              </a:lnSpc>
-              <a:buFont typeface="+mj-lt"/>
-              <a:buAutoNum type="arabicPeriod"/>
-            </a:pPr>
-            <a:r>
-              <a:rPr lang="de-DE" sz="1800" dirty="0">
+              </a:rPr>
+              <a:t>Fusionsvorschrift:</a:t>
+            </a:r>
+            <a:r>
+              <a:rPr lang="de-DE" sz="2000" dirty="0">
                 <a:solidFill>
                   <a:schemeClr val="tx1">
                     <a:lumMod val="85000"/>
@@ -5201,217 +5129,34 @@
                   </a:schemeClr>
                 </a:solidFill>
               </a:rPr>
-              <a:t>Daten visualisieren </a:t>
-            </a:r>
-            <a:r>
-              <a:rPr lang="de-DE" sz="1800" dirty="0">
+              <a:t> </a:t>
+            </a:r>
+            <a:r>
+              <a:rPr lang="de-DE" sz="2000" b="1" dirty="0">
+                <a:solidFill>
+                  <a:srgbClr val="E30019"/>
+                </a:solidFill>
+              </a:rPr>
+              <a:t>Ward</a:t>
+            </a:r>
+            <a:r>
+              <a:rPr lang="de-DE" sz="2000" dirty="0">
                 <a:solidFill>
                   <a:schemeClr val="tx1">
                     <a:lumMod val="85000"/>
                     <a:lumOff val="15000"/>
                   </a:schemeClr>
                 </a:solidFill>
-                <a:sym typeface="Wingdings" panose="05000000000000000000" pitchFamily="2" charset="2"/>
-              </a:rPr>
-              <a:t> Mario</a:t>
-            </a:r>
-            <a:endParaRPr lang="de-DE" sz="1800" dirty="0">
-              <a:solidFill>
-                <a:schemeClr val="tx1">
-                  <a:lumMod val="85000"/>
-                  <a:lumOff val="15000"/>
-                </a:schemeClr>
-              </a:solidFill>
-            </a:endParaRPr>
-          </a:p>
-          <a:p>
-            <a:pPr marL="514350" indent="-514350">
-              <a:lnSpc>
-                <a:spcPct val="150000"/>
-              </a:lnSpc>
-              <a:buFont typeface="+mj-lt"/>
-              <a:buAutoNum type="arabicPeriod"/>
-            </a:pPr>
-            <a:r>
-              <a:rPr lang="de-DE" sz="1800" dirty="0">
-                <a:solidFill>
-                  <a:schemeClr val="tx1">
-                    <a:lumMod val="85000"/>
-                    <a:lumOff val="15000"/>
-                  </a:schemeClr>
-                </a:solidFill>
-              </a:rPr>
-              <a:t>Cluster-Analyse: </a:t>
-            </a:r>
-            <a:r>
-              <a:rPr lang="de-DE" sz="1800" dirty="0" err="1">
-                <a:solidFill>
-                  <a:schemeClr val="tx1">
-                    <a:lumMod val="85000"/>
-                    <a:lumOff val="15000"/>
-                  </a:schemeClr>
-                </a:solidFill>
-              </a:rPr>
-              <a:t>kMeans</a:t>
-            </a:r>
-            <a:r>
-              <a:rPr lang="de-DE" sz="1800" dirty="0">
-                <a:solidFill>
-                  <a:schemeClr val="tx1">
-                    <a:lumMod val="85000"/>
-                    <a:lumOff val="15000"/>
-                  </a:schemeClr>
-                </a:solidFill>
-              </a:rPr>
-              <a:t> </a:t>
-            </a:r>
-            <a:r>
-              <a:rPr lang="de-DE" sz="1800" dirty="0">
-                <a:solidFill>
-                  <a:schemeClr val="tx1">
-                    <a:lumMod val="85000"/>
-                    <a:lumOff val="15000"/>
-                  </a:schemeClr>
-                </a:solidFill>
-                <a:sym typeface="Wingdings" panose="05000000000000000000" pitchFamily="2" charset="2"/>
-              </a:rPr>
-              <a:t> Marius</a:t>
-            </a:r>
-            <a:endParaRPr lang="de-DE" sz="1800" dirty="0">
-              <a:solidFill>
-                <a:schemeClr val="tx1">
-                  <a:lumMod val="85000"/>
-                  <a:lumOff val="15000"/>
-                </a:schemeClr>
-              </a:solidFill>
-            </a:endParaRPr>
-          </a:p>
-          <a:p>
-            <a:pPr marL="514350" indent="-514350">
-              <a:lnSpc>
-                <a:spcPct val="150000"/>
-              </a:lnSpc>
-              <a:buFont typeface="+mj-lt"/>
-              <a:buAutoNum type="arabicPeriod"/>
-            </a:pPr>
-            <a:r>
-              <a:rPr lang="de-DE" sz="1800" dirty="0">
-                <a:solidFill>
-                  <a:schemeClr val="tx1">
-                    <a:lumMod val="85000"/>
-                    <a:lumOff val="15000"/>
-                  </a:schemeClr>
-                </a:solidFill>
-              </a:rPr>
-              <a:t>Cluster-Analyse: Hierarchisch </a:t>
-            </a:r>
-            <a:r>
-              <a:rPr lang="de-DE" sz="1800" dirty="0">
-                <a:solidFill>
-                  <a:schemeClr val="tx1">
-                    <a:lumMod val="85000"/>
-                    <a:lumOff val="15000"/>
-                  </a:schemeClr>
-                </a:solidFill>
-                <a:sym typeface="Wingdings" panose="05000000000000000000" pitchFamily="2" charset="2"/>
-              </a:rPr>
-              <a:t> Mario</a:t>
-            </a:r>
-            <a:endParaRPr lang="de-DE" sz="1800" dirty="0">
-              <a:solidFill>
-                <a:schemeClr val="tx1">
-                  <a:lumMod val="85000"/>
-                  <a:lumOff val="15000"/>
-                </a:schemeClr>
-              </a:solidFill>
-            </a:endParaRPr>
-          </a:p>
-          <a:p>
-            <a:pPr marL="514350" indent="-514350">
-              <a:lnSpc>
-                <a:spcPct val="150000"/>
-              </a:lnSpc>
-              <a:buFont typeface="+mj-lt"/>
-              <a:buAutoNum type="arabicPeriod"/>
-            </a:pPr>
-            <a:r>
-              <a:rPr lang="de-DE" sz="1800" dirty="0">
-                <a:solidFill>
-                  <a:schemeClr val="tx1">
-                    <a:lumMod val="85000"/>
-                    <a:lumOff val="15000"/>
-                  </a:schemeClr>
-                </a:solidFill>
-              </a:rPr>
-              <a:t>Kritische Reflexion </a:t>
-            </a:r>
-            <a:r>
-              <a:rPr lang="de-DE" sz="1800" dirty="0">
-                <a:solidFill>
-                  <a:schemeClr val="tx1">
-                    <a:lumMod val="85000"/>
-                    <a:lumOff val="15000"/>
-                  </a:schemeClr>
-                </a:solidFill>
-                <a:sym typeface="Wingdings" panose="05000000000000000000" pitchFamily="2" charset="2"/>
-              </a:rPr>
-              <a:t> Marius</a:t>
-            </a:r>
-            <a:endParaRPr lang="de-DE" sz="1800" dirty="0">
-              <a:solidFill>
-                <a:schemeClr val="tx1">
-                  <a:lumMod val="85000"/>
-                  <a:lumOff val="15000"/>
-                </a:schemeClr>
-              </a:solidFill>
-            </a:endParaRPr>
-          </a:p>
-          <a:p>
-            <a:pPr marL="514350" indent="-514350">
-              <a:lnSpc>
-                <a:spcPct val="150000"/>
-              </a:lnSpc>
-              <a:buFont typeface="+mj-lt"/>
-              <a:buAutoNum type="arabicPeriod"/>
-            </a:pPr>
-            <a:r>
-              <a:rPr lang="de-DE" sz="1800" dirty="0">
-                <a:solidFill>
-                  <a:schemeClr val="tx1">
-                    <a:lumMod val="85000"/>
-                    <a:lumOff val="15000"/>
-                  </a:schemeClr>
-                </a:solidFill>
-              </a:rPr>
-              <a:t>Fazit </a:t>
-            </a:r>
-            <a:r>
-              <a:rPr lang="de-DE" sz="1800" dirty="0">
-                <a:solidFill>
-                  <a:schemeClr val="tx1">
-                    <a:lumMod val="85000"/>
-                    <a:lumOff val="15000"/>
-                  </a:schemeClr>
-                </a:solidFill>
-                <a:sym typeface="Wingdings" panose="05000000000000000000" pitchFamily="2" charset="2"/>
-              </a:rPr>
-              <a:t> Mario</a:t>
-            </a:r>
-            <a:endParaRPr lang="de-DE" sz="1800" dirty="0">
-              <a:solidFill>
-                <a:schemeClr val="tx1">
-                  <a:lumMod val="85000"/>
-                  <a:lumOff val="15000"/>
-                </a:schemeClr>
-              </a:solidFill>
-            </a:endParaRPr>
+              </a:rPr>
+              <a:t> Methode</a:t>
+            </a:r>
           </a:p>
         </p:txBody>
       </p:sp>
     </p:spTree>
     <p:extLst>
       <p:ext uri="{BB962C8B-B14F-4D97-AF65-F5344CB8AC3E}">
-        <p14:creationId xmlns:p14="http://schemas.microsoft.com/office/powerpoint/2010/main" val="3536631178"/>
+        <p14:creationId xmlns:p14="http://schemas.microsoft.com/office/powerpoint/2010/main" val="3556443033"/>
       </p:ext>
     </p:extLst>
   </p:cSld>
@@ -5421,7 +5166,7 @@
 </p:sld>
 </file>
 
-<file path=ppt/slides/slide3.xml><?xml version="1.0" encoding="utf-8"?>
+<file path=ppt/slides/slide12.xml><?xml version="1.0" encoding="utf-8"?>
 <p:sld xmlns:a="http://schemas.openxmlformats.org/drawingml/2006/main" xmlns:r="http://schemas.openxmlformats.org/officeDocument/2006/relationships" xmlns:p="http://schemas.openxmlformats.org/presentationml/2006/main">
   <p:cSld>
     <p:spTree>
@@ -5492,7 +5237,7 @@
                   <a:srgbClr val="E30019"/>
                 </a:solidFill>
               </a:rPr>
-              <a:t>Definition Cluster-Analyse</a:t>
+              <a:t>Cluster-Analyse: Hierarchisch</a:t>
             </a:r>
           </a:p>
         </p:txBody>
@@ -5632,7 +5377,7 @@
                 </a:solidFill>
               </a:rPr>
               <a:pPr algn="ctr"/>
-              <a:t>3</a:t>
+              <a:t>12</a:t>
             </a:fld>
             <a:endParaRPr lang="de-DE" sz="1200" dirty="0">
               <a:solidFill>
@@ -5784,7 +5529,7 @@
                   </a:schemeClr>
                 </a:solidFill>
               </a:rPr>
-              <a:t>03.12.2022</a:t>
+              <a:t>08.12.2022</a:t>
             </a:r>
           </a:p>
         </p:txBody>
@@ -5986,8 +5731,77 @@
                 <a:spcPct val="200000"/>
               </a:lnSpc>
             </a:pPr>
-            <a:r>
-              <a:rPr lang="de-DE" sz="2000" dirty="0">
+            <a:endParaRPr lang="de-DE" sz="2000" dirty="0">
+              <a:solidFill>
+                <a:schemeClr val="tx1">
+                  <a:lumMod val="85000"/>
+                  <a:lumOff val="15000"/>
+                </a:schemeClr>
+              </a:solidFill>
+            </a:endParaRPr>
+          </a:p>
+        </p:txBody>
+      </p:sp>
+      <p:pic>
+        <p:nvPicPr>
+          <p:cNvPr id="3" name="Grafik 2">
+            <a:extLst>
+              <a:ext uri="{FF2B5EF4-FFF2-40B4-BE49-F238E27FC236}">
+                <a16:creationId xmlns:a16="http://schemas.microsoft.com/office/drawing/2014/main" id="{0E50D088-2F15-04F6-FDDA-D5BCE1AE5052}"/>
+              </a:ext>
+            </a:extLst>
+          </p:cNvPr>
+          <p:cNvPicPr>
+            <a:picLocks noChangeAspect="1"/>
+          </p:cNvPicPr>
+          <p:nvPr/>
+        </p:nvPicPr>
+        <p:blipFill>
+          <a:blip r:embed="rId3"/>
+          <a:stretch>
+            <a:fillRect/>
+          </a:stretch>
+        </p:blipFill>
+        <p:spPr>
+          <a:xfrm>
+            <a:off x="1056640" y="1761362"/>
+            <a:ext cx="5084069" cy="3704717"/>
+          </a:xfrm>
+          <a:prstGeom prst="rect">
+            <a:avLst/>
+          </a:prstGeom>
+        </p:spPr>
+      </p:pic>
+      <p:sp>
+        <p:nvSpPr>
+          <p:cNvPr id="6" name="Textfeld 5">
+            <a:extLst>
+              <a:ext uri="{FF2B5EF4-FFF2-40B4-BE49-F238E27FC236}">
+                <a16:creationId xmlns:a16="http://schemas.microsoft.com/office/drawing/2014/main" id="{F82BA0CB-6FC6-AE48-C63B-A5C2BA6C0ADC}"/>
+              </a:ext>
+            </a:extLst>
+          </p:cNvPr>
+          <p:cNvSpPr txBox="1"/>
+          <p:nvPr/>
+        </p:nvSpPr>
+        <p:spPr>
+          <a:xfrm>
+            <a:off x="10327639" y="1268809"/>
+            <a:ext cx="1524649" cy="246221"/>
+          </a:xfrm>
+          <a:prstGeom prst="rect">
+            <a:avLst/>
+          </a:prstGeom>
+          <a:noFill/>
+        </p:spPr>
+        <p:txBody>
+          <a:bodyPr wrap="square" rtlCol="0">
+            <a:spAutoFit/>
+          </a:bodyPr>
+          <a:lstStyle/>
+          <a:p>
+            <a:r>
+              <a:rPr lang="de-DE" sz="1000" i="1" dirty="0">
                 <a:solidFill>
                   <a:schemeClr val="tx1">
                     <a:lumMod val="85000"/>
@@ -5995,25 +5809,10 @@
                   </a:schemeClr>
                 </a:solidFill>
               </a:rPr>
-              <a:t>Verfahren des </a:t>
-            </a:r>
-            <a:r>
-              <a:rPr lang="de-DE" sz="2000" u="sng" dirty="0">
-                <a:solidFill>
-                  <a:srgbClr val="E30019"/>
-                </a:solidFill>
-              </a:rPr>
-              <a:t>maschinellen Lernens</a:t>
-            </a:r>
-          </a:p>
-          <a:p>
-            <a:pPr>
-              <a:lnSpc>
-                <a:spcPct val="200000"/>
-              </a:lnSpc>
-            </a:pPr>
-            <a:r>
-              <a:rPr lang="de-DE" sz="2000" dirty="0">
+              <a:t>Visualisiert mit </a:t>
+            </a:r>
+            <a:r>
+              <a:rPr lang="de-DE" sz="1000" i="1" dirty="0" err="1">
                 <a:solidFill>
                   <a:schemeClr val="tx1">
                     <a:lumMod val="85000"/>
@@ -6021,90 +5820,53 @@
                   </a:schemeClr>
                 </a:solidFill>
               </a:rPr>
-              <a:t>In einer Menge von </a:t>
-            </a:r>
-            <a:r>
-              <a:rPr lang="de-DE" sz="2000" b="1" dirty="0">
-                <a:solidFill>
-                  <a:srgbClr val="E30019"/>
-                </a:solidFill>
-              </a:rPr>
-              <a:t>Daten</a:t>
-            </a:r>
-            <a:r>
-              <a:rPr lang="de-DE" sz="2000" dirty="0">
-                <a:solidFill>
-                  <a:schemeClr val="tx1">
-                    <a:lumMod val="85000"/>
-                    <a:lumOff val="15000"/>
-                  </a:schemeClr>
-                </a:solidFill>
-              </a:rPr>
-              <a:t> „ähnliche “ </a:t>
-            </a:r>
-            <a:r>
-              <a:rPr lang="de-DE" sz="2000" b="1" dirty="0">
-                <a:solidFill>
-                  <a:srgbClr val="E30019"/>
-                </a:solidFill>
-              </a:rPr>
-              <a:t>Gruppierungen (Cluster) </a:t>
-            </a:r>
-            <a:r>
-              <a:rPr lang="de-DE" sz="2000" dirty="0">
-                <a:solidFill>
-                  <a:schemeClr val="tx1">
-                    <a:lumMod val="85000"/>
-                    <a:lumOff val="15000"/>
-                  </a:schemeClr>
-                </a:solidFill>
-              </a:rPr>
-              <a:t>erkennen</a:t>
-            </a:r>
-          </a:p>
-          <a:p>
-            <a:pPr>
-              <a:lnSpc>
-                <a:spcPct val="200000"/>
-              </a:lnSpc>
-            </a:pPr>
-            <a:r>
-              <a:rPr lang="de-DE" sz="2000" dirty="0">
-                <a:solidFill>
-                  <a:schemeClr val="tx1">
-                    <a:lumMod val="85000"/>
-                    <a:lumOff val="15000"/>
-                  </a:schemeClr>
-                </a:solidFill>
-              </a:rPr>
-              <a:t>Einsatz unterschiedlicher </a:t>
-            </a:r>
-            <a:r>
-              <a:rPr lang="de-DE" sz="2000" b="1" dirty="0">
-                <a:solidFill>
-                  <a:srgbClr val="E30019"/>
-                </a:solidFill>
-              </a:rPr>
-              <a:t>Algorithmen</a:t>
-            </a:r>
-            <a:r>
-              <a:rPr lang="de-DE" sz="2000" dirty="0">
-                <a:solidFill>
-                  <a:schemeClr val="tx1">
-                    <a:lumMod val="85000"/>
-                    <a:lumOff val="15000"/>
-                  </a:schemeClr>
-                </a:solidFill>
-              </a:rPr>
-              <a:t> zur Bildung der Cluster</a:t>
-            </a:r>
-          </a:p>
-        </p:txBody>
-      </p:sp>
+              <a:t>Matplotlib</a:t>
+            </a:r>
+            <a:endParaRPr lang="de-DE" sz="1000" i="1" dirty="0">
+              <a:solidFill>
+                <a:schemeClr val="tx1">
+                  <a:lumMod val="85000"/>
+                  <a:lumOff val="15000"/>
+                </a:schemeClr>
+              </a:solidFill>
+            </a:endParaRPr>
+          </a:p>
+        </p:txBody>
+      </p:sp>
+      <p:pic>
+        <p:nvPicPr>
+          <p:cNvPr id="4" name="Grafik 3">
+            <a:extLst>
+              <a:ext uri="{FF2B5EF4-FFF2-40B4-BE49-F238E27FC236}">
+                <a16:creationId xmlns:a16="http://schemas.microsoft.com/office/drawing/2014/main" id="{908FF4DA-EDC3-3F46-DDE7-BE2E691D3B7B}"/>
+              </a:ext>
+            </a:extLst>
+          </p:cNvPr>
+          <p:cNvPicPr>
+            <a:picLocks noChangeAspect="1"/>
+          </p:cNvPicPr>
+          <p:nvPr/>
+        </p:nvPicPr>
+        <p:blipFill>
+          <a:blip r:embed="rId4"/>
+          <a:stretch>
+            <a:fillRect/>
+          </a:stretch>
+        </p:blipFill>
+        <p:spPr>
+          <a:xfrm>
+            <a:off x="6538917" y="1761362"/>
+            <a:ext cx="4596443" cy="3704717"/>
+          </a:xfrm>
+          <a:prstGeom prst="rect">
+            <a:avLst/>
+          </a:prstGeom>
+        </p:spPr>
+      </p:pic>
     </p:spTree>
     <p:extLst>
       <p:ext uri="{BB962C8B-B14F-4D97-AF65-F5344CB8AC3E}">
-        <p14:creationId xmlns:p14="http://schemas.microsoft.com/office/powerpoint/2010/main" val="1113067333"/>
+        <p14:creationId xmlns:p14="http://schemas.microsoft.com/office/powerpoint/2010/main" val="3957634159"/>
       </p:ext>
     </p:extLst>
   </p:cSld>
@@ -6114,7 +5876,7 @@
 </p:sld>
 </file>
 
-<file path=ppt/slides/slide4.xml><?xml version="1.0" encoding="utf-8"?>
+<file path=ppt/slides/slide13.xml><?xml version="1.0" encoding="utf-8"?>
 <p:sld xmlns:a="http://schemas.openxmlformats.org/drawingml/2006/main" xmlns:r="http://schemas.openxmlformats.org/officeDocument/2006/relationships" xmlns:p="http://schemas.openxmlformats.org/presentationml/2006/main">
   <p:cSld>
     <p:spTree>
@@ -6185,7 +5947,7 @@
                   <a:srgbClr val="E30019"/>
                 </a:solidFill>
               </a:rPr>
-              <a:t>Kontext Datensatz</a:t>
+              <a:t>Ausblick</a:t>
             </a:r>
           </a:p>
         </p:txBody>
@@ -6300,8 +6062,8 @@
         </p:nvSpPr>
         <p:spPr>
           <a:xfrm>
-            <a:off x="5995630" y="6460379"/>
-            <a:ext cx="200739" cy="276999"/>
+            <a:off x="5923626" y="6460379"/>
+            <a:ext cx="344747" cy="276999"/>
           </a:xfrm>
           <a:prstGeom prst="rect">
             <a:avLst/>
@@ -6325,7 +6087,7 @@
                 </a:solidFill>
               </a:rPr>
               <a:pPr algn="ctr"/>
-              <a:t>4</a:t>
+              <a:t>13</a:t>
             </a:fld>
             <a:endParaRPr lang="de-DE" sz="1200" dirty="0">
               <a:solidFill>
@@ -6477,7 +6239,7 @@
                   </a:schemeClr>
                 </a:solidFill>
               </a:rPr>
-              <a:t>03.12.2022</a:t>
+              <a:t>08.12.2022</a:t>
             </a:r>
           </a:p>
         </p:txBody>
@@ -6680,14 +6442,6 @@
               </a:lnSpc>
             </a:pPr>
             <a:r>
-              <a:rPr lang="de-DE" sz="2000" b="1" dirty="0">
-                <a:solidFill>
-                  <a:srgbClr val="E30019"/>
-                </a:solidFill>
-              </a:rPr>
-              <a:t>Raumklima</a:t>
-            </a:r>
-            <a:r>
               <a:rPr lang="de-DE" sz="2000" dirty="0">
                 <a:solidFill>
                   <a:schemeClr val="tx1">
@@ -6696,7 +6450,7 @@
                   </a:schemeClr>
                 </a:solidFill>
               </a:rPr>
-              <a:t>-Datensatz</a:t>
+              <a:t>Anzahl Features (d): &gt; 2</a:t>
             </a:r>
           </a:p>
           <a:p>
@@ -6714,16 +6468,15 @@
                   </a:schemeClr>
                 </a:solidFill>
               </a:rPr>
-              <a:t>15 Messungen mit </a:t>
-            </a:r>
-            <a:r>
-              <a:rPr lang="de-DE" sz="2000" u="sng" dirty="0">
-                <a:solidFill>
-                  <a:srgbClr val="E30019"/>
-                </a:solidFill>
-              </a:rPr>
-              <a:t>Temperatur</a:t>
-            </a:r>
+              <a:t>Hyperparameter-Tuning</a:t>
+            </a:r>
+          </a:p>
+          <a:p>
+            <a:pPr>
+              <a:lnSpc>
+                <a:spcPct val="200000"/>
+              </a:lnSpc>
+            </a:pPr>
             <a:r>
               <a:rPr lang="de-DE" sz="2000" dirty="0">
                 <a:solidFill>
@@ -6733,16 +6486,15 @@
                   </a:schemeClr>
                 </a:solidFill>
               </a:rPr>
-              <a:t> (°C) und </a:t>
-            </a:r>
-            <a:r>
-              <a:rPr lang="de-DE" sz="2000" u="sng" dirty="0">
-                <a:solidFill>
-                  <a:srgbClr val="E30019"/>
-                </a:solidFill>
-              </a:rPr>
-              <a:t>Luftfeuchtigkeit</a:t>
-            </a:r>
+              <a:t>Bias</a:t>
+            </a:r>
+          </a:p>
+          <a:p>
+            <a:pPr>
+              <a:lnSpc>
+                <a:spcPct val="200000"/>
+              </a:lnSpc>
+            </a:pPr>
             <a:r>
               <a:rPr lang="de-DE" sz="2000" dirty="0">
                 <a:solidFill>
@@ -6752,17 +6504,10 @@
                   </a:schemeClr>
                 </a:solidFill>
               </a:rPr>
-              <a:t> (%)</a:t>
-            </a:r>
-          </a:p>
-          <a:p>
-            <a:pPr>
-              <a:lnSpc>
-                <a:spcPct val="200000"/>
-              </a:lnSpc>
-            </a:pPr>
-            <a:r>
-              <a:rPr lang="de-DE" sz="2000" dirty="0">
+              <a:t>Over- &amp; </a:t>
+            </a:r>
+            <a:r>
+              <a:rPr lang="de-DE" sz="2000" dirty="0" err="1">
                 <a:solidFill>
                   <a:schemeClr val="tx1">
                     <a:lumMod val="85000"/>
@@ -6770,16 +6515,16 @@
                   </a:schemeClr>
                 </a:solidFill>
               </a:rPr>
-              <a:t>Unterschiedliche Kombinationen und damit </a:t>
-            </a:r>
-            <a:r>
-              <a:rPr lang="de-DE" sz="2000" u="sng" dirty="0">
-                <a:solidFill>
-                  <a:srgbClr val="E30019"/>
-                </a:solidFill>
-              </a:rPr>
-              <a:t>Klima-Arten</a:t>
-            </a:r>
+              <a:t>Underfitting</a:t>
+            </a:r>
+            <a:endParaRPr lang="de-DE" sz="2000" dirty="0">
+              <a:solidFill>
+                <a:schemeClr val="tx1">
+                  <a:lumMod val="85000"/>
+                  <a:lumOff val="15000"/>
+                </a:schemeClr>
+              </a:solidFill>
+            </a:endParaRPr>
           </a:p>
           <a:p>
             <a:pPr>
@@ -6796,26 +6541,7 @@
                   </a:schemeClr>
                 </a:solidFill>
               </a:rPr>
-              <a:t>Gibt es ein </a:t>
-            </a:r>
-            <a:r>
-              <a:rPr lang="de-DE" sz="2000" b="1" dirty="0">
-                <a:solidFill>
-                  <a:srgbClr val="E30019"/>
-                </a:solidFill>
-              </a:rPr>
-              <a:t>optimales Klima</a:t>
-            </a:r>
-            <a:r>
-              <a:rPr lang="de-DE" sz="2000" dirty="0">
-                <a:solidFill>
-                  <a:schemeClr val="tx1">
-                    <a:lumMod val="85000"/>
-                    <a:lumOff val="15000"/>
-                  </a:schemeClr>
-                </a:solidFill>
-              </a:rPr>
-              <a:t>?</a:t>
+              <a:t>Vergleich der unterschiedlichen Cluster-Scores</a:t>
             </a:r>
           </a:p>
         </p:txBody>
@@ -6823,7 +6549,7 @@
     </p:spTree>
     <p:extLst>
       <p:ext uri="{BB962C8B-B14F-4D97-AF65-F5344CB8AC3E}">
-        <p14:creationId xmlns:p14="http://schemas.microsoft.com/office/powerpoint/2010/main" val="2823781497"/>
+        <p14:creationId xmlns:p14="http://schemas.microsoft.com/office/powerpoint/2010/main" val="2101757559"/>
       </p:ext>
     </p:extLst>
   </p:cSld>
@@ -6833,7 +6559,7 @@
 </p:sld>
 </file>
 
-<file path=ppt/slides/slide5.xml><?xml version="1.0" encoding="utf-8"?>
+<file path=ppt/slides/slide14.xml><?xml version="1.0" encoding="utf-8"?>
 <p:sld xmlns:a="http://schemas.openxmlformats.org/drawingml/2006/main" xmlns:r="http://schemas.openxmlformats.org/officeDocument/2006/relationships" xmlns:p="http://schemas.openxmlformats.org/presentationml/2006/main">
   <p:cSld>
     <p:spTree>
@@ -6904,7 +6630,7 @@
                   <a:srgbClr val="E30019"/>
                 </a:solidFill>
               </a:rPr>
-              <a:t>Daten aufbereiten</a:t>
+              <a:t>Quellen</a:t>
             </a:r>
           </a:p>
         </p:txBody>
@@ -7019,8 +6745,8 @@
         </p:nvSpPr>
         <p:spPr>
           <a:xfrm>
-            <a:off x="5995630" y="6460379"/>
-            <a:ext cx="200739" cy="276999"/>
+            <a:off x="5923626" y="6460379"/>
+            <a:ext cx="344747" cy="276999"/>
           </a:xfrm>
           <a:prstGeom prst="rect">
             <a:avLst/>
@@ -7044,7 +6770,7 @@
                 </a:solidFill>
               </a:rPr>
               <a:pPr algn="ctr"/>
-              <a:t>5</a:t>
+              <a:t>14</a:t>
             </a:fld>
             <a:endParaRPr lang="de-DE" sz="1200" dirty="0">
               <a:solidFill>
@@ -7196,7 +6922,7 @@
                   </a:schemeClr>
                 </a:solidFill>
               </a:rPr>
-              <a:t>03.12.2022</a:t>
+              <a:t>08.12.2022</a:t>
             </a:r>
           </a:p>
         </p:txBody>
@@ -7393,13 +7119,14 @@
             </a:lvl9pPr>
           </a:lstStyle>
           <a:p>
-            <a:pPr>
-              <a:lnSpc>
-                <a:spcPct val="200000"/>
-              </a:lnSpc>
+            <a:pPr marL="0" indent="0">
+              <a:lnSpc>
+                <a:spcPct val="100000"/>
+              </a:lnSpc>
+              <a:buNone/>
             </a:pPr>
             <a:r>
-              <a:rPr lang="de-DE" sz="2000" u="sng" dirty="0">
+              <a:rPr lang="de-DE" sz="2000" dirty="0">
                 <a:solidFill>
                   <a:schemeClr val="tx1">
                     <a:lumMod val="85000"/>
@@ -7407,10 +7134,10 @@
                   </a:schemeClr>
                 </a:solidFill>
               </a:rPr>
-              <a:t>In der Regel:</a:t>
-            </a:r>
-            <a:r>
-              <a:rPr lang="de-DE" sz="2000" dirty="0">
+              <a:t>García, S., Ramírez-Gallego, S., </a:t>
+            </a:r>
+            <a:r>
+              <a:rPr lang="de-DE" sz="2000" dirty="0" err="1">
                 <a:solidFill>
                   <a:schemeClr val="tx1">
                     <a:lumMod val="85000"/>
@@ -7418,15 +7145,7 @@
                   </a:schemeClr>
                 </a:solidFill>
               </a:rPr>
-              <a:t> </a:t>
-            </a:r>
-            <a:r>
-              <a:rPr lang="de-DE" sz="2000" b="1" dirty="0">
-                <a:solidFill>
-                  <a:srgbClr val="FF0000"/>
-                </a:solidFill>
-              </a:rPr>
-              <a:t>Dubletten</a:t>
+              <a:t>Luengo</a:t>
             </a:r>
             <a:r>
               <a:rPr lang="de-DE" sz="2000" dirty="0">
@@ -7437,18 +7156,10 @@
                   </a:schemeClr>
                 </a:solidFill>
               </a:rPr>
-              <a:t> entfernen, </a:t>
-            </a:r>
-            <a:r>
-              <a:rPr lang="de-DE" sz="2000" b="1" dirty="0">
-                <a:solidFill>
-                  <a:srgbClr val="FF0000"/>
-                </a:solidFill>
-              </a:rPr>
-              <a:t>Metriken</a:t>
-            </a:r>
-            <a:r>
-              <a:rPr lang="de-DE" sz="2000" dirty="0">
+              <a:t>, J., Benítez, J.M. and Herrera, F., 2016. Big </a:t>
+            </a:r>
+            <a:r>
+              <a:rPr lang="de-DE" sz="2000" dirty="0" err="1">
                 <a:solidFill>
                   <a:schemeClr val="tx1">
                     <a:lumMod val="85000"/>
@@ -7456,15 +7167,7 @@
                   </a:schemeClr>
                 </a:solidFill>
               </a:rPr>
-              <a:t> anpassen, Umgang </a:t>
-            </a:r>
-            <a:r>
-              <a:rPr lang="de-DE" sz="2000" b="1" dirty="0">
-                <a:solidFill>
-                  <a:srgbClr val="FF0000"/>
-                </a:solidFill>
-              </a:rPr>
-              <a:t>Nullwerte</a:t>
+              <a:t>data</a:t>
             </a:r>
             <a:r>
               <a:rPr lang="de-DE" sz="2000" dirty="0">
@@ -7475,17 +7178,10 @@
                   </a:schemeClr>
                 </a:solidFill>
               </a:rPr>
-              <a:t>, usw.</a:t>
-            </a:r>
-          </a:p>
-          <a:p>
-            <a:pPr>
-              <a:lnSpc>
-                <a:spcPct val="200000"/>
-              </a:lnSpc>
-            </a:pPr>
-            <a:r>
-              <a:rPr lang="de-DE" sz="2000" u="sng" dirty="0">
+              <a:t> </a:t>
+            </a:r>
+            <a:r>
+              <a:rPr lang="de-DE" sz="2000" dirty="0" err="1">
                 <a:solidFill>
                   <a:schemeClr val="tx1">
                     <a:lumMod val="85000"/>
@@ -7493,7 +7189,7 @@
                   </a:schemeClr>
                 </a:solidFill>
               </a:rPr>
-              <a:t>In diesem Fall:</a:t>
+              <a:t>preprocessing</a:t>
             </a:r>
             <a:r>
               <a:rPr lang="de-DE" sz="2000" dirty="0">
@@ -7504,502 +7200,75 @@
                   </a:schemeClr>
                 </a:solidFill>
               </a:rPr>
-              <a:t> Nicht notwendig</a:t>
-            </a:r>
-          </a:p>
-        </p:txBody>
-      </p:sp>
-      <p:graphicFrame>
-        <p:nvGraphicFramePr>
-          <p:cNvPr id="3" name="Tabelle 3">
-            <a:extLst>
-              <a:ext uri="{FF2B5EF4-FFF2-40B4-BE49-F238E27FC236}">
-                <a16:creationId xmlns:a16="http://schemas.microsoft.com/office/drawing/2014/main" id="{63BA5B38-3645-900D-DAAD-993F03F292BE}"/>
-              </a:ext>
-            </a:extLst>
-          </p:cNvPr>
-          <p:cNvGraphicFramePr>
-            <a:graphicFrameLocks noGrp="1"/>
-          </p:cNvGraphicFramePr>
-          <p:nvPr>
-            <p:extLst>
-              <p:ext uri="{D42A27DB-BD31-4B8C-83A1-F6EECF244321}">
-                <p14:modId xmlns:p14="http://schemas.microsoft.com/office/powerpoint/2010/main" val="3553829922"/>
-              </p:ext>
-            </p:extLst>
-          </p:nvPr>
-        </p:nvGraphicFramePr>
-        <p:xfrm>
-          <a:off x="5114626" y="2519680"/>
-          <a:ext cx="4997572" cy="3073400"/>
-        </p:xfrm>
-        <a:graphic>
-          <a:graphicData uri="http://schemas.openxmlformats.org/drawingml/2006/table">
-            <a:tbl>
-              <a:tblPr firstRow="1" bandRow="1">
-                <a:tableStyleId>{073A0DAA-6AF3-43AB-8588-CEC1D06C72B9}</a:tableStyleId>
-              </a:tblPr>
-              <a:tblGrid>
-                <a:gridCol w="2498786">
-                  <a:extLst>
-                    <a:ext uri="{9D8B030D-6E8A-4147-A177-3AD203B41FA5}">
-                      <a16:colId xmlns:a16="http://schemas.microsoft.com/office/drawing/2014/main" val="2221039887"/>
-                    </a:ext>
-                  </a:extLst>
-                </a:gridCol>
-                <a:gridCol w="2498786">
-                  <a:extLst>
-                    <a:ext uri="{9D8B030D-6E8A-4147-A177-3AD203B41FA5}">
-                      <a16:colId xmlns:a16="http://schemas.microsoft.com/office/drawing/2014/main" val="2599814503"/>
-                    </a:ext>
-                  </a:extLst>
-                </a:gridCol>
-              </a:tblGrid>
-              <a:tr h="217571">
-                <a:tc>
-                  <a:txBody>
-                    <a:bodyPr/>
-                    <a:lstStyle/>
-                    <a:p>
-                      <a:pPr algn="ctr" fontAlgn="ctr"/>
-                      <a:r>
-                        <a:rPr lang="de-DE" sz="1500" dirty="0">
-                          <a:effectLst/>
-                        </a:rPr>
-                        <a:t>Feuchte (in %)</a:t>
-                      </a:r>
-                    </a:p>
-                  </a:txBody>
-                  <a:tcPr marL="50800" marR="50800" marT="25400" marB="25400" anchor="ctr">
-                    <a:solidFill>
-                      <a:srgbClr val="E30019"/>
-                    </a:solidFill>
-                  </a:tcPr>
-                </a:tc>
-                <a:tc>
-                  <a:txBody>
-                    <a:bodyPr/>
-                    <a:lstStyle/>
-                    <a:p>
-                      <a:pPr algn="ctr" fontAlgn="ctr"/>
-                      <a:r>
-                        <a:rPr lang="de-DE" sz="1500" dirty="0">
-                          <a:effectLst/>
-                        </a:rPr>
-                        <a:t>Temperatur (in °C)</a:t>
-                      </a:r>
-                    </a:p>
-                  </a:txBody>
-                  <a:tcPr marL="50800" marR="50800" marT="25400" marB="25400" anchor="ctr">
-                    <a:solidFill>
-                      <a:srgbClr val="E30019"/>
-                    </a:solidFill>
-                  </a:tcPr>
-                </a:tc>
-                <a:extLst>
-                  <a:ext uri="{0D108BD9-81ED-4DB2-BD59-A6C34878D82A}">
-                    <a16:rowId xmlns:a16="http://schemas.microsoft.com/office/drawing/2014/main" val="3345817764"/>
-                  </a:ext>
-                </a:extLst>
-              </a:tr>
-              <a:tr h="217571">
-                <a:tc>
-                  <a:txBody>
-                    <a:bodyPr/>
-                    <a:lstStyle/>
-                    <a:p>
-                      <a:pPr algn="ctr"/>
-                      <a:r>
-                        <a:rPr lang="de-DE" sz="1500">
-                          <a:effectLst/>
-                        </a:rPr>
-                        <a:t>42</a:t>
-                      </a:r>
-                    </a:p>
-                  </a:txBody>
-                  <a:tcPr marL="50800" marR="50800" marT="25400" marB="25400" anchor="ctr"/>
-                </a:tc>
-                <a:tc>
-                  <a:txBody>
-                    <a:bodyPr/>
-                    <a:lstStyle/>
-                    <a:p>
-                      <a:pPr algn="ctr"/>
-                      <a:r>
-                        <a:rPr lang="de-DE" sz="1500">
-                          <a:effectLst/>
-                        </a:rPr>
-                        <a:t>21</a:t>
-                      </a:r>
-                    </a:p>
-                  </a:txBody>
-                  <a:tcPr marL="50800" marR="50800" marT="25400" marB="25400" anchor="ctr"/>
-                </a:tc>
-                <a:extLst>
-                  <a:ext uri="{0D108BD9-81ED-4DB2-BD59-A6C34878D82A}">
-                    <a16:rowId xmlns:a16="http://schemas.microsoft.com/office/drawing/2014/main" val="4042259133"/>
-                  </a:ext>
-                </a:extLst>
-              </a:tr>
-              <a:tr h="217571">
-                <a:tc>
-                  <a:txBody>
-                    <a:bodyPr/>
-                    <a:lstStyle/>
-                    <a:p>
-                      <a:pPr algn="ctr"/>
-                      <a:r>
-                        <a:rPr lang="de-DE" sz="1500">
-                          <a:effectLst/>
-                        </a:rPr>
-                        <a:t>45</a:t>
-                      </a:r>
-                    </a:p>
-                  </a:txBody>
-                  <a:tcPr marL="50800" marR="50800" marT="25400" marB="25400" anchor="ctr"/>
-                </a:tc>
-                <a:tc>
-                  <a:txBody>
-                    <a:bodyPr/>
-                    <a:lstStyle/>
-                    <a:p>
-                      <a:pPr algn="ctr"/>
-                      <a:r>
-                        <a:rPr lang="de-DE" sz="1500">
-                          <a:effectLst/>
-                        </a:rPr>
-                        <a:t>19</a:t>
-                      </a:r>
-                    </a:p>
-                  </a:txBody>
-                  <a:tcPr marL="50800" marR="50800" marT="25400" marB="25400" anchor="ctr"/>
-                </a:tc>
-                <a:extLst>
-                  <a:ext uri="{0D108BD9-81ED-4DB2-BD59-A6C34878D82A}">
-                    <a16:rowId xmlns:a16="http://schemas.microsoft.com/office/drawing/2014/main" val="3329224589"/>
-                  </a:ext>
-                </a:extLst>
-              </a:tr>
-              <a:tr h="217571">
-                <a:tc>
-                  <a:txBody>
-                    <a:bodyPr/>
-                    <a:lstStyle/>
-                    <a:p>
-                      <a:pPr algn="ctr"/>
-                      <a:r>
-                        <a:rPr lang="de-DE" sz="1500">
-                          <a:effectLst/>
-                        </a:rPr>
-                        <a:t>52</a:t>
-                      </a:r>
-                    </a:p>
-                  </a:txBody>
-                  <a:tcPr marL="50800" marR="50800" marT="25400" marB="25400" anchor="ctr"/>
-                </a:tc>
-                <a:tc>
-                  <a:txBody>
-                    <a:bodyPr/>
-                    <a:lstStyle/>
-                    <a:p>
-                      <a:pPr algn="ctr"/>
-                      <a:r>
-                        <a:rPr lang="de-DE" sz="1500">
-                          <a:effectLst/>
-                        </a:rPr>
-                        <a:t>19</a:t>
-                      </a:r>
-                    </a:p>
-                  </a:txBody>
-                  <a:tcPr marL="50800" marR="50800" marT="25400" marB="25400" anchor="ctr"/>
-                </a:tc>
-                <a:extLst>
-                  <a:ext uri="{0D108BD9-81ED-4DB2-BD59-A6C34878D82A}">
-                    <a16:rowId xmlns:a16="http://schemas.microsoft.com/office/drawing/2014/main" val="828816034"/>
-                  </a:ext>
-                </a:extLst>
-              </a:tr>
-              <a:tr h="217571">
-                <a:tc>
-                  <a:txBody>
-                    <a:bodyPr/>
-                    <a:lstStyle/>
-                    <a:p>
-                      <a:pPr algn="ctr"/>
-                      <a:r>
-                        <a:rPr lang="de-DE" sz="1500">
-                          <a:effectLst/>
-                        </a:rPr>
-                        <a:t>55</a:t>
-                      </a:r>
-                    </a:p>
-                  </a:txBody>
-                  <a:tcPr marL="50800" marR="50800" marT="25400" marB="25400" anchor="ctr"/>
-                </a:tc>
-                <a:tc>
-                  <a:txBody>
-                    <a:bodyPr/>
-                    <a:lstStyle/>
-                    <a:p>
-                      <a:pPr algn="ctr"/>
-                      <a:r>
-                        <a:rPr lang="de-DE" sz="1500">
-                          <a:effectLst/>
-                        </a:rPr>
-                        <a:t>21</a:t>
-                      </a:r>
-                    </a:p>
-                  </a:txBody>
-                  <a:tcPr marL="50800" marR="50800" marT="25400" marB="25400" anchor="ctr"/>
-                </a:tc>
-                <a:extLst>
-                  <a:ext uri="{0D108BD9-81ED-4DB2-BD59-A6C34878D82A}">
-                    <a16:rowId xmlns:a16="http://schemas.microsoft.com/office/drawing/2014/main" val="2087478695"/>
-                  </a:ext>
-                </a:extLst>
-              </a:tr>
-              <a:tr h="217571">
-                <a:tc>
-                  <a:txBody>
-                    <a:bodyPr/>
-                    <a:lstStyle/>
-                    <a:p>
-                      <a:pPr algn="ctr"/>
-                      <a:r>
-                        <a:rPr lang="de-DE" sz="1500">
-                          <a:effectLst/>
-                        </a:rPr>
-                        <a:t>53</a:t>
-                      </a:r>
-                    </a:p>
-                  </a:txBody>
-                  <a:tcPr marL="50800" marR="50800" marT="25400" marB="25400" anchor="ctr"/>
-                </a:tc>
-                <a:tc>
-                  <a:txBody>
-                    <a:bodyPr/>
-                    <a:lstStyle/>
-                    <a:p>
-                      <a:pPr algn="ctr"/>
-                      <a:r>
-                        <a:rPr lang="de-DE" sz="1500">
-                          <a:effectLst/>
-                        </a:rPr>
-                        <a:t>22</a:t>
-                      </a:r>
-                    </a:p>
-                  </a:txBody>
-                  <a:tcPr marL="50800" marR="50800" marT="25400" marB="25400" anchor="ctr"/>
-                </a:tc>
-                <a:extLst>
-                  <a:ext uri="{0D108BD9-81ED-4DB2-BD59-A6C34878D82A}">
-                    <a16:rowId xmlns:a16="http://schemas.microsoft.com/office/drawing/2014/main" val="2885489644"/>
-                  </a:ext>
-                </a:extLst>
-              </a:tr>
-              <a:tr h="217571">
-                <a:tc>
-                  <a:txBody>
-                    <a:bodyPr/>
-                    <a:lstStyle/>
-                    <a:p>
-                      <a:pPr algn="ctr"/>
-                      <a:r>
-                        <a:rPr lang="de-DE" sz="1500">
-                          <a:effectLst/>
-                        </a:rPr>
-                        <a:t>69</a:t>
-                      </a:r>
-                    </a:p>
-                  </a:txBody>
-                  <a:tcPr marL="50800" marR="50800" marT="25400" marB="25400" anchor="ctr"/>
-                </a:tc>
-                <a:tc>
-                  <a:txBody>
-                    <a:bodyPr/>
-                    <a:lstStyle/>
-                    <a:p>
-                      <a:pPr algn="ctr"/>
-                      <a:r>
-                        <a:rPr lang="de-DE" sz="1500">
-                          <a:effectLst/>
-                        </a:rPr>
-                        <a:t>23</a:t>
-                      </a:r>
-                    </a:p>
-                  </a:txBody>
-                  <a:tcPr marL="50800" marR="50800" marT="25400" marB="25400" anchor="ctr"/>
-                </a:tc>
-                <a:extLst>
-                  <a:ext uri="{0D108BD9-81ED-4DB2-BD59-A6C34878D82A}">
-                    <a16:rowId xmlns:a16="http://schemas.microsoft.com/office/drawing/2014/main" val="180312750"/>
-                  </a:ext>
-                </a:extLst>
-              </a:tr>
-              <a:tr h="217571">
-                <a:tc>
-                  <a:txBody>
-                    <a:bodyPr/>
-                    <a:lstStyle/>
-                    <a:p>
-                      <a:pPr algn="ctr"/>
-                      <a:r>
-                        <a:rPr lang="de-DE" sz="1500">
-                          <a:effectLst/>
-                        </a:rPr>
-                        <a:t>80</a:t>
-                      </a:r>
-                    </a:p>
-                  </a:txBody>
-                  <a:tcPr marL="50800" marR="50800" marT="25400" marB="25400" anchor="ctr"/>
-                </a:tc>
-                <a:tc>
-                  <a:txBody>
-                    <a:bodyPr/>
-                    <a:lstStyle/>
-                    <a:p>
-                      <a:pPr algn="ctr"/>
-                      <a:r>
-                        <a:rPr lang="de-DE" sz="1500">
-                          <a:effectLst/>
-                        </a:rPr>
-                        <a:t>21</a:t>
-                      </a:r>
-                    </a:p>
-                  </a:txBody>
-                  <a:tcPr marL="50800" marR="50800" marT="25400" marB="25400" anchor="ctr"/>
-                </a:tc>
-                <a:extLst>
-                  <a:ext uri="{0D108BD9-81ED-4DB2-BD59-A6C34878D82A}">
-                    <a16:rowId xmlns:a16="http://schemas.microsoft.com/office/drawing/2014/main" val="2040250038"/>
-                  </a:ext>
-                </a:extLst>
-              </a:tr>
-              <a:tr h="217571">
-                <a:tc>
-                  <a:txBody>
-                    <a:bodyPr/>
-                    <a:lstStyle/>
-                    <a:p>
-                      <a:pPr algn="ctr"/>
-                      <a:r>
-                        <a:rPr lang="de-DE" sz="1500">
-                          <a:effectLst/>
-                        </a:rPr>
-                        <a:t>81</a:t>
-                      </a:r>
-                    </a:p>
-                  </a:txBody>
-                  <a:tcPr marL="50800" marR="50800" marT="25400" marB="25400" anchor="ctr"/>
-                </a:tc>
-                <a:tc>
-                  <a:txBody>
-                    <a:bodyPr/>
-                    <a:lstStyle/>
-                    <a:p>
-                      <a:pPr algn="ctr"/>
-                      <a:r>
-                        <a:rPr lang="de-DE" sz="1500">
-                          <a:effectLst/>
-                        </a:rPr>
-                        <a:t>23</a:t>
-                      </a:r>
-                    </a:p>
-                  </a:txBody>
-                  <a:tcPr marL="50800" marR="50800" marT="25400" marB="25400" anchor="ctr"/>
-                </a:tc>
-                <a:extLst>
-                  <a:ext uri="{0D108BD9-81ED-4DB2-BD59-A6C34878D82A}">
-                    <a16:rowId xmlns:a16="http://schemas.microsoft.com/office/drawing/2014/main" val="1792044841"/>
-                  </a:ext>
-                </a:extLst>
-              </a:tr>
-              <a:tr h="217571">
-                <a:tc>
-                  <a:txBody>
-                    <a:bodyPr/>
-                    <a:lstStyle/>
-                    <a:p>
-                      <a:pPr algn="ctr"/>
-                      <a:r>
-                        <a:rPr lang="de-DE" sz="1500">
-                          <a:effectLst/>
-                        </a:rPr>
-                        <a:t>73</a:t>
-                      </a:r>
-                    </a:p>
-                  </a:txBody>
-                  <a:tcPr marL="50800" marR="50800" marT="25400" marB="25400" anchor="ctr"/>
-                </a:tc>
-                <a:tc>
-                  <a:txBody>
-                    <a:bodyPr/>
-                    <a:lstStyle/>
-                    <a:p>
-                      <a:pPr algn="ctr"/>
-                      <a:r>
-                        <a:rPr lang="de-DE" sz="1500">
-                          <a:effectLst/>
-                        </a:rPr>
-                        <a:t>25</a:t>
-                      </a:r>
-                    </a:p>
-                  </a:txBody>
-                  <a:tcPr marL="50800" marR="50800" marT="25400" marB="25400" anchor="ctr"/>
-                </a:tc>
-                <a:extLst>
-                  <a:ext uri="{0D108BD9-81ED-4DB2-BD59-A6C34878D82A}">
-                    <a16:rowId xmlns:a16="http://schemas.microsoft.com/office/drawing/2014/main" val="1112722223"/>
-                  </a:ext>
-                </a:extLst>
-              </a:tr>
-              <a:tr h="217571">
-                <a:tc>
-                  <a:txBody>
-                    <a:bodyPr/>
-                    <a:lstStyle/>
-                    <a:p>
-                      <a:pPr algn="ctr"/>
-                      <a:r>
-                        <a:rPr lang="de-DE" sz="1500" dirty="0">
-                          <a:effectLst/>
-                        </a:rPr>
-                        <a:t>75</a:t>
-                      </a:r>
-                    </a:p>
-                  </a:txBody>
-                  <a:tcPr marL="50800" marR="50800" marT="25400" marB="25400" anchor="ctr"/>
-                </a:tc>
-                <a:tc>
-                  <a:txBody>
-                    <a:bodyPr/>
-                    <a:lstStyle/>
-                    <a:p>
-                      <a:pPr algn="ctr"/>
-                      <a:r>
-                        <a:rPr lang="de-DE" sz="1500" dirty="0">
-                          <a:effectLst/>
-                        </a:rPr>
-                        <a:t>25</a:t>
-                      </a:r>
-                    </a:p>
-                  </a:txBody>
-                  <a:tcPr marL="50800" marR="50800" marT="25400" marB="25400" anchor="ctr"/>
-                </a:tc>
-                <a:extLst>
-                  <a:ext uri="{0D108BD9-81ED-4DB2-BD59-A6C34878D82A}">
-                    <a16:rowId xmlns:a16="http://schemas.microsoft.com/office/drawing/2014/main" val="2107948847"/>
-                  </a:ext>
-                </a:extLst>
-              </a:tr>
-            </a:tbl>
-          </a:graphicData>
-        </a:graphic>
-      </p:graphicFrame>
+              <a:t>: </a:t>
+            </a:r>
+            <a:r>
+              <a:rPr lang="de-DE" sz="2000" dirty="0" err="1">
+                <a:solidFill>
+                  <a:schemeClr val="tx1">
+                    <a:lumMod val="85000"/>
+                    <a:lumOff val="15000"/>
+                  </a:schemeClr>
+                </a:solidFill>
+              </a:rPr>
+              <a:t>methods</a:t>
+            </a:r>
+            <a:r>
+              <a:rPr lang="de-DE" sz="2000" dirty="0">
+                <a:solidFill>
+                  <a:schemeClr val="tx1">
+                    <a:lumMod val="85000"/>
+                    <a:lumOff val="15000"/>
+                  </a:schemeClr>
+                </a:solidFill>
+              </a:rPr>
+              <a:t> and </a:t>
+            </a:r>
+            <a:r>
+              <a:rPr lang="de-DE" sz="2000" dirty="0" err="1">
+                <a:solidFill>
+                  <a:schemeClr val="tx1">
+                    <a:lumMod val="85000"/>
+                    <a:lumOff val="15000"/>
+                  </a:schemeClr>
+                </a:solidFill>
+              </a:rPr>
+              <a:t>prospects</a:t>
+            </a:r>
+            <a:r>
+              <a:rPr lang="de-DE" sz="2000" dirty="0">
+                <a:solidFill>
+                  <a:schemeClr val="tx1">
+                    <a:lumMod val="85000"/>
+                    <a:lumOff val="15000"/>
+                  </a:schemeClr>
+                </a:solidFill>
+              </a:rPr>
+              <a:t>. Big Data Analytics, 1(1), pp.1-22.</a:t>
+            </a:r>
+          </a:p>
+          <a:p>
+            <a:pPr marL="0" indent="0">
+              <a:lnSpc>
+                <a:spcPct val="100000"/>
+              </a:lnSpc>
+              <a:buNone/>
+            </a:pPr>
+            <a:endParaRPr lang="de-DE" sz="2000" dirty="0">
+              <a:solidFill>
+                <a:schemeClr val="tx1">
+                  <a:lumMod val="85000"/>
+                  <a:lumOff val="15000"/>
+                </a:schemeClr>
+              </a:solidFill>
+            </a:endParaRPr>
+          </a:p>
+        </p:txBody>
+      </p:sp>
     </p:spTree>
     <p:extLst>
       <p:ext uri="{BB962C8B-B14F-4D97-AF65-F5344CB8AC3E}">
-        <p14:creationId xmlns:p14="http://schemas.microsoft.com/office/powerpoint/2010/main" val="3269638773"/>
+        <p14:creationId xmlns:p14="http://schemas.microsoft.com/office/powerpoint/2010/main" val="193226361"/>
       </p:ext>
     </p:extLst>
   </p:cSld>
@@ -8009,7 +7278,7 @@
 </p:sld>
 </file>
 
-<file path=ppt/slides/slide6.xml><?xml version="1.0" encoding="utf-8"?>
+<file path=ppt/slides/slide2.xml><?xml version="1.0" encoding="utf-8"?>
 <p:sld xmlns:a="http://schemas.openxmlformats.org/drawingml/2006/main" xmlns:r="http://schemas.openxmlformats.org/officeDocument/2006/relationships" xmlns:p="http://schemas.openxmlformats.org/presentationml/2006/main">
   <p:cSld>
     <p:spTree>
@@ -8080,7 +7349,7 @@
                   <a:srgbClr val="E30019"/>
                 </a:solidFill>
               </a:rPr>
-              <a:t>Daten visualisieren</a:t>
+              <a:t>Agenda</a:t>
             </a:r>
           </a:p>
         </p:txBody>
@@ -8220,7 +7489,7 @@
                 </a:solidFill>
               </a:rPr>
               <a:pPr algn="ctr"/>
-              <a:t>6</a:t>
+              <a:t>2</a:t>
             </a:fld>
             <a:endParaRPr lang="de-DE" sz="1200" dirty="0">
               <a:solidFill>
@@ -8372,7 +7641,7 @@
                   </a:schemeClr>
                 </a:solidFill>
               </a:rPr>
-              <a:t>03.12.2022</a:t>
+              <a:t>08.12.2022</a:t>
             </a:r>
           </a:p>
         </p:txBody>
@@ -8394,7 +7663,7 @@
         <p:spPr>
           <a:xfrm>
             <a:off x="1056640" y="1634362"/>
-            <a:ext cx="10078720" cy="3958718"/>
+            <a:ext cx="10078720" cy="4274998"/>
           </a:xfrm>
           <a:prstGeom prst="rect">
             <a:avLst/>
@@ -8569,12 +7838,37 @@
             </a:lvl9pPr>
           </a:lstStyle>
           <a:p>
-            <a:pPr>
-              <a:lnSpc>
-                <a:spcPct val="200000"/>
-              </a:lnSpc>
+            <a:pPr marL="514350" indent="-514350">
+              <a:lnSpc>
+                <a:spcPct val="150000"/>
+              </a:lnSpc>
+              <a:buFont typeface="+mj-lt"/>
+              <a:buAutoNum type="arabicPeriod"/>
             </a:pPr>
-            <a:endParaRPr lang="de-DE" sz="2000" dirty="0">
+            <a:r>
+              <a:rPr lang="de-DE" sz="1800" dirty="0">
+                <a:solidFill>
+                  <a:schemeClr val="tx1">
+                    <a:lumMod val="85000"/>
+                    <a:lumOff val="15000"/>
+                  </a:schemeClr>
+                </a:solidFill>
+              </a:rPr>
+              <a:t>Definition Cluster-Analyse </a:t>
+            </a:r>
+            <a:r>
+              <a:rPr lang="de-DE" sz="1800" dirty="0">
+                <a:solidFill>
+                  <a:schemeClr val="tx1">
+                    <a:lumMod val="85000"/>
+                    <a:lumOff val="15000"/>
+                  </a:schemeClr>
+                </a:solidFill>
+                <a:sym typeface="Wingdings" panose="05000000000000000000" pitchFamily="2" charset="2"/>
+              </a:rPr>
+              <a:t> Marius</a:t>
+            </a:r>
+            <a:endParaRPr lang="de-DE" sz="1800" dirty="0">
               <a:solidFill>
                 <a:schemeClr val="tx1">
                   <a:lumMod val="85000"/>
@@ -8583,38 +7877,16 @@
               </a:solidFill>
             </a:endParaRPr>
           </a:p>
-        </p:txBody>
-      </p:sp>
-      <p:sp>
-        <p:nvSpPr>
-          <p:cNvPr id="2" name="Textfeld 1">
-            <a:extLst>
-              <a:ext uri="{FF2B5EF4-FFF2-40B4-BE49-F238E27FC236}">
-                <a16:creationId xmlns:a16="http://schemas.microsoft.com/office/drawing/2014/main" id="{DC402030-A262-A55C-2834-D01BBCE7AE12}"/>
-              </a:ext>
-            </a:extLst>
-          </p:cNvPr>
-          <p:cNvSpPr txBox="1"/>
-          <p:nvPr/>
-        </p:nvSpPr>
-        <p:spPr>
-          <a:xfrm>
-            <a:off x="10327639" y="5346859"/>
-            <a:ext cx="1524649" cy="246221"/>
-          </a:xfrm>
-          <a:prstGeom prst="rect">
-            <a:avLst/>
-          </a:prstGeom>
-          <a:noFill/>
-        </p:spPr>
-        <p:txBody>
-          <a:bodyPr wrap="square" rtlCol="0">
-            <a:spAutoFit/>
-          </a:bodyPr>
-          <a:lstStyle/>
-          <a:p>
-            <a:r>
-              <a:rPr lang="de-DE" sz="1000" i="1" dirty="0">
+          <a:p>
+            <a:pPr marL="514350" indent="-514350">
+              <a:lnSpc>
+                <a:spcPct val="150000"/>
+              </a:lnSpc>
+              <a:buFont typeface="+mj-lt"/>
+              <a:buAutoNum type="arabicPeriod"/>
+            </a:pPr>
+            <a:r>
+              <a:rPr lang="de-DE" sz="1800" dirty="0">
                 <a:solidFill>
                   <a:schemeClr val="tx1">
                     <a:lumMod val="85000"/>
@@ -8622,20 +7894,21 @@
                   </a:schemeClr>
                 </a:solidFill>
               </a:rPr>
-              <a:t>Visualisiert mit </a:t>
-            </a:r>
-            <a:r>
-              <a:rPr lang="de-DE" sz="1000" i="1" dirty="0" err="1">
+              <a:t>Kontext Datensatz </a:t>
+            </a:r>
+            <a:r>
+              <a:rPr lang="de-DE" sz="1800" dirty="0">
                 <a:solidFill>
                   <a:schemeClr val="tx1">
                     <a:lumMod val="85000"/>
                     <a:lumOff val="15000"/>
                   </a:schemeClr>
                 </a:solidFill>
-              </a:rPr>
-              <a:t>Matplotlib</a:t>
-            </a:r>
-            <a:endParaRPr lang="de-DE" sz="1000" i="1" dirty="0">
+                <a:sym typeface="Wingdings" panose="05000000000000000000" pitchFamily="2" charset="2"/>
+              </a:rPr>
+              <a:t> Marius</a:t>
+            </a:r>
+            <a:endParaRPr lang="de-DE" sz="1800" dirty="0">
               <a:solidFill>
                 <a:schemeClr val="tx1">
                   <a:lumMod val="85000"/>
@@ -8644,42 +7917,234 @@
               </a:solidFill>
             </a:endParaRPr>
           </a:p>
-        </p:txBody>
-      </p:sp>
-      <p:pic>
-        <p:nvPicPr>
-          <p:cNvPr id="5" name="Grafik 4">
-            <a:extLst>
-              <a:ext uri="{FF2B5EF4-FFF2-40B4-BE49-F238E27FC236}">
-                <a16:creationId xmlns:a16="http://schemas.microsoft.com/office/drawing/2014/main" id="{E88B7AEA-C67B-1F03-BB09-AF7D4812DBEA}"/>
-              </a:ext>
-            </a:extLst>
-          </p:cNvPr>
-          <p:cNvPicPr>
-            <a:picLocks noChangeAspect="1"/>
-          </p:cNvPicPr>
-          <p:nvPr/>
-        </p:nvPicPr>
-        <p:blipFill>
-          <a:blip r:embed="rId3"/>
-          <a:stretch>
-            <a:fillRect/>
-          </a:stretch>
-        </p:blipFill>
-        <p:spPr>
-          <a:xfrm>
-            <a:off x="3640208" y="1634361"/>
-            <a:ext cx="4911583" cy="3958718"/>
-          </a:xfrm>
-          <a:prstGeom prst="rect">
-            <a:avLst/>
-          </a:prstGeom>
-        </p:spPr>
-      </p:pic>
+          <a:p>
+            <a:pPr marL="514350" indent="-514350">
+              <a:lnSpc>
+                <a:spcPct val="150000"/>
+              </a:lnSpc>
+              <a:buFont typeface="+mj-lt"/>
+              <a:buAutoNum type="arabicPeriod"/>
+            </a:pPr>
+            <a:r>
+              <a:rPr lang="de-DE" sz="1800" dirty="0">
+                <a:solidFill>
+                  <a:schemeClr val="tx1">
+                    <a:lumMod val="85000"/>
+                    <a:lumOff val="15000"/>
+                  </a:schemeClr>
+                </a:solidFill>
+              </a:rPr>
+              <a:t>Daten visualisieren &amp; aufbereiten </a:t>
+            </a:r>
+            <a:r>
+              <a:rPr lang="de-DE" sz="1800" dirty="0">
+                <a:solidFill>
+                  <a:schemeClr val="tx1">
+                    <a:lumMod val="85000"/>
+                    <a:lumOff val="15000"/>
+                  </a:schemeClr>
+                </a:solidFill>
+                <a:sym typeface="Wingdings" panose="05000000000000000000" pitchFamily="2" charset="2"/>
+              </a:rPr>
+              <a:t> Mario</a:t>
+            </a:r>
+            <a:endParaRPr lang="de-DE" sz="1800" dirty="0">
+              <a:solidFill>
+                <a:schemeClr val="tx1">
+                  <a:lumMod val="85000"/>
+                  <a:lumOff val="15000"/>
+                </a:schemeClr>
+              </a:solidFill>
+            </a:endParaRPr>
+          </a:p>
+          <a:p>
+            <a:pPr marL="514350" indent="-514350">
+              <a:lnSpc>
+                <a:spcPct val="150000"/>
+              </a:lnSpc>
+              <a:buFont typeface="+mj-lt"/>
+              <a:buAutoNum type="arabicPeriod"/>
+            </a:pPr>
+            <a:r>
+              <a:rPr lang="de-DE" sz="1800" dirty="0">
+                <a:solidFill>
+                  <a:schemeClr val="tx1">
+                    <a:lumMod val="85000"/>
+                    <a:lumOff val="15000"/>
+                  </a:schemeClr>
+                </a:solidFill>
+              </a:rPr>
+              <a:t>Cluster-Analyse: </a:t>
+            </a:r>
+            <a:r>
+              <a:rPr lang="de-DE" sz="1800" dirty="0" err="1">
+                <a:solidFill>
+                  <a:schemeClr val="tx1">
+                    <a:lumMod val="85000"/>
+                    <a:lumOff val="15000"/>
+                  </a:schemeClr>
+                </a:solidFill>
+              </a:rPr>
+              <a:t>kMeans</a:t>
+            </a:r>
+            <a:r>
+              <a:rPr lang="de-DE" sz="1800" dirty="0">
+                <a:solidFill>
+                  <a:schemeClr val="tx1">
+                    <a:lumMod val="85000"/>
+                    <a:lumOff val="15000"/>
+                  </a:schemeClr>
+                </a:solidFill>
+              </a:rPr>
+              <a:t> </a:t>
+            </a:r>
+            <a:r>
+              <a:rPr lang="de-DE" sz="1800" dirty="0">
+                <a:solidFill>
+                  <a:schemeClr val="tx1">
+                    <a:lumMod val="85000"/>
+                    <a:lumOff val="15000"/>
+                  </a:schemeClr>
+                </a:solidFill>
+                <a:sym typeface="Wingdings" panose="05000000000000000000" pitchFamily="2" charset="2"/>
+              </a:rPr>
+              <a:t> Marius</a:t>
+            </a:r>
+            <a:endParaRPr lang="de-DE" sz="1800" dirty="0">
+              <a:solidFill>
+                <a:schemeClr val="tx1">
+                  <a:lumMod val="85000"/>
+                  <a:lumOff val="15000"/>
+                </a:schemeClr>
+              </a:solidFill>
+            </a:endParaRPr>
+          </a:p>
+          <a:p>
+            <a:pPr marL="514350" indent="-514350">
+              <a:lnSpc>
+                <a:spcPct val="150000"/>
+              </a:lnSpc>
+              <a:buFont typeface="+mj-lt"/>
+              <a:buAutoNum type="arabicPeriod"/>
+            </a:pPr>
+            <a:r>
+              <a:rPr lang="de-DE" sz="1800" dirty="0">
+                <a:solidFill>
+                  <a:schemeClr val="tx1">
+                    <a:lumMod val="85000"/>
+                    <a:lumOff val="15000"/>
+                  </a:schemeClr>
+                </a:solidFill>
+              </a:rPr>
+              <a:t>Cluster-Analyse: Hierarchisch </a:t>
+            </a:r>
+            <a:r>
+              <a:rPr lang="de-DE" sz="1800" dirty="0">
+                <a:solidFill>
+                  <a:schemeClr val="tx1">
+                    <a:lumMod val="85000"/>
+                    <a:lumOff val="15000"/>
+                  </a:schemeClr>
+                </a:solidFill>
+                <a:sym typeface="Wingdings" panose="05000000000000000000" pitchFamily="2" charset="2"/>
+              </a:rPr>
+              <a:t> Mario</a:t>
+            </a:r>
+            <a:endParaRPr lang="de-DE" sz="1800" dirty="0">
+              <a:solidFill>
+                <a:schemeClr val="tx1">
+                  <a:lumMod val="85000"/>
+                  <a:lumOff val="15000"/>
+                </a:schemeClr>
+              </a:solidFill>
+            </a:endParaRPr>
+          </a:p>
+          <a:p>
+            <a:pPr marL="514350" indent="-514350">
+              <a:lnSpc>
+                <a:spcPct val="150000"/>
+              </a:lnSpc>
+              <a:buFont typeface="+mj-lt"/>
+              <a:buAutoNum type="arabicPeriod"/>
+            </a:pPr>
+            <a:r>
+              <a:rPr lang="de-DE" sz="1800" dirty="0">
+                <a:solidFill>
+                  <a:schemeClr val="tx1">
+                    <a:lumMod val="85000"/>
+                    <a:lumOff val="15000"/>
+                  </a:schemeClr>
+                </a:solidFill>
+              </a:rPr>
+              <a:t>Kritische Reflexion </a:t>
+            </a:r>
+            <a:r>
+              <a:rPr lang="de-DE" sz="1800" dirty="0">
+                <a:solidFill>
+                  <a:schemeClr val="tx1">
+                    <a:lumMod val="85000"/>
+                    <a:lumOff val="15000"/>
+                  </a:schemeClr>
+                </a:solidFill>
+                <a:sym typeface="Wingdings" panose="05000000000000000000" pitchFamily="2" charset="2"/>
+              </a:rPr>
+              <a:t> Marius</a:t>
+            </a:r>
+            <a:endParaRPr lang="de-DE" sz="1800" dirty="0">
+              <a:solidFill>
+                <a:schemeClr val="tx1">
+                  <a:lumMod val="85000"/>
+                  <a:lumOff val="15000"/>
+                </a:schemeClr>
+              </a:solidFill>
+            </a:endParaRPr>
+          </a:p>
+          <a:p>
+            <a:pPr marL="514350" indent="-514350">
+              <a:lnSpc>
+                <a:spcPct val="150000"/>
+              </a:lnSpc>
+              <a:buFont typeface="+mj-lt"/>
+              <a:buAutoNum type="arabicPeriod"/>
+            </a:pPr>
+            <a:r>
+              <a:rPr lang="de-DE" sz="1800" dirty="0">
+                <a:solidFill>
+                  <a:schemeClr val="tx1">
+                    <a:lumMod val="85000"/>
+                    <a:lumOff val="15000"/>
+                  </a:schemeClr>
+                </a:solidFill>
+              </a:rPr>
+              <a:t>Fazit </a:t>
+            </a:r>
+            <a:r>
+              <a:rPr lang="de-DE" sz="1800" dirty="0">
+                <a:solidFill>
+                  <a:schemeClr val="tx1">
+                    <a:lumMod val="85000"/>
+                    <a:lumOff val="15000"/>
+                  </a:schemeClr>
+                </a:solidFill>
+                <a:sym typeface="Wingdings" panose="05000000000000000000" pitchFamily="2" charset="2"/>
+              </a:rPr>
+              <a:t> Mario</a:t>
+            </a:r>
+            <a:endParaRPr lang="de-DE" sz="1800" dirty="0">
+              <a:solidFill>
+                <a:schemeClr val="tx1">
+                  <a:lumMod val="85000"/>
+                  <a:lumOff val="15000"/>
+                </a:schemeClr>
+              </a:solidFill>
+            </a:endParaRPr>
+          </a:p>
+        </p:txBody>
+      </p:sp>
     </p:spTree>
     <p:extLst>
       <p:ext uri="{BB962C8B-B14F-4D97-AF65-F5344CB8AC3E}">
-        <p14:creationId xmlns:p14="http://schemas.microsoft.com/office/powerpoint/2010/main" val="3061857485"/>
+        <p14:creationId xmlns:p14="http://schemas.microsoft.com/office/powerpoint/2010/main" val="3536631178"/>
       </p:ext>
     </p:extLst>
   </p:cSld>
@@ -8689,7 +8154,7 @@
 </p:sld>
 </file>
 
-<file path=ppt/slides/slide7.xml><?xml version="1.0" encoding="utf-8"?>
+<file path=ppt/slides/slide3.xml><?xml version="1.0" encoding="utf-8"?>
 <p:sld xmlns:a="http://schemas.openxmlformats.org/drawingml/2006/main" xmlns:r="http://schemas.openxmlformats.org/officeDocument/2006/relationships" xmlns:p="http://schemas.openxmlformats.org/presentationml/2006/main">
   <p:cSld>
     <p:spTree>
@@ -8760,21 +8225,8 @@
                   <a:srgbClr val="E30019"/>
                 </a:solidFill>
               </a:rPr>
-              <a:t>Cluster-Analyse: </a:t>
-            </a:r>
-            <a:r>
-              <a:rPr lang="de-DE" sz="3200" b="1" dirty="0" err="1">
-                <a:solidFill>
-                  <a:srgbClr val="E30019"/>
-                </a:solidFill>
-              </a:rPr>
-              <a:t>kMeans</a:t>
-            </a:r>
-            <a:endParaRPr lang="de-DE" sz="3200" b="1" dirty="0">
-              <a:solidFill>
-                <a:srgbClr val="E30019"/>
-              </a:solidFill>
-            </a:endParaRPr>
+              <a:t>Definition Cluster-Analyse</a:t>
+            </a:r>
           </a:p>
         </p:txBody>
       </p:sp>
@@ -8913,7 +8365,7 @@
                 </a:solidFill>
               </a:rPr>
               <a:pPr algn="ctr"/>
-              <a:t>7</a:t>
+              <a:t>3</a:t>
             </a:fld>
             <a:endParaRPr lang="de-DE" sz="1200" dirty="0">
               <a:solidFill>
@@ -9065,7 +8517,7 @@
                   </a:schemeClr>
                 </a:solidFill>
               </a:rPr>
-              <a:t>03.12.2022</a:t>
+              <a:t>08.12.2022</a:t>
             </a:r>
           </a:p>
         </p:txBody>
@@ -9264,11 +8716,11 @@
           <a:p>
             <a:pPr>
               <a:lnSpc>
-                <a:spcPct val="150000"/>
+                <a:spcPct val="200000"/>
               </a:lnSpc>
             </a:pPr>
             <a:r>
-              <a:rPr lang="de-DE" sz="2000" dirty="0" err="1">
+              <a:rPr lang="de-DE" sz="2000" dirty="0">
                 <a:solidFill>
                   <a:schemeClr val="tx1">
                     <a:lumMod val="85000"/>
@@ -9276,23 +8728,116 @@
                   </a:schemeClr>
                 </a:solidFill>
               </a:rPr>
-              <a:t>Lorem</a:t>
-            </a:r>
-            <a:endParaRPr lang="de-DE" sz="2000" dirty="0">
-              <a:solidFill>
-                <a:schemeClr val="tx1">
-                  <a:lumMod val="85000"/>
-                  <a:lumOff val="15000"/>
-                </a:schemeClr>
-              </a:solidFill>
-            </a:endParaRPr>
+              <a:t>Verfahren des </a:t>
+            </a:r>
+            <a:r>
+              <a:rPr lang="de-DE" sz="2000" u="sng" dirty="0">
+                <a:solidFill>
+                  <a:srgbClr val="E30019"/>
+                </a:solidFill>
+              </a:rPr>
+              <a:t>maschinellen Lernens</a:t>
+            </a:r>
+          </a:p>
+          <a:p>
+            <a:pPr>
+              <a:lnSpc>
+                <a:spcPct val="200000"/>
+              </a:lnSpc>
+            </a:pPr>
+            <a:r>
+              <a:rPr lang="de-DE" sz="2000" dirty="0">
+                <a:solidFill>
+                  <a:schemeClr val="tx1">
+                    <a:lumMod val="85000"/>
+                    <a:lumOff val="15000"/>
+                  </a:schemeClr>
+                </a:solidFill>
+              </a:rPr>
+              <a:t>In einer Menge von </a:t>
+            </a:r>
+            <a:r>
+              <a:rPr lang="de-DE" sz="2000" b="1" dirty="0">
+                <a:solidFill>
+                  <a:srgbClr val="E30019"/>
+                </a:solidFill>
+              </a:rPr>
+              <a:t>Daten</a:t>
+            </a:r>
+            <a:r>
+              <a:rPr lang="de-DE" sz="2000" dirty="0">
+                <a:solidFill>
+                  <a:schemeClr val="tx1">
+                    <a:lumMod val="85000"/>
+                    <a:lumOff val="15000"/>
+                  </a:schemeClr>
+                </a:solidFill>
+              </a:rPr>
+              <a:t> „ähnliche “ </a:t>
+            </a:r>
+            <a:r>
+              <a:rPr lang="de-DE" sz="2000" b="1" dirty="0">
+                <a:solidFill>
+                  <a:srgbClr val="E30019"/>
+                </a:solidFill>
+              </a:rPr>
+              <a:t>Gruppierungen (Cluster) </a:t>
+            </a:r>
+            <a:r>
+              <a:rPr lang="de-DE" sz="2000" dirty="0">
+                <a:solidFill>
+                  <a:schemeClr val="tx1">
+                    <a:lumMod val="85000"/>
+                    <a:lumOff val="15000"/>
+                  </a:schemeClr>
+                </a:solidFill>
+              </a:rPr>
+              <a:t>erkennen</a:t>
+            </a:r>
+          </a:p>
+          <a:p>
+            <a:pPr>
+              <a:lnSpc>
+                <a:spcPct val="200000"/>
+              </a:lnSpc>
+            </a:pPr>
+            <a:r>
+              <a:rPr lang="de-DE" sz="2000" dirty="0">
+                <a:solidFill>
+                  <a:schemeClr val="tx1">
+                    <a:lumMod val="85000"/>
+                    <a:lumOff val="15000"/>
+                  </a:schemeClr>
+                </a:solidFill>
+              </a:rPr>
+              <a:t>Einsatz unterschiedlicher </a:t>
+            </a:r>
+            <a:r>
+              <a:rPr lang="de-DE" sz="2000" b="1" dirty="0">
+                <a:solidFill>
+                  <a:srgbClr val="E30019"/>
+                </a:solidFill>
+              </a:rPr>
+              <a:t>Algorithmen</a:t>
+            </a:r>
+            <a:r>
+              <a:rPr lang="de-DE" sz="2000" dirty="0">
+                <a:solidFill>
+                  <a:schemeClr val="tx1">
+                    <a:lumMod val="85000"/>
+                    <a:lumOff val="15000"/>
+                  </a:schemeClr>
+                </a:solidFill>
+              </a:rPr>
+              <a:t> zur Bildung der Cluster</a:t>
+            </a:r>
           </a:p>
         </p:txBody>
       </p:sp>
     </p:spTree>
     <p:extLst>
       <p:ext uri="{BB962C8B-B14F-4D97-AF65-F5344CB8AC3E}">
-        <p14:creationId xmlns:p14="http://schemas.microsoft.com/office/powerpoint/2010/main" val="3876043019"/>
+        <p14:creationId xmlns:p14="http://schemas.microsoft.com/office/powerpoint/2010/main" val="1113067333"/>
       </p:ext>
     </p:extLst>
   </p:cSld>
@@ -9302,7 +8847,7 @@
 </p:sld>
 </file>
 
-<file path=ppt/slides/slide8.xml><?xml version="1.0" encoding="utf-8"?>
+<file path=ppt/slides/slide4.xml><?xml version="1.0" encoding="utf-8"?>
 <p:sld xmlns:a="http://schemas.openxmlformats.org/drawingml/2006/main" xmlns:r="http://schemas.openxmlformats.org/officeDocument/2006/relationships" xmlns:p="http://schemas.openxmlformats.org/presentationml/2006/main">
   <p:cSld>
     <p:spTree>
@@ -9373,7 +8918,7 @@
                   <a:srgbClr val="E30019"/>
                 </a:solidFill>
               </a:rPr>
-              <a:t>Cluster-Analyse: Hierarchisch</a:t>
+              <a:t>Kontext Datensatz</a:t>
             </a:r>
           </a:p>
         </p:txBody>
@@ -9513,7 +9058,7 @@
                 </a:solidFill>
               </a:rPr>
               <a:pPr algn="ctr"/>
-              <a:t>8</a:t>
+              <a:t>4</a:t>
             </a:fld>
             <a:endParaRPr lang="de-DE" sz="1200" dirty="0">
               <a:solidFill>
@@ -9665,7 +9210,7 @@
                   </a:schemeClr>
                 </a:solidFill>
               </a:rPr>
-              <a:t>03.12.2022</a:t>
+              <a:t>08.12.2022</a:t>
             </a:r>
           </a:p>
         </p:txBody>
@@ -9868,12 +9413,12 @@
               </a:lnSpc>
             </a:pPr>
             <a:r>
-              <a:rPr lang="de-DE" sz="2000" b="1" dirty="0" err="1">
+              <a:rPr lang="de-DE" sz="2000" b="1" dirty="0">
                 <a:solidFill>
                   <a:srgbClr val="E30019"/>
                 </a:solidFill>
               </a:rPr>
-              <a:t>Agglomerative</a:t>
+              <a:t>Raumklima</a:t>
             </a:r>
             <a:r>
               <a:rPr lang="de-DE" sz="2000" dirty="0">
@@ -9884,7 +9429,7 @@
                   </a:schemeClr>
                 </a:solidFill>
               </a:rPr>
-              <a:t> Cluster-Analyse</a:t>
+              <a:t>-Datensatz</a:t>
             </a:r>
           </a:p>
           <a:p>
@@ -9902,30 +9447,18 @@
                   </a:schemeClr>
                 </a:solidFill>
               </a:rPr>
-              <a:t>Darstellung in </a:t>
-            </a:r>
-            <a:r>
-              <a:rPr lang="de-DE" sz="2000" b="1" dirty="0" err="1">
+              <a:t>15 Messungen mit </a:t>
+            </a:r>
+            <a:r>
+              <a:rPr lang="de-DE" sz="2000" u="sng" dirty="0">
                 <a:solidFill>
                   <a:srgbClr val="E30019"/>
                 </a:solidFill>
               </a:rPr>
-              <a:t>Dendogramm</a:t>
-            </a:r>
-            <a:endParaRPr lang="de-DE" sz="2000" b="1" dirty="0">
-              <a:solidFill>
-                <a:srgbClr val="E30019"/>
-              </a:solidFill>
-            </a:endParaRPr>
-          </a:p>
-          <a:p>
-            <a:pPr>
-              <a:lnSpc>
-                <a:spcPct val="200000"/>
-              </a:lnSpc>
-            </a:pPr>
-            <a:r>
-              <a:rPr lang="de-DE" sz="2000" u="sng" dirty="0">
+              <a:t>Temperatur</a:t>
+            </a:r>
+            <a:r>
+              <a:rPr lang="de-DE" sz="2000" dirty="0">
                 <a:solidFill>
                   <a:schemeClr val="tx1">
                     <a:lumMod val="85000"/>
@@ -9933,7 +9466,15 @@
                   </a:schemeClr>
                 </a:solidFill>
               </a:rPr>
-              <a:t>Abstandfunktion:</a:t>
+              <a:t> (°C) und </a:t>
+            </a:r>
+            <a:r>
+              <a:rPr lang="de-DE" sz="2000" u="sng" dirty="0">
+                <a:solidFill>
+                  <a:srgbClr val="E30019"/>
+                </a:solidFill>
+              </a:rPr>
+              <a:t>Luftfeuchtigkeit</a:t>
             </a:r>
             <a:r>
               <a:rPr lang="de-DE" sz="2000" dirty="0">
@@ -9944,16 +9485,15 @@
                   </a:schemeClr>
                 </a:solidFill>
               </a:rPr>
-              <a:t> </a:t>
-            </a:r>
-            <a:r>
-              <a:rPr lang="de-DE" sz="2000" b="1" dirty="0">
-                <a:solidFill>
-                  <a:srgbClr val="E30019"/>
-                </a:solidFill>
-              </a:rPr>
-              <a:t>Euklidische</a:t>
-            </a:r>
+              <a:t> (%)</a:t>
+            </a:r>
+          </a:p>
+          <a:p>
+            <a:pPr>
+              <a:lnSpc>
+                <a:spcPct val="200000"/>
+              </a:lnSpc>
+            </a:pPr>
             <a:r>
               <a:rPr lang="de-DE" sz="2000" dirty="0">
                 <a:solidFill>
@@ -9963,7 +9503,15 @@
                   </a:schemeClr>
                 </a:solidFill>
               </a:rPr>
-              <a:t> Distanz</a:t>
+              <a:t>Unterschiedliche Kombinationen und damit </a:t>
+            </a:r>
+            <a:r>
+              <a:rPr lang="de-DE" sz="2000" u="sng" dirty="0">
+                <a:solidFill>
+                  <a:srgbClr val="E30019"/>
+                </a:solidFill>
+              </a:rPr>
+              <a:t>Klima-Arten</a:t>
             </a:r>
           </a:p>
           <a:p>
@@ -9973,7 +9521,7 @@
               </a:lnSpc>
             </a:pPr>
             <a:r>
-              <a:rPr lang="de-DE" sz="2000" u="sng" dirty="0">
+              <a:rPr lang="de-DE" sz="2000" dirty="0">
                 <a:solidFill>
                   <a:schemeClr val="tx1">
                     <a:lumMod val="85000"/>
@@ -9981,7 +9529,15 @@
                   </a:schemeClr>
                 </a:solidFill>
               </a:rPr>
-              <a:t>Fusionsvorschrift:</a:t>
+              <a:t>Gibt es ein </a:t>
+            </a:r>
+            <a:r>
+              <a:rPr lang="de-DE" sz="2000" b="1" dirty="0">
+                <a:solidFill>
+                  <a:srgbClr val="E30019"/>
+                </a:solidFill>
+              </a:rPr>
+              <a:t>optimales Klima</a:t>
             </a:r>
             <a:r>
               <a:rPr lang="de-DE" sz="2000" dirty="0">
@@ -9992,26 +9548,7 @@
                   </a:schemeClr>
                 </a:solidFill>
               </a:rPr>
-              <a:t> </a:t>
-            </a:r>
-            <a:r>
-              <a:rPr lang="de-DE" sz="2000" b="1" dirty="0">
-                <a:solidFill>
-                  <a:srgbClr val="E30019"/>
-                </a:solidFill>
-              </a:rPr>
-              <a:t>Ward</a:t>
-            </a:r>
-            <a:r>
-              <a:rPr lang="de-DE" sz="2000" dirty="0">
-                <a:solidFill>
-                  <a:schemeClr val="tx1">
-                    <a:lumMod val="85000"/>
-                    <a:lumOff val="15000"/>
-                  </a:schemeClr>
-                </a:solidFill>
-              </a:rPr>
-              <a:t> Methode</a:t>
+              <a:t>?</a:t>
             </a:r>
           </a:p>
         </p:txBody>
@@ -10019,7 +9556,7 @@
     </p:spTree>
     <p:extLst>
       <p:ext uri="{BB962C8B-B14F-4D97-AF65-F5344CB8AC3E}">
-        <p14:creationId xmlns:p14="http://schemas.microsoft.com/office/powerpoint/2010/main" val="3556443033"/>
+        <p14:creationId xmlns:p14="http://schemas.microsoft.com/office/powerpoint/2010/main" val="2823781497"/>
       </p:ext>
     </p:extLst>
   </p:cSld>
@@ -10029,7 +9566,7 @@
 </p:sld>
 </file>
 
-<file path=ppt/slides/slide9.xml><?xml version="1.0" encoding="utf-8"?>
+<file path=ppt/slides/slide5.xml><?xml version="1.0" encoding="utf-8"?>
 <p:sld xmlns:a="http://schemas.openxmlformats.org/drawingml/2006/main" xmlns:r="http://schemas.openxmlformats.org/officeDocument/2006/relationships" xmlns:p="http://schemas.openxmlformats.org/presentationml/2006/main">
   <p:cSld>
     <p:spTree>
@@ -10100,7 +9637,7 @@
                   <a:srgbClr val="E30019"/>
                 </a:solidFill>
               </a:rPr>
-              <a:t>Cluster-Analyse: Hierarchisch</a:t>
+              <a:t>Daten aufbereiten</a:t>
             </a:r>
           </a:p>
         </p:txBody>
@@ -10240,7 +9777,7 @@
                 </a:solidFill>
               </a:rPr>
               <a:pPr algn="ctr"/>
-              <a:t>9</a:t>
+              <a:t>5</a:t>
             </a:fld>
             <a:endParaRPr lang="de-DE" sz="1200" dirty="0">
               <a:solidFill>
@@ -10392,7 +9929,7 @@
                   </a:schemeClr>
                 </a:solidFill>
               </a:rPr>
-              <a:t>03.12.2022</a:t>
+              <a:t>08.12.2022</a:t>
             </a:r>
           </a:p>
         </p:txBody>
@@ -10605,12 +10142,1739 @@
           </a:p>
         </p:txBody>
       </p:sp>
+      <p:sp>
+        <p:nvSpPr>
+          <p:cNvPr id="4" name="Textfeld 3">
+            <a:extLst>
+              <a:ext uri="{FF2B5EF4-FFF2-40B4-BE49-F238E27FC236}">
+                <a16:creationId xmlns:a16="http://schemas.microsoft.com/office/drawing/2014/main" id="{ADCFE08F-7CE8-1ABF-1F39-7855420CA5CB}"/>
+              </a:ext>
+            </a:extLst>
+          </p:cNvPr>
+          <p:cNvSpPr txBox="1"/>
+          <p:nvPr/>
+        </p:nvSpPr>
+        <p:spPr>
+          <a:xfrm>
+            <a:off x="339711" y="1271762"/>
+            <a:ext cx="4427022" cy="369332"/>
+          </a:xfrm>
+          <a:prstGeom prst="rect">
+            <a:avLst/>
+          </a:prstGeom>
+          <a:noFill/>
+        </p:spPr>
+        <p:txBody>
+          <a:bodyPr wrap="square">
+            <a:spAutoFit/>
+          </a:bodyPr>
+          <a:lstStyle/>
+          <a:p>
+            <a:r>
+              <a:rPr lang="en-US" sz="1800" b="0" u="none" strike="noStrike" baseline="0" dirty="0" err="1">
+                <a:latin typeface="Calibri" panose="020F0502020204030204" pitchFamily="34" charset="0"/>
+              </a:rPr>
+              <a:t>Entnommen</a:t>
+            </a:r>
+            <a:r>
+              <a:rPr lang="en-US" sz="1800" b="0" u="none" strike="noStrike" baseline="0" dirty="0">
+                <a:latin typeface="Calibri" panose="020F0502020204030204" pitchFamily="34" charset="0"/>
+              </a:rPr>
+              <a:t> </a:t>
+            </a:r>
+            <a:r>
+              <a:rPr lang="en-US" sz="1800" b="0" u="none" strike="noStrike" baseline="0" dirty="0" err="1">
+                <a:latin typeface="Calibri" panose="020F0502020204030204" pitchFamily="34" charset="0"/>
+              </a:rPr>
+              <a:t>aus</a:t>
+            </a:r>
+            <a:r>
+              <a:rPr lang="en-US" sz="1800" b="0" u="none" strike="noStrike" baseline="0" dirty="0">
+                <a:latin typeface="Calibri" panose="020F0502020204030204" pitchFamily="34" charset="0"/>
+              </a:rPr>
+              <a:t>: </a:t>
+            </a:r>
+            <a:r>
+              <a:rPr lang="en-US" sz="1800" b="0" u="sng" strike="noStrike" baseline="0" dirty="0">
+                <a:solidFill>
+                  <a:srgbClr val="E30019"/>
+                </a:solidFill>
+                <a:latin typeface="Calibri" panose="020F0502020204030204" pitchFamily="34" charset="0"/>
+              </a:rPr>
+              <a:t>García, Salvador u. a. (2016)</a:t>
+            </a:r>
+            <a:endParaRPr lang="de-DE" u="sng" dirty="0">
+              <a:solidFill>
+                <a:srgbClr val="E30019"/>
+              </a:solidFill>
+            </a:endParaRPr>
+          </a:p>
+        </p:txBody>
+      </p:sp>
       <p:pic>
         <p:nvPicPr>
-          <p:cNvPr id="3" name="Grafik 2">
-            <a:extLst>
-              <a:ext uri="{FF2B5EF4-FFF2-40B4-BE49-F238E27FC236}">
-                <a16:creationId xmlns:a16="http://schemas.microsoft.com/office/drawing/2014/main" id="{0E50D088-2F15-04F6-FDDA-D5BCE1AE5052}"/>
+          <p:cNvPr id="1028" name="Picture 4" descr="figure 1">
+            <a:extLst>
+              <a:ext uri="{FF2B5EF4-FFF2-40B4-BE49-F238E27FC236}">
+                <a16:creationId xmlns:a16="http://schemas.microsoft.com/office/drawing/2014/main" id="{CDD850B6-019B-8266-103D-0A7808C06EBC}"/>
+              </a:ext>
+            </a:extLst>
+          </p:cNvPr>
+          <p:cNvPicPr>
+            <a:picLocks noChangeAspect="1" noChangeArrowheads="1"/>
+          </p:cNvPicPr>
+          <p:nvPr/>
+        </p:nvPicPr>
+        <p:blipFill>
+          <a:blip r:embed="rId3">
+            <a:extLst>
+              <a:ext uri="{28A0092B-C50C-407E-A947-70E740481C1C}">
+                <a14:useLocalDpi xmlns:a14="http://schemas.microsoft.com/office/drawing/2010/main" val="0"/>
+              </a:ext>
+            </a:extLst>
+          </a:blip>
+          <a:srcRect/>
+          <a:stretch>
+            <a:fillRect/>
+          </a:stretch>
+        </p:blipFill>
+        <p:spPr bwMode="auto">
+          <a:xfrm>
+            <a:off x="3843337" y="1647825"/>
+            <a:ext cx="4505325" cy="3562350"/>
+          </a:xfrm>
+          <a:prstGeom prst="rect">
+            <a:avLst/>
+          </a:prstGeom>
+          <a:noFill/>
+          <a:extLst>
+            <a:ext uri="{909E8E84-426E-40DD-AFC4-6F175D3DCCD1}">
+              <a14:hiddenFill xmlns:a14="http://schemas.microsoft.com/office/drawing/2010/main">
+                <a:solidFill>
+                  <a:srgbClr val="FFFFFF"/>
+                </a:solidFill>
+              </a14:hiddenFill>
+            </a:ext>
+          </a:extLst>
+        </p:spPr>
+      </p:pic>
+      <p:sp>
+        <p:nvSpPr>
+          <p:cNvPr id="5" name="Textfeld 4">
+            <a:extLst>
+              <a:ext uri="{FF2B5EF4-FFF2-40B4-BE49-F238E27FC236}">
+                <a16:creationId xmlns:a16="http://schemas.microsoft.com/office/drawing/2014/main" id="{1C16C3E5-E8DD-9662-2F7D-39613CE6961B}"/>
+              </a:ext>
+            </a:extLst>
+          </p:cNvPr>
+          <p:cNvSpPr txBox="1"/>
+          <p:nvPr/>
+        </p:nvSpPr>
+        <p:spPr>
+          <a:xfrm>
+            <a:off x="9393767" y="5346859"/>
+            <a:ext cx="2458521" cy="246221"/>
+          </a:xfrm>
+          <a:prstGeom prst="rect">
+            <a:avLst/>
+          </a:prstGeom>
+          <a:noFill/>
+        </p:spPr>
+        <p:txBody>
+          <a:bodyPr wrap="square" rtlCol="0">
+            <a:spAutoFit/>
+          </a:bodyPr>
+          <a:lstStyle/>
+          <a:p>
+            <a:r>
+              <a:rPr lang="de-DE" sz="1000" i="1" dirty="0">
+                <a:solidFill>
+                  <a:schemeClr val="tx1">
+                    <a:lumMod val="85000"/>
+                    <a:lumOff val="15000"/>
+                  </a:schemeClr>
+                </a:solidFill>
+              </a:rPr>
+              <a:t>Knowledge Discovery in Databases - Prozess</a:t>
+            </a:r>
+          </a:p>
+        </p:txBody>
+      </p:sp>
+    </p:spTree>
+    <p:extLst>
+      <p:ext uri="{BB962C8B-B14F-4D97-AF65-F5344CB8AC3E}">
+        <p14:creationId xmlns:p14="http://schemas.microsoft.com/office/powerpoint/2010/main" val="3269638773"/>
+      </p:ext>
+    </p:extLst>
+  </p:cSld>
+  <p:clrMapOvr>
+    <a:masterClrMapping/>
+  </p:clrMapOvr>
+</p:sld>
+</file>
+
+<file path=ppt/slides/slide6.xml><?xml version="1.0" encoding="utf-8"?>
+<p:sld xmlns:a="http://schemas.openxmlformats.org/drawingml/2006/main" xmlns:r="http://schemas.openxmlformats.org/officeDocument/2006/relationships" xmlns:p="http://schemas.openxmlformats.org/presentationml/2006/main">
+  <p:cSld>
+    <p:spTree>
+      <p:nvGrpSpPr>
+        <p:cNvPr id="1" name=""/>
+        <p:cNvGrpSpPr/>
+        <p:nvPr/>
+      </p:nvGrpSpPr>
+      <p:grpSpPr>
+        <a:xfrm>
+          <a:off x="0" y="0"/>
+          <a:ext cx="0" cy="0"/>
+          <a:chOff x="0" y="0"/>
+          <a:chExt cx="0" cy="0"/>
+        </a:xfrm>
+      </p:grpSpPr>
+      <p:sp>
+        <p:nvSpPr>
+          <p:cNvPr id="11" name="Titel 1">
+            <a:extLst>
+              <a:ext uri="{FF2B5EF4-FFF2-40B4-BE49-F238E27FC236}">
+                <a16:creationId xmlns:a16="http://schemas.microsoft.com/office/drawing/2014/main" id="{FB751DBA-581A-56F8-C75A-125395E04E48}"/>
+              </a:ext>
+            </a:extLst>
+          </p:cNvPr>
+          <p:cNvSpPr txBox="1">
+            <a:spLocks/>
+          </p:cNvSpPr>
+          <p:nvPr/>
+        </p:nvSpPr>
+        <p:spPr>
+          <a:xfrm>
+            <a:off x="1056640" y="548497"/>
+            <a:ext cx="10078720" cy="523383"/>
+          </a:xfrm>
+          <a:prstGeom prst="rect">
+            <a:avLst/>
+          </a:prstGeom>
+        </p:spPr>
+        <p:txBody>
+          <a:bodyPr vert="horz" lIns="91440" tIns="45720" rIns="91440" bIns="45720" rtlCol="0" anchor="ctr">
+            <a:normAutofit lnSpcReduction="10000"/>
+          </a:bodyPr>
+          <a:lstStyle>
+            <a:lvl1pPr algn="l" defTabSz="914400" rtl="0" eaLnBrk="1" latinLnBrk="0" hangingPunct="1">
+              <a:lnSpc>
+                <a:spcPct val="90000"/>
+              </a:lnSpc>
+              <a:spcBef>
+                <a:spcPct val="0"/>
+              </a:spcBef>
+              <a:buNone/>
+              <a:defRPr sz="4400" kern="1200">
+                <a:solidFill>
+                  <a:schemeClr val="tx1"/>
+                </a:solidFill>
+                <a:latin typeface="+mj-lt"/>
+                <a:ea typeface="+mj-ea"/>
+                <a:cs typeface="+mj-cs"/>
+              </a:defRPr>
+            </a:lvl1pPr>
+          </a:lstStyle>
+          <a:p>
+            <a:pPr algn="ctr"/>
+            <a:r>
+              <a:rPr lang="de-DE" sz="3200" b="1" dirty="0">
+                <a:solidFill>
+                  <a:srgbClr val="E30019"/>
+                </a:solidFill>
+              </a:rPr>
+              <a:t>Daten aufbereiten</a:t>
+            </a:r>
+          </a:p>
+        </p:txBody>
+      </p:sp>
+      <p:pic>
+        <p:nvPicPr>
+          <p:cNvPr id="18" name="Grafik 17">
+            <a:extLst>
+              <a:ext uri="{FF2B5EF4-FFF2-40B4-BE49-F238E27FC236}">
+                <a16:creationId xmlns:a16="http://schemas.microsoft.com/office/drawing/2014/main" id="{1DA09022-552B-A354-9843-60926F147610}"/>
+              </a:ext>
+            </a:extLst>
+          </p:cNvPr>
+          <p:cNvPicPr>
+            <a:picLocks noChangeAspect="1"/>
+          </p:cNvPicPr>
+          <p:nvPr/>
+        </p:nvPicPr>
+        <p:blipFill rotWithShape="1">
+          <a:blip r:embed="rId2">
+            <a:extLst>
+              <a:ext uri="{28A0092B-C50C-407E-A947-70E740481C1C}">
+                <a14:useLocalDpi xmlns:a14="http://schemas.microsoft.com/office/drawing/2010/main" val="0"/>
+              </a:ext>
+            </a:extLst>
+          </a:blip>
+          <a:srcRect l="12144" t="12640" r="12482" b="23891"/>
+          <a:stretch/>
+        </p:blipFill>
+        <p:spPr>
+          <a:xfrm>
+            <a:off x="10606087" y="201056"/>
+            <a:ext cx="1250434" cy="350639"/>
+          </a:xfrm>
+          <a:prstGeom prst="rect">
+            <a:avLst/>
+          </a:prstGeom>
+        </p:spPr>
+      </p:pic>
+      <p:sp>
+        <p:nvSpPr>
+          <p:cNvPr id="19" name="Textfeld 18">
+            <a:extLst>
+              <a:ext uri="{FF2B5EF4-FFF2-40B4-BE49-F238E27FC236}">
+                <a16:creationId xmlns:a16="http://schemas.microsoft.com/office/drawing/2014/main" id="{DD2ADF0D-5381-4564-861F-BD36A9663E48}"/>
+              </a:ext>
+            </a:extLst>
+          </p:cNvPr>
+          <p:cNvSpPr txBox="1"/>
+          <p:nvPr/>
+        </p:nvSpPr>
+        <p:spPr>
+          <a:xfrm>
+            <a:off x="339711" y="6460380"/>
+            <a:ext cx="1891256" cy="276999"/>
+          </a:xfrm>
+          <a:prstGeom prst="rect">
+            <a:avLst/>
+          </a:prstGeom>
+          <a:noFill/>
+        </p:spPr>
+        <p:txBody>
+          <a:bodyPr wrap="square" rtlCol="0">
+            <a:spAutoFit/>
+          </a:bodyPr>
+          <a:lstStyle/>
+          <a:p>
+            <a:r>
+              <a:rPr lang="de-DE" sz="1200" dirty="0">
+                <a:solidFill>
+                  <a:schemeClr val="tx1">
+                    <a:lumMod val="85000"/>
+                    <a:lumOff val="15000"/>
+                  </a:schemeClr>
+                </a:solidFill>
+              </a:rPr>
+              <a:t>Mario Pfob, Marius </a:t>
+            </a:r>
+            <a:r>
+              <a:rPr lang="de-DE" sz="1200" dirty="0" err="1">
+                <a:solidFill>
+                  <a:schemeClr val="tx1">
+                    <a:lumMod val="85000"/>
+                    <a:lumOff val="15000"/>
+                  </a:schemeClr>
+                </a:solidFill>
+              </a:rPr>
+              <a:t>Harrass</a:t>
+            </a:r>
+            <a:endParaRPr lang="de-DE" sz="1200" dirty="0">
+              <a:solidFill>
+                <a:schemeClr val="tx1">
+                  <a:lumMod val="85000"/>
+                  <a:lumOff val="15000"/>
+                </a:schemeClr>
+              </a:solidFill>
+            </a:endParaRPr>
+          </a:p>
+        </p:txBody>
+      </p:sp>
+      <p:sp>
+        <p:nvSpPr>
+          <p:cNvPr id="20" name="Textfeld 19">
+            <a:extLst>
+              <a:ext uri="{FF2B5EF4-FFF2-40B4-BE49-F238E27FC236}">
+                <a16:creationId xmlns:a16="http://schemas.microsoft.com/office/drawing/2014/main" id="{CF820D81-1AF9-A56F-7297-4F2F6FE6EC87}"/>
+              </a:ext>
+            </a:extLst>
+          </p:cNvPr>
+          <p:cNvSpPr txBox="1"/>
+          <p:nvPr/>
+        </p:nvSpPr>
+        <p:spPr>
+          <a:xfrm>
+            <a:off x="5995630" y="6460379"/>
+            <a:ext cx="200739" cy="276999"/>
+          </a:xfrm>
+          <a:prstGeom prst="rect">
+            <a:avLst/>
+          </a:prstGeom>
+          <a:noFill/>
+        </p:spPr>
+        <p:txBody>
+          <a:bodyPr wrap="square" rtlCol="0">
+            <a:spAutoFit/>
+          </a:bodyPr>
+          <a:lstStyle/>
+          <a:p>
+            <a:pPr algn="ctr"/>
+            <a:fld id="{412B8DA5-8C8F-4660-8140-E24812EB3368}" type="slidenum">
+              <a:rPr lang="de-DE" sz="1200" smtClean="0">
+                <a:solidFill>
+                  <a:schemeClr val="tx1">
+                    <a:lumMod val="85000"/>
+                    <a:lumOff val="15000"/>
+                  </a:schemeClr>
+                </a:solidFill>
+              </a:rPr>
+              <a:pPr algn="ctr"/>
+              <a:t>6</a:t>
+            </a:fld>
+            <a:endParaRPr lang="de-DE" sz="1200" dirty="0">
+              <a:solidFill>
+                <a:schemeClr val="tx1">
+                  <a:lumMod val="85000"/>
+                  <a:lumOff val="15000"/>
+                </a:schemeClr>
+              </a:solidFill>
+            </a:endParaRPr>
+          </a:p>
+        </p:txBody>
+      </p:sp>
+      <p:sp>
+        <p:nvSpPr>
+          <p:cNvPr id="22" name="Textfeld 21">
+            <a:extLst>
+              <a:ext uri="{FF2B5EF4-FFF2-40B4-BE49-F238E27FC236}">
+                <a16:creationId xmlns:a16="http://schemas.microsoft.com/office/drawing/2014/main" id="{41290850-4D07-5D59-234F-836B35FA39E1}"/>
+              </a:ext>
+            </a:extLst>
+          </p:cNvPr>
+          <p:cNvSpPr txBox="1"/>
+          <p:nvPr/>
+        </p:nvSpPr>
+        <p:spPr>
+          <a:xfrm>
+            <a:off x="9254066" y="6460379"/>
+            <a:ext cx="2598222" cy="276999"/>
+          </a:xfrm>
+          <a:prstGeom prst="rect">
+            <a:avLst/>
+          </a:prstGeom>
+          <a:noFill/>
+        </p:spPr>
+        <p:txBody>
+          <a:bodyPr wrap="square" rtlCol="0">
+            <a:spAutoFit/>
+          </a:bodyPr>
+          <a:lstStyle/>
+          <a:p>
+            <a:r>
+              <a:rPr lang="en-US" sz="1200" dirty="0">
+                <a:solidFill>
+                  <a:schemeClr val="tx1">
+                    <a:lumMod val="85000"/>
+                    <a:lumOff val="15000"/>
+                  </a:schemeClr>
+                </a:solidFill>
+              </a:rPr>
+              <a:t>Applied Data Analysis and Visualization</a:t>
+            </a:r>
+            <a:endParaRPr lang="de-DE" sz="1200" dirty="0">
+              <a:solidFill>
+                <a:schemeClr val="tx1">
+                  <a:lumMod val="85000"/>
+                  <a:lumOff val="15000"/>
+                </a:schemeClr>
+              </a:solidFill>
+            </a:endParaRPr>
+          </a:p>
+        </p:txBody>
+      </p:sp>
+      <p:sp>
+        <p:nvSpPr>
+          <p:cNvPr id="23" name="Rechteck 22">
+            <a:extLst>
+              <a:ext uri="{FF2B5EF4-FFF2-40B4-BE49-F238E27FC236}">
+                <a16:creationId xmlns:a16="http://schemas.microsoft.com/office/drawing/2014/main" id="{76720E9F-EC3B-85B4-47EC-E94600D47CD4}"/>
+              </a:ext>
+            </a:extLst>
+          </p:cNvPr>
+          <p:cNvSpPr/>
+          <p:nvPr/>
+        </p:nvSpPr>
+        <p:spPr>
+          <a:xfrm>
+            <a:off x="339711" y="6310177"/>
+            <a:ext cx="11512578" cy="45719"/>
+          </a:xfrm>
+          <a:prstGeom prst="rect">
+            <a:avLst/>
+          </a:prstGeom>
+          <a:solidFill>
+            <a:srgbClr val="E30019"/>
+          </a:solidFill>
+          <a:ln>
+            <a:noFill/>
+          </a:ln>
+        </p:spPr>
+        <p:style>
+          <a:lnRef idx="2">
+            <a:schemeClr val="accent1">
+              <a:shade val="50000"/>
+            </a:schemeClr>
+          </a:lnRef>
+          <a:fillRef idx="1">
+            <a:schemeClr val="accent1"/>
+          </a:fillRef>
+          <a:effectRef idx="0">
+            <a:schemeClr val="accent1"/>
+          </a:effectRef>
+          <a:fontRef idx="minor">
+            <a:schemeClr val="lt1"/>
+          </a:fontRef>
+        </p:style>
+        <p:txBody>
+          <a:bodyPr rtlCol="0" anchor="ctr"/>
+          <a:lstStyle/>
+          <a:p>
+            <a:pPr algn="ctr"/>
+            <a:endParaRPr lang="de-DE"/>
+          </a:p>
+        </p:txBody>
+      </p:sp>
+      <p:sp>
+        <p:nvSpPr>
+          <p:cNvPr id="25" name="Textfeld 24">
+            <a:extLst>
+              <a:ext uri="{FF2B5EF4-FFF2-40B4-BE49-F238E27FC236}">
+                <a16:creationId xmlns:a16="http://schemas.microsoft.com/office/drawing/2014/main" id="{DC639A9E-7A3E-D351-98A6-01B16BFBE344}"/>
+              </a:ext>
+            </a:extLst>
+          </p:cNvPr>
+          <p:cNvSpPr txBox="1"/>
+          <p:nvPr/>
+        </p:nvSpPr>
+        <p:spPr>
+          <a:xfrm>
+            <a:off x="339711" y="271497"/>
+            <a:ext cx="892188" cy="276999"/>
+          </a:xfrm>
+          <a:prstGeom prst="rect">
+            <a:avLst/>
+          </a:prstGeom>
+          <a:noFill/>
+        </p:spPr>
+        <p:txBody>
+          <a:bodyPr wrap="square" rtlCol="0">
+            <a:spAutoFit/>
+          </a:bodyPr>
+          <a:lstStyle/>
+          <a:p>
+            <a:r>
+              <a:rPr lang="de-DE" sz="1200" dirty="0">
+                <a:solidFill>
+                  <a:schemeClr val="tx1">
+                    <a:lumMod val="85000"/>
+                    <a:lumOff val="15000"/>
+                  </a:schemeClr>
+                </a:solidFill>
+              </a:rPr>
+              <a:t>08.12.2022</a:t>
+            </a:r>
+          </a:p>
+        </p:txBody>
+      </p:sp>
+      <p:sp>
+        <p:nvSpPr>
+          <p:cNvPr id="26" name="Untertitel 2">
+            <a:extLst>
+              <a:ext uri="{FF2B5EF4-FFF2-40B4-BE49-F238E27FC236}">
+                <a16:creationId xmlns:a16="http://schemas.microsoft.com/office/drawing/2014/main" id="{EC61D599-D662-CA33-DCC2-8A2753B3A12C}"/>
+              </a:ext>
+            </a:extLst>
+          </p:cNvPr>
+          <p:cNvSpPr txBox="1">
+            <a:spLocks/>
+          </p:cNvSpPr>
+          <p:nvPr/>
+        </p:nvSpPr>
+        <p:spPr>
+          <a:xfrm>
+            <a:off x="1056640" y="1634362"/>
+            <a:ext cx="10078720" cy="3958718"/>
+          </a:xfrm>
+          <a:prstGeom prst="rect">
+            <a:avLst/>
+          </a:prstGeom>
+        </p:spPr>
+        <p:txBody>
+          <a:bodyPr vert="horz" lIns="91440" tIns="45720" rIns="91440" bIns="45720" rtlCol="0">
+            <a:noAutofit/>
+          </a:bodyPr>
+          <a:lstStyle>
+            <a:lvl1pPr marL="228600" indent="-228600" algn="l" defTabSz="914400" rtl="0" eaLnBrk="1" latinLnBrk="0" hangingPunct="1">
+              <a:lnSpc>
+                <a:spcPct val="90000"/>
+              </a:lnSpc>
+              <a:spcBef>
+                <a:spcPts val="1000"/>
+              </a:spcBef>
+              <a:buFont typeface="Arial" panose="020B0604020202020204" pitchFamily="34" charset="0"/>
+              <a:buChar char="•"/>
+              <a:defRPr sz="2800" kern="1200">
+                <a:solidFill>
+                  <a:schemeClr val="tx1"/>
+                </a:solidFill>
+                <a:latin typeface="+mn-lt"/>
+                <a:ea typeface="+mn-ea"/>
+                <a:cs typeface="+mn-cs"/>
+              </a:defRPr>
+            </a:lvl1pPr>
+            <a:lvl2pPr marL="685800" indent="-228600" algn="l" defTabSz="914400" rtl="0" eaLnBrk="1" latinLnBrk="0" hangingPunct="1">
+              <a:lnSpc>
+                <a:spcPct val="90000"/>
+              </a:lnSpc>
+              <a:spcBef>
+                <a:spcPts val="500"/>
+              </a:spcBef>
+              <a:buFont typeface="Arial" panose="020B0604020202020204" pitchFamily="34" charset="0"/>
+              <a:buChar char="•"/>
+              <a:defRPr sz="2400" kern="1200">
+                <a:solidFill>
+                  <a:schemeClr val="tx1"/>
+                </a:solidFill>
+                <a:latin typeface="+mn-lt"/>
+                <a:ea typeface="+mn-ea"/>
+                <a:cs typeface="+mn-cs"/>
+              </a:defRPr>
+            </a:lvl2pPr>
+            <a:lvl3pPr marL="1143000" indent="-228600" algn="l" defTabSz="914400" rtl="0" eaLnBrk="1" latinLnBrk="0" hangingPunct="1">
+              <a:lnSpc>
+                <a:spcPct val="90000"/>
+              </a:lnSpc>
+              <a:spcBef>
+                <a:spcPts val="500"/>
+              </a:spcBef>
+              <a:buFont typeface="Arial" panose="020B0604020202020204" pitchFamily="34" charset="0"/>
+              <a:buChar char="•"/>
+              <a:defRPr sz="2000" kern="1200">
+                <a:solidFill>
+                  <a:schemeClr val="tx1"/>
+                </a:solidFill>
+                <a:latin typeface="+mn-lt"/>
+                <a:ea typeface="+mn-ea"/>
+                <a:cs typeface="+mn-cs"/>
+              </a:defRPr>
+            </a:lvl3pPr>
+            <a:lvl4pPr marL="1600200" indent="-228600" algn="l" defTabSz="914400" rtl="0" eaLnBrk="1" latinLnBrk="0" hangingPunct="1">
+              <a:lnSpc>
+                <a:spcPct val="90000"/>
+              </a:lnSpc>
+              <a:spcBef>
+                <a:spcPts val="500"/>
+              </a:spcBef>
+              <a:buFont typeface="Arial" panose="020B0604020202020204" pitchFamily="34" charset="0"/>
+              <a:buChar char="•"/>
+              <a:defRPr sz="1800" kern="1200">
+                <a:solidFill>
+                  <a:schemeClr val="tx1"/>
+                </a:solidFill>
+                <a:latin typeface="+mn-lt"/>
+                <a:ea typeface="+mn-ea"/>
+                <a:cs typeface="+mn-cs"/>
+              </a:defRPr>
+            </a:lvl4pPr>
+            <a:lvl5pPr marL="2057400" indent="-228600" algn="l" defTabSz="914400" rtl="0" eaLnBrk="1" latinLnBrk="0" hangingPunct="1">
+              <a:lnSpc>
+                <a:spcPct val="90000"/>
+              </a:lnSpc>
+              <a:spcBef>
+                <a:spcPts val="500"/>
+              </a:spcBef>
+              <a:buFont typeface="Arial" panose="020B0604020202020204" pitchFamily="34" charset="0"/>
+              <a:buChar char="•"/>
+              <a:defRPr sz="1800" kern="1200">
+                <a:solidFill>
+                  <a:schemeClr val="tx1"/>
+                </a:solidFill>
+                <a:latin typeface="+mn-lt"/>
+                <a:ea typeface="+mn-ea"/>
+                <a:cs typeface="+mn-cs"/>
+              </a:defRPr>
+            </a:lvl5pPr>
+            <a:lvl6pPr marL="2514600" indent="-228600" algn="l" defTabSz="914400" rtl="0" eaLnBrk="1" latinLnBrk="0" hangingPunct="1">
+              <a:lnSpc>
+                <a:spcPct val="90000"/>
+              </a:lnSpc>
+              <a:spcBef>
+                <a:spcPts val="500"/>
+              </a:spcBef>
+              <a:buFont typeface="Arial" panose="020B0604020202020204" pitchFamily="34" charset="0"/>
+              <a:buChar char="•"/>
+              <a:defRPr sz="1800" kern="1200">
+                <a:solidFill>
+                  <a:schemeClr val="tx1"/>
+                </a:solidFill>
+                <a:latin typeface="+mn-lt"/>
+                <a:ea typeface="+mn-ea"/>
+                <a:cs typeface="+mn-cs"/>
+              </a:defRPr>
+            </a:lvl6pPr>
+            <a:lvl7pPr marL="2971800" indent="-228600" algn="l" defTabSz="914400" rtl="0" eaLnBrk="1" latinLnBrk="0" hangingPunct="1">
+              <a:lnSpc>
+                <a:spcPct val="90000"/>
+              </a:lnSpc>
+              <a:spcBef>
+                <a:spcPts val="500"/>
+              </a:spcBef>
+              <a:buFont typeface="Arial" panose="020B0604020202020204" pitchFamily="34" charset="0"/>
+              <a:buChar char="•"/>
+              <a:defRPr sz="1800" kern="1200">
+                <a:solidFill>
+                  <a:schemeClr val="tx1"/>
+                </a:solidFill>
+                <a:latin typeface="+mn-lt"/>
+                <a:ea typeface="+mn-ea"/>
+                <a:cs typeface="+mn-cs"/>
+              </a:defRPr>
+            </a:lvl7pPr>
+            <a:lvl8pPr marL="3429000" indent="-228600" algn="l" defTabSz="914400" rtl="0" eaLnBrk="1" latinLnBrk="0" hangingPunct="1">
+              <a:lnSpc>
+                <a:spcPct val="90000"/>
+              </a:lnSpc>
+              <a:spcBef>
+                <a:spcPts val="500"/>
+              </a:spcBef>
+              <a:buFont typeface="Arial" panose="020B0604020202020204" pitchFamily="34" charset="0"/>
+              <a:buChar char="•"/>
+              <a:defRPr sz="1800" kern="1200">
+                <a:solidFill>
+                  <a:schemeClr val="tx1"/>
+                </a:solidFill>
+                <a:latin typeface="+mn-lt"/>
+                <a:ea typeface="+mn-ea"/>
+                <a:cs typeface="+mn-cs"/>
+              </a:defRPr>
+            </a:lvl8pPr>
+            <a:lvl9pPr marL="3886200" indent="-228600" algn="l" defTabSz="914400" rtl="0" eaLnBrk="1" latinLnBrk="0" hangingPunct="1">
+              <a:lnSpc>
+                <a:spcPct val="90000"/>
+              </a:lnSpc>
+              <a:spcBef>
+                <a:spcPts val="500"/>
+              </a:spcBef>
+              <a:buFont typeface="Arial" panose="020B0604020202020204" pitchFamily="34" charset="0"/>
+              <a:buChar char="•"/>
+              <a:defRPr sz="1800" kern="1200">
+                <a:solidFill>
+                  <a:schemeClr val="tx1"/>
+                </a:solidFill>
+                <a:latin typeface="+mn-lt"/>
+                <a:ea typeface="+mn-ea"/>
+                <a:cs typeface="+mn-cs"/>
+              </a:defRPr>
+            </a:lvl9pPr>
+          </a:lstStyle>
+          <a:p>
+            <a:pPr>
+              <a:lnSpc>
+                <a:spcPct val="200000"/>
+              </a:lnSpc>
+            </a:pPr>
+            <a:endParaRPr lang="de-DE" sz="2000" dirty="0">
+              <a:solidFill>
+                <a:schemeClr val="tx1">
+                  <a:lumMod val="85000"/>
+                  <a:lumOff val="15000"/>
+                </a:schemeClr>
+              </a:solidFill>
+            </a:endParaRPr>
+          </a:p>
+        </p:txBody>
+      </p:sp>
+      <p:sp>
+        <p:nvSpPr>
+          <p:cNvPr id="4" name="Textfeld 3">
+            <a:extLst>
+              <a:ext uri="{FF2B5EF4-FFF2-40B4-BE49-F238E27FC236}">
+                <a16:creationId xmlns:a16="http://schemas.microsoft.com/office/drawing/2014/main" id="{ADCFE08F-7CE8-1ABF-1F39-7855420CA5CB}"/>
+              </a:ext>
+            </a:extLst>
+          </p:cNvPr>
+          <p:cNvSpPr txBox="1"/>
+          <p:nvPr/>
+        </p:nvSpPr>
+        <p:spPr>
+          <a:xfrm>
+            <a:off x="339711" y="1271762"/>
+            <a:ext cx="4427022" cy="369332"/>
+          </a:xfrm>
+          <a:prstGeom prst="rect">
+            <a:avLst/>
+          </a:prstGeom>
+          <a:noFill/>
+        </p:spPr>
+        <p:txBody>
+          <a:bodyPr wrap="square">
+            <a:spAutoFit/>
+          </a:bodyPr>
+          <a:lstStyle/>
+          <a:p>
+            <a:r>
+              <a:rPr lang="en-US" sz="1800" b="0" u="none" strike="noStrike" baseline="0" dirty="0" err="1">
+                <a:latin typeface="Calibri" panose="020F0502020204030204" pitchFamily="34" charset="0"/>
+              </a:rPr>
+              <a:t>Entnommen</a:t>
+            </a:r>
+            <a:r>
+              <a:rPr lang="en-US" sz="1800" b="0" u="none" strike="noStrike" baseline="0" dirty="0">
+                <a:latin typeface="Calibri" panose="020F0502020204030204" pitchFamily="34" charset="0"/>
+              </a:rPr>
+              <a:t> </a:t>
+            </a:r>
+            <a:r>
+              <a:rPr lang="en-US" sz="1800" b="0" u="none" strike="noStrike" baseline="0" dirty="0" err="1">
+                <a:latin typeface="Calibri" panose="020F0502020204030204" pitchFamily="34" charset="0"/>
+              </a:rPr>
+              <a:t>aus</a:t>
+            </a:r>
+            <a:r>
+              <a:rPr lang="en-US" sz="1800" b="0" u="none" strike="noStrike" baseline="0" dirty="0">
+                <a:latin typeface="Calibri" panose="020F0502020204030204" pitchFamily="34" charset="0"/>
+              </a:rPr>
+              <a:t>: </a:t>
+            </a:r>
+            <a:r>
+              <a:rPr lang="en-US" sz="1800" b="0" u="sng" strike="noStrike" baseline="0" dirty="0">
+                <a:solidFill>
+                  <a:srgbClr val="E30019"/>
+                </a:solidFill>
+                <a:latin typeface="Calibri" panose="020F0502020204030204" pitchFamily="34" charset="0"/>
+              </a:rPr>
+              <a:t>García, Salvador u. a. (2016)</a:t>
+            </a:r>
+            <a:endParaRPr lang="de-DE" u="sng" dirty="0">
+              <a:solidFill>
+                <a:srgbClr val="E30019"/>
+              </a:solidFill>
+            </a:endParaRPr>
+          </a:p>
+        </p:txBody>
+      </p:sp>
+      <p:sp>
+        <p:nvSpPr>
+          <p:cNvPr id="5" name="Textfeld 4">
+            <a:extLst>
+              <a:ext uri="{FF2B5EF4-FFF2-40B4-BE49-F238E27FC236}">
+                <a16:creationId xmlns:a16="http://schemas.microsoft.com/office/drawing/2014/main" id="{1C16C3E5-E8DD-9662-2F7D-39613CE6961B}"/>
+              </a:ext>
+            </a:extLst>
+          </p:cNvPr>
+          <p:cNvSpPr txBox="1"/>
+          <p:nvPr/>
+        </p:nvSpPr>
+        <p:spPr>
+          <a:xfrm>
+            <a:off x="8115300" y="5346859"/>
+            <a:ext cx="1589193" cy="246221"/>
+          </a:xfrm>
+          <a:prstGeom prst="rect">
+            <a:avLst/>
+          </a:prstGeom>
+          <a:noFill/>
+        </p:spPr>
+        <p:txBody>
+          <a:bodyPr wrap="square" rtlCol="0">
+            <a:spAutoFit/>
+          </a:bodyPr>
+          <a:lstStyle/>
+          <a:p>
+            <a:pPr algn="r"/>
+            <a:r>
+              <a:rPr lang="de-DE" sz="1000" i="1" dirty="0">
+                <a:solidFill>
+                  <a:schemeClr val="tx1">
+                    <a:lumMod val="85000"/>
+                    <a:lumOff val="15000"/>
+                  </a:schemeClr>
+                </a:solidFill>
+              </a:rPr>
+              <a:t>Data </a:t>
+            </a:r>
+            <a:r>
+              <a:rPr lang="de-DE" sz="1000" i="1" dirty="0" err="1">
+                <a:solidFill>
+                  <a:schemeClr val="tx1">
+                    <a:lumMod val="85000"/>
+                    <a:lumOff val="15000"/>
+                  </a:schemeClr>
+                </a:solidFill>
+              </a:rPr>
+              <a:t>reduction</a:t>
+            </a:r>
+            <a:r>
+              <a:rPr lang="de-DE" sz="1000" i="1" dirty="0">
+                <a:solidFill>
+                  <a:schemeClr val="tx1">
+                    <a:lumMod val="85000"/>
+                    <a:lumOff val="15000"/>
+                  </a:schemeClr>
+                </a:solidFill>
+              </a:rPr>
+              <a:t> </a:t>
+            </a:r>
+            <a:r>
+              <a:rPr lang="de-DE" sz="1000" i="1" dirty="0" err="1">
+                <a:solidFill>
+                  <a:schemeClr val="tx1">
+                    <a:lumMod val="85000"/>
+                    <a:lumOff val="15000"/>
+                  </a:schemeClr>
+                </a:solidFill>
+              </a:rPr>
+              <a:t>approaches</a:t>
+            </a:r>
+            <a:endParaRPr lang="de-DE" sz="1000" i="1" dirty="0">
+              <a:solidFill>
+                <a:schemeClr val="tx1">
+                  <a:lumMod val="85000"/>
+                  <a:lumOff val="15000"/>
+                </a:schemeClr>
+              </a:solidFill>
+            </a:endParaRPr>
+          </a:p>
+        </p:txBody>
+      </p:sp>
+      <p:pic>
+        <p:nvPicPr>
+          <p:cNvPr id="2054" name="Picture 6" descr="figure 2">
+            <a:extLst>
+              <a:ext uri="{FF2B5EF4-FFF2-40B4-BE49-F238E27FC236}">
+                <a16:creationId xmlns:a16="http://schemas.microsoft.com/office/drawing/2014/main" id="{C5C5DC53-EB20-5862-9EDD-F4368589C9C5}"/>
+              </a:ext>
+            </a:extLst>
+          </p:cNvPr>
+          <p:cNvPicPr>
+            <a:picLocks noChangeAspect="1" noChangeArrowheads="1"/>
+          </p:cNvPicPr>
+          <p:nvPr/>
+        </p:nvPicPr>
+        <p:blipFill>
+          <a:blip r:embed="rId3">
+            <a:extLst>
+              <a:ext uri="{28A0092B-C50C-407E-A947-70E740481C1C}">
+                <a14:useLocalDpi xmlns:a14="http://schemas.microsoft.com/office/drawing/2010/main" val="0"/>
+              </a:ext>
+            </a:extLst>
+          </a:blip>
+          <a:srcRect/>
+          <a:stretch>
+            <a:fillRect/>
+          </a:stretch>
+        </p:blipFill>
+        <p:spPr bwMode="auto">
+          <a:xfrm>
+            <a:off x="1056640" y="2003695"/>
+            <a:ext cx="3710094" cy="2870812"/>
+          </a:xfrm>
+          <a:prstGeom prst="rect">
+            <a:avLst/>
+          </a:prstGeom>
+          <a:noFill/>
+          <a:extLst>
+            <a:ext uri="{909E8E84-426E-40DD-AFC4-6F175D3DCCD1}">
+              <a14:hiddenFill xmlns:a14="http://schemas.microsoft.com/office/drawing/2010/main">
+                <a:solidFill>
+                  <a:srgbClr val="FFFFFF"/>
+                </a:solidFill>
+              </a14:hiddenFill>
+            </a:ext>
+          </a:extLst>
+        </p:spPr>
+      </p:pic>
+      <p:pic>
+        <p:nvPicPr>
+          <p:cNvPr id="2056" name="Picture 8" descr="figure 3">
+            <a:extLst>
+              <a:ext uri="{FF2B5EF4-FFF2-40B4-BE49-F238E27FC236}">
+                <a16:creationId xmlns:a16="http://schemas.microsoft.com/office/drawing/2014/main" id="{2BF4EE42-C538-4B20-89DA-E05C432BACC3}"/>
+              </a:ext>
+            </a:extLst>
+          </p:cNvPr>
+          <p:cNvPicPr>
+            <a:picLocks noChangeAspect="1" noChangeArrowheads="1"/>
+          </p:cNvPicPr>
+          <p:nvPr/>
+        </p:nvPicPr>
+        <p:blipFill>
+          <a:blip r:embed="rId4">
+            <a:extLst>
+              <a:ext uri="{28A0092B-C50C-407E-A947-70E740481C1C}">
+                <a14:useLocalDpi xmlns:a14="http://schemas.microsoft.com/office/drawing/2010/main" val="0"/>
+              </a:ext>
+            </a:extLst>
+          </a:blip>
+          <a:srcRect/>
+          <a:stretch>
+            <a:fillRect/>
+          </a:stretch>
+        </p:blipFill>
+        <p:spPr bwMode="auto">
+          <a:xfrm>
+            <a:off x="7527055" y="2003695"/>
+            <a:ext cx="2177438" cy="2870812"/>
+          </a:xfrm>
+          <a:prstGeom prst="rect">
+            <a:avLst/>
+          </a:prstGeom>
+          <a:noFill/>
+          <a:extLst>
+            <a:ext uri="{909E8E84-426E-40DD-AFC4-6F175D3DCCD1}">
+              <a14:hiddenFill xmlns:a14="http://schemas.microsoft.com/office/drawing/2010/main">
+                <a:solidFill>
+                  <a:srgbClr val="FFFFFF"/>
+                </a:solidFill>
+              </a14:hiddenFill>
+            </a:ext>
+          </a:extLst>
+        </p:spPr>
+      </p:pic>
+      <p:sp>
+        <p:nvSpPr>
+          <p:cNvPr id="2" name="Textfeld 1">
+            <a:extLst>
+              <a:ext uri="{FF2B5EF4-FFF2-40B4-BE49-F238E27FC236}">
+                <a16:creationId xmlns:a16="http://schemas.microsoft.com/office/drawing/2014/main" id="{36D555AA-9160-2AAA-419E-F53C3189B695}"/>
+              </a:ext>
+            </a:extLst>
+          </p:cNvPr>
+          <p:cNvSpPr txBox="1"/>
+          <p:nvPr/>
+        </p:nvSpPr>
+        <p:spPr>
+          <a:xfrm>
+            <a:off x="1001707" y="5346859"/>
+            <a:ext cx="1474794" cy="246221"/>
+          </a:xfrm>
+          <a:prstGeom prst="rect">
+            <a:avLst/>
+          </a:prstGeom>
+          <a:noFill/>
+        </p:spPr>
+        <p:txBody>
+          <a:bodyPr wrap="square" rtlCol="0">
+            <a:spAutoFit/>
+          </a:bodyPr>
+          <a:lstStyle/>
+          <a:p>
+            <a:r>
+              <a:rPr lang="de-DE" sz="1000" i="1" dirty="0">
+                <a:solidFill>
+                  <a:schemeClr val="tx1">
+                    <a:lumMod val="85000"/>
+                    <a:lumOff val="15000"/>
+                  </a:schemeClr>
+                </a:solidFill>
+              </a:rPr>
+              <a:t>Data </a:t>
+            </a:r>
+            <a:r>
+              <a:rPr lang="de-DE" sz="1000" i="1" dirty="0" err="1">
+                <a:solidFill>
+                  <a:schemeClr val="tx1">
+                    <a:lumMod val="85000"/>
+                    <a:lumOff val="15000"/>
+                  </a:schemeClr>
+                </a:solidFill>
+              </a:rPr>
+              <a:t>preprocessing</a:t>
+            </a:r>
+            <a:r>
+              <a:rPr lang="de-DE" sz="1000" i="1" dirty="0">
+                <a:solidFill>
+                  <a:schemeClr val="tx1">
+                    <a:lumMod val="85000"/>
+                    <a:lumOff val="15000"/>
+                  </a:schemeClr>
+                </a:solidFill>
+              </a:rPr>
+              <a:t> </a:t>
+            </a:r>
+            <a:r>
+              <a:rPr lang="de-DE" sz="1000" i="1" dirty="0" err="1">
+                <a:solidFill>
+                  <a:schemeClr val="tx1">
+                    <a:lumMod val="85000"/>
+                    <a:lumOff val="15000"/>
+                  </a:schemeClr>
+                </a:solidFill>
+              </a:rPr>
+              <a:t>tasks</a:t>
+            </a:r>
+            <a:endParaRPr lang="de-DE" sz="1000" i="1" dirty="0">
+              <a:solidFill>
+                <a:schemeClr val="tx1">
+                  <a:lumMod val="85000"/>
+                  <a:lumOff val="15000"/>
+                </a:schemeClr>
+              </a:solidFill>
+            </a:endParaRPr>
+          </a:p>
+        </p:txBody>
+      </p:sp>
+    </p:spTree>
+    <p:extLst>
+      <p:ext uri="{BB962C8B-B14F-4D97-AF65-F5344CB8AC3E}">
+        <p14:creationId xmlns:p14="http://schemas.microsoft.com/office/powerpoint/2010/main" val="3209264229"/>
+      </p:ext>
+    </p:extLst>
+  </p:cSld>
+  <p:clrMapOvr>
+    <a:masterClrMapping/>
+  </p:clrMapOvr>
+</p:sld>
+</file>
+
+<file path=ppt/slides/slide7.xml><?xml version="1.0" encoding="utf-8"?>
+<p:sld xmlns:a="http://schemas.openxmlformats.org/drawingml/2006/main" xmlns:r="http://schemas.openxmlformats.org/officeDocument/2006/relationships" xmlns:p="http://schemas.openxmlformats.org/presentationml/2006/main">
+  <p:cSld>
+    <p:spTree>
+      <p:nvGrpSpPr>
+        <p:cNvPr id="1" name=""/>
+        <p:cNvGrpSpPr/>
+        <p:nvPr/>
+      </p:nvGrpSpPr>
+      <p:grpSpPr>
+        <a:xfrm>
+          <a:off x="0" y="0"/>
+          <a:ext cx="0" cy="0"/>
+          <a:chOff x="0" y="0"/>
+          <a:chExt cx="0" cy="0"/>
+        </a:xfrm>
+      </p:grpSpPr>
+      <p:sp>
+        <p:nvSpPr>
+          <p:cNvPr id="11" name="Titel 1">
+            <a:extLst>
+              <a:ext uri="{FF2B5EF4-FFF2-40B4-BE49-F238E27FC236}">
+                <a16:creationId xmlns:a16="http://schemas.microsoft.com/office/drawing/2014/main" id="{FB751DBA-581A-56F8-C75A-125395E04E48}"/>
+              </a:ext>
+            </a:extLst>
+          </p:cNvPr>
+          <p:cNvSpPr txBox="1">
+            <a:spLocks/>
+          </p:cNvSpPr>
+          <p:nvPr/>
+        </p:nvSpPr>
+        <p:spPr>
+          <a:xfrm>
+            <a:off x="1056640" y="548497"/>
+            <a:ext cx="10078720" cy="523383"/>
+          </a:xfrm>
+          <a:prstGeom prst="rect">
+            <a:avLst/>
+          </a:prstGeom>
+        </p:spPr>
+        <p:txBody>
+          <a:bodyPr vert="horz" lIns="91440" tIns="45720" rIns="91440" bIns="45720" rtlCol="0" anchor="ctr">
+            <a:normAutofit lnSpcReduction="10000"/>
+          </a:bodyPr>
+          <a:lstStyle>
+            <a:lvl1pPr algn="l" defTabSz="914400" rtl="0" eaLnBrk="1" latinLnBrk="0" hangingPunct="1">
+              <a:lnSpc>
+                <a:spcPct val="90000"/>
+              </a:lnSpc>
+              <a:spcBef>
+                <a:spcPct val="0"/>
+              </a:spcBef>
+              <a:buNone/>
+              <a:defRPr sz="4400" kern="1200">
+                <a:solidFill>
+                  <a:schemeClr val="tx1"/>
+                </a:solidFill>
+                <a:latin typeface="+mj-lt"/>
+                <a:ea typeface="+mj-ea"/>
+                <a:cs typeface="+mj-cs"/>
+              </a:defRPr>
+            </a:lvl1pPr>
+          </a:lstStyle>
+          <a:p>
+            <a:pPr algn="ctr"/>
+            <a:r>
+              <a:rPr lang="de-DE" sz="3200" b="1" dirty="0">
+                <a:solidFill>
+                  <a:srgbClr val="E30019"/>
+                </a:solidFill>
+              </a:rPr>
+              <a:t>Daten visualisieren</a:t>
+            </a:r>
+          </a:p>
+        </p:txBody>
+      </p:sp>
+      <p:pic>
+        <p:nvPicPr>
+          <p:cNvPr id="18" name="Grafik 17">
+            <a:extLst>
+              <a:ext uri="{FF2B5EF4-FFF2-40B4-BE49-F238E27FC236}">
+                <a16:creationId xmlns:a16="http://schemas.microsoft.com/office/drawing/2014/main" id="{1DA09022-552B-A354-9843-60926F147610}"/>
+              </a:ext>
+            </a:extLst>
+          </p:cNvPr>
+          <p:cNvPicPr>
+            <a:picLocks noChangeAspect="1"/>
+          </p:cNvPicPr>
+          <p:nvPr/>
+        </p:nvPicPr>
+        <p:blipFill rotWithShape="1">
+          <a:blip r:embed="rId2">
+            <a:extLst>
+              <a:ext uri="{28A0092B-C50C-407E-A947-70E740481C1C}">
+                <a14:useLocalDpi xmlns:a14="http://schemas.microsoft.com/office/drawing/2010/main" val="0"/>
+              </a:ext>
+            </a:extLst>
+          </a:blip>
+          <a:srcRect l="12144" t="12640" r="12482" b="23891"/>
+          <a:stretch/>
+        </p:blipFill>
+        <p:spPr>
+          <a:xfrm>
+            <a:off x="10606087" y="201056"/>
+            <a:ext cx="1250434" cy="350639"/>
+          </a:xfrm>
+          <a:prstGeom prst="rect">
+            <a:avLst/>
+          </a:prstGeom>
+        </p:spPr>
+      </p:pic>
+      <p:sp>
+        <p:nvSpPr>
+          <p:cNvPr id="19" name="Textfeld 18">
+            <a:extLst>
+              <a:ext uri="{FF2B5EF4-FFF2-40B4-BE49-F238E27FC236}">
+                <a16:creationId xmlns:a16="http://schemas.microsoft.com/office/drawing/2014/main" id="{DD2ADF0D-5381-4564-861F-BD36A9663E48}"/>
+              </a:ext>
+            </a:extLst>
+          </p:cNvPr>
+          <p:cNvSpPr txBox="1"/>
+          <p:nvPr/>
+        </p:nvSpPr>
+        <p:spPr>
+          <a:xfrm>
+            <a:off x="339711" y="6460380"/>
+            <a:ext cx="1891256" cy="276999"/>
+          </a:xfrm>
+          <a:prstGeom prst="rect">
+            <a:avLst/>
+          </a:prstGeom>
+          <a:noFill/>
+        </p:spPr>
+        <p:txBody>
+          <a:bodyPr wrap="square" rtlCol="0">
+            <a:spAutoFit/>
+          </a:bodyPr>
+          <a:lstStyle/>
+          <a:p>
+            <a:r>
+              <a:rPr lang="de-DE" sz="1200" dirty="0">
+                <a:solidFill>
+                  <a:schemeClr val="tx1">
+                    <a:lumMod val="85000"/>
+                    <a:lumOff val="15000"/>
+                  </a:schemeClr>
+                </a:solidFill>
+              </a:rPr>
+              <a:t>Mario Pfob, Marius </a:t>
+            </a:r>
+            <a:r>
+              <a:rPr lang="de-DE" sz="1200" dirty="0" err="1">
+                <a:solidFill>
+                  <a:schemeClr val="tx1">
+                    <a:lumMod val="85000"/>
+                    <a:lumOff val="15000"/>
+                  </a:schemeClr>
+                </a:solidFill>
+              </a:rPr>
+              <a:t>Harrass</a:t>
+            </a:r>
+            <a:endParaRPr lang="de-DE" sz="1200" dirty="0">
+              <a:solidFill>
+                <a:schemeClr val="tx1">
+                  <a:lumMod val="85000"/>
+                  <a:lumOff val="15000"/>
+                </a:schemeClr>
+              </a:solidFill>
+            </a:endParaRPr>
+          </a:p>
+        </p:txBody>
+      </p:sp>
+      <p:sp>
+        <p:nvSpPr>
+          <p:cNvPr id="20" name="Textfeld 19">
+            <a:extLst>
+              <a:ext uri="{FF2B5EF4-FFF2-40B4-BE49-F238E27FC236}">
+                <a16:creationId xmlns:a16="http://schemas.microsoft.com/office/drawing/2014/main" id="{CF820D81-1AF9-A56F-7297-4F2F6FE6EC87}"/>
+              </a:ext>
+            </a:extLst>
+          </p:cNvPr>
+          <p:cNvSpPr txBox="1"/>
+          <p:nvPr/>
+        </p:nvSpPr>
+        <p:spPr>
+          <a:xfrm>
+            <a:off x="5995630" y="6460379"/>
+            <a:ext cx="200739" cy="276999"/>
+          </a:xfrm>
+          <a:prstGeom prst="rect">
+            <a:avLst/>
+          </a:prstGeom>
+          <a:noFill/>
+        </p:spPr>
+        <p:txBody>
+          <a:bodyPr wrap="square" rtlCol="0">
+            <a:spAutoFit/>
+          </a:bodyPr>
+          <a:lstStyle/>
+          <a:p>
+            <a:pPr algn="ctr"/>
+            <a:fld id="{412B8DA5-8C8F-4660-8140-E24812EB3368}" type="slidenum">
+              <a:rPr lang="de-DE" sz="1200" smtClean="0">
+                <a:solidFill>
+                  <a:schemeClr val="tx1">
+                    <a:lumMod val="85000"/>
+                    <a:lumOff val="15000"/>
+                  </a:schemeClr>
+                </a:solidFill>
+              </a:rPr>
+              <a:pPr algn="ctr"/>
+              <a:t>7</a:t>
+            </a:fld>
+            <a:endParaRPr lang="de-DE" sz="1200" dirty="0">
+              <a:solidFill>
+                <a:schemeClr val="tx1">
+                  <a:lumMod val="85000"/>
+                  <a:lumOff val="15000"/>
+                </a:schemeClr>
+              </a:solidFill>
+            </a:endParaRPr>
+          </a:p>
+        </p:txBody>
+      </p:sp>
+      <p:sp>
+        <p:nvSpPr>
+          <p:cNvPr id="22" name="Textfeld 21">
+            <a:extLst>
+              <a:ext uri="{FF2B5EF4-FFF2-40B4-BE49-F238E27FC236}">
+                <a16:creationId xmlns:a16="http://schemas.microsoft.com/office/drawing/2014/main" id="{41290850-4D07-5D59-234F-836B35FA39E1}"/>
+              </a:ext>
+            </a:extLst>
+          </p:cNvPr>
+          <p:cNvSpPr txBox="1"/>
+          <p:nvPr/>
+        </p:nvSpPr>
+        <p:spPr>
+          <a:xfrm>
+            <a:off x="9254066" y="6460379"/>
+            <a:ext cx="2598222" cy="276999"/>
+          </a:xfrm>
+          <a:prstGeom prst="rect">
+            <a:avLst/>
+          </a:prstGeom>
+          <a:noFill/>
+        </p:spPr>
+        <p:txBody>
+          <a:bodyPr wrap="square" rtlCol="0">
+            <a:spAutoFit/>
+          </a:bodyPr>
+          <a:lstStyle/>
+          <a:p>
+            <a:r>
+              <a:rPr lang="en-US" sz="1200" dirty="0">
+                <a:solidFill>
+                  <a:schemeClr val="tx1">
+                    <a:lumMod val="85000"/>
+                    <a:lumOff val="15000"/>
+                  </a:schemeClr>
+                </a:solidFill>
+              </a:rPr>
+              <a:t>Applied Data Analysis and Visualization</a:t>
+            </a:r>
+            <a:endParaRPr lang="de-DE" sz="1200" dirty="0">
+              <a:solidFill>
+                <a:schemeClr val="tx1">
+                  <a:lumMod val="85000"/>
+                  <a:lumOff val="15000"/>
+                </a:schemeClr>
+              </a:solidFill>
+            </a:endParaRPr>
+          </a:p>
+        </p:txBody>
+      </p:sp>
+      <p:sp>
+        <p:nvSpPr>
+          <p:cNvPr id="23" name="Rechteck 22">
+            <a:extLst>
+              <a:ext uri="{FF2B5EF4-FFF2-40B4-BE49-F238E27FC236}">
+                <a16:creationId xmlns:a16="http://schemas.microsoft.com/office/drawing/2014/main" id="{76720E9F-EC3B-85B4-47EC-E94600D47CD4}"/>
+              </a:ext>
+            </a:extLst>
+          </p:cNvPr>
+          <p:cNvSpPr/>
+          <p:nvPr/>
+        </p:nvSpPr>
+        <p:spPr>
+          <a:xfrm>
+            <a:off x="339711" y="6310177"/>
+            <a:ext cx="11512578" cy="45719"/>
+          </a:xfrm>
+          <a:prstGeom prst="rect">
+            <a:avLst/>
+          </a:prstGeom>
+          <a:solidFill>
+            <a:srgbClr val="E30019"/>
+          </a:solidFill>
+          <a:ln>
+            <a:noFill/>
+          </a:ln>
+        </p:spPr>
+        <p:style>
+          <a:lnRef idx="2">
+            <a:schemeClr val="accent1">
+              <a:shade val="50000"/>
+            </a:schemeClr>
+          </a:lnRef>
+          <a:fillRef idx="1">
+            <a:schemeClr val="accent1"/>
+          </a:fillRef>
+          <a:effectRef idx="0">
+            <a:schemeClr val="accent1"/>
+          </a:effectRef>
+          <a:fontRef idx="minor">
+            <a:schemeClr val="lt1"/>
+          </a:fontRef>
+        </p:style>
+        <p:txBody>
+          <a:bodyPr rtlCol="0" anchor="ctr"/>
+          <a:lstStyle/>
+          <a:p>
+            <a:pPr algn="ctr"/>
+            <a:endParaRPr lang="de-DE"/>
+          </a:p>
+        </p:txBody>
+      </p:sp>
+      <p:sp>
+        <p:nvSpPr>
+          <p:cNvPr id="25" name="Textfeld 24">
+            <a:extLst>
+              <a:ext uri="{FF2B5EF4-FFF2-40B4-BE49-F238E27FC236}">
+                <a16:creationId xmlns:a16="http://schemas.microsoft.com/office/drawing/2014/main" id="{DC639A9E-7A3E-D351-98A6-01B16BFBE344}"/>
+              </a:ext>
+            </a:extLst>
+          </p:cNvPr>
+          <p:cNvSpPr txBox="1"/>
+          <p:nvPr/>
+        </p:nvSpPr>
+        <p:spPr>
+          <a:xfrm>
+            <a:off x="339711" y="271497"/>
+            <a:ext cx="892188" cy="276999"/>
+          </a:xfrm>
+          <a:prstGeom prst="rect">
+            <a:avLst/>
+          </a:prstGeom>
+          <a:noFill/>
+        </p:spPr>
+        <p:txBody>
+          <a:bodyPr wrap="square" rtlCol="0">
+            <a:spAutoFit/>
+          </a:bodyPr>
+          <a:lstStyle/>
+          <a:p>
+            <a:r>
+              <a:rPr lang="de-DE" sz="1200" dirty="0">
+                <a:solidFill>
+                  <a:schemeClr val="tx1">
+                    <a:lumMod val="85000"/>
+                    <a:lumOff val="15000"/>
+                  </a:schemeClr>
+                </a:solidFill>
+              </a:rPr>
+              <a:t>08.12.2022</a:t>
+            </a:r>
+          </a:p>
+        </p:txBody>
+      </p:sp>
+      <p:sp>
+        <p:nvSpPr>
+          <p:cNvPr id="26" name="Untertitel 2">
+            <a:extLst>
+              <a:ext uri="{FF2B5EF4-FFF2-40B4-BE49-F238E27FC236}">
+                <a16:creationId xmlns:a16="http://schemas.microsoft.com/office/drawing/2014/main" id="{EC61D599-D662-CA33-DCC2-8A2753B3A12C}"/>
+              </a:ext>
+            </a:extLst>
+          </p:cNvPr>
+          <p:cNvSpPr txBox="1">
+            <a:spLocks/>
+          </p:cNvSpPr>
+          <p:nvPr/>
+        </p:nvSpPr>
+        <p:spPr>
+          <a:xfrm>
+            <a:off x="1056640" y="1634362"/>
+            <a:ext cx="10078720" cy="3958718"/>
+          </a:xfrm>
+          <a:prstGeom prst="rect">
+            <a:avLst/>
+          </a:prstGeom>
+        </p:spPr>
+        <p:txBody>
+          <a:bodyPr vert="horz" lIns="91440" tIns="45720" rIns="91440" bIns="45720" rtlCol="0">
+            <a:noAutofit/>
+          </a:bodyPr>
+          <a:lstStyle>
+            <a:lvl1pPr marL="228600" indent="-228600" algn="l" defTabSz="914400" rtl="0" eaLnBrk="1" latinLnBrk="0" hangingPunct="1">
+              <a:lnSpc>
+                <a:spcPct val="90000"/>
+              </a:lnSpc>
+              <a:spcBef>
+                <a:spcPts val="1000"/>
+              </a:spcBef>
+              <a:buFont typeface="Arial" panose="020B0604020202020204" pitchFamily="34" charset="0"/>
+              <a:buChar char="•"/>
+              <a:defRPr sz="2800" kern="1200">
+                <a:solidFill>
+                  <a:schemeClr val="tx1"/>
+                </a:solidFill>
+                <a:latin typeface="+mn-lt"/>
+                <a:ea typeface="+mn-ea"/>
+                <a:cs typeface="+mn-cs"/>
+              </a:defRPr>
+            </a:lvl1pPr>
+            <a:lvl2pPr marL="685800" indent="-228600" algn="l" defTabSz="914400" rtl="0" eaLnBrk="1" latinLnBrk="0" hangingPunct="1">
+              <a:lnSpc>
+                <a:spcPct val="90000"/>
+              </a:lnSpc>
+              <a:spcBef>
+                <a:spcPts val="500"/>
+              </a:spcBef>
+              <a:buFont typeface="Arial" panose="020B0604020202020204" pitchFamily="34" charset="0"/>
+              <a:buChar char="•"/>
+              <a:defRPr sz="2400" kern="1200">
+                <a:solidFill>
+                  <a:schemeClr val="tx1"/>
+                </a:solidFill>
+                <a:latin typeface="+mn-lt"/>
+                <a:ea typeface="+mn-ea"/>
+                <a:cs typeface="+mn-cs"/>
+              </a:defRPr>
+            </a:lvl2pPr>
+            <a:lvl3pPr marL="1143000" indent="-228600" algn="l" defTabSz="914400" rtl="0" eaLnBrk="1" latinLnBrk="0" hangingPunct="1">
+              <a:lnSpc>
+                <a:spcPct val="90000"/>
+              </a:lnSpc>
+              <a:spcBef>
+                <a:spcPts val="500"/>
+              </a:spcBef>
+              <a:buFont typeface="Arial" panose="020B0604020202020204" pitchFamily="34" charset="0"/>
+              <a:buChar char="•"/>
+              <a:defRPr sz="2000" kern="1200">
+                <a:solidFill>
+                  <a:schemeClr val="tx1"/>
+                </a:solidFill>
+                <a:latin typeface="+mn-lt"/>
+                <a:ea typeface="+mn-ea"/>
+                <a:cs typeface="+mn-cs"/>
+              </a:defRPr>
+            </a:lvl3pPr>
+            <a:lvl4pPr marL="1600200" indent="-228600" algn="l" defTabSz="914400" rtl="0" eaLnBrk="1" latinLnBrk="0" hangingPunct="1">
+              <a:lnSpc>
+                <a:spcPct val="90000"/>
+              </a:lnSpc>
+              <a:spcBef>
+                <a:spcPts val="500"/>
+              </a:spcBef>
+              <a:buFont typeface="Arial" panose="020B0604020202020204" pitchFamily="34" charset="0"/>
+              <a:buChar char="•"/>
+              <a:defRPr sz="1800" kern="1200">
+                <a:solidFill>
+                  <a:schemeClr val="tx1"/>
+                </a:solidFill>
+                <a:latin typeface="+mn-lt"/>
+                <a:ea typeface="+mn-ea"/>
+                <a:cs typeface="+mn-cs"/>
+              </a:defRPr>
+            </a:lvl4pPr>
+            <a:lvl5pPr marL="2057400" indent="-228600" algn="l" defTabSz="914400" rtl="0" eaLnBrk="1" latinLnBrk="0" hangingPunct="1">
+              <a:lnSpc>
+                <a:spcPct val="90000"/>
+              </a:lnSpc>
+              <a:spcBef>
+                <a:spcPts val="500"/>
+              </a:spcBef>
+              <a:buFont typeface="Arial" panose="020B0604020202020204" pitchFamily="34" charset="0"/>
+              <a:buChar char="•"/>
+              <a:defRPr sz="1800" kern="1200">
+                <a:solidFill>
+                  <a:schemeClr val="tx1"/>
+                </a:solidFill>
+                <a:latin typeface="+mn-lt"/>
+                <a:ea typeface="+mn-ea"/>
+                <a:cs typeface="+mn-cs"/>
+              </a:defRPr>
+            </a:lvl5pPr>
+            <a:lvl6pPr marL="2514600" indent="-228600" algn="l" defTabSz="914400" rtl="0" eaLnBrk="1" latinLnBrk="0" hangingPunct="1">
+              <a:lnSpc>
+                <a:spcPct val="90000"/>
+              </a:lnSpc>
+              <a:spcBef>
+                <a:spcPts val="500"/>
+              </a:spcBef>
+              <a:buFont typeface="Arial" panose="020B0604020202020204" pitchFamily="34" charset="0"/>
+              <a:buChar char="•"/>
+              <a:defRPr sz="1800" kern="1200">
+                <a:solidFill>
+                  <a:schemeClr val="tx1"/>
+                </a:solidFill>
+                <a:latin typeface="+mn-lt"/>
+                <a:ea typeface="+mn-ea"/>
+                <a:cs typeface="+mn-cs"/>
+              </a:defRPr>
+            </a:lvl6pPr>
+            <a:lvl7pPr marL="2971800" indent="-228600" algn="l" defTabSz="914400" rtl="0" eaLnBrk="1" latinLnBrk="0" hangingPunct="1">
+              <a:lnSpc>
+                <a:spcPct val="90000"/>
+              </a:lnSpc>
+              <a:spcBef>
+                <a:spcPts val="500"/>
+              </a:spcBef>
+              <a:buFont typeface="Arial" panose="020B0604020202020204" pitchFamily="34" charset="0"/>
+              <a:buChar char="•"/>
+              <a:defRPr sz="1800" kern="1200">
+                <a:solidFill>
+                  <a:schemeClr val="tx1"/>
+                </a:solidFill>
+                <a:latin typeface="+mn-lt"/>
+                <a:ea typeface="+mn-ea"/>
+                <a:cs typeface="+mn-cs"/>
+              </a:defRPr>
+            </a:lvl7pPr>
+            <a:lvl8pPr marL="3429000" indent="-228600" algn="l" defTabSz="914400" rtl="0" eaLnBrk="1" latinLnBrk="0" hangingPunct="1">
+              <a:lnSpc>
+                <a:spcPct val="90000"/>
+              </a:lnSpc>
+              <a:spcBef>
+                <a:spcPts val="500"/>
+              </a:spcBef>
+              <a:buFont typeface="Arial" panose="020B0604020202020204" pitchFamily="34" charset="0"/>
+              <a:buChar char="•"/>
+              <a:defRPr sz="1800" kern="1200">
+                <a:solidFill>
+                  <a:schemeClr val="tx1"/>
+                </a:solidFill>
+                <a:latin typeface="+mn-lt"/>
+                <a:ea typeface="+mn-ea"/>
+                <a:cs typeface="+mn-cs"/>
+              </a:defRPr>
+            </a:lvl8pPr>
+            <a:lvl9pPr marL="3886200" indent="-228600" algn="l" defTabSz="914400" rtl="0" eaLnBrk="1" latinLnBrk="0" hangingPunct="1">
+              <a:lnSpc>
+                <a:spcPct val="90000"/>
+              </a:lnSpc>
+              <a:spcBef>
+                <a:spcPts val="500"/>
+              </a:spcBef>
+              <a:buFont typeface="Arial" panose="020B0604020202020204" pitchFamily="34" charset="0"/>
+              <a:buChar char="•"/>
+              <a:defRPr sz="1800" kern="1200">
+                <a:solidFill>
+                  <a:schemeClr val="tx1"/>
+                </a:solidFill>
+                <a:latin typeface="+mn-lt"/>
+                <a:ea typeface="+mn-ea"/>
+                <a:cs typeface="+mn-cs"/>
+              </a:defRPr>
+            </a:lvl9pPr>
+          </a:lstStyle>
+          <a:p>
+            <a:pPr>
+              <a:lnSpc>
+                <a:spcPct val="200000"/>
+              </a:lnSpc>
+            </a:pPr>
+            <a:endParaRPr lang="de-DE" sz="2000" dirty="0">
+              <a:solidFill>
+                <a:schemeClr val="tx1">
+                  <a:lumMod val="85000"/>
+                  <a:lumOff val="15000"/>
+                </a:schemeClr>
+              </a:solidFill>
+            </a:endParaRPr>
+          </a:p>
+        </p:txBody>
+      </p:sp>
+      <p:sp>
+        <p:nvSpPr>
+          <p:cNvPr id="2" name="Textfeld 1">
+            <a:extLst>
+              <a:ext uri="{FF2B5EF4-FFF2-40B4-BE49-F238E27FC236}">
+                <a16:creationId xmlns:a16="http://schemas.microsoft.com/office/drawing/2014/main" id="{DC402030-A262-A55C-2834-D01BBCE7AE12}"/>
+              </a:ext>
+            </a:extLst>
+          </p:cNvPr>
+          <p:cNvSpPr txBox="1"/>
+          <p:nvPr/>
+        </p:nvSpPr>
+        <p:spPr>
+          <a:xfrm>
+            <a:off x="10327639" y="5346859"/>
+            <a:ext cx="1524649" cy="246221"/>
+          </a:xfrm>
+          <a:prstGeom prst="rect">
+            <a:avLst/>
+          </a:prstGeom>
+          <a:noFill/>
+        </p:spPr>
+        <p:txBody>
+          <a:bodyPr wrap="square" rtlCol="0">
+            <a:spAutoFit/>
+          </a:bodyPr>
+          <a:lstStyle/>
+          <a:p>
+            <a:r>
+              <a:rPr lang="de-DE" sz="1000" i="1" dirty="0">
+                <a:solidFill>
+                  <a:schemeClr val="tx1">
+                    <a:lumMod val="85000"/>
+                    <a:lumOff val="15000"/>
+                  </a:schemeClr>
+                </a:solidFill>
+              </a:rPr>
+              <a:t>Visualisiert mit </a:t>
+            </a:r>
+            <a:r>
+              <a:rPr lang="de-DE" sz="1000" i="1" dirty="0" err="1">
+                <a:solidFill>
+                  <a:schemeClr val="tx1">
+                    <a:lumMod val="85000"/>
+                    <a:lumOff val="15000"/>
+                  </a:schemeClr>
+                </a:solidFill>
+              </a:rPr>
+              <a:t>Matplotlib</a:t>
+            </a:r>
+            <a:endParaRPr lang="de-DE" sz="1000" i="1" dirty="0">
+              <a:solidFill>
+                <a:schemeClr val="tx1">
+                  <a:lumMod val="85000"/>
+                  <a:lumOff val="15000"/>
+                </a:schemeClr>
+              </a:solidFill>
+            </a:endParaRPr>
+          </a:p>
+        </p:txBody>
+      </p:sp>
+      <p:pic>
+        <p:nvPicPr>
+          <p:cNvPr id="4" name="Grafik 3">
+            <a:extLst>
+              <a:ext uri="{FF2B5EF4-FFF2-40B4-BE49-F238E27FC236}">
+                <a16:creationId xmlns:a16="http://schemas.microsoft.com/office/drawing/2014/main" id="{A7161036-EE6C-572F-530D-57CCCF1D985C}"/>
               </a:ext>
             </a:extLst>
           </p:cNvPr>
@@ -10627,99 +11891,8 @@
         </p:blipFill>
         <p:spPr>
           <a:xfrm>
-            <a:off x="1056640" y="1761362"/>
-            <a:ext cx="5084069" cy="3704717"/>
-          </a:xfrm>
-          <a:prstGeom prst="rect">
-            <a:avLst/>
-          </a:prstGeom>
-        </p:spPr>
-      </p:pic>
-      <p:sp>
-        <p:nvSpPr>
-          <p:cNvPr id="6" name="Textfeld 5">
-            <a:extLst>
-              <a:ext uri="{FF2B5EF4-FFF2-40B4-BE49-F238E27FC236}">
-                <a16:creationId xmlns:a16="http://schemas.microsoft.com/office/drawing/2014/main" id="{F82BA0CB-6FC6-AE48-C63B-A5C2BA6C0ADC}"/>
-              </a:ext>
-            </a:extLst>
-          </p:cNvPr>
-          <p:cNvSpPr txBox="1"/>
-          <p:nvPr/>
-        </p:nvSpPr>
-        <p:spPr>
-          <a:xfrm>
-            <a:off x="10327639" y="1268809"/>
-            <a:ext cx="1524649" cy="246221"/>
-          </a:xfrm>
-          <a:prstGeom prst="rect">
-            <a:avLst/>
-          </a:prstGeom>
-          <a:noFill/>
-        </p:spPr>
-        <p:txBody>
-          <a:bodyPr wrap="square" rtlCol="0">
-            <a:spAutoFit/>
-          </a:bodyPr>
-          <a:lstStyle/>
-          <a:p>
-            <a:r>
-              <a:rPr lang="de-DE" sz="1000" i="1" dirty="0">
-                <a:solidFill>
-                  <a:schemeClr val="tx1">
-                    <a:lumMod val="85000"/>
-                    <a:lumOff val="15000"/>
-                  </a:schemeClr>
-                </a:solidFill>
-              </a:rPr>
-              <a:t>Visualisiert mit </a:t>
-            </a:r>
-            <a:r>
-              <a:rPr lang="de-DE" sz="1000" i="1" dirty="0" err="1">
-                <a:solidFill>
-                  <a:schemeClr val="tx1">
-                    <a:lumMod val="85000"/>
-                    <a:lumOff val="15000"/>
-                  </a:schemeClr>
-                </a:solidFill>
-              </a:rPr>
-              <a:t>Matplotlib</a:t>
-            </a:r>
-            <a:endParaRPr lang="de-DE" sz="1000" i="1" dirty="0">
-              <a:solidFill>
-                <a:schemeClr val="tx1">
-                  <a:lumMod val="85000"/>
-                  <a:lumOff val="15000"/>
-                </a:schemeClr>
-              </a:solidFill>
-            </a:endParaRPr>
-          </a:p>
-        </p:txBody>
-      </p:sp>
-      <p:pic>
-        <p:nvPicPr>
-          <p:cNvPr id="4" name="Grafik 3">
-            <a:extLst>
-              <a:ext uri="{FF2B5EF4-FFF2-40B4-BE49-F238E27FC236}">
-                <a16:creationId xmlns:a16="http://schemas.microsoft.com/office/drawing/2014/main" id="{908FF4DA-EDC3-3F46-DDE7-BE2E691D3B7B}"/>
-              </a:ext>
-            </a:extLst>
-          </p:cNvPr>
-          <p:cNvPicPr>
-            <a:picLocks noChangeAspect="1"/>
-          </p:cNvPicPr>
-          <p:nvPr/>
-        </p:nvPicPr>
-        <p:blipFill>
-          <a:blip r:embed="rId4"/>
-          <a:stretch>
-            <a:fillRect/>
-          </a:stretch>
-        </p:blipFill>
-        <p:spPr>
-          <a:xfrm>
-            <a:off x="6538917" y="1761362"/>
-            <a:ext cx="4596443" cy="3704717"/>
+            <a:off x="3590261" y="1449640"/>
+            <a:ext cx="5011477" cy="3958719"/>
           </a:xfrm>
           <a:prstGeom prst="rect">
             <a:avLst/>
@@ -10729,7 +11902,4256 @@
     </p:spTree>
     <p:extLst>
       <p:ext uri="{BB962C8B-B14F-4D97-AF65-F5344CB8AC3E}">
-        <p14:creationId xmlns:p14="http://schemas.microsoft.com/office/powerpoint/2010/main" val="3957634159"/>
+        <p14:creationId xmlns:p14="http://schemas.microsoft.com/office/powerpoint/2010/main" val="3061857485"/>
+      </p:ext>
+    </p:extLst>
+  </p:cSld>
+  <p:clrMapOvr>
+    <a:masterClrMapping/>
+  </p:clrMapOvr>
+</p:sld>
+</file>
+
+<file path=ppt/slides/slide8.xml><?xml version="1.0" encoding="utf-8"?>
+<p:sld xmlns:a="http://schemas.openxmlformats.org/drawingml/2006/main" xmlns:r="http://schemas.openxmlformats.org/officeDocument/2006/relationships" xmlns:p="http://schemas.openxmlformats.org/presentationml/2006/main">
+  <p:cSld>
+    <p:spTree>
+      <p:nvGrpSpPr>
+        <p:cNvPr id="1" name=""/>
+        <p:cNvGrpSpPr/>
+        <p:nvPr/>
+      </p:nvGrpSpPr>
+      <p:grpSpPr>
+        <a:xfrm>
+          <a:off x="0" y="0"/>
+          <a:ext cx="0" cy="0"/>
+          <a:chOff x="0" y="0"/>
+          <a:chExt cx="0" cy="0"/>
+        </a:xfrm>
+      </p:grpSpPr>
+      <p:sp>
+        <p:nvSpPr>
+          <p:cNvPr id="11" name="Titel 1">
+            <a:extLst>
+              <a:ext uri="{FF2B5EF4-FFF2-40B4-BE49-F238E27FC236}">
+                <a16:creationId xmlns:a16="http://schemas.microsoft.com/office/drawing/2014/main" id="{FB751DBA-581A-56F8-C75A-125395E04E48}"/>
+              </a:ext>
+            </a:extLst>
+          </p:cNvPr>
+          <p:cNvSpPr txBox="1">
+            <a:spLocks/>
+          </p:cNvSpPr>
+          <p:nvPr/>
+        </p:nvSpPr>
+        <p:spPr>
+          <a:xfrm>
+            <a:off x="1056640" y="548497"/>
+            <a:ext cx="10078720" cy="523383"/>
+          </a:xfrm>
+          <a:prstGeom prst="rect">
+            <a:avLst/>
+          </a:prstGeom>
+        </p:spPr>
+        <p:txBody>
+          <a:bodyPr vert="horz" lIns="91440" tIns="45720" rIns="91440" bIns="45720" rtlCol="0" anchor="ctr">
+            <a:normAutofit lnSpcReduction="10000"/>
+          </a:bodyPr>
+          <a:lstStyle>
+            <a:lvl1pPr algn="l" defTabSz="914400" rtl="0" eaLnBrk="1" latinLnBrk="0" hangingPunct="1">
+              <a:lnSpc>
+                <a:spcPct val="90000"/>
+              </a:lnSpc>
+              <a:spcBef>
+                <a:spcPct val="0"/>
+              </a:spcBef>
+              <a:buNone/>
+              <a:defRPr sz="4400" kern="1200">
+                <a:solidFill>
+                  <a:schemeClr val="tx1"/>
+                </a:solidFill>
+                <a:latin typeface="+mj-lt"/>
+                <a:ea typeface="+mj-ea"/>
+                <a:cs typeface="+mj-cs"/>
+              </a:defRPr>
+            </a:lvl1pPr>
+          </a:lstStyle>
+          <a:p>
+            <a:pPr algn="ctr"/>
+            <a:r>
+              <a:rPr lang="de-DE" sz="3200" b="1" dirty="0">
+                <a:solidFill>
+                  <a:srgbClr val="E30019"/>
+                </a:solidFill>
+              </a:rPr>
+              <a:t>Daten aufbereiten</a:t>
+            </a:r>
+          </a:p>
+        </p:txBody>
+      </p:sp>
+      <p:pic>
+        <p:nvPicPr>
+          <p:cNvPr id="18" name="Grafik 17">
+            <a:extLst>
+              <a:ext uri="{FF2B5EF4-FFF2-40B4-BE49-F238E27FC236}">
+                <a16:creationId xmlns:a16="http://schemas.microsoft.com/office/drawing/2014/main" id="{1DA09022-552B-A354-9843-60926F147610}"/>
+              </a:ext>
+            </a:extLst>
+          </p:cNvPr>
+          <p:cNvPicPr>
+            <a:picLocks noChangeAspect="1"/>
+          </p:cNvPicPr>
+          <p:nvPr/>
+        </p:nvPicPr>
+        <p:blipFill rotWithShape="1">
+          <a:blip r:embed="rId2">
+            <a:extLst>
+              <a:ext uri="{28A0092B-C50C-407E-A947-70E740481C1C}">
+                <a14:useLocalDpi xmlns:a14="http://schemas.microsoft.com/office/drawing/2010/main" val="0"/>
+              </a:ext>
+            </a:extLst>
+          </a:blip>
+          <a:srcRect l="12144" t="12640" r="12482" b="23891"/>
+          <a:stretch/>
+        </p:blipFill>
+        <p:spPr>
+          <a:xfrm>
+            <a:off x="10606087" y="201056"/>
+            <a:ext cx="1250434" cy="350639"/>
+          </a:xfrm>
+          <a:prstGeom prst="rect">
+            <a:avLst/>
+          </a:prstGeom>
+        </p:spPr>
+      </p:pic>
+      <p:sp>
+        <p:nvSpPr>
+          <p:cNvPr id="19" name="Textfeld 18">
+            <a:extLst>
+              <a:ext uri="{FF2B5EF4-FFF2-40B4-BE49-F238E27FC236}">
+                <a16:creationId xmlns:a16="http://schemas.microsoft.com/office/drawing/2014/main" id="{DD2ADF0D-5381-4564-861F-BD36A9663E48}"/>
+              </a:ext>
+            </a:extLst>
+          </p:cNvPr>
+          <p:cNvSpPr txBox="1"/>
+          <p:nvPr/>
+        </p:nvSpPr>
+        <p:spPr>
+          <a:xfrm>
+            <a:off x="339711" y="6460380"/>
+            <a:ext cx="1891256" cy="276999"/>
+          </a:xfrm>
+          <a:prstGeom prst="rect">
+            <a:avLst/>
+          </a:prstGeom>
+          <a:noFill/>
+        </p:spPr>
+        <p:txBody>
+          <a:bodyPr wrap="square" rtlCol="0">
+            <a:spAutoFit/>
+          </a:bodyPr>
+          <a:lstStyle/>
+          <a:p>
+            <a:r>
+              <a:rPr lang="de-DE" sz="1200" dirty="0">
+                <a:solidFill>
+                  <a:schemeClr val="tx1">
+                    <a:lumMod val="85000"/>
+                    <a:lumOff val="15000"/>
+                  </a:schemeClr>
+                </a:solidFill>
+              </a:rPr>
+              <a:t>Mario Pfob, Marius </a:t>
+            </a:r>
+            <a:r>
+              <a:rPr lang="de-DE" sz="1200" dirty="0" err="1">
+                <a:solidFill>
+                  <a:schemeClr val="tx1">
+                    <a:lumMod val="85000"/>
+                    <a:lumOff val="15000"/>
+                  </a:schemeClr>
+                </a:solidFill>
+              </a:rPr>
+              <a:t>Harrass</a:t>
+            </a:r>
+            <a:endParaRPr lang="de-DE" sz="1200" dirty="0">
+              <a:solidFill>
+                <a:schemeClr val="tx1">
+                  <a:lumMod val="85000"/>
+                  <a:lumOff val="15000"/>
+                </a:schemeClr>
+              </a:solidFill>
+            </a:endParaRPr>
+          </a:p>
+        </p:txBody>
+      </p:sp>
+      <p:sp>
+        <p:nvSpPr>
+          <p:cNvPr id="20" name="Textfeld 19">
+            <a:extLst>
+              <a:ext uri="{FF2B5EF4-FFF2-40B4-BE49-F238E27FC236}">
+                <a16:creationId xmlns:a16="http://schemas.microsoft.com/office/drawing/2014/main" id="{CF820D81-1AF9-A56F-7297-4F2F6FE6EC87}"/>
+              </a:ext>
+            </a:extLst>
+          </p:cNvPr>
+          <p:cNvSpPr txBox="1"/>
+          <p:nvPr/>
+        </p:nvSpPr>
+        <p:spPr>
+          <a:xfrm>
+            <a:off x="5995630" y="6460379"/>
+            <a:ext cx="200739" cy="276999"/>
+          </a:xfrm>
+          <a:prstGeom prst="rect">
+            <a:avLst/>
+          </a:prstGeom>
+          <a:noFill/>
+        </p:spPr>
+        <p:txBody>
+          <a:bodyPr wrap="square" rtlCol="0">
+            <a:spAutoFit/>
+          </a:bodyPr>
+          <a:lstStyle/>
+          <a:p>
+            <a:pPr algn="ctr"/>
+            <a:fld id="{412B8DA5-8C8F-4660-8140-E24812EB3368}" type="slidenum">
+              <a:rPr lang="de-DE" sz="1200" smtClean="0">
+                <a:solidFill>
+                  <a:schemeClr val="tx1">
+                    <a:lumMod val="85000"/>
+                    <a:lumOff val="15000"/>
+                  </a:schemeClr>
+                </a:solidFill>
+              </a:rPr>
+              <a:pPr algn="ctr"/>
+              <a:t>8</a:t>
+            </a:fld>
+            <a:endParaRPr lang="de-DE" sz="1200" dirty="0">
+              <a:solidFill>
+                <a:schemeClr val="tx1">
+                  <a:lumMod val="85000"/>
+                  <a:lumOff val="15000"/>
+                </a:schemeClr>
+              </a:solidFill>
+            </a:endParaRPr>
+          </a:p>
+        </p:txBody>
+      </p:sp>
+      <p:sp>
+        <p:nvSpPr>
+          <p:cNvPr id="22" name="Textfeld 21">
+            <a:extLst>
+              <a:ext uri="{FF2B5EF4-FFF2-40B4-BE49-F238E27FC236}">
+                <a16:creationId xmlns:a16="http://schemas.microsoft.com/office/drawing/2014/main" id="{41290850-4D07-5D59-234F-836B35FA39E1}"/>
+              </a:ext>
+            </a:extLst>
+          </p:cNvPr>
+          <p:cNvSpPr txBox="1"/>
+          <p:nvPr/>
+        </p:nvSpPr>
+        <p:spPr>
+          <a:xfrm>
+            <a:off x="9254066" y="6460379"/>
+            <a:ext cx="2598222" cy="276999"/>
+          </a:xfrm>
+          <a:prstGeom prst="rect">
+            <a:avLst/>
+          </a:prstGeom>
+          <a:noFill/>
+        </p:spPr>
+        <p:txBody>
+          <a:bodyPr wrap="square" rtlCol="0">
+            <a:spAutoFit/>
+          </a:bodyPr>
+          <a:lstStyle/>
+          <a:p>
+            <a:r>
+              <a:rPr lang="en-US" sz="1200" dirty="0">
+                <a:solidFill>
+                  <a:schemeClr val="tx1">
+                    <a:lumMod val="85000"/>
+                    <a:lumOff val="15000"/>
+                  </a:schemeClr>
+                </a:solidFill>
+              </a:rPr>
+              <a:t>Applied Data Analysis and Visualization</a:t>
+            </a:r>
+            <a:endParaRPr lang="de-DE" sz="1200" dirty="0">
+              <a:solidFill>
+                <a:schemeClr val="tx1">
+                  <a:lumMod val="85000"/>
+                  <a:lumOff val="15000"/>
+                </a:schemeClr>
+              </a:solidFill>
+            </a:endParaRPr>
+          </a:p>
+        </p:txBody>
+      </p:sp>
+      <p:sp>
+        <p:nvSpPr>
+          <p:cNvPr id="23" name="Rechteck 22">
+            <a:extLst>
+              <a:ext uri="{FF2B5EF4-FFF2-40B4-BE49-F238E27FC236}">
+                <a16:creationId xmlns:a16="http://schemas.microsoft.com/office/drawing/2014/main" id="{76720E9F-EC3B-85B4-47EC-E94600D47CD4}"/>
+              </a:ext>
+            </a:extLst>
+          </p:cNvPr>
+          <p:cNvSpPr/>
+          <p:nvPr/>
+        </p:nvSpPr>
+        <p:spPr>
+          <a:xfrm>
+            <a:off x="339711" y="6310177"/>
+            <a:ext cx="11512578" cy="45719"/>
+          </a:xfrm>
+          <a:prstGeom prst="rect">
+            <a:avLst/>
+          </a:prstGeom>
+          <a:solidFill>
+            <a:srgbClr val="E30019"/>
+          </a:solidFill>
+          <a:ln>
+            <a:noFill/>
+          </a:ln>
+        </p:spPr>
+        <p:style>
+          <a:lnRef idx="2">
+            <a:schemeClr val="accent1">
+              <a:shade val="50000"/>
+            </a:schemeClr>
+          </a:lnRef>
+          <a:fillRef idx="1">
+            <a:schemeClr val="accent1"/>
+          </a:fillRef>
+          <a:effectRef idx="0">
+            <a:schemeClr val="accent1"/>
+          </a:effectRef>
+          <a:fontRef idx="minor">
+            <a:schemeClr val="lt1"/>
+          </a:fontRef>
+        </p:style>
+        <p:txBody>
+          <a:bodyPr rtlCol="0" anchor="ctr"/>
+          <a:lstStyle/>
+          <a:p>
+            <a:pPr algn="ctr"/>
+            <a:endParaRPr lang="de-DE"/>
+          </a:p>
+        </p:txBody>
+      </p:sp>
+      <p:sp>
+        <p:nvSpPr>
+          <p:cNvPr id="25" name="Textfeld 24">
+            <a:extLst>
+              <a:ext uri="{FF2B5EF4-FFF2-40B4-BE49-F238E27FC236}">
+                <a16:creationId xmlns:a16="http://schemas.microsoft.com/office/drawing/2014/main" id="{DC639A9E-7A3E-D351-98A6-01B16BFBE344}"/>
+              </a:ext>
+            </a:extLst>
+          </p:cNvPr>
+          <p:cNvSpPr txBox="1"/>
+          <p:nvPr/>
+        </p:nvSpPr>
+        <p:spPr>
+          <a:xfrm>
+            <a:off x="339711" y="271497"/>
+            <a:ext cx="892188" cy="276999"/>
+          </a:xfrm>
+          <a:prstGeom prst="rect">
+            <a:avLst/>
+          </a:prstGeom>
+          <a:noFill/>
+        </p:spPr>
+        <p:txBody>
+          <a:bodyPr wrap="square" rtlCol="0">
+            <a:spAutoFit/>
+          </a:bodyPr>
+          <a:lstStyle/>
+          <a:p>
+            <a:r>
+              <a:rPr lang="de-DE" sz="1200" dirty="0">
+                <a:solidFill>
+                  <a:schemeClr val="tx1">
+                    <a:lumMod val="85000"/>
+                    <a:lumOff val="15000"/>
+                  </a:schemeClr>
+                </a:solidFill>
+              </a:rPr>
+              <a:t>08.12.2022</a:t>
+            </a:r>
+          </a:p>
+        </p:txBody>
+      </p:sp>
+      <p:sp>
+        <p:nvSpPr>
+          <p:cNvPr id="26" name="Untertitel 2">
+            <a:extLst>
+              <a:ext uri="{FF2B5EF4-FFF2-40B4-BE49-F238E27FC236}">
+                <a16:creationId xmlns:a16="http://schemas.microsoft.com/office/drawing/2014/main" id="{EC61D599-D662-CA33-DCC2-8A2753B3A12C}"/>
+              </a:ext>
+            </a:extLst>
+          </p:cNvPr>
+          <p:cNvSpPr txBox="1">
+            <a:spLocks/>
+          </p:cNvSpPr>
+          <p:nvPr/>
+        </p:nvSpPr>
+        <p:spPr>
+          <a:xfrm>
+            <a:off x="1056640" y="1634362"/>
+            <a:ext cx="10078720" cy="3958718"/>
+          </a:xfrm>
+          <a:prstGeom prst="rect">
+            <a:avLst/>
+          </a:prstGeom>
+        </p:spPr>
+        <p:txBody>
+          <a:bodyPr vert="horz" lIns="91440" tIns="45720" rIns="91440" bIns="45720" rtlCol="0">
+            <a:noAutofit/>
+          </a:bodyPr>
+          <a:lstStyle>
+            <a:lvl1pPr marL="228600" indent="-228600" algn="l" defTabSz="914400" rtl="0" eaLnBrk="1" latinLnBrk="0" hangingPunct="1">
+              <a:lnSpc>
+                <a:spcPct val="90000"/>
+              </a:lnSpc>
+              <a:spcBef>
+                <a:spcPts val="1000"/>
+              </a:spcBef>
+              <a:buFont typeface="Arial" panose="020B0604020202020204" pitchFamily="34" charset="0"/>
+              <a:buChar char="•"/>
+              <a:defRPr sz="2800" kern="1200">
+                <a:solidFill>
+                  <a:schemeClr val="tx1"/>
+                </a:solidFill>
+                <a:latin typeface="+mn-lt"/>
+                <a:ea typeface="+mn-ea"/>
+                <a:cs typeface="+mn-cs"/>
+              </a:defRPr>
+            </a:lvl1pPr>
+            <a:lvl2pPr marL="685800" indent="-228600" algn="l" defTabSz="914400" rtl="0" eaLnBrk="1" latinLnBrk="0" hangingPunct="1">
+              <a:lnSpc>
+                <a:spcPct val="90000"/>
+              </a:lnSpc>
+              <a:spcBef>
+                <a:spcPts val="500"/>
+              </a:spcBef>
+              <a:buFont typeface="Arial" panose="020B0604020202020204" pitchFamily="34" charset="0"/>
+              <a:buChar char="•"/>
+              <a:defRPr sz="2400" kern="1200">
+                <a:solidFill>
+                  <a:schemeClr val="tx1"/>
+                </a:solidFill>
+                <a:latin typeface="+mn-lt"/>
+                <a:ea typeface="+mn-ea"/>
+                <a:cs typeface="+mn-cs"/>
+              </a:defRPr>
+            </a:lvl2pPr>
+            <a:lvl3pPr marL="1143000" indent="-228600" algn="l" defTabSz="914400" rtl="0" eaLnBrk="1" latinLnBrk="0" hangingPunct="1">
+              <a:lnSpc>
+                <a:spcPct val="90000"/>
+              </a:lnSpc>
+              <a:spcBef>
+                <a:spcPts val="500"/>
+              </a:spcBef>
+              <a:buFont typeface="Arial" panose="020B0604020202020204" pitchFamily="34" charset="0"/>
+              <a:buChar char="•"/>
+              <a:defRPr sz="2000" kern="1200">
+                <a:solidFill>
+                  <a:schemeClr val="tx1"/>
+                </a:solidFill>
+                <a:latin typeface="+mn-lt"/>
+                <a:ea typeface="+mn-ea"/>
+                <a:cs typeface="+mn-cs"/>
+              </a:defRPr>
+            </a:lvl3pPr>
+            <a:lvl4pPr marL="1600200" indent="-228600" algn="l" defTabSz="914400" rtl="0" eaLnBrk="1" latinLnBrk="0" hangingPunct="1">
+              <a:lnSpc>
+                <a:spcPct val="90000"/>
+              </a:lnSpc>
+              <a:spcBef>
+                <a:spcPts val="500"/>
+              </a:spcBef>
+              <a:buFont typeface="Arial" panose="020B0604020202020204" pitchFamily="34" charset="0"/>
+              <a:buChar char="•"/>
+              <a:defRPr sz="1800" kern="1200">
+                <a:solidFill>
+                  <a:schemeClr val="tx1"/>
+                </a:solidFill>
+                <a:latin typeface="+mn-lt"/>
+                <a:ea typeface="+mn-ea"/>
+                <a:cs typeface="+mn-cs"/>
+              </a:defRPr>
+            </a:lvl4pPr>
+            <a:lvl5pPr marL="2057400" indent="-228600" algn="l" defTabSz="914400" rtl="0" eaLnBrk="1" latinLnBrk="0" hangingPunct="1">
+              <a:lnSpc>
+                <a:spcPct val="90000"/>
+              </a:lnSpc>
+              <a:spcBef>
+                <a:spcPts val="500"/>
+              </a:spcBef>
+              <a:buFont typeface="Arial" panose="020B0604020202020204" pitchFamily="34" charset="0"/>
+              <a:buChar char="•"/>
+              <a:defRPr sz="1800" kern="1200">
+                <a:solidFill>
+                  <a:schemeClr val="tx1"/>
+                </a:solidFill>
+                <a:latin typeface="+mn-lt"/>
+                <a:ea typeface="+mn-ea"/>
+                <a:cs typeface="+mn-cs"/>
+              </a:defRPr>
+            </a:lvl5pPr>
+            <a:lvl6pPr marL="2514600" indent="-228600" algn="l" defTabSz="914400" rtl="0" eaLnBrk="1" latinLnBrk="0" hangingPunct="1">
+              <a:lnSpc>
+                <a:spcPct val="90000"/>
+              </a:lnSpc>
+              <a:spcBef>
+                <a:spcPts val="500"/>
+              </a:spcBef>
+              <a:buFont typeface="Arial" panose="020B0604020202020204" pitchFamily="34" charset="0"/>
+              <a:buChar char="•"/>
+              <a:defRPr sz="1800" kern="1200">
+                <a:solidFill>
+                  <a:schemeClr val="tx1"/>
+                </a:solidFill>
+                <a:latin typeface="+mn-lt"/>
+                <a:ea typeface="+mn-ea"/>
+                <a:cs typeface="+mn-cs"/>
+              </a:defRPr>
+            </a:lvl6pPr>
+            <a:lvl7pPr marL="2971800" indent="-228600" algn="l" defTabSz="914400" rtl="0" eaLnBrk="1" latinLnBrk="0" hangingPunct="1">
+              <a:lnSpc>
+                <a:spcPct val="90000"/>
+              </a:lnSpc>
+              <a:spcBef>
+                <a:spcPts val="500"/>
+              </a:spcBef>
+              <a:buFont typeface="Arial" panose="020B0604020202020204" pitchFamily="34" charset="0"/>
+              <a:buChar char="•"/>
+              <a:defRPr sz="1800" kern="1200">
+                <a:solidFill>
+                  <a:schemeClr val="tx1"/>
+                </a:solidFill>
+                <a:latin typeface="+mn-lt"/>
+                <a:ea typeface="+mn-ea"/>
+                <a:cs typeface="+mn-cs"/>
+              </a:defRPr>
+            </a:lvl7pPr>
+            <a:lvl8pPr marL="3429000" indent="-228600" algn="l" defTabSz="914400" rtl="0" eaLnBrk="1" latinLnBrk="0" hangingPunct="1">
+              <a:lnSpc>
+                <a:spcPct val="90000"/>
+              </a:lnSpc>
+              <a:spcBef>
+                <a:spcPts val="500"/>
+              </a:spcBef>
+              <a:buFont typeface="Arial" panose="020B0604020202020204" pitchFamily="34" charset="0"/>
+              <a:buChar char="•"/>
+              <a:defRPr sz="1800" kern="1200">
+                <a:solidFill>
+                  <a:schemeClr val="tx1"/>
+                </a:solidFill>
+                <a:latin typeface="+mn-lt"/>
+                <a:ea typeface="+mn-ea"/>
+                <a:cs typeface="+mn-cs"/>
+              </a:defRPr>
+            </a:lvl8pPr>
+            <a:lvl9pPr marL="3886200" indent="-228600" algn="l" defTabSz="914400" rtl="0" eaLnBrk="1" latinLnBrk="0" hangingPunct="1">
+              <a:lnSpc>
+                <a:spcPct val="90000"/>
+              </a:lnSpc>
+              <a:spcBef>
+                <a:spcPts val="500"/>
+              </a:spcBef>
+              <a:buFont typeface="Arial" panose="020B0604020202020204" pitchFamily="34" charset="0"/>
+              <a:buChar char="•"/>
+              <a:defRPr sz="1800" kern="1200">
+                <a:solidFill>
+                  <a:schemeClr val="tx1"/>
+                </a:solidFill>
+                <a:latin typeface="+mn-lt"/>
+                <a:ea typeface="+mn-ea"/>
+                <a:cs typeface="+mn-cs"/>
+              </a:defRPr>
+            </a:lvl9pPr>
+          </a:lstStyle>
+          <a:p>
+            <a:pPr>
+              <a:lnSpc>
+                <a:spcPct val="200000"/>
+              </a:lnSpc>
+            </a:pPr>
+            <a:r>
+              <a:rPr lang="de-DE" sz="2400" u="sng" dirty="0">
+                <a:solidFill>
+                  <a:schemeClr val="tx1">
+                    <a:lumMod val="85000"/>
+                    <a:lumOff val="15000"/>
+                  </a:schemeClr>
+                </a:solidFill>
+              </a:rPr>
+              <a:t>In diesem Datensatz</a:t>
+            </a:r>
+          </a:p>
+          <a:p>
+            <a:pPr lvl="1">
+              <a:lnSpc>
+                <a:spcPct val="200000"/>
+              </a:lnSpc>
+            </a:pPr>
+            <a:r>
+              <a:rPr lang="de-DE" sz="1800" b="1" dirty="0">
+                <a:solidFill>
+                  <a:srgbClr val="E30019"/>
+                </a:solidFill>
+              </a:rPr>
+              <a:t>Data </a:t>
+            </a:r>
+            <a:r>
+              <a:rPr lang="de-DE" sz="1800" b="1" dirty="0" err="1">
+                <a:solidFill>
+                  <a:srgbClr val="E30019"/>
+                </a:solidFill>
+              </a:rPr>
+              <a:t>Cleaning</a:t>
+            </a:r>
+            <a:r>
+              <a:rPr lang="de-DE" sz="1800" dirty="0">
+                <a:solidFill>
+                  <a:schemeClr val="tx1">
+                    <a:lumMod val="85000"/>
+                    <a:lumOff val="15000"/>
+                  </a:schemeClr>
+                </a:solidFill>
+              </a:rPr>
+              <a:t>, bspw. 1.001,57 zu 1001.57</a:t>
+            </a:r>
+          </a:p>
+          <a:p>
+            <a:pPr lvl="1">
+              <a:lnSpc>
+                <a:spcPct val="200000"/>
+              </a:lnSpc>
+            </a:pPr>
+            <a:r>
+              <a:rPr lang="de-DE" sz="1800" b="1" dirty="0">
+                <a:solidFill>
+                  <a:srgbClr val="E30019"/>
+                </a:solidFill>
+              </a:rPr>
+              <a:t>Data </a:t>
+            </a:r>
+            <a:r>
+              <a:rPr lang="de-DE" sz="1800" b="1" dirty="0" err="1">
+                <a:solidFill>
+                  <a:srgbClr val="E30019"/>
+                </a:solidFill>
+              </a:rPr>
+              <a:t>Normalization</a:t>
+            </a:r>
+            <a:endParaRPr lang="de-DE" sz="1800" b="1" dirty="0">
+              <a:solidFill>
+                <a:srgbClr val="E30019"/>
+              </a:solidFill>
+            </a:endParaRPr>
+          </a:p>
+          <a:p>
+            <a:pPr lvl="1">
+              <a:lnSpc>
+                <a:spcPct val="200000"/>
+              </a:lnSpc>
+            </a:pPr>
+            <a:r>
+              <a:rPr lang="de-DE" sz="1800" b="1" dirty="0">
+                <a:solidFill>
+                  <a:srgbClr val="E30019"/>
+                </a:solidFill>
+              </a:rPr>
+              <a:t>Data Integration </a:t>
+            </a:r>
+            <a:r>
+              <a:rPr lang="de-DE" sz="1800" dirty="0">
+                <a:solidFill>
+                  <a:schemeClr val="tx1">
+                    <a:lumMod val="85000"/>
+                    <a:lumOff val="15000"/>
+                  </a:schemeClr>
+                </a:solidFill>
+              </a:rPr>
+              <a:t>=&gt; Volumen ausrechnen</a:t>
+            </a:r>
+          </a:p>
+          <a:p>
+            <a:pPr lvl="1">
+              <a:lnSpc>
+                <a:spcPct val="200000"/>
+              </a:lnSpc>
+            </a:pPr>
+            <a:r>
+              <a:rPr lang="de-DE" sz="1800" b="1" dirty="0">
+                <a:solidFill>
+                  <a:srgbClr val="E30019"/>
+                </a:solidFill>
+              </a:rPr>
+              <a:t>Noise </a:t>
+            </a:r>
+            <a:r>
+              <a:rPr lang="de-DE" sz="1800" b="1" dirty="0" err="1">
+                <a:solidFill>
+                  <a:srgbClr val="E30019"/>
+                </a:solidFill>
+              </a:rPr>
+              <a:t>identification</a:t>
+            </a:r>
+            <a:endParaRPr lang="de-DE" sz="1800" b="1" dirty="0">
+              <a:solidFill>
+                <a:srgbClr val="E30019"/>
+              </a:solidFill>
+            </a:endParaRPr>
+          </a:p>
+          <a:p>
+            <a:pPr lvl="1">
+              <a:lnSpc>
+                <a:spcPct val="200000"/>
+              </a:lnSpc>
+            </a:pPr>
+            <a:r>
+              <a:rPr lang="de-DE" sz="1800" b="1" dirty="0">
+                <a:solidFill>
+                  <a:srgbClr val="E30019"/>
+                </a:solidFill>
+              </a:rPr>
+              <a:t>Feature </a:t>
+            </a:r>
+            <a:r>
+              <a:rPr lang="de-DE" sz="1800" b="1" dirty="0" err="1">
+                <a:solidFill>
+                  <a:srgbClr val="E30019"/>
+                </a:solidFill>
+              </a:rPr>
+              <a:t>Selection</a:t>
+            </a:r>
+            <a:endParaRPr lang="de-DE" sz="1800" b="1" dirty="0">
+              <a:solidFill>
+                <a:srgbClr val="E30019"/>
+              </a:solidFill>
+            </a:endParaRPr>
+          </a:p>
+        </p:txBody>
+      </p:sp>
+    </p:spTree>
+    <p:extLst>
+      <p:ext uri="{BB962C8B-B14F-4D97-AF65-F5344CB8AC3E}">
+        <p14:creationId xmlns:p14="http://schemas.microsoft.com/office/powerpoint/2010/main" val="1055592884"/>
+      </p:ext>
+    </p:extLst>
+  </p:cSld>
+  <p:clrMapOvr>
+    <a:masterClrMapping/>
+  </p:clrMapOvr>
+</p:sld>
+</file>
+
+<file path=ppt/slides/slide9.xml><?xml version="1.0" encoding="utf-8"?>
+<p:sld xmlns:a="http://schemas.openxmlformats.org/drawingml/2006/main" xmlns:r="http://schemas.openxmlformats.org/officeDocument/2006/relationships" xmlns:p="http://schemas.openxmlformats.org/presentationml/2006/main">
+  <p:cSld>
+    <p:spTree>
+      <p:nvGrpSpPr>
+        <p:cNvPr id="1" name=""/>
+        <p:cNvGrpSpPr/>
+        <p:nvPr/>
+      </p:nvGrpSpPr>
+      <p:grpSpPr>
+        <a:xfrm>
+          <a:off x="0" y="0"/>
+          <a:ext cx="0" cy="0"/>
+          <a:chOff x="0" y="0"/>
+          <a:chExt cx="0" cy="0"/>
+        </a:xfrm>
+      </p:grpSpPr>
+      <p:sp>
+        <p:nvSpPr>
+          <p:cNvPr id="11" name="Titel 1">
+            <a:extLst>
+              <a:ext uri="{FF2B5EF4-FFF2-40B4-BE49-F238E27FC236}">
+                <a16:creationId xmlns:a16="http://schemas.microsoft.com/office/drawing/2014/main" id="{FB751DBA-581A-56F8-C75A-125395E04E48}"/>
+              </a:ext>
+            </a:extLst>
+          </p:cNvPr>
+          <p:cNvSpPr txBox="1">
+            <a:spLocks/>
+          </p:cNvSpPr>
+          <p:nvPr/>
+        </p:nvSpPr>
+        <p:spPr>
+          <a:xfrm>
+            <a:off x="1056640" y="548497"/>
+            <a:ext cx="10078720" cy="523383"/>
+          </a:xfrm>
+          <a:prstGeom prst="rect">
+            <a:avLst/>
+          </a:prstGeom>
+        </p:spPr>
+        <p:txBody>
+          <a:bodyPr vert="horz" lIns="91440" tIns="45720" rIns="91440" bIns="45720" rtlCol="0" anchor="ctr">
+            <a:normAutofit lnSpcReduction="10000"/>
+          </a:bodyPr>
+          <a:lstStyle>
+            <a:lvl1pPr algn="l" defTabSz="914400" rtl="0" eaLnBrk="1" latinLnBrk="0" hangingPunct="1">
+              <a:lnSpc>
+                <a:spcPct val="90000"/>
+              </a:lnSpc>
+              <a:spcBef>
+                <a:spcPct val="0"/>
+              </a:spcBef>
+              <a:buNone/>
+              <a:defRPr sz="4400" kern="1200">
+                <a:solidFill>
+                  <a:schemeClr val="tx1"/>
+                </a:solidFill>
+                <a:latin typeface="+mj-lt"/>
+                <a:ea typeface="+mj-ea"/>
+                <a:cs typeface="+mj-cs"/>
+              </a:defRPr>
+            </a:lvl1pPr>
+          </a:lstStyle>
+          <a:p>
+            <a:pPr algn="ctr"/>
+            <a:r>
+              <a:rPr lang="de-DE" sz="3200" b="1" dirty="0">
+                <a:solidFill>
+                  <a:srgbClr val="E30019"/>
+                </a:solidFill>
+              </a:rPr>
+              <a:t>Daten aufbereiten</a:t>
+            </a:r>
+          </a:p>
+        </p:txBody>
+      </p:sp>
+      <p:pic>
+        <p:nvPicPr>
+          <p:cNvPr id="18" name="Grafik 17">
+            <a:extLst>
+              <a:ext uri="{FF2B5EF4-FFF2-40B4-BE49-F238E27FC236}">
+                <a16:creationId xmlns:a16="http://schemas.microsoft.com/office/drawing/2014/main" id="{1DA09022-552B-A354-9843-60926F147610}"/>
+              </a:ext>
+            </a:extLst>
+          </p:cNvPr>
+          <p:cNvPicPr>
+            <a:picLocks noChangeAspect="1"/>
+          </p:cNvPicPr>
+          <p:nvPr/>
+        </p:nvPicPr>
+        <p:blipFill rotWithShape="1">
+          <a:blip r:embed="rId2">
+            <a:extLst>
+              <a:ext uri="{28A0092B-C50C-407E-A947-70E740481C1C}">
+                <a14:useLocalDpi xmlns:a14="http://schemas.microsoft.com/office/drawing/2010/main" val="0"/>
+              </a:ext>
+            </a:extLst>
+          </a:blip>
+          <a:srcRect l="12144" t="12640" r="12482" b="23891"/>
+          <a:stretch/>
+        </p:blipFill>
+        <p:spPr>
+          <a:xfrm>
+            <a:off x="10606087" y="201056"/>
+            <a:ext cx="1250434" cy="350639"/>
+          </a:xfrm>
+          <a:prstGeom prst="rect">
+            <a:avLst/>
+          </a:prstGeom>
+        </p:spPr>
+      </p:pic>
+      <p:sp>
+        <p:nvSpPr>
+          <p:cNvPr id="19" name="Textfeld 18">
+            <a:extLst>
+              <a:ext uri="{FF2B5EF4-FFF2-40B4-BE49-F238E27FC236}">
+                <a16:creationId xmlns:a16="http://schemas.microsoft.com/office/drawing/2014/main" id="{DD2ADF0D-5381-4564-861F-BD36A9663E48}"/>
+              </a:ext>
+            </a:extLst>
+          </p:cNvPr>
+          <p:cNvSpPr txBox="1"/>
+          <p:nvPr/>
+        </p:nvSpPr>
+        <p:spPr>
+          <a:xfrm>
+            <a:off x="339711" y="6460380"/>
+            <a:ext cx="1891256" cy="276999"/>
+          </a:xfrm>
+          <a:prstGeom prst="rect">
+            <a:avLst/>
+          </a:prstGeom>
+          <a:noFill/>
+        </p:spPr>
+        <p:txBody>
+          <a:bodyPr wrap="square" rtlCol="0">
+            <a:spAutoFit/>
+          </a:bodyPr>
+          <a:lstStyle/>
+          <a:p>
+            <a:r>
+              <a:rPr lang="de-DE" sz="1200" dirty="0">
+                <a:solidFill>
+                  <a:schemeClr val="tx1">
+                    <a:lumMod val="85000"/>
+                    <a:lumOff val="15000"/>
+                  </a:schemeClr>
+                </a:solidFill>
+              </a:rPr>
+              <a:t>Mario Pfob, Marius </a:t>
+            </a:r>
+            <a:r>
+              <a:rPr lang="de-DE" sz="1200" dirty="0" err="1">
+                <a:solidFill>
+                  <a:schemeClr val="tx1">
+                    <a:lumMod val="85000"/>
+                    <a:lumOff val="15000"/>
+                  </a:schemeClr>
+                </a:solidFill>
+              </a:rPr>
+              <a:t>Harrass</a:t>
+            </a:r>
+            <a:endParaRPr lang="de-DE" sz="1200" dirty="0">
+              <a:solidFill>
+                <a:schemeClr val="tx1">
+                  <a:lumMod val="85000"/>
+                  <a:lumOff val="15000"/>
+                </a:schemeClr>
+              </a:solidFill>
+            </a:endParaRPr>
+          </a:p>
+        </p:txBody>
+      </p:sp>
+      <p:sp>
+        <p:nvSpPr>
+          <p:cNvPr id="20" name="Textfeld 19">
+            <a:extLst>
+              <a:ext uri="{FF2B5EF4-FFF2-40B4-BE49-F238E27FC236}">
+                <a16:creationId xmlns:a16="http://schemas.microsoft.com/office/drawing/2014/main" id="{CF820D81-1AF9-A56F-7297-4F2F6FE6EC87}"/>
+              </a:ext>
+            </a:extLst>
+          </p:cNvPr>
+          <p:cNvSpPr txBox="1"/>
+          <p:nvPr/>
+        </p:nvSpPr>
+        <p:spPr>
+          <a:xfrm>
+            <a:off x="5995630" y="6460379"/>
+            <a:ext cx="200739" cy="276999"/>
+          </a:xfrm>
+          <a:prstGeom prst="rect">
+            <a:avLst/>
+          </a:prstGeom>
+          <a:noFill/>
+        </p:spPr>
+        <p:txBody>
+          <a:bodyPr wrap="square" rtlCol="0">
+            <a:spAutoFit/>
+          </a:bodyPr>
+          <a:lstStyle/>
+          <a:p>
+            <a:pPr algn="ctr"/>
+            <a:fld id="{412B8DA5-8C8F-4660-8140-E24812EB3368}" type="slidenum">
+              <a:rPr lang="de-DE" sz="1200" smtClean="0">
+                <a:solidFill>
+                  <a:schemeClr val="tx1">
+                    <a:lumMod val="85000"/>
+                    <a:lumOff val="15000"/>
+                  </a:schemeClr>
+                </a:solidFill>
+              </a:rPr>
+              <a:pPr algn="ctr"/>
+              <a:t>9</a:t>
+            </a:fld>
+            <a:endParaRPr lang="de-DE" sz="1200" dirty="0">
+              <a:solidFill>
+                <a:schemeClr val="tx1">
+                  <a:lumMod val="85000"/>
+                  <a:lumOff val="15000"/>
+                </a:schemeClr>
+              </a:solidFill>
+            </a:endParaRPr>
+          </a:p>
+        </p:txBody>
+      </p:sp>
+      <p:sp>
+        <p:nvSpPr>
+          <p:cNvPr id="22" name="Textfeld 21">
+            <a:extLst>
+              <a:ext uri="{FF2B5EF4-FFF2-40B4-BE49-F238E27FC236}">
+                <a16:creationId xmlns:a16="http://schemas.microsoft.com/office/drawing/2014/main" id="{41290850-4D07-5D59-234F-836B35FA39E1}"/>
+              </a:ext>
+            </a:extLst>
+          </p:cNvPr>
+          <p:cNvSpPr txBox="1"/>
+          <p:nvPr/>
+        </p:nvSpPr>
+        <p:spPr>
+          <a:xfrm>
+            <a:off x="9254066" y="6460379"/>
+            <a:ext cx="2598222" cy="276999"/>
+          </a:xfrm>
+          <a:prstGeom prst="rect">
+            <a:avLst/>
+          </a:prstGeom>
+          <a:noFill/>
+        </p:spPr>
+        <p:txBody>
+          <a:bodyPr wrap="square" rtlCol="0">
+            <a:spAutoFit/>
+          </a:bodyPr>
+          <a:lstStyle/>
+          <a:p>
+            <a:r>
+              <a:rPr lang="en-US" sz="1200" dirty="0">
+                <a:solidFill>
+                  <a:schemeClr val="tx1">
+                    <a:lumMod val="85000"/>
+                    <a:lumOff val="15000"/>
+                  </a:schemeClr>
+                </a:solidFill>
+              </a:rPr>
+              <a:t>Applied Data Analysis and Visualization</a:t>
+            </a:r>
+            <a:endParaRPr lang="de-DE" sz="1200" dirty="0">
+              <a:solidFill>
+                <a:schemeClr val="tx1">
+                  <a:lumMod val="85000"/>
+                  <a:lumOff val="15000"/>
+                </a:schemeClr>
+              </a:solidFill>
+            </a:endParaRPr>
+          </a:p>
+        </p:txBody>
+      </p:sp>
+      <p:sp>
+        <p:nvSpPr>
+          <p:cNvPr id="23" name="Rechteck 22">
+            <a:extLst>
+              <a:ext uri="{FF2B5EF4-FFF2-40B4-BE49-F238E27FC236}">
+                <a16:creationId xmlns:a16="http://schemas.microsoft.com/office/drawing/2014/main" id="{76720E9F-EC3B-85B4-47EC-E94600D47CD4}"/>
+              </a:ext>
+            </a:extLst>
+          </p:cNvPr>
+          <p:cNvSpPr/>
+          <p:nvPr/>
+        </p:nvSpPr>
+        <p:spPr>
+          <a:xfrm>
+            <a:off x="339711" y="6310177"/>
+            <a:ext cx="11512578" cy="45719"/>
+          </a:xfrm>
+          <a:prstGeom prst="rect">
+            <a:avLst/>
+          </a:prstGeom>
+          <a:solidFill>
+            <a:srgbClr val="E30019"/>
+          </a:solidFill>
+          <a:ln>
+            <a:noFill/>
+          </a:ln>
+        </p:spPr>
+        <p:style>
+          <a:lnRef idx="2">
+            <a:schemeClr val="accent1">
+              <a:shade val="50000"/>
+            </a:schemeClr>
+          </a:lnRef>
+          <a:fillRef idx="1">
+            <a:schemeClr val="accent1"/>
+          </a:fillRef>
+          <a:effectRef idx="0">
+            <a:schemeClr val="accent1"/>
+          </a:effectRef>
+          <a:fontRef idx="minor">
+            <a:schemeClr val="lt1"/>
+          </a:fontRef>
+        </p:style>
+        <p:txBody>
+          <a:bodyPr rtlCol="0" anchor="ctr"/>
+          <a:lstStyle/>
+          <a:p>
+            <a:pPr algn="ctr"/>
+            <a:endParaRPr lang="de-DE"/>
+          </a:p>
+        </p:txBody>
+      </p:sp>
+      <p:sp>
+        <p:nvSpPr>
+          <p:cNvPr id="25" name="Textfeld 24">
+            <a:extLst>
+              <a:ext uri="{FF2B5EF4-FFF2-40B4-BE49-F238E27FC236}">
+                <a16:creationId xmlns:a16="http://schemas.microsoft.com/office/drawing/2014/main" id="{DC639A9E-7A3E-D351-98A6-01B16BFBE344}"/>
+              </a:ext>
+            </a:extLst>
+          </p:cNvPr>
+          <p:cNvSpPr txBox="1"/>
+          <p:nvPr/>
+        </p:nvSpPr>
+        <p:spPr>
+          <a:xfrm>
+            <a:off x="339711" y="271497"/>
+            <a:ext cx="892188" cy="276999"/>
+          </a:xfrm>
+          <a:prstGeom prst="rect">
+            <a:avLst/>
+          </a:prstGeom>
+          <a:noFill/>
+        </p:spPr>
+        <p:txBody>
+          <a:bodyPr wrap="square" rtlCol="0">
+            <a:spAutoFit/>
+          </a:bodyPr>
+          <a:lstStyle/>
+          <a:p>
+            <a:r>
+              <a:rPr lang="de-DE" sz="1200" dirty="0">
+                <a:solidFill>
+                  <a:schemeClr val="tx1">
+                    <a:lumMod val="85000"/>
+                    <a:lumOff val="15000"/>
+                  </a:schemeClr>
+                </a:solidFill>
+              </a:rPr>
+              <a:t>08.12.2022</a:t>
+            </a:r>
+          </a:p>
+        </p:txBody>
+      </p:sp>
+      <p:sp>
+        <p:nvSpPr>
+          <p:cNvPr id="26" name="Untertitel 2">
+            <a:extLst>
+              <a:ext uri="{FF2B5EF4-FFF2-40B4-BE49-F238E27FC236}">
+                <a16:creationId xmlns:a16="http://schemas.microsoft.com/office/drawing/2014/main" id="{EC61D599-D662-CA33-DCC2-8A2753B3A12C}"/>
+              </a:ext>
+            </a:extLst>
+          </p:cNvPr>
+          <p:cNvSpPr txBox="1">
+            <a:spLocks/>
+          </p:cNvSpPr>
+          <p:nvPr/>
+        </p:nvSpPr>
+        <p:spPr>
+          <a:xfrm>
+            <a:off x="1056640" y="1634362"/>
+            <a:ext cx="10078720" cy="3958718"/>
+          </a:xfrm>
+          <a:prstGeom prst="rect">
+            <a:avLst/>
+          </a:prstGeom>
+        </p:spPr>
+        <p:txBody>
+          <a:bodyPr vert="horz" lIns="91440" tIns="45720" rIns="91440" bIns="45720" rtlCol="0">
+            <a:noAutofit/>
+          </a:bodyPr>
+          <a:lstStyle>
+            <a:lvl1pPr marL="228600" indent="-228600" algn="l" defTabSz="914400" rtl="0" eaLnBrk="1" latinLnBrk="0" hangingPunct="1">
+              <a:lnSpc>
+                <a:spcPct val="90000"/>
+              </a:lnSpc>
+              <a:spcBef>
+                <a:spcPts val="1000"/>
+              </a:spcBef>
+              <a:buFont typeface="Arial" panose="020B0604020202020204" pitchFamily="34" charset="0"/>
+              <a:buChar char="•"/>
+              <a:defRPr sz="2800" kern="1200">
+                <a:solidFill>
+                  <a:schemeClr val="tx1"/>
+                </a:solidFill>
+                <a:latin typeface="+mn-lt"/>
+                <a:ea typeface="+mn-ea"/>
+                <a:cs typeface="+mn-cs"/>
+              </a:defRPr>
+            </a:lvl1pPr>
+            <a:lvl2pPr marL="685800" indent="-228600" algn="l" defTabSz="914400" rtl="0" eaLnBrk="1" latinLnBrk="0" hangingPunct="1">
+              <a:lnSpc>
+                <a:spcPct val="90000"/>
+              </a:lnSpc>
+              <a:spcBef>
+                <a:spcPts val="500"/>
+              </a:spcBef>
+              <a:buFont typeface="Arial" panose="020B0604020202020204" pitchFamily="34" charset="0"/>
+              <a:buChar char="•"/>
+              <a:defRPr sz="2400" kern="1200">
+                <a:solidFill>
+                  <a:schemeClr val="tx1"/>
+                </a:solidFill>
+                <a:latin typeface="+mn-lt"/>
+                <a:ea typeface="+mn-ea"/>
+                <a:cs typeface="+mn-cs"/>
+              </a:defRPr>
+            </a:lvl2pPr>
+            <a:lvl3pPr marL="1143000" indent="-228600" algn="l" defTabSz="914400" rtl="0" eaLnBrk="1" latinLnBrk="0" hangingPunct="1">
+              <a:lnSpc>
+                <a:spcPct val="90000"/>
+              </a:lnSpc>
+              <a:spcBef>
+                <a:spcPts val="500"/>
+              </a:spcBef>
+              <a:buFont typeface="Arial" panose="020B0604020202020204" pitchFamily="34" charset="0"/>
+              <a:buChar char="•"/>
+              <a:defRPr sz="2000" kern="1200">
+                <a:solidFill>
+                  <a:schemeClr val="tx1"/>
+                </a:solidFill>
+                <a:latin typeface="+mn-lt"/>
+                <a:ea typeface="+mn-ea"/>
+                <a:cs typeface="+mn-cs"/>
+              </a:defRPr>
+            </a:lvl3pPr>
+            <a:lvl4pPr marL="1600200" indent="-228600" algn="l" defTabSz="914400" rtl="0" eaLnBrk="1" latinLnBrk="0" hangingPunct="1">
+              <a:lnSpc>
+                <a:spcPct val="90000"/>
+              </a:lnSpc>
+              <a:spcBef>
+                <a:spcPts val="500"/>
+              </a:spcBef>
+              <a:buFont typeface="Arial" panose="020B0604020202020204" pitchFamily="34" charset="0"/>
+              <a:buChar char="•"/>
+              <a:defRPr sz="1800" kern="1200">
+                <a:solidFill>
+                  <a:schemeClr val="tx1"/>
+                </a:solidFill>
+                <a:latin typeface="+mn-lt"/>
+                <a:ea typeface="+mn-ea"/>
+                <a:cs typeface="+mn-cs"/>
+              </a:defRPr>
+            </a:lvl4pPr>
+            <a:lvl5pPr marL="2057400" indent="-228600" algn="l" defTabSz="914400" rtl="0" eaLnBrk="1" latinLnBrk="0" hangingPunct="1">
+              <a:lnSpc>
+                <a:spcPct val="90000"/>
+              </a:lnSpc>
+              <a:spcBef>
+                <a:spcPts val="500"/>
+              </a:spcBef>
+              <a:buFont typeface="Arial" panose="020B0604020202020204" pitchFamily="34" charset="0"/>
+              <a:buChar char="•"/>
+              <a:defRPr sz="1800" kern="1200">
+                <a:solidFill>
+                  <a:schemeClr val="tx1"/>
+                </a:solidFill>
+                <a:latin typeface="+mn-lt"/>
+                <a:ea typeface="+mn-ea"/>
+                <a:cs typeface="+mn-cs"/>
+              </a:defRPr>
+            </a:lvl5pPr>
+            <a:lvl6pPr marL="2514600" indent="-228600" algn="l" defTabSz="914400" rtl="0" eaLnBrk="1" latinLnBrk="0" hangingPunct="1">
+              <a:lnSpc>
+                <a:spcPct val="90000"/>
+              </a:lnSpc>
+              <a:spcBef>
+                <a:spcPts val="500"/>
+              </a:spcBef>
+              <a:buFont typeface="Arial" panose="020B0604020202020204" pitchFamily="34" charset="0"/>
+              <a:buChar char="•"/>
+              <a:defRPr sz="1800" kern="1200">
+                <a:solidFill>
+                  <a:schemeClr val="tx1"/>
+                </a:solidFill>
+                <a:latin typeface="+mn-lt"/>
+                <a:ea typeface="+mn-ea"/>
+                <a:cs typeface="+mn-cs"/>
+              </a:defRPr>
+            </a:lvl6pPr>
+            <a:lvl7pPr marL="2971800" indent="-228600" algn="l" defTabSz="914400" rtl="0" eaLnBrk="1" latinLnBrk="0" hangingPunct="1">
+              <a:lnSpc>
+                <a:spcPct val="90000"/>
+              </a:lnSpc>
+              <a:spcBef>
+                <a:spcPts val="500"/>
+              </a:spcBef>
+              <a:buFont typeface="Arial" panose="020B0604020202020204" pitchFamily="34" charset="0"/>
+              <a:buChar char="•"/>
+              <a:defRPr sz="1800" kern="1200">
+                <a:solidFill>
+                  <a:schemeClr val="tx1"/>
+                </a:solidFill>
+                <a:latin typeface="+mn-lt"/>
+                <a:ea typeface="+mn-ea"/>
+                <a:cs typeface="+mn-cs"/>
+              </a:defRPr>
+            </a:lvl7pPr>
+            <a:lvl8pPr marL="3429000" indent="-228600" algn="l" defTabSz="914400" rtl="0" eaLnBrk="1" latinLnBrk="0" hangingPunct="1">
+              <a:lnSpc>
+                <a:spcPct val="90000"/>
+              </a:lnSpc>
+              <a:spcBef>
+                <a:spcPts val="500"/>
+              </a:spcBef>
+              <a:buFont typeface="Arial" panose="020B0604020202020204" pitchFamily="34" charset="0"/>
+              <a:buChar char="•"/>
+              <a:defRPr sz="1800" kern="1200">
+                <a:solidFill>
+                  <a:schemeClr val="tx1"/>
+                </a:solidFill>
+                <a:latin typeface="+mn-lt"/>
+                <a:ea typeface="+mn-ea"/>
+                <a:cs typeface="+mn-cs"/>
+              </a:defRPr>
+            </a:lvl8pPr>
+            <a:lvl9pPr marL="3886200" indent="-228600" algn="l" defTabSz="914400" rtl="0" eaLnBrk="1" latinLnBrk="0" hangingPunct="1">
+              <a:lnSpc>
+                <a:spcPct val="90000"/>
+              </a:lnSpc>
+              <a:spcBef>
+                <a:spcPts val="500"/>
+              </a:spcBef>
+              <a:buFont typeface="Arial" panose="020B0604020202020204" pitchFamily="34" charset="0"/>
+              <a:buChar char="•"/>
+              <a:defRPr sz="1800" kern="1200">
+                <a:solidFill>
+                  <a:schemeClr val="tx1"/>
+                </a:solidFill>
+                <a:latin typeface="+mn-lt"/>
+                <a:ea typeface="+mn-ea"/>
+                <a:cs typeface="+mn-cs"/>
+              </a:defRPr>
+            </a:lvl9pPr>
+          </a:lstStyle>
+          <a:p>
+            <a:pPr>
+              <a:lnSpc>
+                <a:spcPct val="200000"/>
+              </a:lnSpc>
+            </a:pPr>
+            <a:endParaRPr lang="de-DE" sz="2000" dirty="0">
+              <a:solidFill>
+                <a:schemeClr val="tx1">
+                  <a:lumMod val="85000"/>
+                  <a:lumOff val="15000"/>
+                </a:schemeClr>
+              </a:solidFill>
+            </a:endParaRPr>
+          </a:p>
+        </p:txBody>
+      </p:sp>
+      <p:graphicFrame>
+        <p:nvGraphicFramePr>
+          <p:cNvPr id="5" name="Tabelle 5">
+            <a:extLst>
+              <a:ext uri="{FF2B5EF4-FFF2-40B4-BE49-F238E27FC236}">
+                <a16:creationId xmlns:a16="http://schemas.microsoft.com/office/drawing/2014/main" id="{DA1BE85D-C30D-6D05-EF87-EEE5A5674273}"/>
+              </a:ext>
+            </a:extLst>
+          </p:cNvPr>
+          <p:cNvGraphicFramePr>
+            <a:graphicFrameLocks noGrp="1"/>
+          </p:cNvGraphicFramePr>
+          <p:nvPr>
+            <p:extLst>
+              <p:ext uri="{D42A27DB-BD31-4B8C-83A1-F6EECF244321}">
+                <p14:modId xmlns:p14="http://schemas.microsoft.com/office/powerpoint/2010/main" val="3808153407"/>
+              </p:ext>
+            </p:extLst>
+          </p:nvPr>
+        </p:nvGraphicFramePr>
+        <p:xfrm>
+          <a:off x="6819732" y="1999321"/>
+          <a:ext cx="5032560" cy="2863230"/>
+        </p:xfrm>
+        <a:graphic>
+          <a:graphicData uri="http://schemas.openxmlformats.org/drawingml/2006/table">
+            <a:tbl>
+              <a:tblPr firstRow="1" bandRow="1">
+                <a:tableStyleId>{073A0DAA-6AF3-43AB-8588-CEC1D06C72B9}</a:tableStyleId>
+              </a:tblPr>
+              <a:tblGrid>
+                <a:gridCol w="838760">
+                  <a:extLst>
+                    <a:ext uri="{9D8B030D-6E8A-4147-A177-3AD203B41FA5}">
+                      <a16:colId xmlns:a16="http://schemas.microsoft.com/office/drawing/2014/main" val="3550401153"/>
+                    </a:ext>
+                  </a:extLst>
+                </a:gridCol>
+                <a:gridCol w="838760">
+                  <a:extLst>
+                    <a:ext uri="{9D8B030D-6E8A-4147-A177-3AD203B41FA5}">
+                      <a16:colId xmlns:a16="http://schemas.microsoft.com/office/drawing/2014/main" val="688696326"/>
+                    </a:ext>
+                  </a:extLst>
+                </a:gridCol>
+                <a:gridCol w="838760">
+                  <a:extLst>
+                    <a:ext uri="{9D8B030D-6E8A-4147-A177-3AD203B41FA5}">
+                      <a16:colId xmlns:a16="http://schemas.microsoft.com/office/drawing/2014/main" val="1908424453"/>
+                    </a:ext>
+                  </a:extLst>
+                </a:gridCol>
+                <a:gridCol w="838760">
+                  <a:extLst>
+                    <a:ext uri="{9D8B030D-6E8A-4147-A177-3AD203B41FA5}">
+                      <a16:colId xmlns:a16="http://schemas.microsoft.com/office/drawing/2014/main" val="1140873991"/>
+                    </a:ext>
+                  </a:extLst>
+                </a:gridCol>
+                <a:gridCol w="838760">
+                  <a:extLst>
+                    <a:ext uri="{9D8B030D-6E8A-4147-A177-3AD203B41FA5}">
+                      <a16:colId xmlns:a16="http://schemas.microsoft.com/office/drawing/2014/main" val="1991376135"/>
+                    </a:ext>
+                  </a:extLst>
+                </a:gridCol>
+                <a:gridCol w="838760">
+                  <a:extLst>
+                    <a:ext uri="{9D8B030D-6E8A-4147-A177-3AD203B41FA5}">
+                      <a16:colId xmlns:a16="http://schemas.microsoft.com/office/drawing/2014/main" val="1488564222"/>
+                    </a:ext>
+                  </a:extLst>
+                </a:gridCol>
+              </a:tblGrid>
+              <a:tr h="414392">
+                <a:tc>
+                  <a:txBody>
+                    <a:bodyPr/>
+                    <a:lstStyle/>
+                    <a:p>
+                      <a:pPr algn="ctr" fontAlgn="ctr"/>
+                      <a:r>
+                        <a:rPr lang="de-DE" sz="1200" b="1" dirty="0">
+                          <a:effectLst/>
+                        </a:rPr>
+                        <a:t>#</a:t>
+                      </a:r>
+                    </a:p>
+                  </a:txBody>
+                  <a:tcPr marL="50800" marR="50800" marT="25400" marB="25400" anchor="ctr">
+                    <a:solidFill>
+                      <a:srgbClr val="E30019"/>
+                    </a:solidFill>
+                  </a:tcPr>
+                </a:tc>
+                <a:tc>
+                  <a:txBody>
+                    <a:bodyPr/>
+                    <a:lstStyle/>
+                    <a:p>
+                      <a:pPr algn="ctr" fontAlgn="ctr"/>
+                      <a:r>
+                        <a:rPr lang="de-DE" sz="1200" b="1" dirty="0" err="1">
+                          <a:effectLst/>
+                        </a:rPr>
+                        <a:t>Gross</a:t>
+                      </a:r>
+                      <a:r>
+                        <a:rPr lang="de-DE" sz="1200" b="1" dirty="0">
+                          <a:effectLst/>
+                        </a:rPr>
+                        <a:t> </a:t>
+                      </a:r>
+                      <a:r>
+                        <a:rPr lang="de-DE" sz="1200" b="1" dirty="0" err="1">
+                          <a:effectLst/>
+                        </a:rPr>
+                        <a:t>Weight</a:t>
+                      </a:r>
+                      <a:r>
+                        <a:rPr lang="de-DE" sz="1200" b="1" dirty="0">
+                          <a:effectLst/>
+                        </a:rPr>
+                        <a:t> (kg)</a:t>
+                      </a:r>
+                    </a:p>
+                  </a:txBody>
+                  <a:tcPr marL="50800" marR="50800" marT="25400" marB="25400" anchor="ctr">
+                    <a:solidFill>
+                      <a:srgbClr val="E30019"/>
+                    </a:solidFill>
+                  </a:tcPr>
+                </a:tc>
+                <a:tc>
+                  <a:txBody>
+                    <a:bodyPr/>
+                    <a:lstStyle/>
+                    <a:p>
+                      <a:pPr algn="ctr" fontAlgn="ctr"/>
+                      <a:r>
+                        <a:rPr lang="de-DE" sz="1200" b="1" dirty="0">
+                          <a:effectLst/>
+                        </a:rPr>
+                        <a:t>Width (cm)</a:t>
+                      </a:r>
+                    </a:p>
+                  </a:txBody>
+                  <a:tcPr marL="50800" marR="50800" marT="25400" marB="25400" anchor="ctr">
+                    <a:solidFill>
+                      <a:srgbClr val="E30019"/>
+                    </a:solidFill>
+                  </a:tcPr>
+                </a:tc>
+                <a:tc>
+                  <a:txBody>
+                    <a:bodyPr/>
+                    <a:lstStyle/>
+                    <a:p>
+                      <a:pPr algn="ctr" fontAlgn="ctr"/>
+                      <a:r>
+                        <a:rPr lang="de-DE" sz="1200" b="1" dirty="0">
+                          <a:effectLst/>
+                        </a:rPr>
+                        <a:t>Height (cm)</a:t>
+                      </a:r>
+                    </a:p>
+                  </a:txBody>
+                  <a:tcPr marL="50800" marR="50800" marT="25400" marB="25400" anchor="ctr">
+                    <a:solidFill>
+                      <a:srgbClr val="E30019"/>
+                    </a:solidFill>
+                  </a:tcPr>
+                </a:tc>
+                <a:tc>
+                  <a:txBody>
+                    <a:bodyPr/>
+                    <a:lstStyle/>
+                    <a:p>
+                      <a:pPr algn="ctr" fontAlgn="ctr"/>
+                      <a:r>
+                        <a:rPr lang="de-DE" sz="1200" b="1" dirty="0" err="1">
+                          <a:effectLst/>
+                        </a:rPr>
+                        <a:t>Length</a:t>
+                      </a:r>
+                      <a:r>
+                        <a:rPr lang="de-DE" sz="1200" b="1" dirty="0">
+                          <a:effectLst/>
+                        </a:rPr>
+                        <a:t> (cm)</a:t>
+                      </a:r>
+                    </a:p>
+                  </a:txBody>
+                  <a:tcPr marL="50800" marR="50800" marT="25400" marB="25400" anchor="ctr">
+                    <a:solidFill>
+                      <a:srgbClr val="E30019"/>
+                    </a:solidFill>
+                  </a:tcPr>
+                </a:tc>
+                <a:tc>
+                  <a:txBody>
+                    <a:bodyPr/>
+                    <a:lstStyle/>
+                    <a:p>
+                      <a:pPr algn="ctr" fontAlgn="ctr"/>
+                      <a:r>
+                        <a:rPr lang="de-DE" sz="1200" b="1" dirty="0">
+                          <a:effectLst/>
+                        </a:rPr>
+                        <a:t>Volume (cm³)</a:t>
+                      </a:r>
+                    </a:p>
+                  </a:txBody>
+                  <a:tcPr marL="50800" marR="50800" marT="25400" marB="25400" anchor="ctr">
+                    <a:solidFill>
+                      <a:srgbClr val="E30019"/>
+                    </a:solidFill>
+                  </a:tcPr>
+                </a:tc>
+                <a:extLst>
+                  <a:ext uri="{0D108BD9-81ED-4DB2-BD59-A6C34878D82A}">
+                    <a16:rowId xmlns:a16="http://schemas.microsoft.com/office/drawing/2014/main" val="231498432"/>
+                  </a:ext>
+                </a:extLst>
+              </a:tr>
+              <a:tr h="244667">
+                <a:tc>
+                  <a:txBody>
+                    <a:bodyPr/>
+                    <a:lstStyle/>
+                    <a:p>
+                      <a:pPr algn="ctr" fontAlgn="ctr"/>
+                      <a:r>
+                        <a:rPr lang="de-DE" sz="1100" b="0">
+                          <a:effectLst/>
+                        </a:rPr>
+                        <a:t>0</a:t>
+                      </a:r>
+                    </a:p>
+                  </a:txBody>
+                  <a:tcPr marL="50800" marR="50800" marT="25400" marB="25400" anchor="ctr"/>
+                </a:tc>
+                <a:tc>
+                  <a:txBody>
+                    <a:bodyPr/>
+                    <a:lstStyle/>
+                    <a:p>
+                      <a:pPr algn="ctr"/>
+                      <a:r>
+                        <a:rPr lang="de-DE" sz="1100" dirty="0">
+                          <a:effectLst/>
+                        </a:rPr>
+                        <a:t>23.0</a:t>
+                      </a:r>
+                    </a:p>
+                  </a:txBody>
+                  <a:tcPr marL="50800" marR="50800" marT="25400" marB="25400" anchor="ctr"/>
+                </a:tc>
+                <a:tc>
+                  <a:txBody>
+                    <a:bodyPr/>
+                    <a:lstStyle/>
+                    <a:p>
+                      <a:pPr algn="ctr"/>
+                      <a:r>
+                        <a:rPr lang="de-DE" sz="1100">
+                          <a:effectLst/>
+                        </a:rPr>
+                        <a:t>35.0</a:t>
+                      </a:r>
+                    </a:p>
+                  </a:txBody>
+                  <a:tcPr marL="50800" marR="50800" marT="25400" marB="25400" anchor="ctr"/>
+                </a:tc>
+                <a:tc>
+                  <a:txBody>
+                    <a:bodyPr/>
+                    <a:lstStyle/>
+                    <a:p>
+                      <a:pPr algn="ctr"/>
+                      <a:r>
+                        <a:rPr lang="de-DE" sz="1100">
+                          <a:effectLst/>
+                        </a:rPr>
+                        <a:t>30</a:t>
+                      </a:r>
+                    </a:p>
+                  </a:txBody>
+                  <a:tcPr marL="50800" marR="50800" marT="25400" marB="25400" anchor="ctr"/>
+                </a:tc>
+                <a:tc>
+                  <a:txBody>
+                    <a:bodyPr/>
+                    <a:lstStyle/>
+                    <a:p>
+                      <a:pPr algn="ctr"/>
+                      <a:r>
+                        <a:rPr lang="de-DE" sz="1100">
+                          <a:effectLst/>
+                        </a:rPr>
+                        <a:t>35</a:t>
+                      </a:r>
+                    </a:p>
+                  </a:txBody>
+                  <a:tcPr marL="50800" marR="50800" marT="25400" marB="25400" anchor="ctr"/>
+                </a:tc>
+                <a:tc>
+                  <a:txBody>
+                    <a:bodyPr/>
+                    <a:lstStyle/>
+                    <a:p>
+                      <a:pPr algn="ctr"/>
+                      <a:r>
+                        <a:rPr lang="de-DE" sz="1100">
+                          <a:effectLst/>
+                        </a:rPr>
+                        <a:t>36750.0</a:t>
+                      </a:r>
+                    </a:p>
+                  </a:txBody>
+                  <a:tcPr marL="50800" marR="50800" marT="25400" marB="25400" anchor="ctr"/>
+                </a:tc>
+                <a:extLst>
+                  <a:ext uri="{0D108BD9-81ED-4DB2-BD59-A6C34878D82A}">
+                    <a16:rowId xmlns:a16="http://schemas.microsoft.com/office/drawing/2014/main" val="2331947297"/>
+                  </a:ext>
+                </a:extLst>
+              </a:tr>
+              <a:tr h="244667">
+                <a:tc>
+                  <a:txBody>
+                    <a:bodyPr/>
+                    <a:lstStyle/>
+                    <a:p>
+                      <a:pPr algn="ctr" fontAlgn="ctr"/>
+                      <a:r>
+                        <a:rPr lang="de-DE" sz="1100" b="0" dirty="0">
+                          <a:effectLst/>
+                        </a:rPr>
+                        <a:t>1</a:t>
+                      </a:r>
+                    </a:p>
+                  </a:txBody>
+                  <a:tcPr marL="50800" marR="50800" marT="25400" marB="25400" anchor="ctr"/>
+                </a:tc>
+                <a:tc>
+                  <a:txBody>
+                    <a:bodyPr/>
+                    <a:lstStyle/>
+                    <a:p>
+                      <a:pPr algn="ctr"/>
+                      <a:r>
+                        <a:rPr lang="de-DE" sz="1100">
+                          <a:effectLst/>
+                        </a:rPr>
+                        <a:t>150.0</a:t>
+                      </a:r>
+                    </a:p>
+                  </a:txBody>
+                  <a:tcPr marL="50800" marR="50800" marT="25400" marB="25400" anchor="ctr"/>
+                </a:tc>
+                <a:tc>
+                  <a:txBody>
+                    <a:bodyPr/>
+                    <a:lstStyle/>
+                    <a:p>
+                      <a:pPr algn="ctr"/>
+                      <a:r>
+                        <a:rPr lang="de-DE" sz="1100" dirty="0">
+                          <a:effectLst/>
+                        </a:rPr>
+                        <a:t>60.0</a:t>
+                      </a:r>
+                    </a:p>
+                  </a:txBody>
+                  <a:tcPr marL="50800" marR="50800" marT="25400" marB="25400" anchor="ctr"/>
+                </a:tc>
+                <a:tc>
+                  <a:txBody>
+                    <a:bodyPr/>
+                    <a:lstStyle/>
+                    <a:p>
+                      <a:pPr algn="ctr"/>
+                      <a:r>
+                        <a:rPr lang="de-DE" sz="1100">
+                          <a:effectLst/>
+                        </a:rPr>
+                        <a:t>55</a:t>
+                      </a:r>
+                    </a:p>
+                  </a:txBody>
+                  <a:tcPr marL="50800" marR="50800" marT="25400" marB="25400" anchor="ctr"/>
+                </a:tc>
+                <a:tc>
+                  <a:txBody>
+                    <a:bodyPr/>
+                    <a:lstStyle/>
+                    <a:p>
+                      <a:pPr algn="ctr"/>
+                      <a:r>
+                        <a:rPr lang="de-DE" sz="1100">
+                          <a:effectLst/>
+                        </a:rPr>
+                        <a:t>80</a:t>
+                      </a:r>
+                    </a:p>
+                  </a:txBody>
+                  <a:tcPr marL="50800" marR="50800" marT="25400" marB="25400" anchor="ctr"/>
+                </a:tc>
+                <a:tc>
+                  <a:txBody>
+                    <a:bodyPr/>
+                    <a:lstStyle/>
+                    <a:p>
+                      <a:pPr algn="ctr"/>
+                      <a:r>
+                        <a:rPr lang="de-DE" sz="1100">
+                          <a:effectLst/>
+                        </a:rPr>
+                        <a:t>264000.0</a:t>
+                      </a:r>
+                    </a:p>
+                  </a:txBody>
+                  <a:tcPr marL="50800" marR="50800" marT="25400" marB="25400" anchor="ctr"/>
+                </a:tc>
+                <a:extLst>
+                  <a:ext uri="{0D108BD9-81ED-4DB2-BD59-A6C34878D82A}">
+                    <a16:rowId xmlns:a16="http://schemas.microsoft.com/office/drawing/2014/main" val="1388199513"/>
+                  </a:ext>
+                </a:extLst>
+              </a:tr>
+              <a:tr h="244667">
+                <a:tc>
+                  <a:txBody>
+                    <a:bodyPr/>
+                    <a:lstStyle/>
+                    <a:p>
+                      <a:pPr algn="ctr" fontAlgn="ctr"/>
+                      <a:r>
+                        <a:rPr lang="de-DE" sz="1100" b="0">
+                          <a:effectLst/>
+                        </a:rPr>
+                        <a:t>2</a:t>
+                      </a:r>
+                    </a:p>
+                  </a:txBody>
+                  <a:tcPr marL="50800" marR="50800" marT="25400" marB="25400" anchor="ctr"/>
+                </a:tc>
+                <a:tc>
+                  <a:txBody>
+                    <a:bodyPr/>
+                    <a:lstStyle/>
+                    <a:p>
+                      <a:pPr algn="ctr"/>
+                      <a:r>
+                        <a:rPr lang="de-DE" sz="1100">
+                          <a:effectLst/>
+                        </a:rPr>
+                        <a:t>0.5</a:t>
+                      </a:r>
+                    </a:p>
+                  </a:txBody>
+                  <a:tcPr marL="50800" marR="50800" marT="25400" marB="25400" anchor="ctr"/>
+                </a:tc>
+                <a:tc>
+                  <a:txBody>
+                    <a:bodyPr/>
+                    <a:lstStyle/>
+                    <a:p>
+                      <a:pPr algn="ctr"/>
+                      <a:r>
+                        <a:rPr lang="de-DE" sz="1100" dirty="0">
+                          <a:effectLst/>
+                        </a:rPr>
+                        <a:t>14.0</a:t>
+                      </a:r>
+                    </a:p>
+                  </a:txBody>
+                  <a:tcPr marL="50800" marR="50800" marT="25400" marB="25400" anchor="ctr"/>
+                </a:tc>
+                <a:tc>
+                  <a:txBody>
+                    <a:bodyPr/>
+                    <a:lstStyle/>
+                    <a:p>
+                      <a:pPr algn="ctr"/>
+                      <a:r>
+                        <a:rPr lang="de-DE" sz="1100">
+                          <a:effectLst/>
+                        </a:rPr>
+                        <a:t>15</a:t>
+                      </a:r>
+                    </a:p>
+                  </a:txBody>
+                  <a:tcPr marL="50800" marR="50800" marT="25400" marB="25400" anchor="ctr"/>
+                </a:tc>
+                <a:tc>
+                  <a:txBody>
+                    <a:bodyPr/>
+                    <a:lstStyle/>
+                    <a:p>
+                      <a:pPr algn="ctr"/>
+                      <a:r>
+                        <a:rPr lang="de-DE" sz="1100" dirty="0">
+                          <a:effectLst/>
+                        </a:rPr>
+                        <a:t>19</a:t>
+                      </a:r>
+                    </a:p>
+                  </a:txBody>
+                  <a:tcPr marL="50800" marR="50800" marT="25400" marB="25400" anchor="ctr"/>
+                </a:tc>
+                <a:tc>
+                  <a:txBody>
+                    <a:bodyPr/>
+                    <a:lstStyle/>
+                    <a:p>
+                      <a:pPr algn="ctr"/>
+                      <a:r>
+                        <a:rPr lang="de-DE" sz="1100">
+                          <a:effectLst/>
+                        </a:rPr>
+                        <a:t>3990.0</a:t>
+                      </a:r>
+                    </a:p>
+                  </a:txBody>
+                  <a:tcPr marL="50800" marR="50800" marT="25400" marB="25400" anchor="ctr"/>
+                </a:tc>
+                <a:extLst>
+                  <a:ext uri="{0D108BD9-81ED-4DB2-BD59-A6C34878D82A}">
+                    <a16:rowId xmlns:a16="http://schemas.microsoft.com/office/drawing/2014/main" val="3890219992"/>
+                  </a:ext>
+                </a:extLst>
+              </a:tr>
+              <a:tr h="244667">
+                <a:tc>
+                  <a:txBody>
+                    <a:bodyPr/>
+                    <a:lstStyle/>
+                    <a:p>
+                      <a:pPr algn="ctr" fontAlgn="ctr"/>
+                      <a:r>
+                        <a:rPr lang="de-DE" sz="1100" b="0">
+                          <a:effectLst/>
+                        </a:rPr>
+                        <a:t>3</a:t>
+                      </a:r>
+                    </a:p>
+                  </a:txBody>
+                  <a:tcPr marL="50800" marR="50800" marT="25400" marB="25400" anchor="ctr"/>
+                </a:tc>
+                <a:tc>
+                  <a:txBody>
+                    <a:bodyPr/>
+                    <a:lstStyle/>
+                    <a:p>
+                      <a:pPr algn="ctr"/>
+                      <a:r>
+                        <a:rPr lang="de-DE" sz="1100">
+                          <a:effectLst/>
+                        </a:rPr>
+                        <a:t>1.5</a:t>
+                      </a:r>
+                    </a:p>
+                  </a:txBody>
+                  <a:tcPr marL="50800" marR="50800" marT="25400" marB="25400" anchor="ctr"/>
+                </a:tc>
+                <a:tc>
+                  <a:txBody>
+                    <a:bodyPr/>
+                    <a:lstStyle/>
+                    <a:p>
+                      <a:pPr algn="ctr"/>
+                      <a:r>
+                        <a:rPr lang="de-DE" sz="1100">
+                          <a:effectLst/>
+                        </a:rPr>
+                        <a:t>20.0</a:t>
+                      </a:r>
+                    </a:p>
+                  </a:txBody>
+                  <a:tcPr marL="50800" marR="50800" marT="25400" marB="25400" anchor="ctr"/>
+                </a:tc>
+                <a:tc>
+                  <a:txBody>
+                    <a:bodyPr/>
+                    <a:lstStyle/>
+                    <a:p>
+                      <a:pPr algn="ctr"/>
+                      <a:r>
+                        <a:rPr lang="de-DE" sz="1100">
+                          <a:effectLst/>
+                        </a:rPr>
+                        <a:t>20</a:t>
+                      </a:r>
+                    </a:p>
+                  </a:txBody>
+                  <a:tcPr marL="50800" marR="50800" marT="25400" marB="25400" anchor="ctr"/>
+                </a:tc>
+                <a:tc>
+                  <a:txBody>
+                    <a:bodyPr/>
+                    <a:lstStyle/>
+                    <a:p>
+                      <a:pPr algn="ctr"/>
+                      <a:r>
+                        <a:rPr lang="de-DE" sz="1100">
+                          <a:effectLst/>
+                        </a:rPr>
+                        <a:t>29</a:t>
+                      </a:r>
+                    </a:p>
+                  </a:txBody>
+                  <a:tcPr marL="50800" marR="50800" marT="25400" marB="25400" anchor="ctr"/>
+                </a:tc>
+                <a:tc>
+                  <a:txBody>
+                    <a:bodyPr/>
+                    <a:lstStyle/>
+                    <a:p>
+                      <a:pPr algn="ctr"/>
+                      <a:r>
+                        <a:rPr lang="de-DE" sz="1100">
+                          <a:effectLst/>
+                        </a:rPr>
+                        <a:t>11600.0</a:t>
+                      </a:r>
+                    </a:p>
+                  </a:txBody>
+                  <a:tcPr marL="50800" marR="50800" marT="25400" marB="25400" anchor="ctr"/>
+                </a:tc>
+                <a:extLst>
+                  <a:ext uri="{0D108BD9-81ED-4DB2-BD59-A6C34878D82A}">
+                    <a16:rowId xmlns:a16="http://schemas.microsoft.com/office/drawing/2014/main" val="2696174009"/>
+                  </a:ext>
+                </a:extLst>
+              </a:tr>
+              <a:tr h="244667">
+                <a:tc>
+                  <a:txBody>
+                    <a:bodyPr/>
+                    <a:lstStyle/>
+                    <a:p>
+                      <a:pPr algn="ctr" fontAlgn="ctr"/>
+                      <a:r>
+                        <a:rPr lang="de-DE" sz="1100" b="0">
+                          <a:effectLst/>
+                        </a:rPr>
+                        <a:t>4</a:t>
+                      </a:r>
+                    </a:p>
+                  </a:txBody>
+                  <a:tcPr marL="50800" marR="50800" marT="25400" marB="25400" anchor="ctr"/>
+                </a:tc>
+                <a:tc>
+                  <a:txBody>
+                    <a:bodyPr/>
+                    <a:lstStyle/>
+                    <a:p>
+                      <a:pPr algn="ctr"/>
+                      <a:r>
+                        <a:rPr lang="de-DE" sz="1100">
+                          <a:effectLst/>
+                        </a:rPr>
+                        <a:t>1.0</a:t>
+                      </a:r>
+                    </a:p>
+                  </a:txBody>
+                  <a:tcPr marL="50800" marR="50800" marT="25400" marB="25400" anchor="ctr"/>
+                </a:tc>
+                <a:tc>
+                  <a:txBody>
+                    <a:bodyPr/>
+                    <a:lstStyle/>
+                    <a:p>
+                      <a:pPr algn="ctr"/>
+                      <a:r>
+                        <a:rPr lang="de-DE" sz="1100">
+                          <a:effectLst/>
+                        </a:rPr>
+                        <a:t>10.0</a:t>
+                      </a:r>
+                    </a:p>
+                  </a:txBody>
+                  <a:tcPr marL="50800" marR="50800" marT="25400" marB="25400" anchor="ctr"/>
+                </a:tc>
+                <a:tc>
+                  <a:txBody>
+                    <a:bodyPr/>
+                    <a:lstStyle/>
+                    <a:p>
+                      <a:pPr algn="ctr"/>
+                      <a:r>
+                        <a:rPr lang="de-DE" sz="1100">
+                          <a:effectLst/>
+                        </a:rPr>
+                        <a:t>10</a:t>
+                      </a:r>
+                    </a:p>
+                  </a:txBody>
+                  <a:tcPr marL="50800" marR="50800" marT="25400" marB="25400" anchor="ctr"/>
+                </a:tc>
+                <a:tc>
+                  <a:txBody>
+                    <a:bodyPr/>
+                    <a:lstStyle/>
+                    <a:p>
+                      <a:pPr algn="ctr"/>
+                      <a:r>
+                        <a:rPr lang="de-DE" sz="1100">
+                          <a:effectLst/>
+                        </a:rPr>
+                        <a:t>10</a:t>
+                      </a:r>
+                    </a:p>
+                  </a:txBody>
+                  <a:tcPr marL="50800" marR="50800" marT="25400" marB="25400" anchor="ctr"/>
+                </a:tc>
+                <a:tc>
+                  <a:txBody>
+                    <a:bodyPr/>
+                    <a:lstStyle/>
+                    <a:p>
+                      <a:pPr algn="ctr"/>
+                      <a:r>
+                        <a:rPr lang="de-DE" sz="1100">
+                          <a:effectLst/>
+                        </a:rPr>
+                        <a:t>1000.0</a:t>
+                      </a:r>
+                    </a:p>
+                  </a:txBody>
+                  <a:tcPr marL="50800" marR="50800" marT="25400" marB="25400" anchor="ctr"/>
+                </a:tc>
+                <a:extLst>
+                  <a:ext uri="{0D108BD9-81ED-4DB2-BD59-A6C34878D82A}">
+                    <a16:rowId xmlns:a16="http://schemas.microsoft.com/office/drawing/2014/main" val="2823837673"/>
+                  </a:ext>
+                </a:extLst>
+              </a:tr>
+              <a:tr h="244667">
+                <a:tc>
+                  <a:txBody>
+                    <a:bodyPr/>
+                    <a:lstStyle/>
+                    <a:p>
+                      <a:pPr algn="ctr" fontAlgn="ctr"/>
+                      <a:r>
+                        <a:rPr lang="de-DE" sz="1100" b="0">
+                          <a:effectLst/>
+                        </a:rPr>
+                        <a:t>5</a:t>
+                      </a:r>
+                    </a:p>
+                  </a:txBody>
+                  <a:tcPr marL="50800" marR="50800" marT="25400" marB="25400" anchor="ctr"/>
+                </a:tc>
+                <a:tc>
+                  <a:txBody>
+                    <a:bodyPr/>
+                    <a:lstStyle/>
+                    <a:p>
+                      <a:pPr algn="ctr"/>
+                      <a:r>
+                        <a:rPr lang="de-DE" sz="1100">
+                          <a:effectLst/>
+                        </a:rPr>
+                        <a:t>75.0</a:t>
+                      </a:r>
+                    </a:p>
+                  </a:txBody>
+                  <a:tcPr marL="50800" marR="50800" marT="25400" marB="25400" anchor="ctr"/>
+                </a:tc>
+                <a:tc>
+                  <a:txBody>
+                    <a:bodyPr/>
+                    <a:lstStyle/>
+                    <a:p>
+                      <a:pPr algn="ctr"/>
+                      <a:r>
+                        <a:rPr lang="de-DE" sz="1100">
+                          <a:effectLst/>
+                        </a:rPr>
+                        <a:t>82.0</a:t>
+                      </a:r>
+                    </a:p>
+                  </a:txBody>
+                  <a:tcPr marL="50800" marR="50800" marT="25400" marB="25400" anchor="ctr"/>
+                </a:tc>
+                <a:tc>
+                  <a:txBody>
+                    <a:bodyPr/>
+                    <a:lstStyle/>
+                    <a:p>
+                      <a:pPr algn="ctr"/>
+                      <a:r>
+                        <a:rPr lang="de-DE" sz="1100" dirty="0">
+                          <a:effectLst/>
+                        </a:rPr>
+                        <a:t>81</a:t>
+                      </a:r>
+                    </a:p>
+                  </a:txBody>
+                  <a:tcPr marL="50800" marR="50800" marT="25400" marB="25400" anchor="ctr"/>
+                </a:tc>
+                <a:tc>
+                  <a:txBody>
+                    <a:bodyPr/>
+                    <a:lstStyle/>
+                    <a:p>
+                      <a:pPr algn="ctr"/>
+                      <a:r>
+                        <a:rPr lang="de-DE" sz="1100">
+                          <a:effectLst/>
+                        </a:rPr>
+                        <a:t>120</a:t>
+                      </a:r>
+                    </a:p>
+                  </a:txBody>
+                  <a:tcPr marL="50800" marR="50800" marT="25400" marB="25400" anchor="ctr"/>
+                </a:tc>
+                <a:tc>
+                  <a:txBody>
+                    <a:bodyPr/>
+                    <a:lstStyle/>
+                    <a:p>
+                      <a:pPr algn="ctr"/>
+                      <a:r>
+                        <a:rPr lang="de-DE" sz="1100">
+                          <a:effectLst/>
+                        </a:rPr>
+                        <a:t>797040.0</a:t>
+                      </a:r>
+                    </a:p>
+                  </a:txBody>
+                  <a:tcPr marL="50800" marR="50800" marT="25400" marB="25400" anchor="ctr"/>
+                </a:tc>
+                <a:extLst>
+                  <a:ext uri="{0D108BD9-81ED-4DB2-BD59-A6C34878D82A}">
+                    <a16:rowId xmlns:a16="http://schemas.microsoft.com/office/drawing/2014/main" val="323698542"/>
+                  </a:ext>
+                </a:extLst>
+              </a:tr>
+              <a:tr h="244667">
+                <a:tc>
+                  <a:txBody>
+                    <a:bodyPr/>
+                    <a:lstStyle/>
+                    <a:p>
+                      <a:pPr algn="ctr" fontAlgn="ctr"/>
+                      <a:r>
+                        <a:rPr lang="de-DE" sz="1100" b="0">
+                          <a:effectLst/>
+                        </a:rPr>
+                        <a:t>6</a:t>
+                      </a:r>
+                    </a:p>
+                  </a:txBody>
+                  <a:tcPr marL="50800" marR="50800" marT="25400" marB="25400" anchor="ctr"/>
+                </a:tc>
+                <a:tc>
+                  <a:txBody>
+                    <a:bodyPr/>
+                    <a:lstStyle/>
+                    <a:p>
+                      <a:pPr algn="ctr"/>
+                      <a:r>
+                        <a:rPr lang="de-DE" sz="1100">
+                          <a:effectLst/>
+                        </a:rPr>
+                        <a:t>41.0</a:t>
+                      </a:r>
+                    </a:p>
+                  </a:txBody>
+                  <a:tcPr marL="50800" marR="50800" marT="25400" marB="25400" anchor="ctr"/>
+                </a:tc>
+                <a:tc>
+                  <a:txBody>
+                    <a:bodyPr/>
+                    <a:lstStyle/>
+                    <a:p>
+                      <a:pPr algn="ctr"/>
+                      <a:r>
+                        <a:rPr lang="de-DE" sz="1100">
+                          <a:effectLst/>
+                        </a:rPr>
+                        <a:t>80.0</a:t>
+                      </a:r>
+                    </a:p>
+                  </a:txBody>
+                  <a:tcPr marL="50800" marR="50800" marT="25400" marB="25400" anchor="ctr"/>
+                </a:tc>
+                <a:tc>
+                  <a:txBody>
+                    <a:bodyPr/>
+                    <a:lstStyle/>
+                    <a:p>
+                      <a:pPr algn="ctr"/>
+                      <a:r>
+                        <a:rPr lang="de-DE" sz="1100">
+                          <a:effectLst/>
+                        </a:rPr>
+                        <a:t>34</a:t>
+                      </a:r>
+                    </a:p>
+                  </a:txBody>
+                  <a:tcPr marL="50800" marR="50800" marT="25400" marB="25400" anchor="ctr"/>
+                </a:tc>
+                <a:tc>
+                  <a:txBody>
+                    <a:bodyPr/>
+                    <a:lstStyle/>
+                    <a:p>
+                      <a:pPr algn="ctr"/>
+                      <a:r>
+                        <a:rPr lang="de-DE" sz="1100">
+                          <a:effectLst/>
+                        </a:rPr>
+                        <a:t>120</a:t>
+                      </a:r>
+                    </a:p>
+                  </a:txBody>
+                  <a:tcPr marL="50800" marR="50800" marT="25400" marB="25400" anchor="ctr"/>
+                </a:tc>
+                <a:tc>
+                  <a:txBody>
+                    <a:bodyPr/>
+                    <a:lstStyle/>
+                    <a:p>
+                      <a:pPr algn="ctr"/>
+                      <a:r>
+                        <a:rPr lang="de-DE" sz="1100" dirty="0">
+                          <a:effectLst/>
+                        </a:rPr>
+                        <a:t>326400.0</a:t>
+                      </a:r>
+                    </a:p>
+                  </a:txBody>
+                  <a:tcPr marL="50800" marR="50800" marT="25400" marB="25400" anchor="ctr"/>
+                </a:tc>
+                <a:extLst>
+                  <a:ext uri="{0D108BD9-81ED-4DB2-BD59-A6C34878D82A}">
+                    <a16:rowId xmlns:a16="http://schemas.microsoft.com/office/drawing/2014/main" val="1264764426"/>
+                  </a:ext>
+                </a:extLst>
+              </a:tr>
+              <a:tr h="244667">
+                <a:tc>
+                  <a:txBody>
+                    <a:bodyPr/>
+                    <a:lstStyle/>
+                    <a:p>
+                      <a:pPr algn="ctr" fontAlgn="ctr"/>
+                      <a:r>
+                        <a:rPr lang="de-DE" sz="1100" b="0">
+                          <a:effectLst/>
+                        </a:rPr>
+                        <a:t>7</a:t>
+                      </a:r>
+                    </a:p>
+                  </a:txBody>
+                  <a:tcPr marL="50800" marR="50800" marT="25400" marB="25400" anchor="ctr"/>
+                </a:tc>
+                <a:tc>
+                  <a:txBody>
+                    <a:bodyPr/>
+                    <a:lstStyle/>
+                    <a:p>
+                      <a:pPr algn="ctr"/>
+                      <a:r>
+                        <a:rPr lang="de-DE" sz="1100">
+                          <a:effectLst/>
+                        </a:rPr>
+                        <a:t>1340.0</a:t>
+                      </a:r>
+                    </a:p>
+                  </a:txBody>
+                  <a:tcPr marL="50800" marR="50800" marT="25400" marB="25400" anchor="ctr"/>
+                </a:tc>
+                <a:tc>
+                  <a:txBody>
+                    <a:bodyPr/>
+                    <a:lstStyle/>
+                    <a:p>
+                      <a:pPr algn="ctr"/>
+                      <a:r>
+                        <a:rPr lang="de-DE" sz="1100">
+                          <a:effectLst/>
+                        </a:rPr>
+                        <a:t>220.0</a:t>
+                      </a:r>
+                    </a:p>
+                  </a:txBody>
+                  <a:tcPr marL="50800" marR="50800" marT="25400" marB="25400" anchor="ctr"/>
+                </a:tc>
+                <a:tc>
+                  <a:txBody>
+                    <a:bodyPr/>
+                    <a:lstStyle/>
+                    <a:p>
+                      <a:pPr algn="ctr"/>
+                      <a:r>
+                        <a:rPr lang="de-DE" sz="1100">
+                          <a:effectLst/>
+                        </a:rPr>
+                        <a:t>112</a:t>
+                      </a:r>
+                    </a:p>
+                  </a:txBody>
+                  <a:tcPr marL="50800" marR="50800" marT="25400" marB="25400" anchor="ctr"/>
+                </a:tc>
+                <a:tc>
+                  <a:txBody>
+                    <a:bodyPr/>
+                    <a:lstStyle/>
+                    <a:p>
+                      <a:pPr algn="ctr"/>
+                      <a:r>
+                        <a:rPr lang="de-DE" sz="1100" dirty="0">
+                          <a:effectLst/>
+                        </a:rPr>
+                        <a:t>406</a:t>
+                      </a:r>
+                    </a:p>
+                  </a:txBody>
+                  <a:tcPr marL="50800" marR="50800" marT="25400" marB="25400" anchor="ctr"/>
+                </a:tc>
+                <a:tc>
+                  <a:txBody>
+                    <a:bodyPr/>
+                    <a:lstStyle/>
+                    <a:p>
+                      <a:pPr algn="ctr"/>
+                      <a:r>
+                        <a:rPr lang="de-DE" sz="1100" dirty="0">
+                          <a:effectLst/>
+                        </a:rPr>
+                        <a:t>10003840.0</a:t>
+                      </a:r>
+                    </a:p>
+                  </a:txBody>
+                  <a:tcPr marL="50800" marR="50800" marT="25400" marB="25400" anchor="ctr"/>
+                </a:tc>
+                <a:extLst>
+                  <a:ext uri="{0D108BD9-81ED-4DB2-BD59-A6C34878D82A}">
+                    <a16:rowId xmlns:a16="http://schemas.microsoft.com/office/drawing/2014/main" val="1640962550"/>
+                  </a:ext>
+                </a:extLst>
+              </a:tr>
+              <a:tr h="244667">
+                <a:tc>
+                  <a:txBody>
+                    <a:bodyPr/>
+                    <a:lstStyle/>
+                    <a:p>
+                      <a:pPr algn="ctr" fontAlgn="ctr"/>
+                      <a:r>
+                        <a:rPr lang="de-DE" sz="1100" b="0">
+                          <a:effectLst/>
+                        </a:rPr>
+                        <a:t>8</a:t>
+                      </a:r>
+                    </a:p>
+                  </a:txBody>
+                  <a:tcPr marL="50800" marR="50800" marT="25400" marB="25400" anchor="ctr"/>
+                </a:tc>
+                <a:tc>
+                  <a:txBody>
+                    <a:bodyPr/>
+                    <a:lstStyle/>
+                    <a:p>
+                      <a:pPr algn="ctr"/>
+                      <a:r>
+                        <a:rPr lang="de-DE" sz="1100">
+                          <a:effectLst/>
+                        </a:rPr>
+                        <a:t>0.5</a:t>
+                      </a:r>
+                    </a:p>
+                  </a:txBody>
+                  <a:tcPr marL="50800" marR="50800" marT="25400" marB="25400" anchor="ctr"/>
+                </a:tc>
+                <a:tc>
+                  <a:txBody>
+                    <a:bodyPr/>
+                    <a:lstStyle/>
+                    <a:p>
+                      <a:pPr algn="ctr"/>
+                      <a:r>
+                        <a:rPr lang="de-DE" sz="1100">
+                          <a:effectLst/>
+                        </a:rPr>
+                        <a:t>20.0</a:t>
+                      </a:r>
+                    </a:p>
+                  </a:txBody>
+                  <a:tcPr marL="50800" marR="50800" marT="25400" marB="25400" anchor="ctr"/>
+                </a:tc>
+                <a:tc>
+                  <a:txBody>
+                    <a:bodyPr/>
+                    <a:lstStyle/>
+                    <a:p>
+                      <a:pPr algn="ctr"/>
+                      <a:r>
+                        <a:rPr lang="de-DE" sz="1100">
+                          <a:effectLst/>
+                        </a:rPr>
+                        <a:t>20</a:t>
+                      </a:r>
+                    </a:p>
+                  </a:txBody>
+                  <a:tcPr marL="50800" marR="50800" marT="25400" marB="25400" anchor="ctr"/>
+                </a:tc>
+                <a:tc>
+                  <a:txBody>
+                    <a:bodyPr/>
+                    <a:lstStyle/>
+                    <a:p>
+                      <a:pPr algn="ctr"/>
+                      <a:r>
+                        <a:rPr lang="de-DE" sz="1100">
+                          <a:effectLst/>
+                        </a:rPr>
+                        <a:t>29</a:t>
+                      </a:r>
+                    </a:p>
+                  </a:txBody>
+                  <a:tcPr marL="50800" marR="50800" marT="25400" marB="25400" anchor="ctr"/>
+                </a:tc>
+                <a:tc>
+                  <a:txBody>
+                    <a:bodyPr/>
+                    <a:lstStyle/>
+                    <a:p>
+                      <a:pPr algn="ctr"/>
+                      <a:r>
+                        <a:rPr lang="de-DE" sz="1100">
+                          <a:effectLst/>
+                        </a:rPr>
+                        <a:t>11600.0</a:t>
+                      </a:r>
+                    </a:p>
+                  </a:txBody>
+                  <a:tcPr marL="50800" marR="50800" marT="25400" marB="25400" anchor="ctr"/>
+                </a:tc>
+                <a:extLst>
+                  <a:ext uri="{0D108BD9-81ED-4DB2-BD59-A6C34878D82A}">
+                    <a16:rowId xmlns:a16="http://schemas.microsoft.com/office/drawing/2014/main" val="3748720281"/>
+                  </a:ext>
+                </a:extLst>
+              </a:tr>
+              <a:tr h="244667">
+                <a:tc>
+                  <a:txBody>
+                    <a:bodyPr/>
+                    <a:lstStyle/>
+                    <a:p>
+                      <a:pPr algn="ctr" fontAlgn="ctr"/>
+                      <a:r>
+                        <a:rPr lang="de-DE" sz="1100" b="0" dirty="0">
+                          <a:effectLst/>
+                        </a:rPr>
+                        <a:t>9</a:t>
+                      </a:r>
+                    </a:p>
+                  </a:txBody>
+                  <a:tcPr marL="50800" marR="50800" marT="25400" marB="25400" anchor="ctr"/>
+                </a:tc>
+                <a:tc>
+                  <a:txBody>
+                    <a:bodyPr/>
+                    <a:lstStyle/>
+                    <a:p>
+                      <a:pPr algn="ctr"/>
+                      <a:r>
+                        <a:rPr lang="de-DE" sz="1100" dirty="0">
+                          <a:effectLst/>
+                        </a:rPr>
+                        <a:t>5.0</a:t>
+                      </a:r>
+                    </a:p>
+                  </a:txBody>
+                  <a:tcPr marL="50800" marR="50800" marT="25400" marB="25400" anchor="ctr"/>
+                </a:tc>
+                <a:tc>
+                  <a:txBody>
+                    <a:bodyPr/>
+                    <a:lstStyle/>
+                    <a:p>
+                      <a:pPr algn="ctr"/>
+                      <a:r>
+                        <a:rPr lang="de-DE" sz="1100">
+                          <a:effectLst/>
+                        </a:rPr>
+                        <a:t>45.0</a:t>
+                      </a:r>
+                    </a:p>
+                  </a:txBody>
+                  <a:tcPr marL="50800" marR="50800" marT="25400" marB="25400" anchor="ctr"/>
+                </a:tc>
+                <a:tc>
+                  <a:txBody>
+                    <a:bodyPr/>
+                    <a:lstStyle/>
+                    <a:p>
+                      <a:pPr algn="ctr"/>
+                      <a:r>
+                        <a:rPr lang="de-DE" sz="1100" dirty="0">
+                          <a:effectLst/>
+                        </a:rPr>
+                        <a:t>35</a:t>
+                      </a:r>
+                    </a:p>
+                  </a:txBody>
+                  <a:tcPr marL="50800" marR="50800" marT="25400" marB="25400" anchor="ctr"/>
+                </a:tc>
+                <a:tc>
+                  <a:txBody>
+                    <a:bodyPr/>
+                    <a:lstStyle/>
+                    <a:p>
+                      <a:pPr algn="ctr"/>
+                      <a:r>
+                        <a:rPr lang="de-DE" sz="1100">
+                          <a:effectLst/>
+                        </a:rPr>
+                        <a:t>45</a:t>
+                      </a:r>
+                    </a:p>
+                  </a:txBody>
+                  <a:tcPr marL="50800" marR="50800" marT="25400" marB="25400" anchor="ctr"/>
+                </a:tc>
+                <a:tc>
+                  <a:txBody>
+                    <a:bodyPr/>
+                    <a:lstStyle/>
+                    <a:p>
+                      <a:pPr algn="ctr"/>
+                      <a:r>
+                        <a:rPr lang="de-DE" sz="1100" dirty="0">
+                          <a:effectLst/>
+                        </a:rPr>
+                        <a:t>70875.0</a:t>
+                      </a:r>
+                    </a:p>
+                  </a:txBody>
+                  <a:tcPr marL="50800" marR="50800" marT="25400" marB="25400" anchor="ctr"/>
+                </a:tc>
+                <a:extLst>
+                  <a:ext uri="{0D108BD9-81ED-4DB2-BD59-A6C34878D82A}">
+                    <a16:rowId xmlns:a16="http://schemas.microsoft.com/office/drawing/2014/main" val="3676178726"/>
+                  </a:ext>
+                </a:extLst>
+              </a:tr>
+            </a:tbl>
+          </a:graphicData>
+        </a:graphic>
+      </p:graphicFrame>
+      <p:graphicFrame>
+        <p:nvGraphicFramePr>
+          <p:cNvPr id="2" name="Tabelle 5">
+            <a:extLst>
+              <a:ext uri="{FF2B5EF4-FFF2-40B4-BE49-F238E27FC236}">
+                <a16:creationId xmlns:a16="http://schemas.microsoft.com/office/drawing/2014/main" id="{57499251-2E0E-CEA9-DD7E-4F3A916F30F3}"/>
+              </a:ext>
+            </a:extLst>
+          </p:cNvPr>
+          <p:cNvGraphicFramePr>
+            <a:graphicFrameLocks noGrp="1"/>
+          </p:cNvGraphicFramePr>
+          <p:nvPr>
+            <p:extLst>
+              <p:ext uri="{D42A27DB-BD31-4B8C-83A1-F6EECF244321}">
+                <p14:modId xmlns:p14="http://schemas.microsoft.com/office/powerpoint/2010/main" val="96859430"/>
+              </p:ext>
+            </p:extLst>
+          </p:nvPr>
+        </p:nvGraphicFramePr>
+        <p:xfrm>
+          <a:off x="339711" y="1366520"/>
+          <a:ext cx="5883815" cy="4124960"/>
+        </p:xfrm>
+        <a:graphic>
+          <a:graphicData uri="http://schemas.openxmlformats.org/drawingml/2006/table">
+            <a:tbl>
+              <a:tblPr firstRow="1" bandRow="1">
+                <a:tableStyleId>{073A0DAA-6AF3-43AB-8588-CEC1D06C72B9}</a:tableStyleId>
+              </a:tblPr>
+              <a:tblGrid>
+                <a:gridCol w="840545">
+                  <a:extLst>
+                    <a:ext uri="{9D8B030D-6E8A-4147-A177-3AD203B41FA5}">
+                      <a16:colId xmlns:a16="http://schemas.microsoft.com/office/drawing/2014/main" val="3550401153"/>
+                    </a:ext>
+                  </a:extLst>
+                </a:gridCol>
+                <a:gridCol w="840545">
+                  <a:extLst>
+                    <a:ext uri="{9D8B030D-6E8A-4147-A177-3AD203B41FA5}">
+                      <a16:colId xmlns:a16="http://schemas.microsoft.com/office/drawing/2014/main" val="688696326"/>
+                    </a:ext>
+                  </a:extLst>
+                </a:gridCol>
+                <a:gridCol w="840545">
+                  <a:extLst>
+                    <a:ext uri="{9D8B030D-6E8A-4147-A177-3AD203B41FA5}">
+                      <a16:colId xmlns:a16="http://schemas.microsoft.com/office/drawing/2014/main" val="1908424453"/>
+                    </a:ext>
+                  </a:extLst>
+                </a:gridCol>
+                <a:gridCol w="840545">
+                  <a:extLst>
+                    <a:ext uri="{9D8B030D-6E8A-4147-A177-3AD203B41FA5}">
+                      <a16:colId xmlns:a16="http://schemas.microsoft.com/office/drawing/2014/main" val="1140873991"/>
+                    </a:ext>
+                  </a:extLst>
+                </a:gridCol>
+                <a:gridCol w="840545">
+                  <a:extLst>
+                    <a:ext uri="{9D8B030D-6E8A-4147-A177-3AD203B41FA5}">
+                      <a16:colId xmlns:a16="http://schemas.microsoft.com/office/drawing/2014/main" val="1991376135"/>
+                    </a:ext>
+                  </a:extLst>
+                </a:gridCol>
+                <a:gridCol w="840545">
+                  <a:extLst>
+                    <a:ext uri="{9D8B030D-6E8A-4147-A177-3AD203B41FA5}">
+                      <a16:colId xmlns:a16="http://schemas.microsoft.com/office/drawing/2014/main" val="1488564222"/>
+                    </a:ext>
+                  </a:extLst>
+                </a:gridCol>
+                <a:gridCol w="840545">
+                  <a:extLst>
+                    <a:ext uri="{9D8B030D-6E8A-4147-A177-3AD203B41FA5}">
+                      <a16:colId xmlns:a16="http://schemas.microsoft.com/office/drawing/2014/main" val="2698067641"/>
+                    </a:ext>
+                  </a:extLst>
+                </a:gridCol>
+              </a:tblGrid>
+              <a:tr h="315214">
+                <a:tc>
+                  <a:txBody>
+                    <a:bodyPr/>
+                    <a:lstStyle/>
+                    <a:p>
+                      <a:pPr algn="ctr" fontAlgn="ctr"/>
+                      <a:r>
+                        <a:rPr lang="de-DE" sz="1200" b="1" dirty="0">
+                          <a:effectLst/>
+                        </a:rPr>
+                        <a:t>#</a:t>
+                      </a:r>
+                    </a:p>
+                  </a:txBody>
+                  <a:tcPr marL="50800" marR="50800" marT="25400" marB="25400" anchor="ctr">
+                    <a:solidFill>
+                      <a:srgbClr val="E30019"/>
+                    </a:solidFill>
+                  </a:tcPr>
+                </a:tc>
+                <a:tc>
+                  <a:txBody>
+                    <a:bodyPr/>
+                    <a:lstStyle/>
+                    <a:p>
+                      <a:pPr algn="ctr" fontAlgn="ctr"/>
+                      <a:r>
+                        <a:rPr lang="de-DE" sz="1200">
+                          <a:effectLst/>
+                        </a:rPr>
+                        <a:t>Package No</a:t>
+                      </a:r>
+                    </a:p>
+                  </a:txBody>
+                  <a:tcPr marL="50800" marR="50800" marT="25400" marB="25400" anchor="ctr">
+                    <a:solidFill>
+                      <a:srgbClr val="E30019"/>
+                    </a:solidFill>
+                  </a:tcPr>
+                </a:tc>
+                <a:tc>
+                  <a:txBody>
+                    <a:bodyPr/>
+                    <a:lstStyle/>
+                    <a:p>
+                      <a:pPr algn="ctr" fontAlgn="ctr"/>
+                      <a:r>
+                        <a:rPr lang="de-DE" sz="1200">
+                          <a:effectLst/>
+                        </a:rPr>
+                        <a:t>Shipment No</a:t>
+                      </a:r>
+                    </a:p>
+                  </a:txBody>
+                  <a:tcPr marL="50800" marR="50800" marT="25400" marB="25400" anchor="ctr">
+                    <a:solidFill>
+                      <a:srgbClr val="E30019"/>
+                    </a:solidFill>
+                  </a:tcPr>
+                </a:tc>
+                <a:tc>
+                  <a:txBody>
+                    <a:bodyPr/>
+                    <a:lstStyle/>
+                    <a:p>
+                      <a:pPr algn="ctr" fontAlgn="ctr"/>
+                      <a:r>
+                        <a:rPr lang="de-DE" sz="1200">
+                          <a:effectLst/>
+                        </a:rPr>
+                        <a:t>Gross Weight (kg)</a:t>
+                      </a:r>
+                    </a:p>
+                  </a:txBody>
+                  <a:tcPr marL="50800" marR="50800" marT="25400" marB="25400" anchor="ctr">
+                    <a:solidFill>
+                      <a:srgbClr val="E30019"/>
+                    </a:solidFill>
+                  </a:tcPr>
+                </a:tc>
+                <a:tc>
+                  <a:txBody>
+                    <a:bodyPr/>
+                    <a:lstStyle/>
+                    <a:p>
+                      <a:pPr algn="ctr" fontAlgn="ctr"/>
+                      <a:r>
+                        <a:rPr lang="de-DE" sz="1200">
+                          <a:effectLst/>
+                        </a:rPr>
+                        <a:t>Width (cm)</a:t>
+                      </a:r>
+                    </a:p>
+                  </a:txBody>
+                  <a:tcPr marL="50800" marR="50800" marT="25400" marB="25400" anchor="ctr">
+                    <a:solidFill>
+                      <a:srgbClr val="E30019"/>
+                    </a:solidFill>
+                  </a:tcPr>
+                </a:tc>
+                <a:tc>
+                  <a:txBody>
+                    <a:bodyPr/>
+                    <a:lstStyle/>
+                    <a:p>
+                      <a:pPr algn="ctr" fontAlgn="ctr"/>
+                      <a:r>
+                        <a:rPr lang="de-DE" sz="1200" dirty="0">
+                          <a:effectLst/>
+                        </a:rPr>
+                        <a:t>Height (cm)</a:t>
+                      </a:r>
+                    </a:p>
+                  </a:txBody>
+                  <a:tcPr marL="50800" marR="50800" marT="25400" marB="25400" anchor="ctr">
+                    <a:solidFill>
+                      <a:srgbClr val="E30019"/>
+                    </a:solidFill>
+                  </a:tcPr>
+                </a:tc>
+                <a:tc>
+                  <a:txBody>
+                    <a:bodyPr/>
+                    <a:lstStyle/>
+                    <a:p>
+                      <a:pPr algn="ctr" fontAlgn="ctr"/>
+                      <a:r>
+                        <a:rPr lang="de-DE" sz="1200" dirty="0" err="1">
+                          <a:effectLst/>
+                        </a:rPr>
+                        <a:t>Length</a:t>
+                      </a:r>
+                      <a:r>
+                        <a:rPr lang="de-DE" sz="1200" dirty="0">
+                          <a:effectLst/>
+                        </a:rPr>
+                        <a:t> (cm)</a:t>
+                      </a:r>
+                    </a:p>
+                  </a:txBody>
+                  <a:tcPr marL="50800" marR="50800" marT="25400" marB="25400" anchor="ctr">
+                    <a:solidFill>
+                      <a:srgbClr val="E30019"/>
+                    </a:solidFill>
+                  </a:tcPr>
+                </a:tc>
+                <a:extLst>
+                  <a:ext uri="{0D108BD9-81ED-4DB2-BD59-A6C34878D82A}">
+                    <a16:rowId xmlns:a16="http://schemas.microsoft.com/office/drawing/2014/main" val="231498432"/>
+                  </a:ext>
+                </a:extLst>
+              </a:tr>
+              <a:tr h="254802">
+                <a:tc>
+                  <a:txBody>
+                    <a:bodyPr/>
+                    <a:lstStyle/>
+                    <a:p>
+                      <a:pPr algn="ctr" fontAlgn="ctr"/>
+                      <a:r>
+                        <a:rPr lang="de-DE" sz="1050" b="0">
+                          <a:effectLst/>
+                        </a:rPr>
+                        <a:t>0</a:t>
+                      </a:r>
+                    </a:p>
+                  </a:txBody>
+                  <a:tcPr marL="50800" marR="50800" marT="25400" marB="25400" anchor="ctr"/>
+                </a:tc>
+                <a:tc>
+                  <a:txBody>
+                    <a:bodyPr/>
+                    <a:lstStyle/>
+                    <a:p>
+                      <a:pPr algn="ctr"/>
+                      <a:r>
+                        <a:rPr lang="de-DE" sz="1050">
+                          <a:effectLst/>
+                        </a:rPr>
+                        <a:t>1007530-2011-03239</a:t>
+                      </a:r>
+                    </a:p>
+                  </a:txBody>
+                  <a:tcPr marL="50800" marR="50800" marT="25400" marB="25400" anchor="ctr"/>
+                </a:tc>
+                <a:tc>
+                  <a:txBody>
+                    <a:bodyPr/>
+                    <a:lstStyle/>
+                    <a:p>
+                      <a:pPr algn="ctr"/>
+                      <a:r>
+                        <a:rPr lang="de-DE" sz="1050">
+                          <a:effectLst/>
+                        </a:rPr>
+                        <a:t>1000088</a:t>
+                      </a:r>
+                    </a:p>
+                  </a:txBody>
+                  <a:tcPr marL="50800" marR="50800" marT="25400" marB="25400" anchor="ctr"/>
+                </a:tc>
+                <a:tc>
+                  <a:txBody>
+                    <a:bodyPr/>
+                    <a:lstStyle/>
+                    <a:p>
+                      <a:pPr algn="ctr"/>
+                      <a:r>
+                        <a:rPr lang="de-DE" sz="1050" dirty="0">
+                          <a:effectLst/>
+                        </a:rPr>
+                        <a:t>23</a:t>
+                      </a:r>
+                    </a:p>
+                  </a:txBody>
+                  <a:tcPr marL="50800" marR="50800" marT="25400" marB="25400" anchor="ctr"/>
+                </a:tc>
+                <a:tc>
+                  <a:txBody>
+                    <a:bodyPr/>
+                    <a:lstStyle/>
+                    <a:p>
+                      <a:pPr algn="ctr"/>
+                      <a:r>
+                        <a:rPr lang="de-DE" sz="1050">
+                          <a:effectLst/>
+                        </a:rPr>
+                        <a:t>35</a:t>
+                      </a:r>
+                    </a:p>
+                  </a:txBody>
+                  <a:tcPr marL="50800" marR="50800" marT="25400" marB="25400" anchor="ctr"/>
+                </a:tc>
+                <a:tc>
+                  <a:txBody>
+                    <a:bodyPr/>
+                    <a:lstStyle/>
+                    <a:p>
+                      <a:pPr algn="ctr"/>
+                      <a:r>
+                        <a:rPr lang="de-DE" sz="1050">
+                          <a:effectLst/>
+                        </a:rPr>
+                        <a:t>30</a:t>
+                      </a:r>
+                    </a:p>
+                  </a:txBody>
+                  <a:tcPr marL="50800" marR="50800" marT="25400" marB="25400" anchor="ctr"/>
+                </a:tc>
+                <a:tc>
+                  <a:txBody>
+                    <a:bodyPr/>
+                    <a:lstStyle/>
+                    <a:p>
+                      <a:pPr algn="ctr"/>
+                      <a:r>
+                        <a:rPr lang="de-DE" sz="1050">
+                          <a:effectLst/>
+                        </a:rPr>
+                        <a:t>35</a:t>
+                      </a:r>
+                    </a:p>
+                  </a:txBody>
+                  <a:tcPr marL="50800" marR="50800" marT="25400" marB="25400" anchor="ctr"/>
+                </a:tc>
+                <a:extLst>
+                  <a:ext uri="{0D108BD9-81ED-4DB2-BD59-A6C34878D82A}">
+                    <a16:rowId xmlns:a16="http://schemas.microsoft.com/office/drawing/2014/main" val="2331947297"/>
+                  </a:ext>
+                </a:extLst>
+              </a:tr>
+              <a:tr h="254802">
+                <a:tc>
+                  <a:txBody>
+                    <a:bodyPr/>
+                    <a:lstStyle/>
+                    <a:p>
+                      <a:pPr algn="ctr" fontAlgn="ctr"/>
+                      <a:r>
+                        <a:rPr lang="de-DE" sz="1050" b="0">
+                          <a:effectLst/>
+                        </a:rPr>
+                        <a:t>1</a:t>
+                      </a:r>
+                    </a:p>
+                  </a:txBody>
+                  <a:tcPr marL="50800" marR="50800" marT="25400" marB="25400" anchor="ctr"/>
+                </a:tc>
+                <a:tc>
+                  <a:txBody>
+                    <a:bodyPr/>
+                    <a:lstStyle/>
+                    <a:p>
+                      <a:pPr algn="ctr"/>
+                      <a:r>
+                        <a:rPr lang="de-DE" sz="1050">
+                          <a:effectLst/>
+                        </a:rPr>
+                        <a:t>1007530-2011-03241</a:t>
+                      </a:r>
+                    </a:p>
+                  </a:txBody>
+                  <a:tcPr marL="50800" marR="50800" marT="25400" marB="25400" anchor="ctr"/>
+                </a:tc>
+                <a:tc>
+                  <a:txBody>
+                    <a:bodyPr/>
+                    <a:lstStyle/>
+                    <a:p>
+                      <a:pPr algn="ctr"/>
+                      <a:r>
+                        <a:rPr lang="de-DE" sz="1050">
+                          <a:effectLst/>
+                        </a:rPr>
+                        <a:t>1000310</a:t>
+                      </a:r>
+                    </a:p>
+                  </a:txBody>
+                  <a:tcPr marL="50800" marR="50800" marT="25400" marB="25400" anchor="ctr"/>
+                </a:tc>
+                <a:tc>
+                  <a:txBody>
+                    <a:bodyPr/>
+                    <a:lstStyle/>
+                    <a:p>
+                      <a:pPr algn="ctr"/>
+                      <a:r>
+                        <a:rPr lang="de-DE" sz="1050">
+                          <a:effectLst/>
+                        </a:rPr>
+                        <a:t>150</a:t>
+                      </a:r>
+                    </a:p>
+                  </a:txBody>
+                  <a:tcPr marL="50800" marR="50800" marT="25400" marB="25400" anchor="ctr"/>
+                </a:tc>
+                <a:tc>
+                  <a:txBody>
+                    <a:bodyPr/>
+                    <a:lstStyle/>
+                    <a:p>
+                      <a:pPr algn="ctr"/>
+                      <a:r>
+                        <a:rPr lang="de-DE" sz="1050">
+                          <a:effectLst/>
+                        </a:rPr>
+                        <a:t>60</a:t>
+                      </a:r>
+                    </a:p>
+                  </a:txBody>
+                  <a:tcPr marL="50800" marR="50800" marT="25400" marB="25400" anchor="ctr"/>
+                </a:tc>
+                <a:tc>
+                  <a:txBody>
+                    <a:bodyPr/>
+                    <a:lstStyle/>
+                    <a:p>
+                      <a:pPr algn="ctr"/>
+                      <a:r>
+                        <a:rPr lang="de-DE" sz="1050">
+                          <a:effectLst/>
+                        </a:rPr>
+                        <a:t>55</a:t>
+                      </a:r>
+                    </a:p>
+                  </a:txBody>
+                  <a:tcPr marL="50800" marR="50800" marT="25400" marB="25400" anchor="ctr"/>
+                </a:tc>
+                <a:tc>
+                  <a:txBody>
+                    <a:bodyPr/>
+                    <a:lstStyle/>
+                    <a:p>
+                      <a:pPr algn="ctr"/>
+                      <a:r>
+                        <a:rPr lang="de-DE" sz="1050">
+                          <a:effectLst/>
+                        </a:rPr>
+                        <a:t>80</a:t>
+                      </a:r>
+                    </a:p>
+                  </a:txBody>
+                  <a:tcPr marL="50800" marR="50800" marT="25400" marB="25400" anchor="ctr"/>
+                </a:tc>
+                <a:extLst>
+                  <a:ext uri="{0D108BD9-81ED-4DB2-BD59-A6C34878D82A}">
+                    <a16:rowId xmlns:a16="http://schemas.microsoft.com/office/drawing/2014/main" val="1388199513"/>
+                  </a:ext>
+                </a:extLst>
+              </a:tr>
+              <a:tr h="254802">
+                <a:tc>
+                  <a:txBody>
+                    <a:bodyPr/>
+                    <a:lstStyle/>
+                    <a:p>
+                      <a:pPr algn="ctr" fontAlgn="ctr"/>
+                      <a:r>
+                        <a:rPr lang="de-DE" sz="1050" b="0">
+                          <a:effectLst/>
+                        </a:rPr>
+                        <a:t>2</a:t>
+                      </a:r>
+                    </a:p>
+                  </a:txBody>
+                  <a:tcPr marL="50800" marR="50800" marT="25400" marB="25400" anchor="ctr"/>
+                </a:tc>
+                <a:tc>
+                  <a:txBody>
+                    <a:bodyPr/>
+                    <a:lstStyle/>
+                    <a:p>
+                      <a:pPr algn="ctr"/>
+                      <a:r>
+                        <a:rPr lang="de-DE" sz="1050">
+                          <a:effectLst/>
+                        </a:rPr>
+                        <a:t>1007530-2011-03242</a:t>
+                      </a:r>
+                    </a:p>
+                  </a:txBody>
+                  <a:tcPr marL="50800" marR="50800" marT="25400" marB="25400" anchor="ctr"/>
+                </a:tc>
+                <a:tc>
+                  <a:txBody>
+                    <a:bodyPr/>
+                    <a:lstStyle/>
+                    <a:p>
+                      <a:pPr algn="ctr"/>
+                      <a:r>
+                        <a:rPr lang="de-DE" sz="1050">
+                          <a:effectLst/>
+                        </a:rPr>
+                        <a:t>1000346</a:t>
+                      </a:r>
+                    </a:p>
+                  </a:txBody>
+                  <a:tcPr marL="50800" marR="50800" marT="25400" marB="25400" anchor="ctr"/>
+                </a:tc>
+                <a:tc>
+                  <a:txBody>
+                    <a:bodyPr/>
+                    <a:lstStyle/>
+                    <a:p>
+                      <a:pPr algn="ctr"/>
+                      <a:r>
+                        <a:rPr lang="de-DE" sz="1050">
+                          <a:effectLst/>
+                        </a:rPr>
+                        <a:t>0,5</a:t>
+                      </a:r>
+                    </a:p>
+                  </a:txBody>
+                  <a:tcPr marL="50800" marR="50800" marT="25400" marB="25400" anchor="ctr"/>
+                </a:tc>
+                <a:tc>
+                  <a:txBody>
+                    <a:bodyPr/>
+                    <a:lstStyle/>
+                    <a:p>
+                      <a:pPr algn="ctr"/>
+                      <a:r>
+                        <a:rPr lang="de-DE" sz="1050">
+                          <a:effectLst/>
+                        </a:rPr>
+                        <a:t>14</a:t>
+                      </a:r>
+                    </a:p>
+                  </a:txBody>
+                  <a:tcPr marL="50800" marR="50800" marT="25400" marB="25400" anchor="ctr"/>
+                </a:tc>
+                <a:tc>
+                  <a:txBody>
+                    <a:bodyPr/>
+                    <a:lstStyle/>
+                    <a:p>
+                      <a:pPr algn="ctr"/>
+                      <a:r>
+                        <a:rPr lang="de-DE" sz="1050">
+                          <a:effectLst/>
+                        </a:rPr>
+                        <a:t>15</a:t>
+                      </a:r>
+                    </a:p>
+                  </a:txBody>
+                  <a:tcPr marL="50800" marR="50800" marT="25400" marB="25400" anchor="ctr"/>
+                </a:tc>
+                <a:tc>
+                  <a:txBody>
+                    <a:bodyPr/>
+                    <a:lstStyle/>
+                    <a:p>
+                      <a:pPr algn="ctr"/>
+                      <a:r>
+                        <a:rPr lang="de-DE" sz="1050" dirty="0">
+                          <a:effectLst/>
+                        </a:rPr>
+                        <a:t>19</a:t>
+                      </a:r>
+                    </a:p>
+                  </a:txBody>
+                  <a:tcPr marL="50800" marR="50800" marT="25400" marB="25400" anchor="ctr"/>
+                </a:tc>
+                <a:extLst>
+                  <a:ext uri="{0D108BD9-81ED-4DB2-BD59-A6C34878D82A}">
+                    <a16:rowId xmlns:a16="http://schemas.microsoft.com/office/drawing/2014/main" val="3890219992"/>
+                  </a:ext>
+                </a:extLst>
+              </a:tr>
+              <a:tr h="254802">
+                <a:tc>
+                  <a:txBody>
+                    <a:bodyPr/>
+                    <a:lstStyle/>
+                    <a:p>
+                      <a:pPr algn="ctr" fontAlgn="ctr"/>
+                      <a:r>
+                        <a:rPr lang="de-DE" sz="1050" b="0">
+                          <a:effectLst/>
+                        </a:rPr>
+                        <a:t>3</a:t>
+                      </a:r>
+                    </a:p>
+                  </a:txBody>
+                  <a:tcPr marL="50800" marR="50800" marT="25400" marB="25400" anchor="ctr"/>
+                </a:tc>
+                <a:tc>
+                  <a:txBody>
+                    <a:bodyPr/>
+                    <a:lstStyle/>
+                    <a:p>
+                      <a:pPr algn="ctr"/>
+                      <a:r>
+                        <a:rPr lang="de-DE" sz="1050">
+                          <a:effectLst/>
+                        </a:rPr>
+                        <a:t>1007530-2011-03243</a:t>
+                      </a:r>
+                    </a:p>
+                  </a:txBody>
+                  <a:tcPr marL="50800" marR="50800" marT="25400" marB="25400" anchor="ctr"/>
+                </a:tc>
+                <a:tc>
+                  <a:txBody>
+                    <a:bodyPr/>
+                    <a:lstStyle/>
+                    <a:p>
+                      <a:pPr algn="ctr"/>
+                      <a:r>
+                        <a:rPr lang="de-DE" sz="1050">
+                          <a:effectLst/>
+                        </a:rPr>
+                        <a:t>1000456</a:t>
+                      </a:r>
+                    </a:p>
+                  </a:txBody>
+                  <a:tcPr marL="50800" marR="50800" marT="25400" marB="25400" anchor="ctr"/>
+                </a:tc>
+                <a:tc>
+                  <a:txBody>
+                    <a:bodyPr/>
+                    <a:lstStyle/>
+                    <a:p>
+                      <a:pPr algn="ctr"/>
+                      <a:r>
+                        <a:rPr lang="de-DE" sz="1050">
+                          <a:effectLst/>
+                        </a:rPr>
+                        <a:t>1,5</a:t>
+                      </a:r>
+                    </a:p>
+                  </a:txBody>
+                  <a:tcPr marL="50800" marR="50800" marT="25400" marB="25400" anchor="ctr"/>
+                </a:tc>
+                <a:tc>
+                  <a:txBody>
+                    <a:bodyPr/>
+                    <a:lstStyle/>
+                    <a:p>
+                      <a:pPr algn="ctr"/>
+                      <a:r>
+                        <a:rPr lang="de-DE" sz="1050">
+                          <a:effectLst/>
+                        </a:rPr>
+                        <a:t>20</a:t>
+                      </a:r>
+                    </a:p>
+                  </a:txBody>
+                  <a:tcPr marL="50800" marR="50800" marT="25400" marB="25400" anchor="ctr"/>
+                </a:tc>
+                <a:tc>
+                  <a:txBody>
+                    <a:bodyPr/>
+                    <a:lstStyle/>
+                    <a:p>
+                      <a:pPr algn="ctr"/>
+                      <a:r>
+                        <a:rPr lang="de-DE" sz="1050">
+                          <a:effectLst/>
+                        </a:rPr>
+                        <a:t>20</a:t>
+                      </a:r>
+                    </a:p>
+                  </a:txBody>
+                  <a:tcPr marL="50800" marR="50800" marT="25400" marB="25400" anchor="ctr"/>
+                </a:tc>
+                <a:tc>
+                  <a:txBody>
+                    <a:bodyPr/>
+                    <a:lstStyle/>
+                    <a:p>
+                      <a:pPr algn="ctr"/>
+                      <a:r>
+                        <a:rPr lang="de-DE" sz="1050">
+                          <a:effectLst/>
+                        </a:rPr>
+                        <a:t>29</a:t>
+                      </a:r>
+                    </a:p>
+                  </a:txBody>
+                  <a:tcPr marL="50800" marR="50800" marT="25400" marB="25400" anchor="ctr"/>
+                </a:tc>
+                <a:extLst>
+                  <a:ext uri="{0D108BD9-81ED-4DB2-BD59-A6C34878D82A}">
+                    <a16:rowId xmlns:a16="http://schemas.microsoft.com/office/drawing/2014/main" val="2696174009"/>
+                  </a:ext>
+                </a:extLst>
+              </a:tr>
+              <a:tr h="254802">
+                <a:tc>
+                  <a:txBody>
+                    <a:bodyPr/>
+                    <a:lstStyle/>
+                    <a:p>
+                      <a:pPr algn="ctr" fontAlgn="ctr"/>
+                      <a:r>
+                        <a:rPr lang="de-DE" sz="1050" b="0">
+                          <a:effectLst/>
+                        </a:rPr>
+                        <a:t>4</a:t>
+                      </a:r>
+                    </a:p>
+                  </a:txBody>
+                  <a:tcPr marL="50800" marR="50800" marT="25400" marB="25400" anchor="ctr"/>
+                </a:tc>
+                <a:tc>
+                  <a:txBody>
+                    <a:bodyPr/>
+                    <a:lstStyle/>
+                    <a:p>
+                      <a:pPr algn="ctr"/>
+                      <a:r>
+                        <a:rPr lang="de-DE" sz="1050">
+                          <a:effectLst/>
+                        </a:rPr>
+                        <a:t>1007530-2011-03244</a:t>
+                      </a:r>
+                    </a:p>
+                  </a:txBody>
+                  <a:tcPr marL="50800" marR="50800" marT="25400" marB="25400" anchor="ctr"/>
+                </a:tc>
+                <a:tc>
+                  <a:txBody>
+                    <a:bodyPr/>
+                    <a:lstStyle/>
+                    <a:p>
+                      <a:pPr algn="ctr"/>
+                      <a:r>
+                        <a:rPr lang="de-DE" sz="1050">
+                          <a:effectLst/>
+                        </a:rPr>
+                        <a:t>1000796</a:t>
+                      </a:r>
+                    </a:p>
+                  </a:txBody>
+                  <a:tcPr marL="50800" marR="50800" marT="25400" marB="25400" anchor="ctr"/>
+                </a:tc>
+                <a:tc>
+                  <a:txBody>
+                    <a:bodyPr/>
+                    <a:lstStyle/>
+                    <a:p>
+                      <a:pPr algn="ctr"/>
+                      <a:r>
+                        <a:rPr lang="de-DE" sz="1050">
+                          <a:effectLst/>
+                        </a:rPr>
+                        <a:t>1</a:t>
+                      </a:r>
+                    </a:p>
+                  </a:txBody>
+                  <a:tcPr marL="50800" marR="50800" marT="25400" marB="25400" anchor="ctr"/>
+                </a:tc>
+                <a:tc>
+                  <a:txBody>
+                    <a:bodyPr/>
+                    <a:lstStyle/>
+                    <a:p>
+                      <a:pPr algn="ctr"/>
+                      <a:r>
+                        <a:rPr lang="de-DE" sz="1050" dirty="0">
+                          <a:effectLst/>
+                        </a:rPr>
+                        <a:t>10</a:t>
+                      </a:r>
+                    </a:p>
+                  </a:txBody>
+                  <a:tcPr marL="50800" marR="50800" marT="25400" marB="25400" anchor="ctr"/>
+                </a:tc>
+                <a:tc>
+                  <a:txBody>
+                    <a:bodyPr/>
+                    <a:lstStyle/>
+                    <a:p>
+                      <a:pPr algn="ctr"/>
+                      <a:r>
+                        <a:rPr lang="de-DE" sz="1050">
+                          <a:effectLst/>
+                        </a:rPr>
+                        <a:t>10</a:t>
+                      </a:r>
+                    </a:p>
+                  </a:txBody>
+                  <a:tcPr marL="50800" marR="50800" marT="25400" marB="25400" anchor="ctr"/>
+                </a:tc>
+                <a:tc>
+                  <a:txBody>
+                    <a:bodyPr/>
+                    <a:lstStyle/>
+                    <a:p>
+                      <a:pPr algn="ctr"/>
+                      <a:r>
+                        <a:rPr lang="de-DE" sz="1050">
+                          <a:effectLst/>
+                        </a:rPr>
+                        <a:t>10</a:t>
+                      </a:r>
+                    </a:p>
+                  </a:txBody>
+                  <a:tcPr marL="50800" marR="50800" marT="25400" marB="25400" anchor="ctr"/>
+                </a:tc>
+                <a:extLst>
+                  <a:ext uri="{0D108BD9-81ED-4DB2-BD59-A6C34878D82A}">
+                    <a16:rowId xmlns:a16="http://schemas.microsoft.com/office/drawing/2014/main" val="2823837673"/>
+                  </a:ext>
+                </a:extLst>
+              </a:tr>
+              <a:tr h="254802">
+                <a:tc>
+                  <a:txBody>
+                    <a:bodyPr/>
+                    <a:lstStyle/>
+                    <a:p>
+                      <a:pPr algn="ctr" fontAlgn="ctr"/>
+                      <a:r>
+                        <a:rPr lang="de-DE" sz="1050" b="0">
+                          <a:effectLst/>
+                        </a:rPr>
+                        <a:t>5</a:t>
+                      </a:r>
+                    </a:p>
+                  </a:txBody>
+                  <a:tcPr marL="50800" marR="50800" marT="25400" marB="25400" anchor="ctr"/>
+                </a:tc>
+                <a:tc>
+                  <a:txBody>
+                    <a:bodyPr/>
+                    <a:lstStyle/>
+                    <a:p>
+                      <a:pPr algn="ctr"/>
+                      <a:r>
+                        <a:rPr lang="de-DE" sz="1050">
+                          <a:effectLst/>
+                        </a:rPr>
+                        <a:t>1007530-2011-03245</a:t>
+                      </a:r>
+                    </a:p>
+                  </a:txBody>
+                  <a:tcPr marL="50800" marR="50800" marT="25400" marB="25400" anchor="ctr"/>
+                </a:tc>
+                <a:tc>
+                  <a:txBody>
+                    <a:bodyPr/>
+                    <a:lstStyle/>
+                    <a:p>
+                      <a:pPr algn="ctr"/>
+                      <a:r>
+                        <a:rPr lang="de-DE" sz="1050">
+                          <a:effectLst/>
+                        </a:rPr>
+                        <a:t>1000957</a:t>
+                      </a:r>
+                    </a:p>
+                  </a:txBody>
+                  <a:tcPr marL="50800" marR="50800" marT="25400" marB="25400" anchor="ctr"/>
+                </a:tc>
+                <a:tc>
+                  <a:txBody>
+                    <a:bodyPr/>
+                    <a:lstStyle/>
+                    <a:p>
+                      <a:pPr algn="ctr"/>
+                      <a:r>
+                        <a:rPr lang="de-DE" sz="1050">
+                          <a:effectLst/>
+                        </a:rPr>
+                        <a:t>75</a:t>
+                      </a:r>
+                    </a:p>
+                  </a:txBody>
+                  <a:tcPr marL="50800" marR="50800" marT="25400" marB="25400" anchor="ctr"/>
+                </a:tc>
+                <a:tc>
+                  <a:txBody>
+                    <a:bodyPr/>
+                    <a:lstStyle/>
+                    <a:p>
+                      <a:pPr algn="ctr"/>
+                      <a:r>
+                        <a:rPr lang="de-DE" sz="1050">
+                          <a:effectLst/>
+                        </a:rPr>
+                        <a:t>82</a:t>
+                      </a:r>
+                    </a:p>
+                  </a:txBody>
+                  <a:tcPr marL="50800" marR="50800" marT="25400" marB="25400" anchor="ctr"/>
+                </a:tc>
+                <a:tc>
+                  <a:txBody>
+                    <a:bodyPr/>
+                    <a:lstStyle/>
+                    <a:p>
+                      <a:pPr algn="ctr"/>
+                      <a:r>
+                        <a:rPr lang="de-DE" sz="1050">
+                          <a:effectLst/>
+                        </a:rPr>
+                        <a:t>81</a:t>
+                      </a:r>
+                    </a:p>
+                  </a:txBody>
+                  <a:tcPr marL="50800" marR="50800" marT="25400" marB="25400" anchor="ctr"/>
+                </a:tc>
+                <a:tc>
+                  <a:txBody>
+                    <a:bodyPr/>
+                    <a:lstStyle/>
+                    <a:p>
+                      <a:pPr algn="ctr"/>
+                      <a:r>
+                        <a:rPr lang="de-DE" sz="1050">
+                          <a:effectLst/>
+                        </a:rPr>
+                        <a:t>120</a:t>
+                      </a:r>
+                    </a:p>
+                  </a:txBody>
+                  <a:tcPr marL="50800" marR="50800" marT="25400" marB="25400" anchor="ctr"/>
+                </a:tc>
+                <a:extLst>
+                  <a:ext uri="{0D108BD9-81ED-4DB2-BD59-A6C34878D82A}">
+                    <a16:rowId xmlns:a16="http://schemas.microsoft.com/office/drawing/2014/main" val="323698542"/>
+                  </a:ext>
+                </a:extLst>
+              </a:tr>
+              <a:tr h="254802">
+                <a:tc>
+                  <a:txBody>
+                    <a:bodyPr/>
+                    <a:lstStyle/>
+                    <a:p>
+                      <a:pPr algn="ctr" fontAlgn="ctr"/>
+                      <a:r>
+                        <a:rPr lang="de-DE" sz="1050" b="0">
+                          <a:effectLst/>
+                        </a:rPr>
+                        <a:t>6</a:t>
+                      </a:r>
+                    </a:p>
+                  </a:txBody>
+                  <a:tcPr marL="50800" marR="50800" marT="25400" marB="25400" anchor="ctr"/>
+                </a:tc>
+                <a:tc>
+                  <a:txBody>
+                    <a:bodyPr/>
+                    <a:lstStyle/>
+                    <a:p>
+                      <a:pPr algn="ctr"/>
+                      <a:r>
+                        <a:rPr lang="de-DE" sz="1050">
+                          <a:effectLst/>
+                        </a:rPr>
+                        <a:t>1007530-2011-03246</a:t>
+                      </a:r>
+                    </a:p>
+                  </a:txBody>
+                  <a:tcPr marL="50800" marR="50800" marT="25400" marB="25400" anchor="ctr"/>
+                </a:tc>
+                <a:tc>
+                  <a:txBody>
+                    <a:bodyPr/>
+                    <a:lstStyle/>
+                    <a:p>
+                      <a:pPr algn="ctr"/>
+                      <a:r>
+                        <a:rPr lang="de-DE" sz="1050">
+                          <a:effectLst/>
+                        </a:rPr>
+                        <a:t>1000957</a:t>
+                      </a:r>
+                    </a:p>
+                  </a:txBody>
+                  <a:tcPr marL="50800" marR="50800" marT="25400" marB="25400" anchor="ctr"/>
+                </a:tc>
+                <a:tc>
+                  <a:txBody>
+                    <a:bodyPr/>
+                    <a:lstStyle/>
+                    <a:p>
+                      <a:pPr algn="ctr"/>
+                      <a:r>
+                        <a:rPr lang="de-DE" sz="1050">
+                          <a:effectLst/>
+                        </a:rPr>
+                        <a:t>41</a:t>
+                      </a:r>
+                    </a:p>
+                  </a:txBody>
+                  <a:tcPr marL="50800" marR="50800" marT="25400" marB="25400" anchor="ctr"/>
+                </a:tc>
+                <a:tc>
+                  <a:txBody>
+                    <a:bodyPr/>
+                    <a:lstStyle/>
+                    <a:p>
+                      <a:pPr algn="ctr"/>
+                      <a:r>
+                        <a:rPr lang="de-DE" sz="1050">
+                          <a:effectLst/>
+                        </a:rPr>
+                        <a:t>80</a:t>
+                      </a:r>
+                    </a:p>
+                  </a:txBody>
+                  <a:tcPr marL="50800" marR="50800" marT="25400" marB="25400" anchor="ctr"/>
+                </a:tc>
+                <a:tc>
+                  <a:txBody>
+                    <a:bodyPr/>
+                    <a:lstStyle/>
+                    <a:p>
+                      <a:pPr algn="ctr"/>
+                      <a:r>
+                        <a:rPr lang="de-DE" sz="1050">
+                          <a:effectLst/>
+                        </a:rPr>
+                        <a:t>34</a:t>
+                      </a:r>
+                    </a:p>
+                  </a:txBody>
+                  <a:tcPr marL="50800" marR="50800" marT="25400" marB="25400" anchor="ctr"/>
+                </a:tc>
+                <a:tc>
+                  <a:txBody>
+                    <a:bodyPr/>
+                    <a:lstStyle/>
+                    <a:p>
+                      <a:pPr algn="ctr"/>
+                      <a:r>
+                        <a:rPr lang="de-DE" sz="1050">
+                          <a:effectLst/>
+                        </a:rPr>
+                        <a:t>120</a:t>
+                      </a:r>
+                    </a:p>
+                  </a:txBody>
+                  <a:tcPr marL="50800" marR="50800" marT="25400" marB="25400" anchor="ctr"/>
+                </a:tc>
+                <a:extLst>
+                  <a:ext uri="{0D108BD9-81ED-4DB2-BD59-A6C34878D82A}">
+                    <a16:rowId xmlns:a16="http://schemas.microsoft.com/office/drawing/2014/main" val="1264764426"/>
+                  </a:ext>
+                </a:extLst>
+              </a:tr>
+              <a:tr h="254802">
+                <a:tc>
+                  <a:txBody>
+                    <a:bodyPr/>
+                    <a:lstStyle/>
+                    <a:p>
+                      <a:pPr algn="ctr" fontAlgn="ctr"/>
+                      <a:r>
+                        <a:rPr lang="de-DE" sz="1050" b="0">
+                          <a:effectLst/>
+                        </a:rPr>
+                        <a:t>7</a:t>
+                      </a:r>
+                    </a:p>
+                  </a:txBody>
+                  <a:tcPr marL="50800" marR="50800" marT="25400" marB="25400" anchor="ctr"/>
+                </a:tc>
+                <a:tc>
+                  <a:txBody>
+                    <a:bodyPr/>
+                    <a:lstStyle/>
+                    <a:p>
+                      <a:pPr algn="ctr"/>
+                      <a:r>
+                        <a:rPr lang="de-DE" sz="1050">
+                          <a:effectLst/>
+                        </a:rPr>
+                        <a:t>1007530-2011-03247</a:t>
+                      </a:r>
+                    </a:p>
+                  </a:txBody>
+                  <a:tcPr marL="50800" marR="50800" marT="25400" marB="25400" anchor="ctr"/>
+                </a:tc>
+                <a:tc>
+                  <a:txBody>
+                    <a:bodyPr/>
+                    <a:lstStyle/>
+                    <a:p>
+                      <a:pPr algn="ctr"/>
+                      <a:r>
+                        <a:rPr lang="de-DE" sz="1050">
+                          <a:effectLst/>
+                        </a:rPr>
+                        <a:t>1001184</a:t>
+                      </a:r>
+                    </a:p>
+                  </a:txBody>
+                  <a:tcPr marL="50800" marR="50800" marT="25400" marB="25400" anchor="ctr"/>
+                </a:tc>
+                <a:tc>
+                  <a:txBody>
+                    <a:bodyPr/>
+                    <a:lstStyle/>
+                    <a:p>
+                      <a:pPr algn="ctr"/>
+                      <a:r>
+                        <a:rPr lang="de-DE" sz="1050">
+                          <a:effectLst/>
+                        </a:rPr>
+                        <a:t>1.340</a:t>
+                      </a:r>
+                    </a:p>
+                  </a:txBody>
+                  <a:tcPr marL="50800" marR="50800" marT="25400" marB="25400" anchor="ctr"/>
+                </a:tc>
+                <a:tc>
+                  <a:txBody>
+                    <a:bodyPr/>
+                    <a:lstStyle/>
+                    <a:p>
+                      <a:pPr algn="ctr"/>
+                      <a:r>
+                        <a:rPr lang="de-DE" sz="1050">
+                          <a:effectLst/>
+                        </a:rPr>
+                        <a:t>220</a:t>
+                      </a:r>
+                    </a:p>
+                  </a:txBody>
+                  <a:tcPr marL="50800" marR="50800" marT="25400" marB="25400" anchor="ctr"/>
+                </a:tc>
+                <a:tc>
+                  <a:txBody>
+                    <a:bodyPr/>
+                    <a:lstStyle/>
+                    <a:p>
+                      <a:pPr algn="ctr"/>
+                      <a:r>
+                        <a:rPr lang="de-DE" sz="1050">
+                          <a:effectLst/>
+                        </a:rPr>
+                        <a:t>112</a:t>
+                      </a:r>
+                    </a:p>
+                  </a:txBody>
+                  <a:tcPr marL="50800" marR="50800" marT="25400" marB="25400" anchor="ctr"/>
+                </a:tc>
+                <a:tc>
+                  <a:txBody>
+                    <a:bodyPr/>
+                    <a:lstStyle/>
+                    <a:p>
+                      <a:pPr algn="ctr"/>
+                      <a:r>
+                        <a:rPr lang="de-DE" sz="1050">
+                          <a:effectLst/>
+                        </a:rPr>
+                        <a:t>406</a:t>
+                      </a:r>
+                    </a:p>
+                  </a:txBody>
+                  <a:tcPr marL="50800" marR="50800" marT="25400" marB="25400" anchor="ctr"/>
+                </a:tc>
+                <a:extLst>
+                  <a:ext uri="{0D108BD9-81ED-4DB2-BD59-A6C34878D82A}">
+                    <a16:rowId xmlns:a16="http://schemas.microsoft.com/office/drawing/2014/main" val="1640962550"/>
+                  </a:ext>
+                </a:extLst>
+              </a:tr>
+              <a:tr h="254802">
+                <a:tc>
+                  <a:txBody>
+                    <a:bodyPr/>
+                    <a:lstStyle/>
+                    <a:p>
+                      <a:pPr algn="ctr" fontAlgn="ctr"/>
+                      <a:r>
+                        <a:rPr lang="de-DE" sz="1050" b="0">
+                          <a:effectLst/>
+                        </a:rPr>
+                        <a:t>8</a:t>
+                      </a:r>
+                    </a:p>
+                  </a:txBody>
+                  <a:tcPr marL="50800" marR="50800" marT="25400" marB="25400" anchor="ctr"/>
+                </a:tc>
+                <a:tc>
+                  <a:txBody>
+                    <a:bodyPr/>
+                    <a:lstStyle/>
+                    <a:p>
+                      <a:pPr algn="ctr"/>
+                      <a:r>
+                        <a:rPr lang="de-DE" sz="1050">
+                          <a:effectLst/>
+                        </a:rPr>
+                        <a:t>1007530-2011-03249</a:t>
+                      </a:r>
+                    </a:p>
+                  </a:txBody>
+                  <a:tcPr marL="50800" marR="50800" marT="25400" marB="25400" anchor="ctr"/>
+                </a:tc>
+                <a:tc>
+                  <a:txBody>
+                    <a:bodyPr/>
+                    <a:lstStyle/>
+                    <a:p>
+                      <a:pPr algn="ctr"/>
+                      <a:r>
+                        <a:rPr lang="de-DE" sz="1050">
+                          <a:effectLst/>
+                        </a:rPr>
+                        <a:t>1001408</a:t>
+                      </a:r>
+                    </a:p>
+                  </a:txBody>
+                  <a:tcPr marL="50800" marR="50800" marT="25400" marB="25400" anchor="ctr"/>
+                </a:tc>
+                <a:tc>
+                  <a:txBody>
+                    <a:bodyPr/>
+                    <a:lstStyle/>
+                    <a:p>
+                      <a:pPr algn="ctr"/>
+                      <a:r>
+                        <a:rPr lang="de-DE" sz="1050">
+                          <a:effectLst/>
+                        </a:rPr>
+                        <a:t>0,5</a:t>
+                      </a:r>
+                    </a:p>
+                  </a:txBody>
+                  <a:tcPr marL="50800" marR="50800" marT="25400" marB="25400" anchor="ctr"/>
+                </a:tc>
+                <a:tc>
+                  <a:txBody>
+                    <a:bodyPr/>
+                    <a:lstStyle/>
+                    <a:p>
+                      <a:pPr algn="ctr"/>
+                      <a:r>
+                        <a:rPr lang="de-DE" sz="1050">
+                          <a:effectLst/>
+                        </a:rPr>
+                        <a:t>20</a:t>
+                      </a:r>
+                    </a:p>
+                  </a:txBody>
+                  <a:tcPr marL="50800" marR="50800" marT="25400" marB="25400" anchor="ctr"/>
+                </a:tc>
+                <a:tc>
+                  <a:txBody>
+                    <a:bodyPr/>
+                    <a:lstStyle/>
+                    <a:p>
+                      <a:pPr algn="ctr"/>
+                      <a:r>
+                        <a:rPr lang="de-DE" sz="1050">
+                          <a:effectLst/>
+                        </a:rPr>
+                        <a:t>20</a:t>
+                      </a:r>
+                    </a:p>
+                  </a:txBody>
+                  <a:tcPr marL="50800" marR="50800" marT="25400" marB="25400" anchor="ctr"/>
+                </a:tc>
+                <a:tc>
+                  <a:txBody>
+                    <a:bodyPr/>
+                    <a:lstStyle/>
+                    <a:p>
+                      <a:pPr algn="ctr"/>
+                      <a:r>
+                        <a:rPr lang="de-DE" sz="1050">
+                          <a:effectLst/>
+                        </a:rPr>
+                        <a:t>29</a:t>
+                      </a:r>
+                    </a:p>
+                  </a:txBody>
+                  <a:tcPr marL="50800" marR="50800" marT="25400" marB="25400" anchor="ctr"/>
+                </a:tc>
+                <a:extLst>
+                  <a:ext uri="{0D108BD9-81ED-4DB2-BD59-A6C34878D82A}">
+                    <a16:rowId xmlns:a16="http://schemas.microsoft.com/office/drawing/2014/main" val="3748720281"/>
+                  </a:ext>
+                </a:extLst>
+              </a:tr>
+              <a:tr h="254802">
+                <a:tc>
+                  <a:txBody>
+                    <a:bodyPr/>
+                    <a:lstStyle/>
+                    <a:p>
+                      <a:pPr algn="ctr" fontAlgn="ctr"/>
+                      <a:r>
+                        <a:rPr lang="de-DE" sz="1050" b="0">
+                          <a:effectLst/>
+                        </a:rPr>
+                        <a:t>9</a:t>
+                      </a:r>
+                    </a:p>
+                  </a:txBody>
+                  <a:tcPr marL="50800" marR="50800" marT="25400" marB="25400" anchor="ctr"/>
+                </a:tc>
+                <a:tc>
+                  <a:txBody>
+                    <a:bodyPr/>
+                    <a:lstStyle/>
+                    <a:p>
+                      <a:pPr algn="ctr"/>
+                      <a:r>
+                        <a:rPr lang="de-DE" sz="1050">
+                          <a:effectLst/>
+                        </a:rPr>
+                        <a:t>1007530-2011-03250</a:t>
+                      </a:r>
+                    </a:p>
+                  </a:txBody>
+                  <a:tcPr marL="50800" marR="50800" marT="25400" marB="25400" anchor="ctr"/>
+                </a:tc>
+                <a:tc>
+                  <a:txBody>
+                    <a:bodyPr/>
+                    <a:lstStyle/>
+                    <a:p>
+                      <a:pPr algn="ctr"/>
+                      <a:r>
+                        <a:rPr lang="de-DE" sz="1050">
+                          <a:effectLst/>
+                        </a:rPr>
+                        <a:t>1001563</a:t>
+                      </a:r>
+                    </a:p>
+                  </a:txBody>
+                  <a:tcPr marL="50800" marR="50800" marT="25400" marB="25400" anchor="ctr"/>
+                </a:tc>
+                <a:tc>
+                  <a:txBody>
+                    <a:bodyPr/>
+                    <a:lstStyle/>
+                    <a:p>
+                      <a:pPr algn="ctr"/>
+                      <a:r>
+                        <a:rPr lang="de-DE" sz="1050">
+                          <a:effectLst/>
+                        </a:rPr>
+                        <a:t>5</a:t>
+                      </a:r>
+                    </a:p>
+                  </a:txBody>
+                  <a:tcPr marL="50800" marR="50800" marT="25400" marB="25400" anchor="ctr"/>
+                </a:tc>
+                <a:tc>
+                  <a:txBody>
+                    <a:bodyPr/>
+                    <a:lstStyle/>
+                    <a:p>
+                      <a:pPr algn="ctr"/>
+                      <a:r>
+                        <a:rPr lang="de-DE" sz="1050">
+                          <a:effectLst/>
+                        </a:rPr>
+                        <a:t>45</a:t>
+                      </a:r>
+                    </a:p>
+                  </a:txBody>
+                  <a:tcPr marL="50800" marR="50800" marT="25400" marB="25400" anchor="ctr"/>
+                </a:tc>
+                <a:tc>
+                  <a:txBody>
+                    <a:bodyPr/>
+                    <a:lstStyle/>
+                    <a:p>
+                      <a:pPr algn="ctr"/>
+                      <a:r>
+                        <a:rPr lang="de-DE" sz="1050">
+                          <a:effectLst/>
+                        </a:rPr>
+                        <a:t>35</a:t>
+                      </a:r>
+                    </a:p>
+                  </a:txBody>
+                  <a:tcPr marL="50800" marR="50800" marT="25400" marB="25400" anchor="ctr"/>
+                </a:tc>
+                <a:tc>
+                  <a:txBody>
+                    <a:bodyPr/>
+                    <a:lstStyle/>
+                    <a:p>
+                      <a:pPr algn="ctr"/>
+                      <a:r>
+                        <a:rPr lang="de-DE" sz="1050" dirty="0">
+                          <a:effectLst/>
+                        </a:rPr>
+                        <a:t>45</a:t>
+                      </a:r>
+                    </a:p>
+                  </a:txBody>
+                  <a:tcPr marL="50800" marR="50800" marT="25400" marB="25400" anchor="ctr"/>
+                </a:tc>
+                <a:extLst>
+                  <a:ext uri="{0D108BD9-81ED-4DB2-BD59-A6C34878D82A}">
+                    <a16:rowId xmlns:a16="http://schemas.microsoft.com/office/drawing/2014/main" val="3676178726"/>
+                  </a:ext>
+                </a:extLst>
+              </a:tr>
+            </a:tbl>
+          </a:graphicData>
+        </a:graphic>
+      </p:graphicFrame>
+      <p:sp>
+        <p:nvSpPr>
+          <p:cNvPr id="3" name="Pfeil: nach rechts 2">
+            <a:extLst>
+              <a:ext uri="{FF2B5EF4-FFF2-40B4-BE49-F238E27FC236}">
+                <a16:creationId xmlns:a16="http://schemas.microsoft.com/office/drawing/2014/main" id="{E1DCA223-7BA5-F744-E5E3-1030A90E1CB4}"/>
+              </a:ext>
+            </a:extLst>
+          </p:cNvPr>
+          <p:cNvSpPr/>
+          <p:nvPr/>
+        </p:nvSpPr>
+        <p:spPr>
+          <a:xfrm>
+            <a:off x="6102799" y="3191336"/>
+            <a:ext cx="837655" cy="475327"/>
+          </a:xfrm>
+          <a:custGeom>
+            <a:avLst/>
+            <a:gdLst>
+              <a:gd name="connsiteX0" fmla="*/ 0 w 837655"/>
+              <a:gd name="connsiteY0" fmla="*/ 118832 h 475327"/>
+              <a:gd name="connsiteX1" fmla="*/ 599992 w 837655"/>
+              <a:gd name="connsiteY1" fmla="*/ 118832 h 475327"/>
+              <a:gd name="connsiteX2" fmla="*/ 599992 w 837655"/>
+              <a:gd name="connsiteY2" fmla="*/ 0 h 475327"/>
+              <a:gd name="connsiteX3" fmla="*/ 837655 w 837655"/>
+              <a:gd name="connsiteY3" fmla="*/ 237664 h 475327"/>
+              <a:gd name="connsiteX4" fmla="*/ 599992 w 837655"/>
+              <a:gd name="connsiteY4" fmla="*/ 475327 h 475327"/>
+              <a:gd name="connsiteX5" fmla="*/ 599992 w 837655"/>
+              <a:gd name="connsiteY5" fmla="*/ 356495 h 475327"/>
+              <a:gd name="connsiteX6" fmla="*/ 0 w 837655"/>
+              <a:gd name="connsiteY6" fmla="*/ 356495 h 475327"/>
+              <a:gd name="connsiteX7" fmla="*/ 0 w 837655"/>
+              <a:gd name="connsiteY7" fmla="*/ 118832 h 475327"/>
+            </a:gdLst>
+            <a:ahLst/>
+            <a:cxnLst>
+              <a:cxn ang="0">
+                <a:pos x="connsiteX0" y="connsiteY0"/>
+              </a:cxn>
+              <a:cxn ang="0">
+                <a:pos x="connsiteX1" y="connsiteY1"/>
+              </a:cxn>
+              <a:cxn ang="0">
+                <a:pos x="connsiteX2" y="connsiteY2"/>
+              </a:cxn>
+              <a:cxn ang="0">
+                <a:pos x="connsiteX3" y="connsiteY3"/>
+              </a:cxn>
+              <a:cxn ang="0">
+                <a:pos x="connsiteX4" y="connsiteY4"/>
+              </a:cxn>
+              <a:cxn ang="0">
+                <a:pos x="connsiteX5" y="connsiteY5"/>
+              </a:cxn>
+              <a:cxn ang="0">
+                <a:pos x="connsiteX6" y="connsiteY6"/>
+              </a:cxn>
+              <a:cxn ang="0">
+                <a:pos x="connsiteX7" y="connsiteY7"/>
+              </a:cxn>
+            </a:cxnLst>
+            <a:rect l="l" t="t" r="r" b="b"/>
+            <a:pathLst>
+              <a:path w="837655" h="475327" extrusionOk="0">
+                <a:moveTo>
+                  <a:pt x="0" y="118832"/>
+                </a:moveTo>
+                <a:cubicBezTo>
+                  <a:pt x="259133" y="68979"/>
+                  <a:pt x="488017" y="141785"/>
+                  <a:pt x="599992" y="118832"/>
+                </a:cubicBezTo>
+                <a:cubicBezTo>
+                  <a:pt x="606571" y="60144"/>
+                  <a:pt x="597422" y="22341"/>
+                  <a:pt x="599992" y="0"/>
+                </a:cubicBezTo>
+                <a:cubicBezTo>
+                  <a:pt x="634320" y="35370"/>
+                  <a:pt x="742440" y="184852"/>
+                  <a:pt x="837655" y="237664"/>
+                </a:cubicBezTo>
+                <a:cubicBezTo>
+                  <a:pt x="821423" y="272533"/>
+                  <a:pt x="605741" y="431185"/>
+                  <a:pt x="599992" y="475327"/>
+                </a:cubicBezTo>
+                <a:cubicBezTo>
+                  <a:pt x="591597" y="456090"/>
+                  <a:pt x="609819" y="398108"/>
+                  <a:pt x="599992" y="356495"/>
+                </a:cubicBezTo>
+                <a:cubicBezTo>
+                  <a:pt x="427017" y="372800"/>
+                  <a:pt x="276104" y="408722"/>
+                  <a:pt x="0" y="356495"/>
+                </a:cubicBezTo>
+                <a:cubicBezTo>
+                  <a:pt x="11173" y="251876"/>
+                  <a:pt x="-4002" y="230626"/>
+                  <a:pt x="0" y="118832"/>
+                </a:cubicBezTo>
+                <a:close/>
+              </a:path>
+            </a:pathLst>
+          </a:custGeom>
+          <a:noFill/>
+          <a:ln w="28575">
+            <a:solidFill>
+              <a:srgbClr val="E30019"/>
+            </a:solidFill>
+            <a:extLst>
+              <a:ext uri="{C807C97D-BFC1-408E-A445-0C87EB9F89A2}">
+                <ask:lineSketchStyleProps xmlns:ask="http://schemas.microsoft.com/office/drawing/2018/sketchyshapes" sd="1363887920">
+                  <a:prstGeom prst="rightArrow">
+                    <a:avLst/>
+                  </a:prstGeom>
+                  <ask:type>
+                    <ask:lineSketchCurved/>
+                  </ask:type>
+                </ask:lineSketchStyleProps>
+              </a:ext>
+            </a:extLst>
+          </a:ln>
+        </p:spPr>
+        <p:style>
+          <a:lnRef idx="2">
+            <a:schemeClr val="accent1">
+              <a:shade val="50000"/>
+            </a:schemeClr>
+          </a:lnRef>
+          <a:fillRef idx="1">
+            <a:schemeClr val="accent1"/>
+          </a:fillRef>
+          <a:effectRef idx="0">
+            <a:schemeClr val="accent1"/>
+          </a:effectRef>
+          <a:fontRef idx="minor">
+            <a:schemeClr val="lt1"/>
+          </a:fontRef>
+        </p:style>
+        <p:txBody>
+          <a:bodyPr rtlCol="0" anchor="ctr"/>
+          <a:lstStyle/>
+          <a:p>
+            <a:pPr algn="ctr"/>
+            <a:endParaRPr lang="de-DE"/>
+          </a:p>
+        </p:txBody>
+      </p:sp>
+      <p:sp>
+        <p:nvSpPr>
+          <p:cNvPr id="4" name="Textfeld 3">
+            <a:extLst>
+              <a:ext uri="{FF2B5EF4-FFF2-40B4-BE49-F238E27FC236}">
+                <a16:creationId xmlns:a16="http://schemas.microsoft.com/office/drawing/2014/main" id="{33A4BE95-2C2E-BB6E-5BD8-D22870CA0FFE}"/>
+              </a:ext>
+            </a:extLst>
+          </p:cNvPr>
+          <p:cNvSpPr txBox="1"/>
+          <p:nvPr/>
+        </p:nvSpPr>
+        <p:spPr>
+          <a:xfrm>
+            <a:off x="339709" y="5593080"/>
+            <a:ext cx="2198054" cy="246221"/>
+          </a:xfrm>
+          <a:prstGeom prst="rect">
+            <a:avLst/>
+          </a:prstGeom>
+          <a:noFill/>
+        </p:spPr>
+        <p:txBody>
+          <a:bodyPr wrap="square" rtlCol="0">
+            <a:spAutoFit/>
+          </a:bodyPr>
+          <a:lstStyle/>
+          <a:p>
+            <a:r>
+              <a:rPr lang="de-DE" sz="1000" i="1" dirty="0">
+                <a:solidFill>
+                  <a:schemeClr val="tx1">
+                    <a:lumMod val="85000"/>
+                    <a:lumOff val="15000"/>
+                  </a:schemeClr>
+                </a:solidFill>
+              </a:rPr>
+              <a:t>Original-Datensatz (erste zehn Spalten)</a:t>
+            </a:r>
+          </a:p>
+        </p:txBody>
+      </p:sp>
+      <p:sp>
+        <p:nvSpPr>
+          <p:cNvPr id="6" name="Textfeld 5">
+            <a:extLst>
+              <a:ext uri="{FF2B5EF4-FFF2-40B4-BE49-F238E27FC236}">
+                <a16:creationId xmlns:a16="http://schemas.microsoft.com/office/drawing/2014/main" id="{572FB03E-5097-6313-94C8-7CA415A73CCF}"/>
+              </a:ext>
+            </a:extLst>
+          </p:cNvPr>
+          <p:cNvSpPr txBox="1"/>
+          <p:nvPr/>
+        </p:nvSpPr>
+        <p:spPr>
+          <a:xfrm>
+            <a:off x="9107746" y="5593080"/>
+            <a:ext cx="2744542" cy="246221"/>
+          </a:xfrm>
+          <a:prstGeom prst="rect">
+            <a:avLst/>
+          </a:prstGeom>
+          <a:noFill/>
+        </p:spPr>
+        <p:txBody>
+          <a:bodyPr wrap="square" rtlCol="0">
+            <a:spAutoFit/>
+          </a:bodyPr>
+          <a:lstStyle/>
+          <a:p>
+            <a:r>
+              <a:rPr lang="de-DE" sz="1000" i="1" dirty="0">
+                <a:solidFill>
+                  <a:schemeClr val="tx1">
+                    <a:lumMod val="85000"/>
+                    <a:lumOff val="15000"/>
+                  </a:schemeClr>
+                </a:solidFill>
+              </a:rPr>
+              <a:t>Datensatz nach Aufbereitung (erste zehn Spalten)</a:t>
+            </a:r>
+          </a:p>
+        </p:txBody>
+      </p:sp>
+    </p:spTree>
+    <p:extLst>
+      <p:ext uri="{BB962C8B-B14F-4D97-AF65-F5344CB8AC3E}">
+        <p14:creationId xmlns:p14="http://schemas.microsoft.com/office/powerpoint/2010/main" val="2293741011"/>
       </p:ext>
     </p:extLst>
   </p:cSld>

--- a/Clustering_Scikit_Learn.pptx
+++ b/Clustering_Scikit_Learn.pptx
@@ -292,7 +292,7 @@
           <a:p>
             <a:fld id="{59667570-53A1-459B-AA66-F38DF90E72D9}" type="datetimeFigureOut">
               <a:rPr lang="de-DE" smtClean="0"/>
-              <a:t>25.11.2022</a:t>
+              <a:t>26.11.2022</a:t>
             </a:fld>
             <a:endParaRPr lang="de-DE" dirty="0"/>
           </a:p>
@@ -514,7 +514,7 @@
           <a:p>
             <a:fld id="{59667570-53A1-459B-AA66-F38DF90E72D9}" type="datetimeFigureOut">
               <a:rPr lang="de-DE" smtClean="0"/>
-              <a:t>25.11.2022</a:t>
+              <a:t>26.11.2022</a:t>
             </a:fld>
             <a:endParaRPr lang="de-DE"/>
           </a:p>
@@ -722,7 +722,7 @@
           <a:p>
             <a:fld id="{59667570-53A1-459B-AA66-F38DF90E72D9}" type="datetimeFigureOut">
               <a:rPr lang="de-DE" smtClean="0"/>
-              <a:t>25.11.2022</a:t>
+              <a:t>26.11.2022</a:t>
             </a:fld>
             <a:endParaRPr lang="de-DE"/>
           </a:p>
@@ -920,7 +920,7 @@
           <a:p>
             <a:fld id="{59667570-53A1-459B-AA66-F38DF90E72D9}" type="datetimeFigureOut">
               <a:rPr lang="de-DE" smtClean="0"/>
-              <a:t>25.11.2022</a:t>
+              <a:t>26.11.2022</a:t>
             </a:fld>
             <a:endParaRPr lang="de-DE"/>
           </a:p>
@@ -1219,7 +1219,7 @@
           <a:p>
             <a:fld id="{59667570-53A1-459B-AA66-F38DF90E72D9}" type="datetimeFigureOut">
               <a:rPr lang="de-DE" smtClean="0"/>
-              <a:t>25.11.2022</a:t>
+              <a:t>26.11.2022</a:t>
             </a:fld>
             <a:endParaRPr lang="de-DE" dirty="0"/>
           </a:p>
@@ -1492,7 +1492,7 @@
           <a:p>
             <a:fld id="{59667570-53A1-459B-AA66-F38DF90E72D9}" type="datetimeFigureOut">
               <a:rPr lang="de-DE" smtClean="0"/>
-              <a:t>25.11.2022</a:t>
+              <a:t>26.11.2022</a:t>
             </a:fld>
             <a:endParaRPr lang="de-DE"/>
           </a:p>
@@ -1904,7 +1904,7 @@
           <a:p>
             <a:fld id="{59667570-53A1-459B-AA66-F38DF90E72D9}" type="datetimeFigureOut">
               <a:rPr lang="de-DE" smtClean="0"/>
-              <a:t>25.11.2022</a:t>
+              <a:t>26.11.2022</a:t>
             </a:fld>
             <a:endParaRPr lang="de-DE"/>
           </a:p>
@@ -2045,7 +2045,7 @@
           <a:p>
             <a:fld id="{59667570-53A1-459B-AA66-F38DF90E72D9}" type="datetimeFigureOut">
               <a:rPr lang="de-DE" smtClean="0"/>
-              <a:t>25.11.2022</a:t>
+              <a:t>26.11.2022</a:t>
             </a:fld>
             <a:endParaRPr lang="de-DE"/>
           </a:p>
@@ -2158,7 +2158,7 @@
           <a:p>
             <a:fld id="{59667570-53A1-459B-AA66-F38DF90E72D9}" type="datetimeFigureOut">
               <a:rPr lang="de-DE" smtClean="0"/>
-              <a:t>25.11.2022</a:t>
+              <a:t>26.11.2022</a:t>
             </a:fld>
             <a:endParaRPr lang="de-DE"/>
           </a:p>
@@ -2469,7 +2469,7 @@
           <a:p>
             <a:fld id="{59667570-53A1-459B-AA66-F38DF90E72D9}" type="datetimeFigureOut">
               <a:rPr lang="de-DE" smtClean="0"/>
-              <a:t>25.11.2022</a:t>
+              <a:t>26.11.2022</a:t>
             </a:fld>
             <a:endParaRPr lang="de-DE"/>
           </a:p>
@@ -2757,7 +2757,7 @@
           <a:p>
             <a:fld id="{59667570-53A1-459B-AA66-F38DF90E72D9}" type="datetimeFigureOut">
               <a:rPr lang="de-DE" smtClean="0"/>
-              <a:t>25.11.2022</a:t>
+              <a:t>26.11.2022</a:t>
             </a:fld>
             <a:endParaRPr lang="de-DE"/>
           </a:p>
@@ -16611,6 +16611,99 @@
               </a:lnSpc>
             </a:pPr>
             <a:r>
+              <a:rPr lang="de-DE" sz="2000" dirty="0">
+                <a:solidFill>
+                  <a:schemeClr val="tx1">
+                    <a:lumMod val="85000"/>
+                    <a:lumOff val="15000"/>
+                  </a:schemeClr>
+                </a:solidFill>
+              </a:rPr>
+              <a:t>Zu verwendete Cluster-Methode hängt von </a:t>
+            </a:r>
+            <a:r>
+              <a:rPr lang="de-DE" sz="2000" b="1" dirty="0">
+                <a:solidFill>
+                  <a:srgbClr val="FF0000"/>
+                </a:solidFill>
+              </a:rPr>
+              <a:t>Verteilung</a:t>
+            </a:r>
+            <a:r>
+              <a:rPr lang="de-DE" sz="2000" dirty="0">
+                <a:solidFill>
+                  <a:schemeClr val="tx1">
+                    <a:lumMod val="85000"/>
+                    <a:lumOff val="15000"/>
+                  </a:schemeClr>
+                </a:solidFill>
+              </a:rPr>
+              <a:t> der Daten ab</a:t>
+            </a:r>
+          </a:p>
+          <a:p>
+            <a:pPr>
+              <a:lnSpc>
+                <a:spcPct val="200000"/>
+              </a:lnSpc>
+            </a:pPr>
+            <a:r>
+              <a:rPr lang="de-DE" sz="2000" b="1" dirty="0">
+                <a:solidFill>
+                  <a:srgbClr val="FF0000"/>
+                </a:solidFill>
+              </a:rPr>
+              <a:t>Daten-Aufbereitung</a:t>
+            </a:r>
+            <a:r>
+              <a:rPr lang="de-DE" sz="2000" dirty="0">
+                <a:solidFill>
+                  <a:schemeClr val="tx1">
+                    <a:lumMod val="85000"/>
+                    <a:lumOff val="15000"/>
+                  </a:schemeClr>
+                </a:solidFill>
+              </a:rPr>
+              <a:t> daher von zentraler Bedeutung</a:t>
+            </a:r>
+          </a:p>
+          <a:p>
+            <a:pPr>
+              <a:lnSpc>
+                <a:spcPct val="200000"/>
+              </a:lnSpc>
+            </a:pPr>
+            <a:r>
+              <a:rPr lang="de-DE" sz="2000" dirty="0">
+                <a:solidFill>
+                  <a:schemeClr val="tx1">
+                    <a:lumMod val="85000"/>
+                    <a:lumOff val="15000"/>
+                  </a:schemeClr>
+                </a:solidFill>
+              </a:rPr>
+              <a:t>Der </a:t>
+            </a:r>
+            <a:r>
+              <a:rPr lang="de-DE" sz="2000" b="1" dirty="0">
+                <a:solidFill>
+                  <a:srgbClr val="FF0000"/>
+                </a:solidFill>
+              </a:rPr>
+              <a:t>Silhouette-Score</a:t>
+            </a:r>
+            <a:r>
+              <a:rPr lang="de-DE" sz="2000" dirty="0">
+                <a:solidFill>
+                  <a:schemeClr val="tx1">
+                    <a:lumMod val="85000"/>
+                    <a:lumOff val="15000"/>
+                  </a:schemeClr>
+                </a:solidFill>
+              </a:rPr>
+              <a:t> ist eine wichtige Metrik zur Bewertung des </a:t>
+            </a:r>
+            <a:r>
               <a:rPr lang="de-DE" sz="2000" dirty="0" err="1">
                 <a:solidFill>
                   <a:schemeClr val="tx1">
@@ -16619,8 +16712,23 @@
                   </a:schemeClr>
                 </a:solidFill>
               </a:rPr>
-              <a:t>Lorem</a:t>
-            </a:r>
+              <a:t>Clusterings</a:t>
+            </a:r>
+            <a:endParaRPr lang="de-DE" sz="2000" dirty="0">
+              <a:solidFill>
+                <a:schemeClr val="tx1">
+                  <a:lumMod val="85000"/>
+                  <a:lumOff val="15000"/>
+                </a:schemeClr>
+              </a:solidFill>
+            </a:endParaRPr>
+          </a:p>
+          <a:p>
+            <a:pPr>
+              <a:lnSpc>
+                <a:spcPct val="200000"/>
+              </a:lnSpc>
+            </a:pPr>
             <a:r>
               <a:rPr lang="de-DE" sz="2000" dirty="0">
                 <a:solidFill>
@@ -16630,7 +16738,55 @@
                   </a:schemeClr>
                 </a:solidFill>
               </a:rPr>
-              <a:t> Ipsum</a:t>
+              <a:t>Weitere mögliche Cluster-Methoden: </a:t>
+            </a:r>
+            <a:r>
+              <a:rPr lang="de-DE" sz="2000" b="1" dirty="0">
+                <a:solidFill>
+                  <a:srgbClr val="FF0000"/>
+                </a:solidFill>
+              </a:rPr>
+              <a:t>GMM, DBSCAN</a:t>
+            </a:r>
+            <a:r>
+              <a:rPr lang="de-DE" sz="2000" dirty="0">
+                <a:solidFill>
+                  <a:schemeClr val="tx1">
+                    <a:lumMod val="85000"/>
+                    <a:lumOff val="15000"/>
+                  </a:schemeClr>
+                </a:solidFill>
+              </a:rPr>
+              <a:t>, …</a:t>
+            </a:r>
+          </a:p>
+          <a:p>
+            <a:pPr>
+              <a:lnSpc>
+                <a:spcPct val="200000"/>
+              </a:lnSpc>
+            </a:pPr>
+            <a:r>
+              <a:rPr lang="de-DE" sz="2000" u="sng" dirty="0">
+                <a:solidFill>
+                  <a:schemeClr val="tx1">
+                    <a:lumMod val="85000"/>
+                    <a:lumOff val="15000"/>
+                  </a:schemeClr>
+                </a:solidFill>
+              </a:rPr>
+              <a:t>Relevant:</a:t>
+            </a:r>
+            <a:r>
+              <a:rPr lang="de-DE" sz="2000" dirty="0">
+                <a:solidFill>
+                  <a:schemeClr val="tx1">
+                    <a:lumMod val="85000"/>
+                    <a:lumOff val="15000"/>
+                  </a:schemeClr>
+                </a:solidFill>
+              </a:rPr>
+              <a:t> Interpretation des Ergebnisses</a:t>
             </a:r>
           </a:p>
         </p:txBody>

--- a/Clustering_Scikit_Learn.pptx
+++ b/Clustering_Scikit_Learn.pptx
@@ -292,7 +292,7 @@
           <a:p>
             <a:fld id="{59667570-53A1-459B-AA66-F38DF90E72D9}" type="datetimeFigureOut">
               <a:rPr lang="de-DE" smtClean="0"/>
-              <a:t>26.11.2022</a:t>
+              <a:t>29.11.2022</a:t>
             </a:fld>
             <a:endParaRPr lang="de-DE" dirty="0"/>
           </a:p>
@@ -514,7 +514,7 @@
           <a:p>
             <a:fld id="{59667570-53A1-459B-AA66-F38DF90E72D9}" type="datetimeFigureOut">
               <a:rPr lang="de-DE" smtClean="0"/>
-              <a:t>26.11.2022</a:t>
+              <a:t>29.11.2022</a:t>
             </a:fld>
             <a:endParaRPr lang="de-DE"/>
           </a:p>
@@ -722,7 +722,7 @@
           <a:p>
             <a:fld id="{59667570-53A1-459B-AA66-F38DF90E72D9}" type="datetimeFigureOut">
               <a:rPr lang="de-DE" smtClean="0"/>
-              <a:t>26.11.2022</a:t>
+              <a:t>29.11.2022</a:t>
             </a:fld>
             <a:endParaRPr lang="de-DE"/>
           </a:p>
@@ -920,7 +920,7 @@
           <a:p>
             <a:fld id="{59667570-53A1-459B-AA66-F38DF90E72D9}" type="datetimeFigureOut">
               <a:rPr lang="de-DE" smtClean="0"/>
-              <a:t>26.11.2022</a:t>
+              <a:t>29.11.2022</a:t>
             </a:fld>
             <a:endParaRPr lang="de-DE"/>
           </a:p>
@@ -1219,7 +1219,7 @@
           <a:p>
             <a:fld id="{59667570-53A1-459B-AA66-F38DF90E72D9}" type="datetimeFigureOut">
               <a:rPr lang="de-DE" smtClean="0"/>
-              <a:t>26.11.2022</a:t>
+              <a:t>29.11.2022</a:t>
             </a:fld>
             <a:endParaRPr lang="de-DE" dirty="0"/>
           </a:p>
@@ -1492,7 +1492,7 @@
           <a:p>
             <a:fld id="{59667570-53A1-459B-AA66-F38DF90E72D9}" type="datetimeFigureOut">
               <a:rPr lang="de-DE" smtClean="0"/>
-              <a:t>26.11.2022</a:t>
+              <a:t>29.11.2022</a:t>
             </a:fld>
             <a:endParaRPr lang="de-DE"/>
           </a:p>
@@ -1904,7 +1904,7 @@
           <a:p>
             <a:fld id="{59667570-53A1-459B-AA66-F38DF90E72D9}" type="datetimeFigureOut">
               <a:rPr lang="de-DE" smtClean="0"/>
-              <a:t>26.11.2022</a:t>
+              <a:t>29.11.2022</a:t>
             </a:fld>
             <a:endParaRPr lang="de-DE"/>
           </a:p>
@@ -2045,7 +2045,7 @@
           <a:p>
             <a:fld id="{59667570-53A1-459B-AA66-F38DF90E72D9}" type="datetimeFigureOut">
               <a:rPr lang="de-DE" smtClean="0"/>
-              <a:t>26.11.2022</a:t>
+              <a:t>29.11.2022</a:t>
             </a:fld>
             <a:endParaRPr lang="de-DE"/>
           </a:p>
@@ -2158,7 +2158,7 @@
           <a:p>
             <a:fld id="{59667570-53A1-459B-AA66-F38DF90E72D9}" type="datetimeFigureOut">
               <a:rPr lang="de-DE" smtClean="0"/>
-              <a:t>26.11.2022</a:t>
+              <a:t>29.11.2022</a:t>
             </a:fld>
             <a:endParaRPr lang="de-DE"/>
           </a:p>
@@ -2469,7 +2469,7 @@
           <a:p>
             <a:fld id="{59667570-53A1-459B-AA66-F38DF90E72D9}" type="datetimeFigureOut">
               <a:rPr lang="de-DE" smtClean="0"/>
-              <a:t>26.11.2022</a:t>
+              <a:t>29.11.2022</a:t>
             </a:fld>
             <a:endParaRPr lang="de-DE"/>
           </a:p>
@@ -2757,7 +2757,7 @@
           <a:p>
             <a:fld id="{59667570-53A1-459B-AA66-F38DF90E72D9}" type="datetimeFigureOut">
               <a:rPr lang="de-DE" smtClean="0"/>
-              <a:t>26.11.2022</a:t>
+              <a:t>29.11.2022</a:t>
             </a:fld>
             <a:endParaRPr lang="de-DE"/>
           </a:p>
@@ -7288,7 +7288,7 @@
                   </a:schemeClr>
                 </a:solidFill>
               </a:rPr>
-              <a:t>Original-Datensatz (erste zehn Spalten)</a:t>
+              <a:t>Original-Datensatz (erste zehn Zeilen)</a:t>
             </a:r>
           </a:p>
         </p:txBody>
@@ -7307,8 +7307,8 @@
         </p:nvSpPr>
         <p:spPr>
           <a:xfrm>
-            <a:off x="9107746" y="5593080"/>
-            <a:ext cx="2744542" cy="246221"/>
+            <a:off x="9208450" y="5593080"/>
+            <a:ext cx="2643837" cy="246221"/>
           </a:xfrm>
           <a:prstGeom prst="rect">
             <a:avLst/>
@@ -7330,7 +7330,7 @@
                   </a:schemeClr>
                 </a:solidFill>
               </a:rPr>
-              <a:t>Datensatz nach Aufbereitung (erste zehn Spalten)</a:t>
+              <a:t>Datensatz nach Aufbereitung (erste zehn Zeilen)</a:t>
             </a:r>
           </a:p>
         </p:txBody>
@@ -14627,6 +14627,26 @@
                   </a:schemeClr>
                 </a:solidFill>
               </a:rPr>
+              <a:t>Fazit</a:t>
+            </a:r>
+          </a:p>
+          <a:p>
+            <a:pPr marL="514350" indent="-514350">
+              <a:lnSpc>
+                <a:spcPct val="150000"/>
+              </a:lnSpc>
+              <a:buFont typeface="+mj-lt"/>
+              <a:buAutoNum type="arabicPeriod"/>
+            </a:pPr>
+            <a:r>
+              <a:rPr lang="de-DE" sz="1800" dirty="0">
+                <a:solidFill>
+                  <a:schemeClr val="tx1">
+                    <a:lumMod val="85000"/>
+                    <a:lumOff val="15000"/>
+                  </a:schemeClr>
+                </a:solidFill>
+              </a:rPr>
               <a:t>Kritische Reflexion </a:t>
             </a:r>
             <a:r>
@@ -14658,17 +14678,14 @@
               <a:buFont typeface="+mj-lt"/>
               <a:buAutoNum type="arabicPeriod"/>
             </a:pPr>
-            <a:r>
-              <a:rPr lang="de-DE" sz="1800" dirty="0">
-                <a:solidFill>
-                  <a:schemeClr val="tx1">
-                    <a:lumMod val="85000"/>
-                    <a:lumOff val="15000"/>
-                  </a:schemeClr>
-                </a:solidFill>
-              </a:rPr>
-              <a:t>Fazit</a:t>
-            </a:r>
+            <a:endParaRPr lang="de-DE" sz="1800" dirty="0">
+              <a:solidFill>
+                <a:schemeClr val="tx1">
+                  <a:lumMod val="85000"/>
+                  <a:lumOff val="15000"/>
+                </a:schemeClr>
+              </a:solidFill>
+            </a:endParaRPr>
           </a:p>
         </p:txBody>
       </p:sp>

--- a/Clustering_Scikit_Learn.pptx
+++ b/Clustering_Scikit_Learn.pptx
@@ -4426,7 +4426,7 @@
           <p:nvPr>
             <p:extLst>
               <p:ext uri="{D42A27DB-BD31-4B8C-83A1-F6EECF244321}">
-                <p14:modId xmlns:p14="http://schemas.microsoft.com/office/powerpoint/2010/main" val="3808153407"/>
+                <p14:modId xmlns:p14="http://schemas.microsoft.com/office/powerpoint/2010/main" val="317242334"/>
               </p:ext>
             </p:extLst>
           </p:nvPr>
@@ -5976,7 +5976,7 @@
                     <a:p>
                       <a:pPr algn="ctr"/>
                       <a:r>
-                        <a:rPr lang="de-DE" sz="1050">
+                        <a:rPr lang="de-DE" sz="1050" dirty="0">
                           <a:effectLst/>
                         </a:rPr>
                         <a:t>35</a:t>
@@ -22429,15 +22429,18 @@
                   <a:srgbClr val="E30019"/>
                 </a:solidFill>
               </a:rPr>
-              <a:t>Data </a:t>
-            </a:r>
-            <a:r>
-              <a:rPr lang="de-DE" sz="1800" b="1" dirty="0" err="1">
-                <a:solidFill>
-                  <a:srgbClr val="E30019"/>
-                </a:solidFill>
-              </a:rPr>
-              <a:t>Normalization</a:t>
+              <a:t>Data Integration</a:t>
+            </a:r>
+            <a:r>
+              <a:rPr lang="de-DE" sz="1800" dirty="0">
+                <a:solidFill>
+                  <a:schemeClr val="tx1">
+                    <a:lumMod val="85000"/>
+                    <a:lumOff val="15000"/>
+                  </a:schemeClr>
+                </a:solidFill>
+              </a:rPr>
+              <a:t>, z.B. Volumen ausrechnen</a:t>
             </a:r>
             <a:endParaRPr lang="de-DE" sz="1800" b="1" dirty="0">
               <a:solidFill>
@@ -22457,43 +22460,17 @@
                   <a:srgbClr val="E30019"/>
                 </a:solidFill>
               </a:rPr>
-              <a:t>Data Integration </a:t>
-            </a:r>
-            <a:r>
-              <a:rPr lang="de-DE" sz="1800" dirty="0">
-                <a:solidFill>
-                  <a:schemeClr val="tx1">
-                    <a:lumMod val="85000"/>
-                    <a:lumOff val="15000"/>
-                  </a:schemeClr>
-                </a:solidFill>
-              </a:rPr>
-              <a:t>=&gt; Volumen ausrechnen</a:t>
-            </a:r>
-          </a:p>
-          <a:p>
-            <a:pPr lvl="1">
-              <a:lnSpc>
-                <a:spcPct val="200000"/>
-              </a:lnSpc>
-            </a:pPr>
-            <a:r>
-              <a:rPr lang="de-DE" sz="1800" b="1" strike="sngStrike" dirty="0">
+              <a:t>Data </a:t>
+            </a:r>
+            <a:r>
+              <a:rPr lang="de-DE" sz="1800" b="1" dirty="0" err="1">
                 <a:solidFill>
                   <a:srgbClr val="E30019"/>
                 </a:solidFill>
               </a:rPr>
-              <a:t>Noise </a:t>
-            </a:r>
-            <a:r>
-              <a:rPr lang="de-DE" sz="1800" b="1" strike="sngStrike" dirty="0" err="1">
-                <a:solidFill>
-                  <a:srgbClr val="E30019"/>
-                </a:solidFill>
-              </a:rPr>
-              <a:t>identification</a:t>
-            </a:r>
-            <a:endParaRPr lang="de-DE" sz="1800" b="1" strike="sngStrike" dirty="0">
+              <a:t>Normalization</a:t>
+            </a:r>
+            <a:endParaRPr lang="de-DE" sz="1800" b="1" dirty="0">
               <a:solidFill>
                 <a:srgbClr val="E30019"/>
               </a:solidFill>
